--- a/Presentation/PresentationV2.pptx
+++ b/Presentation/PresentationV2.pptx
@@ -17659,1064 +17659,6 @@
           </a:p>
         </p:txBody>
       </p:sp>
-      <p:cxnSp>
-        <p:nvCxnSpPr>
-          <p:cNvPr id="100" name="Connector: Curved 99">
-            <a:extLst>
-              <a:ext uri="{FF2B5EF4-FFF2-40B4-BE49-F238E27FC236}">
-                <a16:creationId xmlns:a16="http://schemas.microsoft.com/office/drawing/2014/main" id="{089A4C22-AEE9-3FAD-61E7-53D43E9DC04F}"/>
-              </a:ext>
-            </a:extLst>
-          </p:cNvPr>
-          <p:cNvCxnSpPr>
-            <a:cxnSpLocks/>
-          </p:cNvCxnSpPr>
-          <p:nvPr/>
-        </p:nvCxnSpPr>
-        <p:spPr>
-          <a:xfrm flipV="1">
-            <a:off x="6219027" y="3925217"/>
-            <a:ext cx="1852865" cy="1062788"/>
-          </a:xfrm>
-          <a:prstGeom prst="curvedConnector3">
-            <a:avLst>
-              <a:gd name="adj1" fmla="val -22727"/>
-            </a:avLst>
-          </a:prstGeom>
-          <a:ln>
-            <a:solidFill>
-              <a:schemeClr val="bg2">
-                <a:lumMod val="75000"/>
-              </a:schemeClr>
-            </a:solidFill>
-            <a:tailEnd type="triangle"/>
-          </a:ln>
-        </p:spPr>
-        <p:style>
-          <a:lnRef idx="1">
-            <a:schemeClr val="dk1"/>
-          </a:lnRef>
-          <a:fillRef idx="0">
-            <a:schemeClr val="dk1"/>
-          </a:fillRef>
-          <a:effectRef idx="0">
-            <a:schemeClr val="dk1"/>
-          </a:effectRef>
-          <a:fontRef idx="minor">
-            <a:schemeClr val="tx1"/>
-          </a:fontRef>
-        </p:style>
-      </p:cxnSp>
-      <p:sp>
-        <p:nvSpPr>
-          <p:cNvPr id="101" name="Freeform: Shape 100">
-            <a:extLst>
-              <a:ext uri="{FF2B5EF4-FFF2-40B4-BE49-F238E27FC236}">
-                <a16:creationId xmlns:a16="http://schemas.microsoft.com/office/drawing/2014/main" id="{DE65793C-CC37-121E-5A6A-E0C0390CBEDA}"/>
-              </a:ext>
-            </a:extLst>
-          </p:cNvPr>
-          <p:cNvSpPr/>
-          <p:nvPr/>
-        </p:nvSpPr>
-        <p:spPr>
-          <a:xfrm>
-            <a:off x="7145459" y="2196677"/>
-            <a:ext cx="320838" cy="3043978"/>
-          </a:xfrm>
-          <a:custGeom>
-            <a:avLst/>
-            <a:gdLst>
-              <a:gd name="connsiteX0" fmla="*/ 1781445 w 1781445"/>
-              <a:gd name="connsiteY0" fmla="*/ 0 h 2823410"/>
-              <a:gd name="connsiteX1" fmla="*/ 771 w 1781445"/>
-              <a:gd name="connsiteY1" fmla="*/ 1588168 h 2823410"/>
-              <a:gd name="connsiteX2" fmla="*/ 1604982 w 1781445"/>
-              <a:gd name="connsiteY2" fmla="*/ 2823410 h 2823410"/>
-            </a:gdLst>
-            <a:ahLst/>
-            <a:cxnLst>
-              <a:cxn ang="0">
-                <a:pos x="connsiteX0" y="connsiteY0"/>
-              </a:cxn>
-              <a:cxn ang="0">
-                <a:pos x="connsiteX1" y="connsiteY1"/>
-              </a:cxn>
-              <a:cxn ang="0">
-                <a:pos x="connsiteX2" y="connsiteY2"/>
-              </a:cxn>
-            </a:cxnLst>
-            <a:rect l="l" t="t" r="r" b="b"/>
-            <a:pathLst>
-              <a:path w="1781445" h="2823410">
-                <a:moveTo>
-                  <a:pt x="1781445" y="0"/>
-                </a:moveTo>
-                <a:cubicBezTo>
-                  <a:pt x="905813" y="558800"/>
-                  <a:pt x="30181" y="1117600"/>
-                  <a:pt x="771" y="1588168"/>
-                </a:cubicBezTo>
-                <a:cubicBezTo>
-                  <a:pt x="-28639" y="2058736"/>
-                  <a:pt x="788171" y="2441073"/>
-                  <a:pt x="1604982" y="2823410"/>
-                </a:cubicBezTo>
-              </a:path>
-            </a:pathLst>
-          </a:custGeom>
-          <a:ln>
-            <a:solidFill>
-              <a:schemeClr val="bg2">
-                <a:lumMod val="75000"/>
-              </a:schemeClr>
-            </a:solidFill>
-          </a:ln>
-        </p:spPr>
-        <p:style>
-          <a:lnRef idx="1">
-            <a:schemeClr val="dk1"/>
-          </a:lnRef>
-          <a:fillRef idx="0">
-            <a:schemeClr val="dk1"/>
-          </a:fillRef>
-          <a:effectRef idx="0">
-            <a:schemeClr val="dk1"/>
-          </a:effectRef>
-          <a:fontRef idx="minor">
-            <a:schemeClr val="tx1"/>
-          </a:fontRef>
-        </p:style>
-        <p:txBody>
-          <a:bodyPr rtlCol="0" anchor="ctr"/>
-          <a:lstStyle/>
-          <a:p>
-            <a:pPr algn="ctr"/>
-            <a:endParaRPr lang="en-GB"/>
-          </a:p>
-        </p:txBody>
-      </p:sp>
-      <p:cxnSp>
-        <p:nvCxnSpPr>
-          <p:cNvPr id="102" name="Connector: Curved 101">
-            <a:extLst>
-              <a:ext uri="{FF2B5EF4-FFF2-40B4-BE49-F238E27FC236}">
-                <a16:creationId xmlns:a16="http://schemas.microsoft.com/office/drawing/2014/main" id="{88FB7568-D321-2072-ED9D-CCC54EE1D8DC}"/>
-              </a:ext>
-            </a:extLst>
-          </p:cNvPr>
-          <p:cNvCxnSpPr>
-            <a:cxnSpLocks/>
-          </p:cNvCxnSpPr>
-          <p:nvPr/>
-        </p:nvCxnSpPr>
-        <p:spPr>
-          <a:xfrm flipV="1">
-            <a:off x="6162880" y="1847758"/>
-            <a:ext cx="1852865" cy="1062788"/>
-          </a:xfrm>
-          <a:prstGeom prst="curvedConnector3">
-            <a:avLst>
-              <a:gd name="adj1" fmla="val -22727"/>
-            </a:avLst>
-          </a:prstGeom>
-          <a:ln>
-            <a:solidFill>
-              <a:schemeClr val="bg2">
-                <a:lumMod val="75000"/>
-              </a:schemeClr>
-            </a:solidFill>
-            <a:tailEnd type="triangle"/>
-          </a:ln>
-        </p:spPr>
-        <p:style>
-          <a:lnRef idx="1">
-            <a:schemeClr val="dk1"/>
-          </a:lnRef>
-          <a:fillRef idx="0">
-            <a:schemeClr val="dk1"/>
-          </a:fillRef>
-          <a:effectRef idx="0">
-            <a:schemeClr val="dk1"/>
-          </a:effectRef>
-          <a:fontRef idx="minor">
-            <a:schemeClr val="tx1"/>
-          </a:fontRef>
-        </p:style>
-      </p:cxnSp>
-      <p:cxnSp>
-        <p:nvCxnSpPr>
-          <p:cNvPr id="103" name="Connector: Curved 102">
-            <a:extLst>
-              <a:ext uri="{FF2B5EF4-FFF2-40B4-BE49-F238E27FC236}">
-                <a16:creationId xmlns:a16="http://schemas.microsoft.com/office/drawing/2014/main" id="{356D897F-E19C-B2FF-BB18-D3176A844B40}"/>
-              </a:ext>
-            </a:extLst>
-          </p:cNvPr>
-          <p:cNvCxnSpPr>
-            <a:cxnSpLocks/>
-          </p:cNvCxnSpPr>
-          <p:nvPr/>
-        </p:nvCxnSpPr>
-        <p:spPr>
-          <a:xfrm flipV="1">
-            <a:off x="6122777" y="4959925"/>
-            <a:ext cx="1852865" cy="1062788"/>
-          </a:xfrm>
-          <a:prstGeom prst="curvedConnector3">
-            <a:avLst>
-              <a:gd name="adj1" fmla="val -22727"/>
-            </a:avLst>
-          </a:prstGeom>
-          <a:ln>
-            <a:solidFill>
-              <a:schemeClr val="bg2">
-                <a:lumMod val="75000"/>
-              </a:schemeClr>
-            </a:solidFill>
-            <a:tailEnd type="triangle"/>
-          </a:ln>
-        </p:spPr>
-        <p:style>
-          <a:lnRef idx="1">
-            <a:schemeClr val="dk1"/>
-          </a:lnRef>
-          <a:fillRef idx="0">
-            <a:schemeClr val="dk1"/>
-          </a:fillRef>
-          <a:effectRef idx="0">
-            <a:schemeClr val="dk1"/>
-          </a:effectRef>
-          <a:fontRef idx="minor">
-            <a:schemeClr val="tx1"/>
-          </a:fontRef>
-        </p:style>
-      </p:cxnSp>
-      <p:sp>
-        <p:nvSpPr>
-          <p:cNvPr id="104" name="Freeform: Shape 103">
-            <a:extLst>
-              <a:ext uri="{FF2B5EF4-FFF2-40B4-BE49-F238E27FC236}">
-                <a16:creationId xmlns:a16="http://schemas.microsoft.com/office/drawing/2014/main" id="{FD59235D-43B0-B85F-4EE3-D5C782C2138B}"/>
-              </a:ext>
-            </a:extLst>
-          </p:cNvPr>
-          <p:cNvSpPr/>
-          <p:nvPr/>
-        </p:nvSpPr>
-        <p:spPr>
-          <a:xfrm>
-            <a:off x="7710947" y="1915947"/>
-            <a:ext cx="320838" cy="3043978"/>
-          </a:xfrm>
-          <a:custGeom>
-            <a:avLst/>
-            <a:gdLst>
-              <a:gd name="connsiteX0" fmla="*/ 1781445 w 1781445"/>
-              <a:gd name="connsiteY0" fmla="*/ 0 h 2823410"/>
-              <a:gd name="connsiteX1" fmla="*/ 771 w 1781445"/>
-              <a:gd name="connsiteY1" fmla="*/ 1588168 h 2823410"/>
-              <a:gd name="connsiteX2" fmla="*/ 1604982 w 1781445"/>
-              <a:gd name="connsiteY2" fmla="*/ 2823410 h 2823410"/>
-            </a:gdLst>
-            <a:ahLst/>
-            <a:cxnLst>
-              <a:cxn ang="0">
-                <a:pos x="connsiteX0" y="connsiteY0"/>
-              </a:cxn>
-              <a:cxn ang="0">
-                <a:pos x="connsiteX1" y="connsiteY1"/>
-              </a:cxn>
-              <a:cxn ang="0">
-                <a:pos x="connsiteX2" y="connsiteY2"/>
-              </a:cxn>
-            </a:cxnLst>
-            <a:rect l="l" t="t" r="r" b="b"/>
-            <a:pathLst>
-              <a:path w="1781445" h="2823410">
-                <a:moveTo>
-                  <a:pt x="1781445" y="0"/>
-                </a:moveTo>
-                <a:cubicBezTo>
-                  <a:pt x="905813" y="558800"/>
-                  <a:pt x="30181" y="1117600"/>
-                  <a:pt x="771" y="1588168"/>
-                </a:cubicBezTo>
-                <a:cubicBezTo>
-                  <a:pt x="-28639" y="2058736"/>
-                  <a:pt x="788171" y="2441073"/>
-                  <a:pt x="1604982" y="2823410"/>
-                </a:cubicBezTo>
-              </a:path>
-            </a:pathLst>
-          </a:custGeom>
-          <a:ln>
-            <a:solidFill>
-              <a:schemeClr val="bg2">
-                <a:lumMod val="75000"/>
-              </a:schemeClr>
-            </a:solidFill>
-          </a:ln>
-        </p:spPr>
-        <p:style>
-          <a:lnRef idx="1">
-            <a:schemeClr val="dk1"/>
-          </a:lnRef>
-          <a:fillRef idx="0">
-            <a:schemeClr val="dk1"/>
-          </a:fillRef>
-          <a:effectRef idx="0">
-            <a:schemeClr val="dk1"/>
-          </a:effectRef>
-          <a:fontRef idx="minor">
-            <a:schemeClr val="tx1"/>
-          </a:fontRef>
-        </p:style>
-        <p:txBody>
-          <a:bodyPr rtlCol="0" anchor="ctr"/>
-          <a:lstStyle/>
-          <a:p>
-            <a:pPr algn="ctr"/>
-            <a:endParaRPr lang="en-GB"/>
-          </a:p>
-        </p:txBody>
-      </p:sp>
-      <p:sp>
-        <p:nvSpPr>
-          <p:cNvPr id="105" name="Freeform: Shape 104">
-            <a:extLst>
-              <a:ext uri="{FF2B5EF4-FFF2-40B4-BE49-F238E27FC236}">
-                <a16:creationId xmlns:a16="http://schemas.microsoft.com/office/drawing/2014/main" id="{8FD426A5-756E-5D51-AABA-5C3AAC5B479F}"/>
-              </a:ext>
-            </a:extLst>
-          </p:cNvPr>
-          <p:cNvSpPr/>
-          <p:nvPr/>
-        </p:nvSpPr>
-        <p:spPr>
-          <a:xfrm>
-            <a:off x="5842041" y="2858409"/>
-            <a:ext cx="320838" cy="3043978"/>
-          </a:xfrm>
-          <a:custGeom>
-            <a:avLst/>
-            <a:gdLst>
-              <a:gd name="connsiteX0" fmla="*/ 1781445 w 1781445"/>
-              <a:gd name="connsiteY0" fmla="*/ 0 h 2823410"/>
-              <a:gd name="connsiteX1" fmla="*/ 771 w 1781445"/>
-              <a:gd name="connsiteY1" fmla="*/ 1588168 h 2823410"/>
-              <a:gd name="connsiteX2" fmla="*/ 1604982 w 1781445"/>
-              <a:gd name="connsiteY2" fmla="*/ 2823410 h 2823410"/>
-            </a:gdLst>
-            <a:ahLst/>
-            <a:cxnLst>
-              <a:cxn ang="0">
-                <a:pos x="connsiteX0" y="connsiteY0"/>
-              </a:cxn>
-              <a:cxn ang="0">
-                <a:pos x="connsiteX1" y="connsiteY1"/>
-              </a:cxn>
-              <a:cxn ang="0">
-                <a:pos x="connsiteX2" y="connsiteY2"/>
-              </a:cxn>
-            </a:cxnLst>
-            <a:rect l="l" t="t" r="r" b="b"/>
-            <a:pathLst>
-              <a:path w="1781445" h="2823410">
-                <a:moveTo>
-                  <a:pt x="1781445" y="0"/>
-                </a:moveTo>
-                <a:cubicBezTo>
-                  <a:pt x="905813" y="558800"/>
-                  <a:pt x="30181" y="1117600"/>
-                  <a:pt x="771" y="1588168"/>
-                </a:cubicBezTo>
-                <a:cubicBezTo>
-                  <a:pt x="-28639" y="2058736"/>
-                  <a:pt x="788171" y="2441073"/>
-                  <a:pt x="1604982" y="2823410"/>
-                </a:cubicBezTo>
-              </a:path>
-            </a:pathLst>
-          </a:custGeom>
-          <a:ln>
-            <a:solidFill>
-              <a:schemeClr val="bg2">
-                <a:lumMod val="75000"/>
-              </a:schemeClr>
-            </a:solidFill>
-          </a:ln>
-        </p:spPr>
-        <p:style>
-          <a:lnRef idx="1">
-            <a:schemeClr val="dk1"/>
-          </a:lnRef>
-          <a:fillRef idx="0">
-            <a:schemeClr val="dk1"/>
-          </a:fillRef>
-          <a:effectRef idx="0">
-            <a:schemeClr val="dk1"/>
-          </a:effectRef>
-          <a:fontRef idx="minor">
-            <a:schemeClr val="tx1"/>
-          </a:fontRef>
-        </p:style>
-        <p:txBody>
-          <a:bodyPr rtlCol="0" anchor="ctr"/>
-          <a:lstStyle/>
-          <a:p>
-            <a:pPr algn="ctr"/>
-            <a:endParaRPr lang="en-GB"/>
-          </a:p>
-        </p:txBody>
-      </p:sp>
-      <p:cxnSp>
-        <p:nvCxnSpPr>
-          <p:cNvPr id="106" name="Straight Connector 105">
-            <a:extLst>
-              <a:ext uri="{FF2B5EF4-FFF2-40B4-BE49-F238E27FC236}">
-                <a16:creationId xmlns:a16="http://schemas.microsoft.com/office/drawing/2014/main" id="{0E00281F-2D15-6B56-7BB6-C650B9823550}"/>
-              </a:ext>
-            </a:extLst>
-          </p:cNvPr>
-          <p:cNvCxnSpPr/>
-          <p:nvPr/>
-        </p:nvCxnSpPr>
-        <p:spPr>
-          <a:xfrm flipV="1">
-            <a:off x="6146839" y="2862420"/>
-            <a:ext cx="0" cy="3104148"/>
-          </a:xfrm>
-          <a:prstGeom prst="line">
-            <a:avLst/>
-          </a:prstGeom>
-        </p:spPr>
-        <p:style>
-          <a:lnRef idx="1">
-            <a:schemeClr val="dk1"/>
-          </a:lnRef>
-          <a:fillRef idx="0">
-            <a:schemeClr val="dk1"/>
-          </a:fillRef>
-          <a:effectRef idx="0">
-            <a:schemeClr val="dk1"/>
-          </a:effectRef>
-          <a:fontRef idx="minor">
-            <a:schemeClr val="tx1"/>
-          </a:fontRef>
-        </p:style>
-      </p:cxnSp>
-      <p:cxnSp>
-        <p:nvCxnSpPr>
-          <p:cNvPr id="107" name="Straight Connector 106">
-            <a:extLst>
-              <a:ext uri="{FF2B5EF4-FFF2-40B4-BE49-F238E27FC236}">
-                <a16:creationId xmlns:a16="http://schemas.microsoft.com/office/drawing/2014/main" id="{58691F6F-0587-1016-80B5-88DDCFF291A0}"/>
-              </a:ext>
-            </a:extLst>
-          </p:cNvPr>
-          <p:cNvCxnSpPr/>
-          <p:nvPr/>
-        </p:nvCxnSpPr>
-        <p:spPr>
-          <a:xfrm flipV="1">
-            <a:off x="6780502" y="2573662"/>
-            <a:ext cx="0" cy="3104148"/>
-          </a:xfrm>
-          <a:prstGeom prst="line">
-            <a:avLst/>
-          </a:prstGeom>
-        </p:spPr>
-        <p:style>
-          <a:lnRef idx="1">
-            <a:schemeClr val="dk1"/>
-          </a:lnRef>
-          <a:fillRef idx="0">
-            <a:schemeClr val="dk1"/>
-          </a:fillRef>
-          <a:effectRef idx="0">
-            <a:schemeClr val="dk1"/>
-          </a:effectRef>
-          <a:fontRef idx="minor">
-            <a:schemeClr val="tx1"/>
-          </a:fontRef>
-        </p:style>
-      </p:cxnSp>
-      <p:cxnSp>
-        <p:nvCxnSpPr>
-          <p:cNvPr id="108" name="Straight Connector 107">
-            <a:extLst>
-              <a:ext uri="{FF2B5EF4-FFF2-40B4-BE49-F238E27FC236}">
-                <a16:creationId xmlns:a16="http://schemas.microsoft.com/office/drawing/2014/main" id="{3BD37F73-DE2D-AFB9-5094-9E559E7245BA}"/>
-              </a:ext>
-            </a:extLst>
-          </p:cNvPr>
-          <p:cNvCxnSpPr/>
-          <p:nvPr/>
-        </p:nvCxnSpPr>
-        <p:spPr>
-          <a:xfrm flipV="1">
-            <a:off x="7430208" y="2220736"/>
-            <a:ext cx="0" cy="3104148"/>
-          </a:xfrm>
-          <a:prstGeom prst="line">
-            <a:avLst/>
-          </a:prstGeom>
-        </p:spPr>
-        <p:style>
-          <a:lnRef idx="1">
-            <a:schemeClr val="dk1"/>
-          </a:lnRef>
-          <a:fillRef idx="0">
-            <a:schemeClr val="dk1"/>
-          </a:fillRef>
-          <a:effectRef idx="0">
-            <a:schemeClr val="dk1"/>
-          </a:effectRef>
-          <a:fontRef idx="minor">
-            <a:schemeClr val="tx1"/>
-          </a:fontRef>
-        </p:style>
-      </p:cxnSp>
-      <p:cxnSp>
-        <p:nvCxnSpPr>
-          <p:cNvPr id="109" name="Straight Connector 108">
-            <a:extLst>
-              <a:ext uri="{FF2B5EF4-FFF2-40B4-BE49-F238E27FC236}">
-                <a16:creationId xmlns:a16="http://schemas.microsoft.com/office/drawing/2014/main" id="{57C192F8-699C-1247-CFD2-71C9F4E525ED}"/>
-              </a:ext>
-            </a:extLst>
-          </p:cNvPr>
-          <p:cNvCxnSpPr/>
-          <p:nvPr/>
-        </p:nvCxnSpPr>
-        <p:spPr>
-          <a:xfrm flipV="1">
-            <a:off x="8031787" y="1859789"/>
-            <a:ext cx="0" cy="3104148"/>
-          </a:xfrm>
-          <a:prstGeom prst="line">
-            <a:avLst/>
-          </a:prstGeom>
-        </p:spPr>
-        <p:style>
-          <a:lnRef idx="1">
-            <a:schemeClr val="dk1"/>
-          </a:lnRef>
-          <a:fillRef idx="0">
-            <a:schemeClr val="dk1"/>
-          </a:fillRef>
-          <a:effectRef idx="0">
-            <a:schemeClr val="dk1"/>
-          </a:effectRef>
-          <a:fontRef idx="minor">
-            <a:schemeClr val="tx1"/>
-          </a:fontRef>
-        </p:style>
-      </p:cxnSp>
-      <p:cxnSp>
-        <p:nvCxnSpPr>
-          <p:cNvPr id="110" name="Straight Connector 109">
-            <a:extLst>
-              <a:ext uri="{FF2B5EF4-FFF2-40B4-BE49-F238E27FC236}">
-                <a16:creationId xmlns:a16="http://schemas.microsoft.com/office/drawing/2014/main" id="{C854A5BF-CC84-929A-51A1-E9CFA4EE47D7}"/>
-              </a:ext>
-            </a:extLst>
-          </p:cNvPr>
-          <p:cNvCxnSpPr/>
-          <p:nvPr/>
-        </p:nvCxnSpPr>
-        <p:spPr>
-          <a:xfrm flipV="1">
-            <a:off x="6146839" y="1859789"/>
-            <a:ext cx="1884948" cy="1002631"/>
-          </a:xfrm>
-          <a:prstGeom prst="line">
-            <a:avLst/>
-          </a:prstGeom>
-        </p:spPr>
-        <p:style>
-          <a:lnRef idx="1">
-            <a:schemeClr val="dk1"/>
-          </a:lnRef>
-          <a:fillRef idx="0">
-            <a:schemeClr val="dk1"/>
-          </a:fillRef>
-          <a:effectRef idx="0">
-            <a:schemeClr val="dk1"/>
-          </a:effectRef>
-          <a:fontRef idx="minor">
-            <a:schemeClr val="tx1"/>
-          </a:fontRef>
-        </p:style>
-      </p:cxnSp>
-      <p:cxnSp>
-        <p:nvCxnSpPr>
-          <p:cNvPr id="111" name="Straight Connector 110">
-            <a:extLst>
-              <a:ext uri="{FF2B5EF4-FFF2-40B4-BE49-F238E27FC236}">
-                <a16:creationId xmlns:a16="http://schemas.microsoft.com/office/drawing/2014/main" id="{C61F2056-01C6-3231-8A3C-478BCAD62ED7}"/>
-              </a:ext>
-            </a:extLst>
-          </p:cNvPr>
-          <p:cNvCxnSpPr/>
-          <p:nvPr/>
-        </p:nvCxnSpPr>
-        <p:spPr>
-          <a:xfrm flipV="1">
-            <a:off x="6162882" y="3949275"/>
-            <a:ext cx="1884948" cy="1002631"/>
-          </a:xfrm>
-          <a:prstGeom prst="line">
-            <a:avLst/>
-          </a:prstGeom>
-        </p:spPr>
-        <p:style>
-          <a:lnRef idx="1">
-            <a:schemeClr val="dk1"/>
-          </a:lnRef>
-          <a:fillRef idx="0">
-            <a:schemeClr val="dk1"/>
-          </a:fillRef>
-          <a:effectRef idx="0">
-            <a:schemeClr val="dk1"/>
-          </a:effectRef>
-          <a:fontRef idx="minor">
-            <a:schemeClr val="tx1"/>
-          </a:fontRef>
-        </p:style>
-      </p:cxnSp>
-      <p:sp>
-        <p:nvSpPr>
-          <p:cNvPr id="112" name="Freeform: Shape 111">
-            <a:extLst>
-              <a:ext uri="{FF2B5EF4-FFF2-40B4-BE49-F238E27FC236}">
-                <a16:creationId xmlns:a16="http://schemas.microsoft.com/office/drawing/2014/main" id="{3EF915B3-4859-048B-F16E-2D92C36CB774}"/>
-              </a:ext>
-            </a:extLst>
-          </p:cNvPr>
-          <p:cNvSpPr/>
-          <p:nvPr/>
-        </p:nvSpPr>
-        <p:spPr>
-          <a:xfrm>
-            <a:off x="6435602" y="2629821"/>
-            <a:ext cx="320838" cy="3043978"/>
-          </a:xfrm>
-          <a:custGeom>
-            <a:avLst/>
-            <a:gdLst>
-              <a:gd name="connsiteX0" fmla="*/ 1781445 w 1781445"/>
-              <a:gd name="connsiteY0" fmla="*/ 0 h 2823410"/>
-              <a:gd name="connsiteX1" fmla="*/ 771 w 1781445"/>
-              <a:gd name="connsiteY1" fmla="*/ 1588168 h 2823410"/>
-              <a:gd name="connsiteX2" fmla="*/ 1604982 w 1781445"/>
-              <a:gd name="connsiteY2" fmla="*/ 2823410 h 2823410"/>
-            </a:gdLst>
-            <a:ahLst/>
-            <a:cxnLst>
-              <a:cxn ang="0">
-                <a:pos x="connsiteX0" y="connsiteY0"/>
-              </a:cxn>
-              <a:cxn ang="0">
-                <a:pos x="connsiteX1" y="connsiteY1"/>
-              </a:cxn>
-              <a:cxn ang="0">
-                <a:pos x="connsiteX2" y="connsiteY2"/>
-              </a:cxn>
-            </a:cxnLst>
-            <a:rect l="l" t="t" r="r" b="b"/>
-            <a:pathLst>
-              <a:path w="1781445" h="2823410">
-                <a:moveTo>
-                  <a:pt x="1781445" y="0"/>
-                </a:moveTo>
-                <a:cubicBezTo>
-                  <a:pt x="905813" y="558800"/>
-                  <a:pt x="30181" y="1117600"/>
-                  <a:pt x="771" y="1588168"/>
-                </a:cubicBezTo>
-                <a:cubicBezTo>
-                  <a:pt x="-28639" y="2058736"/>
-                  <a:pt x="788171" y="2441073"/>
-                  <a:pt x="1604982" y="2823410"/>
-                </a:cubicBezTo>
-              </a:path>
-            </a:pathLst>
-          </a:custGeom>
-          <a:ln>
-            <a:solidFill>
-              <a:schemeClr val="bg2">
-                <a:lumMod val="75000"/>
-              </a:schemeClr>
-            </a:solidFill>
-          </a:ln>
-        </p:spPr>
-        <p:style>
-          <a:lnRef idx="1">
-            <a:schemeClr val="dk1"/>
-          </a:lnRef>
-          <a:fillRef idx="0">
-            <a:schemeClr val="dk1"/>
-          </a:fillRef>
-          <a:effectRef idx="0">
-            <a:schemeClr val="dk1"/>
-          </a:effectRef>
-          <a:fontRef idx="minor">
-            <a:schemeClr val="tx1"/>
-          </a:fontRef>
-        </p:style>
-        <p:txBody>
-          <a:bodyPr rtlCol="0" anchor="ctr"/>
-          <a:lstStyle/>
-          <a:p>
-            <a:pPr algn="ctr"/>
-            <a:endParaRPr lang="en-GB"/>
-          </a:p>
-        </p:txBody>
-      </p:sp>
-      <p:cxnSp>
-        <p:nvCxnSpPr>
-          <p:cNvPr id="113" name="Connector: Curved 112">
-            <a:extLst>
-              <a:ext uri="{FF2B5EF4-FFF2-40B4-BE49-F238E27FC236}">
-                <a16:creationId xmlns:a16="http://schemas.microsoft.com/office/drawing/2014/main" id="{01B48886-34C4-1BDE-6155-0C5ABA341FB1}"/>
-              </a:ext>
-            </a:extLst>
-          </p:cNvPr>
-          <p:cNvCxnSpPr>
-            <a:cxnSpLocks/>
-          </p:cNvCxnSpPr>
-          <p:nvPr/>
-        </p:nvCxnSpPr>
-        <p:spPr>
-          <a:xfrm flipV="1">
-            <a:off x="6114755" y="2982739"/>
-            <a:ext cx="1852865" cy="1062788"/>
-          </a:xfrm>
-          <a:prstGeom prst="curvedConnector3">
-            <a:avLst>
-              <a:gd name="adj1" fmla="val -22727"/>
-            </a:avLst>
-          </a:prstGeom>
-          <a:ln>
-            <a:solidFill>
-              <a:schemeClr val="bg2">
-                <a:lumMod val="75000"/>
-              </a:schemeClr>
-            </a:solidFill>
-            <a:tailEnd type="triangle"/>
-          </a:ln>
-        </p:spPr>
-        <p:style>
-          <a:lnRef idx="1">
-            <a:schemeClr val="dk1"/>
-          </a:lnRef>
-          <a:fillRef idx="0">
-            <a:schemeClr val="dk1"/>
-          </a:fillRef>
-          <a:effectRef idx="0">
-            <a:schemeClr val="dk1"/>
-          </a:effectRef>
-          <a:fontRef idx="minor">
-            <a:schemeClr val="tx1"/>
-          </a:fontRef>
-        </p:style>
-      </p:cxnSp>
-      <p:cxnSp>
-        <p:nvCxnSpPr>
-          <p:cNvPr id="114" name="Straight Connector 113">
-            <a:extLst>
-              <a:ext uri="{FF2B5EF4-FFF2-40B4-BE49-F238E27FC236}">
-                <a16:creationId xmlns:a16="http://schemas.microsoft.com/office/drawing/2014/main" id="{56898AAF-CDE6-6181-52FF-6DB60D5D142C}"/>
-              </a:ext>
-            </a:extLst>
-          </p:cNvPr>
-          <p:cNvCxnSpPr/>
-          <p:nvPr/>
-        </p:nvCxnSpPr>
-        <p:spPr>
-          <a:xfrm flipV="1">
-            <a:off x="6130797" y="5000032"/>
-            <a:ext cx="1884948" cy="1002631"/>
-          </a:xfrm>
-          <a:prstGeom prst="line">
-            <a:avLst/>
-          </a:prstGeom>
-        </p:spPr>
-        <p:style>
-          <a:lnRef idx="1">
-            <a:schemeClr val="dk1"/>
-          </a:lnRef>
-          <a:fillRef idx="0">
-            <a:schemeClr val="dk1"/>
-          </a:fillRef>
-          <a:effectRef idx="0">
-            <a:schemeClr val="dk1"/>
-          </a:effectRef>
-          <a:fontRef idx="minor">
-            <a:schemeClr val="tx1"/>
-          </a:fontRef>
-        </p:style>
-      </p:cxnSp>
-      <p:cxnSp>
-        <p:nvCxnSpPr>
-          <p:cNvPr id="115" name="Straight Connector 114">
-            <a:extLst>
-              <a:ext uri="{FF2B5EF4-FFF2-40B4-BE49-F238E27FC236}">
-                <a16:creationId xmlns:a16="http://schemas.microsoft.com/office/drawing/2014/main" id="{C4FB8D53-DC9C-11E7-ED27-B9327EB29546}"/>
-              </a:ext>
-            </a:extLst>
-          </p:cNvPr>
-          <p:cNvCxnSpPr/>
-          <p:nvPr/>
-        </p:nvCxnSpPr>
-        <p:spPr>
-          <a:xfrm flipV="1">
-            <a:off x="6130797" y="2994770"/>
-            <a:ext cx="1884948" cy="1002631"/>
-          </a:xfrm>
-          <a:prstGeom prst="line">
-            <a:avLst/>
-          </a:prstGeom>
-        </p:spPr>
-        <p:style>
-          <a:lnRef idx="1">
-            <a:schemeClr val="dk1"/>
-          </a:lnRef>
-          <a:fillRef idx="0">
-            <a:schemeClr val="dk1"/>
-          </a:fillRef>
-          <a:effectRef idx="0">
-            <a:schemeClr val="dk1"/>
-          </a:effectRef>
-          <a:fontRef idx="minor">
-            <a:schemeClr val="tx1"/>
-          </a:fontRef>
-        </p:style>
-      </p:cxnSp>
-      <p:cxnSp>
-        <p:nvCxnSpPr>
-          <p:cNvPr id="116" name="Straight Connector 115">
-            <a:extLst>
-              <a:ext uri="{FF2B5EF4-FFF2-40B4-BE49-F238E27FC236}">
-                <a16:creationId xmlns:a16="http://schemas.microsoft.com/office/drawing/2014/main" id="{641B375F-B834-856A-183A-D6B0CA5100A1}"/>
-              </a:ext>
-            </a:extLst>
-          </p:cNvPr>
-          <p:cNvCxnSpPr/>
-          <p:nvPr/>
-        </p:nvCxnSpPr>
-        <p:spPr>
-          <a:xfrm>
-            <a:off x="6146839" y="2862420"/>
-            <a:ext cx="0" cy="24063"/>
-          </a:xfrm>
-          <a:prstGeom prst="line">
-            <a:avLst/>
-          </a:prstGeom>
-        </p:spPr>
-        <p:style>
-          <a:lnRef idx="1">
-            <a:schemeClr val="accent1"/>
-          </a:lnRef>
-          <a:fillRef idx="0">
-            <a:schemeClr val="accent1"/>
-          </a:fillRef>
-          <a:effectRef idx="0">
-            <a:schemeClr val="accent1"/>
-          </a:effectRef>
-          <a:fontRef idx="minor">
-            <a:schemeClr val="tx1"/>
-          </a:fontRef>
-        </p:style>
-      </p:cxnSp>
-      <p:cxnSp>
-        <p:nvCxnSpPr>
-          <p:cNvPr id="117" name="Straight Connector 116">
-            <a:extLst>
-              <a:ext uri="{FF2B5EF4-FFF2-40B4-BE49-F238E27FC236}">
-                <a16:creationId xmlns:a16="http://schemas.microsoft.com/office/drawing/2014/main" id="{8E15219B-1112-C513-5A6E-1603F47A6F7A}"/>
-              </a:ext>
-            </a:extLst>
-          </p:cNvPr>
-          <p:cNvCxnSpPr>
-            <a:cxnSpLocks/>
-          </p:cNvCxnSpPr>
-          <p:nvPr/>
-        </p:nvCxnSpPr>
-        <p:spPr>
-          <a:xfrm>
-            <a:off x="6170902" y="2922577"/>
-            <a:ext cx="1844843" cy="2077455"/>
-          </a:xfrm>
-          <a:prstGeom prst="line">
-            <a:avLst/>
-          </a:prstGeom>
-        </p:spPr>
-        <p:style>
-          <a:lnRef idx="1">
-            <a:schemeClr val="dk1"/>
-          </a:lnRef>
-          <a:fillRef idx="0">
-            <a:schemeClr val="dk1"/>
-          </a:fillRef>
-          <a:effectRef idx="0">
-            <a:schemeClr val="dk1"/>
-          </a:effectRef>
-          <a:fontRef idx="minor">
-            <a:schemeClr val="tx1"/>
-          </a:fontRef>
-        </p:style>
-      </p:cxnSp>
-      <p:cxnSp>
-        <p:nvCxnSpPr>
-          <p:cNvPr id="118" name="Straight Connector 117">
-            <a:extLst>
-              <a:ext uri="{FF2B5EF4-FFF2-40B4-BE49-F238E27FC236}">
-                <a16:creationId xmlns:a16="http://schemas.microsoft.com/office/drawing/2014/main" id="{EB64787B-3F76-9D07-E29E-9DB90E81088C}"/>
-              </a:ext>
-            </a:extLst>
-          </p:cNvPr>
-          <p:cNvCxnSpPr/>
-          <p:nvPr/>
-        </p:nvCxnSpPr>
-        <p:spPr>
-          <a:xfrm>
-            <a:off x="6780502" y="2573662"/>
-            <a:ext cx="1235243" cy="1375613"/>
-          </a:xfrm>
-          <a:prstGeom prst="line">
-            <a:avLst/>
-          </a:prstGeom>
-        </p:spPr>
-        <p:style>
-          <a:lnRef idx="1">
-            <a:schemeClr val="dk1"/>
-          </a:lnRef>
-          <a:fillRef idx="0">
-            <a:schemeClr val="dk1"/>
-          </a:fillRef>
-          <a:effectRef idx="0">
-            <a:schemeClr val="dk1"/>
-          </a:effectRef>
-          <a:fontRef idx="minor">
-            <a:schemeClr val="tx1"/>
-          </a:fontRef>
-        </p:style>
-      </p:cxnSp>
-      <p:cxnSp>
-        <p:nvCxnSpPr>
-          <p:cNvPr id="119" name="Straight Connector 118">
-            <a:extLst>
-              <a:ext uri="{FF2B5EF4-FFF2-40B4-BE49-F238E27FC236}">
-                <a16:creationId xmlns:a16="http://schemas.microsoft.com/office/drawing/2014/main" id="{7AC20400-E74F-C712-308A-D907371B6300}"/>
-              </a:ext>
-            </a:extLst>
-          </p:cNvPr>
-          <p:cNvCxnSpPr/>
-          <p:nvPr/>
-        </p:nvCxnSpPr>
-        <p:spPr>
-          <a:xfrm>
-            <a:off x="6162880" y="3977351"/>
-            <a:ext cx="1235243" cy="1375613"/>
-          </a:xfrm>
-          <a:prstGeom prst="line">
-            <a:avLst/>
-          </a:prstGeom>
-        </p:spPr>
-        <p:style>
-          <a:lnRef idx="1">
-            <a:schemeClr val="dk1"/>
-          </a:lnRef>
-          <a:fillRef idx="0">
-            <a:schemeClr val="dk1"/>
-          </a:fillRef>
-          <a:effectRef idx="0">
-            <a:schemeClr val="dk1"/>
-          </a:effectRef>
-          <a:fontRef idx="minor">
-            <a:schemeClr val="tx1"/>
-          </a:fontRef>
-        </p:style>
-      </p:cxnSp>
-      <p:cxnSp>
-        <p:nvCxnSpPr>
-          <p:cNvPr id="120" name="Straight Connector 119">
-            <a:extLst>
-              <a:ext uri="{FF2B5EF4-FFF2-40B4-BE49-F238E27FC236}">
-                <a16:creationId xmlns:a16="http://schemas.microsoft.com/office/drawing/2014/main" id="{E00DACAC-3040-6495-5367-A858044B9B37}"/>
-              </a:ext>
-            </a:extLst>
-          </p:cNvPr>
-          <p:cNvCxnSpPr>
-            <a:cxnSpLocks/>
-          </p:cNvCxnSpPr>
-          <p:nvPr/>
-        </p:nvCxnSpPr>
-        <p:spPr>
-          <a:xfrm>
-            <a:off x="7430208" y="2244798"/>
-            <a:ext cx="585537" cy="780048"/>
-          </a:xfrm>
-          <a:prstGeom prst="line">
-            <a:avLst/>
-          </a:prstGeom>
-        </p:spPr>
-        <p:style>
-          <a:lnRef idx="1">
-            <a:schemeClr val="dk1"/>
-          </a:lnRef>
-          <a:fillRef idx="0">
-            <a:schemeClr val="dk1"/>
-          </a:fillRef>
-          <a:effectRef idx="0">
-            <a:schemeClr val="dk1"/>
-          </a:effectRef>
-          <a:fontRef idx="minor">
-            <a:schemeClr val="tx1"/>
-          </a:fontRef>
-        </p:style>
-      </p:cxnSp>
-      <p:cxnSp>
-        <p:nvCxnSpPr>
-          <p:cNvPr id="121" name="Straight Connector 120">
-            <a:extLst>
-              <a:ext uri="{FF2B5EF4-FFF2-40B4-BE49-F238E27FC236}">
-                <a16:creationId xmlns:a16="http://schemas.microsoft.com/office/drawing/2014/main" id="{32E75545-2B3B-CE42-D0C4-6D2109608555}"/>
-              </a:ext>
-            </a:extLst>
-          </p:cNvPr>
-          <p:cNvCxnSpPr>
-            <a:cxnSpLocks/>
-          </p:cNvCxnSpPr>
-          <p:nvPr/>
-        </p:nvCxnSpPr>
-        <p:spPr>
-          <a:xfrm>
-            <a:off x="6170902" y="4959925"/>
-            <a:ext cx="625643" cy="717885"/>
-          </a:xfrm>
-          <a:prstGeom prst="line">
-            <a:avLst/>
-          </a:prstGeom>
-        </p:spPr>
-        <p:style>
-          <a:lnRef idx="1">
-            <a:schemeClr val="dk1"/>
-          </a:lnRef>
-          <a:fillRef idx="0">
-            <a:schemeClr val="dk1"/>
-          </a:fillRef>
-          <a:effectRef idx="0">
-            <a:schemeClr val="dk1"/>
-          </a:effectRef>
-          <a:fontRef idx="minor">
-            <a:schemeClr val="tx1"/>
-          </a:fontRef>
-        </p:style>
-      </p:cxnSp>
       <mc:AlternateContent xmlns:mc="http://schemas.openxmlformats.org/markup-compatibility/2006" xmlns:a14="http://schemas.microsoft.com/office/drawing/2010/main">
         <mc:Choice Requires="a14">
           <p:sp>
@@ -18897,10 +17839,10 @@
       </mc:AlternateContent>
       <p:sp>
         <p:nvSpPr>
-          <p:cNvPr id="127" name="Oval 126">
+          <p:cNvPr id="3" name="Freeform: Shape 2">
             <a:extLst>
               <a:ext uri="{FF2B5EF4-FFF2-40B4-BE49-F238E27FC236}">
-                <a16:creationId xmlns:a16="http://schemas.microsoft.com/office/drawing/2014/main" id="{C578B199-5AE5-A4AA-02CD-355379C80A5C}"/>
+                <a16:creationId xmlns:a16="http://schemas.microsoft.com/office/drawing/2014/main" id="{2A17F9CC-A779-BA37-A587-2ED0AED80936}"/>
               </a:ext>
             </a:extLst>
           </p:cNvPr>
@@ -18909,919 +17851,56 @@
         </p:nvSpPr>
         <p:spPr>
           <a:xfrm>
-            <a:off x="7959597" y="1833182"/>
-            <a:ext cx="112295" cy="112295"/>
+            <a:off x="4961408" y="2436291"/>
+            <a:ext cx="312378" cy="2085937"/>
           </a:xfrm>
-          <a:prstGeom prst="ellipse">
+          <a:custGeom>
             <a:avLst/>
-          </a:prstGeom>
-          <a:solidFill>
-            <a:schemeClr val="accent6">
-              <a:lumMod val="50000"/>
-            </a:schemeClr>
-          </a:solidFill>
-          <a:ln>
-            <a:solidFill>
-              <a:schemeClr val="tx1"/>
-            </a:solidFill>
-          </a:ln>
-        </p:spPr>
-        <p:style>
-          <a:lnRef idx="2">
-            <a:schemeClr val="accent1">
-              <a:shade val="50000"/>
-            </a:schemeClr>
-          </a:lnRef>
-          <a:fillRef idx="1">
-            <a:schemeClr val="accent1"/>
-          </a:fillRef>
-          <a:effectRef idx="0">
-            <a:schemeClr val="accent1"/>
-          </a:effectRef>
-          <a:fontRef idx="minor">
-            <a:schemeClr val="lt1"/>
-          </a:fontRef>
-        </p:style>
-        <p:txBody>
-          <a:bodyPr rtlCol="0" anchor="ctr"/>
-          <a:lstStyle/>
-          <a:p>
-            <a:pPr algn="ctr"/>
-            <a:endParaRPr lang="en-GB"/>
-          </a:p>
-        </p:txBody>
-      </p:sp>
-      <p:sp>
-        <p:nvSpPr>
-          <p:cNvPr id="128" name="Oval 127">
-            <a:extLst>
-              <a:ext uri="{FF2B5EF4-FFF2-40B4-BE49-F238E27FC236}">
-                <a16:creationId xmlns:a16="http://schemas.microsoft.com/office/drawing/2014/main" id="{FF5A77C5-699D-E201-A051-E16B9C4DF444}"/>
-              </a:ext>
-            </a:extLst>
-          </p:cNvPr>
-          <p:cNvSpPr/>
-          <p:nvPr/>
-        </p:nvSpPr>
-        <p:spPr>
-          <a:xfrm>
-            <a:off x="7967466" y="2946868"/>
-            <a:ext cx="112295" cy="112295"/>
-          </a:xfrm>
-          <a:prstGeom prst="ellipse">
-            <a:avLst/>
-          </a:prstGeom>
-          <a:solidFill>
-            <a:schemeClr val="accent6">
-              <a:lumMod val="50000"/>
-            </a:schemeClr>
-          </a:solidFill>
-          <a:ln>
-            <a:solidFill>
-              <a:schemeClr val="tx1"/>
-            </a:solidFill>
-          </a:ln>
-        </p:spPr>
-        <p:style>
-          <a:lnRef idx="2">
-            <a:schemeClr val="accent1">
-              <a:shade val="50000"/>
-            </a:schemeClr>
-          </a:lnRef>
-          <a:fillRef idx="1">
-            <a:schemeClr val="accent1"/>
-          </a:fillRef>
-          <a:effectRef idx="0">
-            <a:schemeClr val="accent1"/>
-          </a:effectRef>
-          <a:fontRef idx="minor">
-            <a:schemeClr val="lt1"/>
-          </a:fontRef>
-        </p:style>
-        <p:txBody>
-          <a:bodyPr rtlCol="0" anchor="ctr"/>
-          <a:lstStyle/>
-          <a:p>
-            <a:pPr algn="ctr"/>
-            <a:endParaRPr lang="en-GB"/>
-          </a:p>
-        </p:txBody>
-      </p:sp>
-      <p:sp>
-        <p:nvSpPr>
-          <p:cNvPr id="129" name="Oval 128">
-            <a:extLst>
-              <a:ext uri="{FF2B5EF4-FFF2-40B4-BE49-F238E27FC236}">
-                <a16:creationId xmlns:a16="http://schemas.microsoft.com/office/drawing/2014/main" id="{F2551479-1E98-DACA-CE4E-A552C57E989A}"/>
-              </a:ext>
-            </a:extLst>
-          </p:cNvPr>
-          <p:cNvSpPr/>
-          <p:nvPr/>
-        </p:nvSpPr>
-        <p:spPr>
-          <a:xfrm>
-            <a:off x="7983662" y="3895131"/>
-            <a:ext cx="112295" cy="112295"/>
-          </a:xfrm>
-          <a:prstGeom prst="ellipse">
-            <a:avLst/>
-          </a:prstGeom>
-          <a:solidFill>
-            <a:schemeClr val="accent6">
-              <a:lumMod val="50000"/>
-            </a:schemeClr>
-          </a:solidFill>
-          <a:ln>
-            <a:solidFill>
-              <a:schemeClr val="tx1"/>
-            </a:solidFill>
-          </a:ln>
-        </p:spPr>
-        <p:style>
-          <a:lnRef idx="2">
-            <a:schemeClr val="accent1">
-              <a:shade val="50000"/>
-            </a:schemeClr>
-          </a:lnRef>
-          <a:fillRef idx="1">
-            <a:schemeClr val="accent1"/>
-          </a:fillRef>
-          <a:effectRef idx="0">
-            <a:schemeClr val="accent1"/>
-          </a:effectRef>
-          <a:fontRef idx="minor">
-            <a:schemeClr val="lt1"/>
-          </a:fontRef>
-        </p:style>
-        <p:txBody>
-          <a:bodyPr rtlCol="0" anchor="ctr"/>
-          <a:lstStyle/>
-          <a:p>
-            <a:pPr algn="ctr"/>
-            <a:endParaRPr lang="en-GB"/>
-          </a:p>
-        </p:txBody>
-      </p:sp>
-      <p:sp>
-        <p:nvSpPr>
-          <p:cNvPr id="130" name="Oval 129">
-            <a:extLst>
-              <a:ext uri="{FF2B5EF4-FFF2-40B4-BE49-F238E27FC236}">
-                <a16:creationId xmlns:a16="http://schemas.microsoft.com/office/drawing/2014/main" id="{394585B6-02F4-0632-3042-0C0886BDE255}"/>
-              </a:ext>
-            </a:extLst>
-          </p:cNvPr>
-          <p:cNvSpPr/>
-          <p:nvPr/>
-        </p:nvSpPr>
-        <p:spPr>
-          <a:xfrm>
-            <a:off x="7967466" y="4937348"/>
-            <a:ext cx="112295" cy="112295"/>
-          </a:xfrm>
-          <a:prstGeom prst="ellipse">
-            <a:avLst/>
-          </a:prstGeom>
-          <a:solidFill>
-            <a:schemeClr val="accent6">
-              <a:lumMod val="50000"/>
-            </a:schemeClr>
-          </a:solidFill>
-          <a:ln>
-            <a:solidFill>
-              <a:schemeClr val="tx1"/>
-            </a:solidFill>
-          </a:ln>
-        </p:spPr>
-        <p:style>
-          <a:lnRef idx="2">
-            <a:schemeClr val="accent1">
-              <a:shade val="50000"/>
-            </a:schemeClr>
-          </a:lnRef>
-          <a:fillRef idx="1">
-            <a:schemeClr val="accent1"/>
-          </a:fillRef>
-          <a:effectRef idx="0">
-            <a:schemeClr val="accent1"/>
-          </a:effectRef>
-          <a:fontRef idx="minor">
-            <a:schemeClr val="lt1"/>
-          </a:fontRef>
-        </p:style>
-        <p:txBody>
-          <a:bodyPr rtlCol="0" anchor="ctr"/>
-          <a:lstStyle/>
-          <a:p>
-            <a:pPr algn="ctr"/>
-            <a:endParaRPr lang="en-GB"/>
-          </a:p>
-        </p:txBody>
-      </p:sp>
-      <p:sp>
-        <p:nvSpPr>
-          <p:cNvPr id="131" name="Oval 130">
-            <a:extLst>
-              <a:ext uri="{FF2B5EF4-FFF2-40B4-BE49-F238E27FC236}">
-                <a16:creationId xmlns:a16="http://schemas.microsoft.com/office/drawing/2014/main" id="{1787C10F-3D29-0CE8-E3B9-88ABAED2317A}"/>
-              </a:ext>
-            </a:extLst>
-          </p:cNvPr>
-          <p:cNvSpPr/>
-          <p:nvPr/>
-        </p:nvSpPr>
-        <p:spPr>
-          <a:xfrm>
-            <a:off x="7374060" y="2161083"/>
-            <a:ext cx="112295" cy="112295"/>
-          </a:xfrm>
-          <a:prstGeom prst="ellipse">
-            <a:avLst/>
-          </a:prstGeom>
-          <a:solidFill>
-            <a:schemeClr val="accent6">
-              <a:lumMod val="50000"/>
-            </a:schemeClr>
-          </a:solidFill>
-          <a:ln>
-            <a:solidFill>
-              <a:schemeClr val="tx1"/>
-            </a:solidFill>
-          </a:ln>
-        </p:spPr>
-        <p:style>
-          <a:lnRef idx="2">
-            <a:schemeClr val="accent1">
-              <a:shade val="50000"/>
-            </a:schemeClr>
-          </a:lnRef>
-          <a:fillRef idx="1">
-            <a:schemeClr val="accent1"/>
-          </a:fillRef>
-          <a:effectRef idx="0">
-            <a:schemeClr val="accent1"/>
-          </a:effectRef>
-          <a:fontRef idx="minor">
-            <a:schemeClr val="lt1"/>
-          </a:fontRef>
-        </p:style>
-        <p:txBody>
-          <a:bodyPr rtlCol="0" anchor="ctr"/>
-          <a:lstStyle/>
-          <a:p>
-            <a:pPr algn="ctr"/>
-            <a:endParaRPr lang="en-GB"/>
-          </a:p>
-        </p:txBody>
-      </p:sp>
-      <p:sp>
-        <p:nvSpPr>
-          <p:cNvPr id="132" name="Oval 131">
-            <a:extLst>
-              <a:ext uri="{FF2B5EF4-FFF2-40B4-BE49-F238E27FC236}">
-                <a16:creationId xmlns:a16="http://schemas.microsoft.com/office/drawing/2014/main" id="{DF956E34-EFBC-1E95-FCC4-54F95F721F5D}"/>
-              </a:ext>
-            </a:extLst>
-          </p:cNvPr>
-          <p:cNvSpPr/>
-          <p:nvPr/>
-        </p:nvSpPr>
-        <p:spPr>
-          <a:xfrm>
-            <a:off x="6716332" y="2525538"/>
-            <a:ext cx="112295" cy="112295"/>
-          </a:xfrm>
-          <a:prstGeom prst="ellipse">
-            <a:avLst/>
-          </a:prstGeom>
-          <a:solidFill>
-            <a:schemeClr val="accent6">
-              <a:lumMod val="50000"/>
-            </a:schemeClr>
-          </a:solidFill>
-          <a:ln>
-            <a:solidFill>
-              <a:schemeClr val="tx1"/>
-            </a:solidFill>
-          </a:ln>
-        </p:spPr>
-        <p:style>
-          <a:lnRef idx="2">
-            <a:schemeClr val="accent1">
-              <a:shade val="50000"/>
-            </a:schemeClr>
-          </a:lnRef>
-          <a:fillRef idx="1">
-            <a:schemeClr val="accent1"/>
-          </a:fillRef>
-          <a:effectRef idx="0">
-            <a:schemeClr val="accent1"/>
-          </a:effectRef>
-          <a:fontRef idx="minor">
-            <a:schemeClr val="lt1"/>
-          </a:fontRef>
-        </p:style>
-        <p:txBody>
-          <a:bodyPr rtlCol="0" anchor="ctr"/>
-          <a:lstStyle/>
-          <a:p>
-            <a:pPr algn="ctr"/>
-            <a:endParaRPr lang="en-GB"/>
-          </a:p>
-        </p:txBody>
-      </p:sp>
-      <p:sp>
-        <p:nvSpPr>
-          <p:cNvPr id="133" name="Oval 132">
-            <a:extLst>
-              <a:ext uri="{FF2B5EF4-FFF2-40B4-BE49-F238E27FC236}">
-                <a16:creationId xmlns:a16="http://schemas.microsoft.com/office/drawing/2014/main" id="{D6886AF4-67B4-1518-AC32-8A037A7D32E6}"/>
-              </a:ext>
-            </a:extLst>
-          </p:cNvPr>
-          <p:cNvSpPr/>
-          <p:nvPr/>
-        </p:nvSpPr>
-        <p:spPr>
-          <a:xfrm>
-            <a:off x="6073994" y="2836351"/>
-            <a:ext cx="112295" cy="112295"/>
-          </a:xfrm>
-          <a:prstGeom prst="ellipse">
-            <a:avLst/>
-          </a:prstGeom>
-          <a:solidFill>
-            <a:schemeClr val="accent6">
-              <a:lumMod val="50000"/>
-            </a:schemeClr>
-          </a:solidFill>
-          <a:ln>
-            <a:solidFill>
-              <a:schemeClr val="tx1"/>
-            </a:solidFill>
-          </a:ln>
-        </p:spPr>
-        <p:style>
-          <a:lnRef idx="2">
-            <a:schemeClr val="accent1">
-              <a:shade val="50000"/>
-            </a:schemeClr>
-          </a:lnRef>
-          <a:fillRef idx="1">
-            <a:schemeClr val="accent1"/>
-          </a:fillRef>
-          <a:effectRef idx="0">
-            <a:schemeClr val="accent1"/>
-          </a:effectRef>
-          <a:fontRef idx="minor">
-            <a:schemeClr val="lt1"/>
-          </a:fontRef>
-        </p:style>
-        <p:txBody>
-          <a:bodyPr rtlCol="0" anchor="ctr"/>
-          <a:lstStyle/>
-          <a:p>
-            <a:pPr algn="ctr"/>
-            <a:endParaRPr lang="en-GB"/>
-          </a:p>
-        </p:txBody>
-      </p:sp>
-      <p:sp>
-        <p:nvSpPr>
-          <p:cNvPr id="134" name="Oval 133">
-            <a:extLst>
-              <a:ext uri="{FF2B5EF4-FFF2-40B4-BE49-F238E27FC236}">
-                <a16:creationId xmlns:a16="http://schemas.microsoft.com/office/drawing/2014/main" id="{197A6E87-7A38-26E9-500A-BDDD8E24D371}"/>
-              </a:ext>
-            </a:extLst>
-          </p:cNvPr>
-          <p:cNvSpPr/>
-          <p:nvPr/>
-        </p:nvSpPr>
-        <p:spPr>
-          <a:xfrm>
-            <a:off x="6090689" y="3943257"/>
-            <a:ext cx="112295" cy="112295"/>
-          </a:xfrm>
-          <a:prstGeom prst="ellipse">
-            <a:avLst/>
-          </a:prstGeom>
-          <a:solidFill>
-            <a:schemeClr val="accent6">
-              <a:lumMod val="50000"/>
-            </a:schemeClr>
-          </a:solidFill>
-          <a:ln>
-            <a:solidFill>
-              <a:schemeClr val="tx1"/>
-            </a:solidFill>
-          </a:ln>
-        </p:spPr>
-        <p:style>
-          <a:lnRef idx="2">
-            <a:schemeClr val="accent1">
-              <a:shade val="50000"/>
-            </a:schemeClr>
-          </a:lnRef>
-          <a:fillRef idx="1">
-            <a:schemeClr val="accent1"/>
-          </a:fillRef>
-          <a:effectRef idx="0">
-            <a:schemeClr val="accent1"/>
-          </a:effectRef>
-          <a:fontRef idx="minor">
-            <a:schemeClr val="lt1"/>
-          </a:fontRef>
-        </p:style>
-        <p:txBody>
-          <a:bodyPr rtlCol="0" anchor="ctr"/>
-          <a:lstStyle/>
-          <a:p>
-            <a:pPr algn="ctr"/>
-            <a:endParaRPr lang="en-GB"/>
-          </a:p>
-        </p:txBody>
-      </p:sp>
-      <p:sp>
-        <p:nvSpPr>
-          <p:cNvPr id="135" name="Oval 134">
-            <a:extLst>
-              <a:ext uri="{FF2B5EF4-FFF2-40B4-BE49-F238E27FC236}">
-                <a16:creationId xmlns:a16="http://schemas.microsoft.com/office/drawing/2014/main" id="{81DFD748-CB0A-1262-9E73-4C2D0537F348}"/>
-              </a:ext>
-            </a:extLst>
-          </p:cNvPr>
-          <p:cNvSpPr/>
-          <p:nvPr/>
-        </p:nvSpPr>
-        <p:spPr>
-          <a:xfrm>
-            <a:off x="6073994" y="4889740"/>
-            <a:ext cx="112295" cy="112295"/>
-          </a:xfrm>
-          <a:prstGeom prst="ellipse">
-            <a:avLst/>
-          </a:prstGeom>
-          <a:solidFill>
-            <a:schemeClr val="accent6">
-              <a:lumMod val="50000"/>
-            </a:schemeClr>
-          </a:solidFill>
-          <a:ln>
-            <a:solidFill>
-              <a:schemeClr val="tx1"/>
-            </a:solidFill>
-          </a:ln>
-        </p:spPr>
-        <p:style>
-          <a:lnRef idx="2">
-            <a:schemeClr val="accent1">
-              <a:shade val="50000"/>
-            </a:schemeClr>
-          </a:lnRef>
-          <a:fillRef idx="1">
-            <a:schemeClr val="accent1"/>
-          </a:fillRef>
-          <a:effectRef idx="0">
-            <a:schemeClr val="accent1"/>
-          </a:effectRef>
-          <a:fontRef idx="minor">
-            <a:schemeClr val="lt1"/>
-          </a:fontRef>
-        </p:style>
-        <p:txBody>
-          <a:bodyPr rtlCol="0" anchor="ctr"/>
-          <a:lstStyle/>
-          <a:p>
-            <a:pPr algn="ctr"/>
-            <a:endParaRPr lang="en-GB"/>
-          </a:p>
-        </p:txBody>
-      </p:sp>
-      <p:sp>
-        <p:nvSpPr>
-          <p:cNvPr id="136" name="Oval 135">
-            <a:extLst>
-              <a:ext uri="{FF2B5EF4-FFF2-40B4-BE49-F238E27FC236}">
-                <a16:creationId xmlns:a16="http://schemas.microsoft.com/office/drawing/2014/main" id="{45FEFD7D-59C5-8DE8-7CB9-53853651BEBA}"/>
-              </a:ext>
-            </a:extLst>
-          </p:cNvPr>
-          <p:cNvSpPr/>
-          <p:nvPr/>
-        </p:nvSpPr>
-        <p:spPr>
-          <a:xfrm>
-            <a:off x="6090689" y="5948519"/>
-            <a:ext cx="112295" cy="112295"/>
-          </a:xfrm>
-          <a:prstGeom prst="ellipse">
-            <a:avLst/>
-          </a:prstGeom>
-          <a:solidFill>
-            <a:schemeClr val="accent6">
-              <a:lumMod val="50000"/>
-            </a:schemeClr>
-          </a:solidFill>
-          <a:ln>
-            <a:solidFill>
-              <a:schemeClr val="tx1"/>
-            </a:solidFill>
-          </a:ln>
-        </p:spPr>
-        <p:style>
-          <a:lnRef idx="2">
-            <a:schemeClr val="accent1">
-              <a:shade val="50000"/>
-            </a:schemeClr>
-          </a:lnRef>
-          <a:fillRef idx="1">
-            <a:schemeClr val="accent1"/>
-          </a:fillRef>
-          <a:effectRef idx="0">
-            <a:schemeClr val="accent1"/>
-          </a:effectRef>
-          <a:fontRef idx="minor">
-            <a:schemeClr val="lt1"/>
-          </a:fontRef>
-        </p:style>
-        <p:txBody>
-          <a:bodyPr rtlCol="0" anchor="ctr"/>
-          <a:lstStyle/>
-          <a:p>
-            <a:pPr algn="ctr"/>
-            <a:endParaRPr lang="en-GB"/>
-          </a:p>
-        </p:txBody>
-      </p:sp>
-      <p:sp>
-        <p:nvSpPr>
-          <p:cNvPr id="137" name="Oval 136">
-            <a:extLst>
-              <a:ext uri="{FF2B5EF4-FFF2-40B4-BE49-F238E27FC236}">
-                <a16:creationId xmlns:a16="http://schemas.microsoft.com/office/drawing/2014/main" id="{8234AA4F-ED65-2EF8-D1EE-AA5F5259B703}"/>
-              </a:ext>
-            </a:extLst>
-          </p:cNvPr>
-          <p:cNvSpPr/>
-          <p:nvPr/>
-        </p:nvSpPr>
-        <p:spPr>
-          <a:xfrm>
-            <a:off x="6732375" y="3592338"/>
-            <a:ext cx="112295" cy="112295"/>
-          </a:xfrm>
-          <a:prstGeom prst="ellipse">
-            <a:avLst/>
-          </a:prstGeom>
-          <a:solidFill>
-            <a:schemeClr val="accent6">
-              <a:lumMod val="50000"/>
-            </a:schemeClr>
-          </a:solidFill>
-          <a:ln>
-            <a:solidFill>
-              <a:schemeClr val="tx1"/>
-            </a:solidFill>
-          </a:ln>
-        </p:spPr>
-        <p:style>
-          <a:lnRef idx="2">
-            <a:schemeClr val="accent1">
-              <a:shade val="50000"/>
-            </a:schemeClr>
-          </a:lnRef>
-          <a:fillRef idx="1">
-            <a:schemeClr val="accent1"/>
-          </a:fillRef>
-          <a:effectRef idx="0">
-            <a:schemeClr val="accent1"/>
-          </a:effectRef>
-          <a:fontRef idx="minor">
-            <a:schemeClr val="lt1"/>
-          </a:fontRef>
-        </p:style>
-        <p:txBody>
-          <a:bodyPr rtlCol="0" anchor="ctr"/>
-          <a:lstStyle/>
-          <a:p>
-            <a:pPr algn="ctr"/>
-            <a:endParaRPr lang="en-GB"/>
-          </a:p>
-        </p:txBody>
-      </p:sp>
-      <p:sp>
-        <p:nvSpPr>
-          <p:cNvPr id="138" name="Oval 137">
-            <a:extLst>
-              <a:ext uri="{FF2B5EF4-FFF2-40B4-BE49-F238E27FC236}">
-                <a16:creationId xmlns:a16="http://schemas.microsoft.com/office/drawing/2014/main" id="{F3283C1F-83DF-3FC3-7D8B-570AA7C92D3E}"/>
-              </a:ext>
-            </a:extLst>
-          </p:cNvPr>
-          <p:cNvSpPr/>
-          <p:nvPr/>
-        </p:nvSpPr>
-        <p:spPr>
-          <a:xfrm>
-            <a:off x="7390289" y="3252183"/>
-            <a:ext cx="112295" cy="112295"/>
-          </a:xfrm>
-          <a:prstGeom prst="ellipse">
-            <a:avLst/>
-          </a:prstGeom>
-          <a:solidFill>
-            <a:schemeClr val="accent6">
-              <a:lumMod val="50000"/>
-            </a:schemeClr>
-          </a:solidFill>
-          <a:ln>
-            <a:solidFill>
-              <a:schemeClr val="tx1"/>
-            </a:solidFill>
-          </a:ln>
-        </p:spPr>
-        <p:style>
-          <a:lnRef idx="2">
-            <a:schemeClr val="accent1">
-              <a:shade val="50000"/>
-            </a:schemeClr>
-          </a:lnRef>
-          <a:fillRef idx="1">
-            <a:schemeClr val="accent1"/>
-          </a:fillRef>
-          <a:effectRef idx="0">
-            <a:schemeClr val="accent1"/>
-          </a:effectRef>
-          <a:fontRef idx="minor">
-            <a:schemeClr val="lt1"/>
-          </a:fontRef>
-        </p:style>
-        <p:txBody>
-          <a:bodyPr rtlCol="0" anchor="ctr"/>
-          <a:lstStyle/>
-          <a:p>
-            <a:pPr algn="ctr"/>
-            <a:endParaRPr lang="en-GB"/>
-          </a:p>
-        </p:txBody>
-      </p:sp>
-      <p:sp>
-        <p:nvSpPr>
-          <p:cNvPr id="139" name="Oval 138">
-            <a:extLst>
-              <a:ext uri="{FF2B5EF4-FFF2-40B4-BE49-F238E27FC236}">
-                <a16:creationId xmlns:a16="http://schemas.microsoft.com/office/drawing/2014/main" id="{8260241D-AE09-1FF4-66E7-2AAA40493215}"/>
-              </a:ext>
-            </a:extLst>
-          </p:cNvPr>
-          <p:cNvSpPr/>
-          <p:nvPr/>
-        </p:nvSpPr>
-        <p:spPr>
-          <a:xfrm>
-            <a:off x="6732375" y="4599840"/>
-            <a:ext cx="112295" cy="112295"/>
-          </a:xfrm>
-          <a:prstGeom prst="ellipse">
-            <a:avLst/>
-          </a:prstGeom>
-          <a:solidFill>
-            <a:schemeClr val="accent6">
-              <a:lumMod val="50000"/>
-            </a:schemeClr>
-          </a:solidFill>
-          <a:ln>
-            <a:solidFill>
-              <a:schemeClr val="tx1"/>
-            </a:solidFill>
-          </a:ln>
-        </p:spPr>
-        <p:style>
-          <a:lnRef idx="2">
-            <a:schemeClr val="accent1">
-              <a:shade val="50000"/>
-            </a:schemeClr>
-          </a:lnRef>
-          <a:fillRef idx="1">
-            <a:schemeClr val="accent1"/>
-          </a:fillRef>
-          <a:effectRef idx="0">
-            <a:schemeClr val="accent1"/>
-          </a:effectRef>
-          <a:fontRef idx="minor">
-            <a:schemeClr val="lt1"/>
-          </a:fontRef>
-        </p:style>
-        <p:txBody>
-          <a:bodyPr rtlCol="0" anchor="ctr"/>
-          <a:lstStyle/>
-          <a:p>
-            <a:pPr algn="ctr"/>
-            <a:endParaRPr lang="en-GB"/>
-          </a:p>
-        </p:txBody>
-      </p:sp>
-      <p:sp>
-        <p:nvSpPr>
-          <p:cNvPr id="140" name="Oval 139">
-            <a:extLst>
-              <a:ext uri="{FF2B5EF4-FFF2-40B4-BE49-F238E27FC236}">
-                <a16:creationId xmlns:a16="http://schemas.microsoft.com/office/drawing/2014/main" id="{6246F127-16D6-415A-4D4C-6CA1B3A12BEA}"/>
-              </a:ext>
-            </a:extLst>
-          </p:cNvPr>
-          <p:cNvSpPr/>
-          <p:nvPr/>
-        </p:nvSpPr>
-        <p:spPr>
-          <a:xfrm>
-            <a:off x="7358018" y="4247020"/>
-            <a:ext cx="112295" cy="112295"/>
-          </a:xfrm>
-          <a:prstGeom prst="ellipse">
-            <a:avLst/>
-          </a:prstGeom>
-          <a:solidFill>
-            <a:schemeClr val="accent6">
-              <a:lumMod val="50000"/>
-            </a:schemeClr>
-          </a:solidFill>
-          <a:ln>
-            <a:solidFill>
-              <a:schemeClr val="tx1"/>
-            </a:solidFill>
-          </a:ln>
-        </p:spPr>
-        <p:style>
-          <a:lnRef idx="2">
-            <a:schemeClr val="accent1">
-              <a:shade val="50000"/>
-            </a:schemeClr>
-          </a:lnRef>
-          <a:fillRef idx="1">
-            <a:schemeClr val="accent1"/>
-          </a:fillRef>
-          <a:effectRef idx="0">
-            <a:schemeClr val="accent1"/>
-          </a:effectRef>
-          <a:fontRef idx="minor">
-            <a:schemeClr val="lt1"/>
-          </a:fontRef>
-        </p:style>
-        <p:txBody>
-          <a:bodyPr rtlCol="0" anchor="ctr"/>
-          <a:lstStyle/>
-          <a:p>
-            <a:pPr algn="ctr"/>
-            <a:endParaRPr lang="en-GB"/>
-          </a:p>
-        </p:txBody>
-      </p:sp>
-      <p:sp>
-        <p:nvSpPr>
-          <p:cNvPr id="141" name="Oval 140">
-            <a:extLst>
-              <a:ext uri="{FF2B5EF4-FFF2-40B4-BE49-F238E27FC236}">
-                <a16:creationId xmlns:a16="http://schemas.microsoft.com/office/drawing/2014/main" id="{C0A62607-1787-0669-53FB-FAA555F9521D}"/>
-              </a:ext>
-            </a:extLst>
-          </p:cNvPr>
-          <p:cNvSpPr/>
-          <p:nvPr/>
-        </p:nvSpPr>
-        <p:spPr>
-          <a:xfrm>
-            <a:off x="6701104" y="5609406"/>
-            <a:ext cx="112295" cy="112295"/>
-          </a:xfrm>
-          <a:prstGeom prst="ellipse">
-            <a:avLst/>
-          </a:prstGeom>
-          <a:solidFill>
-            <a:schemeClr val="accent6">
-              <a:lumMod val="50000"/>
-            </a:schemeClr>
-          </a:solidFill>
-          <a:ln>
-            <a:solidFill>
-              <a:schemeClr val="tx1"/>
-            </a:solidFill>
-          </a:ln>
-        </p:spPr>
-        <p:style>
-          <a:lnRef idx="2">
-            <a:schemeClr val="accent1">
-              <a:shade val="50000"/>
-            </a:schemeClr>
-          </a:lnRef>
-          <a:fillRef idx="1">
-            <a:schemeClr val="accent1"/>
-          </a:fillRef>
-          <a:effectRef idx="0">
-            <a:schemeClr val="accent1"/>
-          </a:effectRef>
-          <a:fontRef idx="minor">
-            <a:schemeClr val="lt1"/>
-          </a:fontRef>
-        </p:style>
-        <p:txBody>
-          <a:bodyPr rtlCol="0" anchor="ctr"/>
-          <a:lstStyle/>
-          <a:p>
-            <a:pPr algn="ctr"/>
-            <a:endParaRPr lang="en-GB"/>
-          </a:p>
-        </p:txBody>
-      </p:sp>
-      <p:sp>
-        <p:nvSpPr>
-          <p:cNvPr id="142" name="Oval 141">
-            <a:extLst>
-              <a:ext uri="{FF2B5EF4-FFF2-40B4-BE49-F238E27FC236}">
-                <a16:creationId xmlns:a16="http://schemas.microsoft.com/office/drawing/2014/main" id="{DD0322F2-CAB0-5047-885C-B59907F30A9E}"/>
-              </a:ext>
-            </a:extLst>
-          </p:cNvPr>
-          <p:cNvSpPr/>
-          <p:nvPr/>
-        </p:nvSpPr>
-        <p:spPr>
-          <a:xfrm>
-            <a:off x="7374060" y="5289261"/>
-            <a:ext cx="112295" cy="112295"/>
-          </a:xfrm>
-          <a:prstGeom prst="ellipse">
-            <a:avLst/>
-          </a:prstGeom>
-          <a:solidFill>
-            <a:schemeClr val="accent6">
-              <a:lumMod val="50000"/>
-            </a:schemeClr>
-          </a:solidFill>
-          <a:ln>
-            <a:solidFill>
-              <a:schemeClr val="tx1"/>
-            </a:solidFill>
-          </a:ln>
-        </p:spPr>
-        <p:style>
-          <a:lnRef idx="2">
-            <a:schemeClr val="accent1">
-              <a:shade val="50000"/>
-            </a:schemeClr>
-          </a:lnRef>
-          <a:fillRef idx="1">
-            <a:schemeClr val="accent1"/>
-          </a:fillRef>
-          <a:effectRef idx="0">
-            <a:schemeClr val="accent1"/>
-          </a:effectRef>
-          <a:fontRef idx="minor">
-            <a:schemeClr val="lt1"/>
-          </a:fontRef>
-        </p:style>
-        <p:txBody>
-          <a:bodyPr rtlCol="0" anchor="ctr"/>
-          <a:lstStyle/>
-          <a:p>
-            <a:pPr algn="ctr"/>
-            <a:endParaRPr lang="en-GB"/>
-          </a:p>
-        </p:txBody>
-      </p:sp>
-      <p:cxnSp>
-        <p:nvCxnSpPr>
-          <p:cNvPr id="143" name="Connector: Curved 142">
-            <a:extLst>
-              <a:ext uri="{FF2B5EF4-FFF2-40B4-BE49-F238E27FC236}">
-                <a16:creationId xmlns:a16="http://schemas.microsoft.com/office/drawing/2014/main" id="{D6CEA30F-9F24-FE42-9ED2-C761AFE0A21E}"/>
-              </a:ext>
-            </a:extLst>
-          </p:cNvPr>
-          <p:cNvCxnSpPr>
-            <a:cxnSpLocks/>
-          </p:cNvCxnSpPr>
-          <p:nvPr/>
-        </p:nvCxnSpPr>
-        <p:spPr>
-          <a:xfrm flipV="1">
-            <a:off x="9570729" y="3872056"/>
-            <a:ext cx="1852865" cy="1062788"/>
-          </a:xfrm>
-          <a:prstGeom prst="curvedConnector3">
-            <a:avLst>
-              <a:gd name="adj1" fmla="val -22727"/>
-            </a:avLst>
-          </a:prstGeom>
+            <a:gdLst>
+              <a:gd name="connsiteX0" fmla="*/ 1781445 w 1781445"/>
+              <a:gd name="connsiteY0" fmla="*/ 0 h 2823410"/>
+              <a:gd name="connsiteX1" fmla="*/ 771 w 1781445"/>
+              <a:gd name="connsiteY1" fmla="*/ 1588168 h 2823410"/>
+              <a:gd name="connsiteX2" fmla="*/ 1604982 w 1781445"/>
+              <a:gd name="connsiteY2" fmla="*/ 2823410 h 2823410"/>
+            </a:gdLst>
+            <a:ahLst/>
+            <a:cxnLst>
+              <a:cxn ang="0">
+                <a:pos x="connsiteX0" y="connsiteY0"/>
+              </a:cxn>
+              <a:cxn ang="0">
+                <a:pos x="connsiteX1" y="connsiteY1"/>
+              </a:cxn>
+              <a:cxn ang="0">
+                <a:pos x="connsiteX2" y="connsiteY2"/>
+              </a:cxn>
+            </a:cxnLst>
+            <a:rect l="l" t="t" r="r" b="b"/>
+            <a:pathLst>
+              <a:path w="1781445" h="2823410">
+                <a:moveTo>
+                  <a:pt x="1781445" y="0"/>
+                </a:moveTo>
+                <a:cubicBezTo>
+                  <a:pt x="905813" y="558800"/>
+                  <a:pt x="30181" y="1117600"/>
+                  <a:pt x="771" y="1588168"/>
+                </a:cubicBezTo>
+                <a:cubicBezTo>
+                  <a:pt x="-28639" y="2058736"/>
+                  <a:pt x="788171" y="2441073"/>
+                  <a:pt x="1604982" y="2823410"/>
+                </a:cubicBezTo>
+              </a:path>
+            </a:pathLst>
+          </a:custGeom>
           <a:ln>
             <a:solidFill>
               <a:schemeClr val="bg2">
                 <a:lumMod val="75000"/>
               </a:schemeClr>
             </a:solidFill>
-            <a:tailEnd type="triangle"/>
           </a:ln>
         </p:spPr>
         <p:style>
@@ -19838,13 +17917,21 @@
             <a:schemeClr val="tx1"/>
           </a:fontRef>
         </p:style>
-      </p:cxnSp>
+        <p:txBody>
+          <a:bodyPr rtlCol="0" anchor="ctr"/>
+          <a:lstStyle/>
+          <a:p>
+            <a:pPr algn="ctr"/>
+            <a:endParaRPr lang="en-GB"/>
+          </a:p>
+        </p:txBody>
+      </p:sp>
       <p:sp>
         <p:nvSpPr>
-          <p:cNvPr id="144" name="Freeform: Shape 143">
+          <p:cNvPr id="4" name="Freeform: Shape 3">
             <a:extLst>
               <a:ext uri="{FF2B5EF4-FFF2-40B4-BE49-F238E27FC236}">
-                <a16:creationId xmlns:a16="http://schemas.microsoft.com/office/drawing/2014/main" id="{AF6A9CF3-82F6-C3EC-9827-1F19294B9D93}"/>
+                <a16:creationId xmlns:a16="http://schemas.microsoft.com/office/drawing/2014/main" id="{98CF7951-2418-74AE-35AF-D4795ECE479E}"/>
               </a:ext>
             </a:extLst>
           </p:cNvPr>
@@ -19853,8 +17940,8 @@
         </p:nvSpPr>
         <p:spPr>
           <a:xfrm>
-            <a:off x="10497161" y="2143516"/>
-            <a:ext cx="320838" cy="3043978"/>
+            <a:off x="3702727" y="3118360"/>
+            <a:ext cx="295496" cy="2091692"/>
           </a:xfrm>
           <a:custGeom>
             <a:avLst/>
@@ -19930,36 +18017,27 @@
       </p:sp>
       <p:cxnSp>
         <p:nvCxnSpPr>
-          <p:cNvPr id="145" name="Connector: Curved 144">
+          <p:cNvPr id="5" name="Straight Connector 4">
             <a:extLst>
               <a:ext uri="{FF2B5EF4-FFF2-40B4-BE49-F238E27FC236}">
-                <a16:creationId xmlns:a16="http://schemas.microsoft.com/office/drawing/2014/main" id="{7675C0C1-1727-84D9-645B-370E91ACB3B7}"/>
+                <a16:creationId xmlns:a16="http://schemas.microsoft.com/office/drawing/2014/main" id="{6B608999-4714-CF70-B5D9-DF5D38A05D8E}"/>
               </a:ext>
             </a:extLst>
           </p:cNvPr>
           <p:cNvCxnSpPr>
             <a:cxnSpLocks/>
+            <a:stCxn id="32" idx="4"/>
           </p:cNvCxnSpPr>
           <p:nvPr/>
         </p:nvCxnSpPr>
         <p:spPr>
-          <a:xfrm flipV="1">
-            <a:off x="9514582" y="1794597"/>
-            <a:ext cx="1852865" cy="1062788"/>
+          <a:xfrm flipH="1" flipV="1">
+            <a:off x="4007525" y="3122371"/>
+            <a:ext cx="14761" cy="2181858"/>
           </a:xfrm>
-          <a:prstGeom prst="curvedConnector3">
-            <a:avLst>
-              <a:gd name="adj1" fmla="val -22727"/>
-            </a:avLst>
+          <a:prstGeom prst="line">
+            <a:avLst/>
           </a:prstGeom>
-          <a:ln>
-            <a:solidFill>
-              <a:schemeClr val="bg2">
-                <a:lumMod val="75000"/>
-              </a:schemeClr>
-            </a:solidFill>
-            <a:tailEnd type="triangle"/>
-          </a:ln>
         </p:spPr>
         <p:style>
           <a:lnRef idx="1">
@@ -19978,36 +18056,144 @@
       </p:cxnSp>
       <p:cxnSp>
         <p:nvCxnSpPr>
-          <p:cNvPr id="146" name="Connector: Curved 145">
+          <p:cNvPr id="6" name="Straight Connector 5">
             <a:extLst>
               <a:ext uri="{FF2B5EF4-FFF2-40B4-BE49-F238E27FC236}">
-                <a16:creationId xmlns:a16="http://schemas.microsoft.com/office/drawing/2014/main" id="{BAD0C93E-9DFD-7564-21A2-3A03FB12F6BF}"/>
+                <a16:creationId xmlns:a16="http://schemas.microsoft.com/office/drawing/2014/main" id="{05405C16-A215-1188-47B7-3EBE735BC22F}"/>
               </a:ext>
             </a:extLst>
           </p:cNvPr>
           <p:cNvCxnSpPr>
             <a:cxnSpLocks/>
+            <a:stCxn id="31" idx="4"/>
+          </p:cNvCxnSpPr>
+          <p:nvPr/>
+        </p:nvCxnSpPr>
+        <p:spPr>
+          <a:xfrm flipH="1" flipV="1">
+            <a:off x="4641188" y="2833613"/>
+            <a:ext cx="998" cy="2167487"/>
+          </a:xfrm>
+          <a:prstGeom prst="line">
+            <a:avLst/>
+          </a:prstGeom>
+        </p:spPr>
+        <p:style>
+          <a:lnRef idx="1">
+            <a:schemeClr val="dk1"/>
+          </a:lnRef>
+          <a:fillRef idx="0">
+            <a:schemeClr val="dk1"/>
+          </a:fillRef>
+          <a:effectRef idx="0">
+            <a:schemeClr val="dk1"/>
+          </a:effectRef>
+          <a:fontRef idx="minor">
+            <a:schemeClr val="tx1"/>
+          </a:fontRef>
+        </p:style>
+      </p:cxnSp>
+      <p:cxnSp>
+        <p:nvCxnSpPr>
+          <p:cNvPr id="7" name="Straight Connector 6">
+            <a:extLst>
+              <a:ext uri="{FF2B5EF4-FFF2-40B4-BE49-F238E27FC236}">
+                <a16:creationId xmlns:a16="http://schemas.microsoft.com/office/drawing/2014/main" id="{18D55864-4BB7-1C7B-AA1B-B5FEE236EB2C}"/>
+              </a:ext>
+            </a:extLst>
+          </p:cNvPr>
+          <p:cNvCxnSpPr>
+            <a:cxnSpLocks/>
+            <a:stCxn id="33" idx="0"/>
+          </p:cNvCxnSpPr>
+          <p:nvPr/>
+        </p:nvCxnSpPr>
+        <p:spPr>
+          <a:xfrm flipH="1" flipV="1">
+            <a:off x="5290894" y="2480687"/>
+            <a:ext cx="515" cy="1993248"/>
+          </a:xfrm>
+          <a:prstGeom prst="line">
+            <a:avLst/>
+          </a:prstGeom>
+        </p:spPr>
+        <p:style>
+          <a:lnRef idx="1">
+            <a:schemeClr val="dk1"/>
+          </a:lnRef>
+          <a:fillRef idx="0">
+            <a:schemeClr val="dk1"/>
+          </a:fillRef>
+          <a:effectRef idx="0">
+            <a:schemeClr val="dk1"/>
+          </a:effectRef>
+          <a:fontRef idx="minor">
+            <a:schemeClr val="tx1"/>
+          </a:fontRef>
+        </p:style>
+      </p:cxnSp>
+      <p:cxnSp>
+        <p:nvCxnSpPr>
+          <p:cNvPr id="8" name="Straight Connector 7">
+            <a:extLst>
+              <a:ext uri="{FF2B5EF4-FFF2-40B4-BE49-F238E27FC236}">
+                <a16:creationId xmlns:a16="http://schemas.microsoft.com/office/drawing/2014/main" id="{20BC981D-6A91-EB09-8E1B-D40F596B1B82}"/>
+              </a:ext>
+            </a:extLst>
+          </p:cNvPr>
+          <p:cNvCxnSpPr>
+            <a:cxnSpLocks/>
+            <a:endCxn id="30" idx="6"/>
           </p:cNvCxnSpPr>
           <p:nvPr/>
         </p:nvCxnSpPr>
         <p:spPr>
           <a:xfrm flipV="1">
-            <a:off x="9474479" y="4906764"/>
-            <a:ext cx="1852865" cy="1062788"/>
+            <a:off x="4007525" y="2468658"/>
+            <a:ext cx="1363305" cy="653713"/>
           </a:xfrm>
-          <a:prstGeom prst="curvedConnector3">
-            <a:avLst>
-              <a:gd name="adj1" fmla="val -22727"/>
-            </a:avLst>
+          <a:prstGeom prst="line">
+            <a:avLst/>
           </a:prstGeom>
-          <a:ln>
-            <a:solidFill>
-              <a:schemeClr val="bg2">
-                <a:lumMod val="75000"/>
-              </a:schemeClr>
-            </a:solidFill>
-            <a:tailEnd type="triangle"/>
-          </a:ln>
+        </p:spPr>
+        <p:style>
+          <a:lnRef idx="1">
+            <a:schemeClr val="dk1"/>
+          </a:lnRef>
+          <a:fillRef idx="0">
+            <a:schemeClr val="dk1"/>
+          </a:fillRef>
+          <a:effectRef idx="0">
+            <a:schemeClr val="dk1"/>
+          </a:effectRef>
+          <a:fontRef idx="minor">
+            <a:schemeClr val="tx1"/>
+          </a:fontRef>
+        </p:style>
+      </p:cxnSp>
+      <p:cxnSp>
+        <p:nvCxnSpPr>
+          <p:cNvPr id="9" name="Straight Connector 8">
+            <a:extLst>
+              <a:ext uri="{FF2B5EF4-FFF2-40B4-BE49-F238E27FC236}">
+                <a16:creationId xmlns:a16="http://schemas.microsoft.com/office/drawing/2014/main" id="{DB724581-C299-8972-A586-4BA9C198BC5C}"/>
+              </a:ext>
+            </a:extLst>
+          </p:cNvPr>
+          <p:cNvCxnSpPr>
+            <a:cxnSpLocks/>
+            <a:endCxn id="33" idx="3"/>
+          </p:cNvCxnSpPr>
+          <p:nvPr/>
+        </p:nvCxnSpPr>
+        <p:spPr>
+          <a:xfrm flipV="1">
+            <a:off x="4023568" y="4612728"/>
+            <a:ext cx="1206674" cy="599129"/>
+          </a:xfrm>
+          <a:prstGeom prst="line">
+            <a:avLst/>
+          </a:prstGeom>
         </p:spPr>
         <p:style>
           <a:lnRef idx="1">
@@ -20026,10 +18212,10 @@
       </p:cxnSp>
       <p:sp>
         <p:nvSpPr>
-          <p:cNvPr id="147" name="Freeform: Shape 146">
+          <p:cNvPr id="10" name="Freeform: Shape 9">
             <a:extLst>
               <a:ext uri="{FF2B5EF4-FFF2-40B4-BE49-F238E27FC236}">
-                <a16:creationId xmlns:a16="http://schemas.microsoft.com/office/drawing/2014/main" id="{AE8B5F41-4FDF-C66C-F38D-DF3EC00E816D}"/>
+                <a16:creationId xmlns:a16="http://schemas.microsoft.com/office/drawing/2014/main" id="{C507E092-D37B-A167-5E95-E901E2698CEF}"/>
               </a:ext>
             </a:extLst>
           </p:cNvPr>
@@ -20038,8 +18224,1279 @@
         </p:nvSpPr>
         <p:spPr>
           <a:xfrm>
-            <a:off x="11062649" y="1862786"/>
-            <a:ext cx="320838" cy="3043978"/>
+            <a:off x="4296288" y="2889772"/>
+            <a:ext cx="320429" cy="2044410"/>
+          </a:xfrm>
+          <a:custGeom>
+            <a:avLst/>
+            <a:gdLst>
+              <a:gd name="connsiteX0" fmla="*/ 1781445 w 1781445"/>
+              <a:gd name="connsiteY0" fmla="*/ 0 h 2823410"/>
+              <a:gd name="connsiteX1" fmla="*/ 771 w 1781445"/>
+              <a:gd name="connsiteY1" fmla="*/ 1588168 h 2823410"/>
+              <a:gd name="connsiteX2" fmla="*/ 1604982 w 1781445"/>
+              <a:gd name="connsiteY2" fmla="*/ 2823410 h 2823410"/>
+            </a:gdLst>
+            <a:ahLst/>
+            <a:cxnLst>
+              <a:cxn ang="0">
+                <a:pos x="connsiteX0" y="connsiteY0"/>
+              </a:cxn>
+              <a:cxn ang="0">
+                <a:pos x="connsiteX1" y="connsiteY1"/>
+              </a:cxn>
+              <a:cxn ang="0">
+                <a:pos x="connsiteX2" y="connsiteY2"/>
+              </a:cxn>
+            </a:cxnLst>
+            <a:rect l="l" t="t" r="r" b="b"/>
+            <a:pathLst>
+              <a:path w="1781445" h="2823410">
+                <a:moveTo>
+                  <a:pt x="1781445" y="0"/>
+                </a:moveTo>
+                <a:cubicBezTo>
+                  <a:pt x="905813" y="558800"/>
+                  <a:pt x="30181" y="1117600"/>
+                  <a:pt x="771" y="1588168"/>
+                </a:cubicBezTo>
+                <a:cubicBezTo>
+                  <a:pt x="-28639" y="2058736"/>
+                  <a:pt x="788171" y="2441073"/>
+                  <a:pt x="1604982" y="2823410"/>
+                </a:cubicBezTo>
+              </a:path>
+            </a:pathLst>
+          </a:custGeom>
+          <a:ln>
+            <a:solidFill>
+              <a:schemeClr val="bg2">
+                <a:lumMod val="75000"/>
+              </a:schemeClr>
+            </a:solidFill>
+          </a:ln>
+        </p:spPr>
+        <p:style>
+          <a:lnRef idx="1">
+            <a:schemeClr val="dk1"/>
+          </a:lnRef>
+          <a:fillRef idx="0">
+            <a:schemeClr val="dk1"/>
+          </a:fillRef>
+          <a:effectRef idx="0">
+            <a:schemeClr val="dk1"/>
+          </a:effectRef>
+          <a:fontRef idx="minor">
+            <a:schemeClr val="tx1"/>
+          </a:fontRef>
+        </p:style>
+        <p:txBody>
+          <a:bodyPr rtlCol="0" anchor="ctr"/>
+          <a:lstStyle/>
+          <a:p>
+            <a:pPr algn="ctr"/>
+            <a:endParaRPr lang="en-GB"/>
+          </a:p>
+        </p:txBody>
+      </p:sp>
+      <p:cxnSp>
+        <p:nvCxnSpPr>
+          <p:cNvPr id="11" name="Straight Connector 10">
+            <a:extLst>
+              <a:ext uri="{FF2B5EF4-FFF2-40B4-BE49-F238E27FC236}">
+                <a16:creationId xmlns:a16="http://schemas.microsoft.com/office/drawing/2014/main" id="{12AAF16D-0403-D8F6-40DF-802BB9228B56}"/>
+              </a:ext>
+            </a:extLst>
+          </p:cNvPr>
+          <p:cNvCxnSpPr>
+            <a:cxnSpLocks/>
+            <a:endCxn id="26" idx="3"/>
+          </p:cNvCxnSpPr>
+          <p:nvPr/>
+        </p:nvCxnSpPr>
+        <p:spPr>
+          <a:xfrm flipV="1">
+            <a:off x="3991483" y="3604202"/>
+            <a:ext cx="1241740" cy="653150"/>
+          </a:xfrm>
+          <a:prstGeom prst="line">
+            <a:avLst/>
+          </a:prstGeom>
+        </p:spPr>
+        <p:style>
+          <a:lnRef idx="1">
+            <a:schemeClr val="dk1"/>
+          </a:lnRef>
+          <a:fillRef idx="0">
+            <a:schemeClr val="dk1"/>
+          </a:fillRef>
+          <a:effectRef idx="0">
+            <a:schemeClr val="dk1"/>
+          </a:effectRef>
+          <a:fontRef idx="minor">
+            <a:schemeClr val="tx1"/>
+          </a:fontRef>
+        </p:style>
+      </p:cxnSp>
+      <p:cxnSp>
+        <p:nvCxnSpPr>
+          <p:cNvPr id="12" name="Straight Connector 11">
+            <a:extLst>
+              <a:ext uri="{FF2B5EF4-FFF2-40B4-BE49-F238E27FC236}">
+                <a16:creationId xmlns:a16="http://schemas.microsoft.com/office/drawing/2014/main" id="{C0B909BD-F687-7468-269B-3B144A7D917D}"/>
+              </a:ext>
+            </a:extLst>
+          </p:cNvPr>
+          <p:cNvCxnSpPr/>
+          <p:nvPr/>
+        </p:nvCxnSpPr>
+        <p:spPr>
+          <a:xfrm>
+            <a:off x="4007525" y="3122371"/>
+            <a:ext cx="0" cy="24063"/>
+          </a:xfrm>
+          <a:prstGeom prst="line">
+            <a:avLst/>
+          </a:prstGeom>
+        </p:spPr>
+        <p:style>
+          <a:lnRef idx="1">
+            <a:schemeClr val="accent1"/>
+          </a:lnRef>
+          <a:fillRef idx="0">
+            <a:schemeClr val="accent1"/>
+          </a:fillRef>
+          <a:effectRef idx="0">
+            <a:schemeClr val="accent1"/>
+          </a:effectRef>
+          <a:fontRef idx="minor">
+            <a:schemeClr val="tx1"/>
+          </a:fontRef>
+        </p:style>
+      </p:cxnSp>
+      <p:cxnSp>
+        <p:nvCxnSpPr>
+          <p:cNvPr id="13" name="Straight Connector 12">
+            <a:extLst>
+              <a:ext uri="{FF2B5EF4-FFF2-40B4-BE49-F238E27FC236}">
+                <a16:creationId xmlns:a16="http://schemas.microsoft.com/office/drawing/2014/main" id="{BC78A7BD-503E-8435-4857-A0313D51018A}"/>
+              </a:ext>
+            </a:extLst>
+          </p:cNvPr>
+          <p:cNvCxnSpPr>
+            <a:cxnSpLocks/>
+            <a:endCxn id="33" idx="4"/>
+          </p:cNvCxnSpPr>
+          <p:nvPr/>
+        </p:nvCxnSpPr>
+        <p:spPr>
+          <a:xfrm>
+            <a:off x="4031588" y="3182528"/>
+            <a:ext cx="1259821" cy="1454013"/>
+          </a:xfrm>
+          <a:prstGeom prst="line">
+            <a:avLst/>
+          </a:prstGeom>
+        </p:spPr>
+        <p:style>
+          <a:lnRef idx="1">
+            <a:schemeClr val="dk1"/>
+          </a:lnRef>
+          <a:fillRef idx="0">
+            <a:schemeClr val="dk1"/>
+          </a:fillRef>
+          <a:effectRef idx="0">
+            <a:schemeClr val="dk1"/>
+          </a:effectRef>
+          <a:fontRef idx="minor">
+            <a:schemeClr val="tx1"/>
+          </a:fontRef>
+        </p:style>
+      </p:cxnSp>
+      <p:cxnSp>
+        <p:nvCxnSpPr>
+          <p:cNvPr id="14" name="Straight Connector 13">
+            <a:extLst>
+              <a:ext uri="{FF2B5EF4-FFF2-40B4-BE49-F238E27FC236}">
+                <a16:creationId xmlns:a16="http://schemas.microsoft.com/office/drawing/2014/main" id="{6B62ADCC-A7D6-188A-2317-687E54DECA5F}"/>
+              </a:ext>
+            </a:extLst>
+          </p:cNvPr>
+          <p:cNvCxnSpPr>
+            <a:cxnSpLocks/>
+            <a:endCxn id="26" idx="5"/>
+          </p:cNvCxnSpPr>
+          <p:nvPr/>
+        </p:nvCxnSpPr>
+        <p:spPr>
+          <a:xfrm>
+            <a:off x="4641188" y="2833613"/>
+            <a:ext cx="714369" cy="770589"/>
+          </a:xfrm>
+          <a:prstGeom prst="line">
+            <a:avLst/>
+          </a:prstGeom>
+        </p:spPr>
+        <p:style>
+          <a:lnRef idx="1">
+            <a:schemeClr val="dk1"/>
+          </a:lnRef>
+          <a:fillRef idx="0">
+            <a:schemeClr val="dk1"/>
+          </a:fillRef>
+          <a:effectRef idx="0">
+            <a:schemeClr val="dk1"/>
+          </a:effectRef>
+          <a:fontRef idx="minor">
+            <a:schemeClr val="tx1"/>
+          </a:fontRef>
+        </p:style>
+      </p:cxnSp>
+      <p:cxnSp>
+        <p:nvCxnSpPr>
+          <p:cNvPr id="15" name="Straight Connector 14">
+            <a:extLst>
+              <a:ext uri="{FF2B5EF4-FFF2-40B4-BE49-F238E27FC236}">
+                <a16:creationId xmlns:a16="http://schemas.microsoft.com/office/drawing/2014/main" id="{C12758DB-7029-08B8-9F8B-AC4EE8CEDB25}"/>
+              </a:ext>
+            </a:extLst>
+          </p:cNvPr>
+          <p:cNvCxnSpPr>
+            <a:cxnSpLocks/>
+            <a:endCxn id="31" idx="4"/>
+          </p:cNvCxnSpPr>
+          <p:nvPr/>
+        </p:nvCxnSpPr>
+        <p:spPr>
+          <a:xfrm>
+            <a:off x="4023566" y="4237302"/>
+            <a:ext cx="618620" cy="763798"/>
+          </a:xfrm>
+          <a:prstGeom prst="line">
+            <a:avLst/>
+          </a:prstGeom>
+        </p:spPr>
+        <p:style>
+          <a:lnRef idx="1">
+            <a:schemeClr val="dk1"/>
+          </a:lnRef>
+          <a:fillRef idx="0">
+            <a:schemeClr val="dk1"/>
+          </a:fillRef>
+          <a:effectRef idx="0">
+            <a:schemeClr val="dk1"/>
+          </a:effectRef>
+          <a:fontRef idx="minor">
+            <a:schemeClr val="tx1"/>
+          </a:fontRef>
+        </p:style>
+      </p:cxnSp>
+      <p:sp>
+        <p:nvSpPr>
+          <p:cNvPr id="16" name="Oval 15">
+            <a:extLst>
+              <a:ext uri="{FF2B5EF4-FFF2-40B4-BE49-F238E27FC236}">
+                <a16:creationId xmlns:a16="http://schemas.microsoft.com/office/drawing/2014/main" id="{249AE8B0-A804-1124-0EFB-2786F682387F}"/>
+              </a:ext>
+            </a:extLst>
+          </p:cNvPr>
+          <p:cNvSpPr/>
+          <p:nvPr/>
+        </p:nvSpPr>
+        <p:spPr>
+          <a:xfrm>
+            <a:off x="5234746" y="2421034"/>
+            <a:ext cx="112295" cy="112295"/>
+          </a:xfrm>
+          <a:prstGeom prst="ellipse">
+            <a:avLst/>
+          </a:prstGeom>
+          <a:solidFill>
+            <a:schemeClr val="accent6">
+              <a:lumMod val="50000"/>
+            </a:schemeClr>
+          </a:solidFill>
+          <a:ln>
+            <a:solidFill>
+              <a:schemeClr val="tx1"/>
+            </a:solidFill>
+          </a:ln>
+        </p:spPr>
+        <p:style>
+          <a:lnRef idx="2">
+            <a:schemeClr val="accent1">
+              <a:shade val="50000"/>
+            </a:schemeClr>
+          </a:lnRef>
+          <a:fillRef idx="1">
+            <a:schemeClr val="accent1"/>
+          </a:fillRef>
+          <a:effectRef idx="0">
+            <a:schemeClr val="accent1"/>
+          </a:effectRef>
+          <a:fontRef idx="minor">
+            <a:schemeClr val="lt1"/>
+          </a:fontRef>
+        </p:style>
+        <p:txBody>
+          <a:bodyPr rtlCol="0" anchor="ctr"/>
+          <a:lstStyle/>
+          <a:p>
+            <a:pPr algn="ctr"/>
+            <a:endParaRPr lang="en-GB"/>
+          </a:p>
+        </p:txBody>
+      </p:sp>
+      <p:sp>
+        <p:nvSpPr>
+          <p:cNvPr id="17" name="Oval 16">
+            <a:extLst>
+              <a:ext uri="{FF2B5EF4-FFF2-40B4-BE49-F238E27FC236}">
+                <a16:creationId xmlns:a16="http://schemas.microsoft.com/office/drawing/2014/main" id="{96DFB68C-0A9E-3F6C-02B9-D7F0DCFE12CA}"/>
+              </a:ext>
+            </a:extLst>
+          </p:cNvPr>
+          <p:cNvSpPr/>
+          <p:nvPr/>
+        </p:nvSpPr>
+        <p:spPr>
+          <a:xfrm>
+            <a:off x="4577018" y="2785489"/>
+            <a:ext cx="112295" cy="112295"/>
+          </a:xfrm>
+          <a:prstGeom prst="ellipse">
+            <a:avLst/>
+          </a:prstGeom>
+          <a:solidFill>
+            <a:schemeClr val="accent6">
+              <a:lumMod val="50000"/>
+            </a:schemeClr>
+          </a:solidFill>
+          <a:ln>
+            <a:solidFill>
+              <a:schemeClr val="tx1"/>
+            </a:solidFill>
+          </a:ln>
+        </p:spPr>
+        <p:style>
+          <a:lnRef idx="2">
+            <a:schemeClr val="accent1">
+              <a:shade val="50000"/>
+            </a:schemeClr>
+          </a:lnRef>
+          <a:fillRef idx="1">
+            <a:schemeClr val="accent1"/>
+          </a:fillRef>
+          <a:effectRef idx="0">
+            <a:schemeClr val="accent1"/>
+          </a:effectRef>
+          <a:fontRef idx="minor">
+            <a:schemeClr val="lt1"/>
+          </a:fontRef>
+        </p:style>
+        <p:txBody>
+          <a:bodyPr rtlCol="0" anchor="ctr"/>
+          <a:lstStyle/>
+          <a:p>
+            <a:pPr algn="ctr"/>
+            <a:endParaRPr lang="en-GB"/>
+          </a:p>
+        </p:txBody>
+      </p:sp>
+      <p:sp>
+        <p:nvSpPr>
+          <p:cNvPr id="18" name="Oval 17">
+            <a:extLst>
+              <a:ext uri="{FF2B5EF4-FFF2-40B4-BE49-F238E27FC236}">
+                <a16:creationId xmlns:a16="http://schemas.microsoft.com/office/drawing/2014/main" id="{0965CA39-6689-2C05-865B-A0D5EAF42350}"/>
+              </a:ext>
+            </a:extLst>
+          </p:cNvPr>
+          <p:cNvSpPr/>
+          <p:nvPr/>
+        </p:nvSpPr>
+        <p:spPr>
+          <a:xfrm>
+            <a:off x="3934680" y="3096302"/>
+            <a:ext cx="112295" cy="112295"/>
+          </a:xfrm>
+          <a:prstGeom prst="ellipse">
+            <a:avLst/>
+          </a:prstGeom>
+          <a:solidFill>
+            <a:schemeClr val="accent6">
+              <a:lumMod val="50000"/>
+            </a:schemeClr>
+          </a:solidFill>
+          <a:ln>
+            <a:solidFill>
+              <a:schemeClr val="tx1"/>
+            </a:solidFill>
+          </a:ln>
+        </p:spPr>
+        <p:style>
+          <a:lnRef idx="2">
+            <a:schemeClr val="accent1">
+              <a:shade val="50000"/>
+            </a:schemeClr>
+          </a:lnRef>
+          <a:fillRef idx="1">
+            <a:schemeClr val="accent1"/>
+          </a:fillRef>
+          <a:effectRef idx="0">
+            <a:schemeClr val="accent1"/>
+          </a:effectRef>
+          <a:fontRef idx="minor">
+            <a:schemeClr val="lt1"/>
+          </a:fontRef>
+        </p:style>
+        <p:txBody>
+          <a:bodyPr rtlCol="0" anchor="ctr"/>
+          <a:lstStyle/>
+          <a:p>
+            <a:pPr algn="ctr"/>
+            <a:endParaRPr lang="en-GB"/>
+          </a:p>
+        </p:txBody>
+      </p:sp>
+      <p:sp>
+        <p:nvSpPr>
+          <p:cNvPr id="19" name="Oval 18">
+            <a:extLst>
+              <a:ext uri="{FF2B5EF4-FFF2-40B4-BE49-F238E27FC236}">
+                <a16:creationId xmlns:a16="http://schemas.microsoft.com/office/drawing/2014/main" id="{D3B0831C-BF61-DEFC-E92A-53313D89BAB5}"/>
+              </a:ext>
+            </a:extLst>
+          </p:cNvPr>
+          <p:cNvSpPr/>
+          <p:nvPr/>
+        </p:nvSpPr>
+        <p:spPr>
+          <a:xfrm>
+            <a:off x="3951375" y="4203208"/>
+            <a:ext cx="112295" cy="112295"/>
+          </a:xfrm>
+          <a:prstGeom prst="ellipse">
+            <a:avLst/>
+          </a:prstGeom>
+          <a:solidFill>
+            <a:schemeClr val="accent6">
+              <a:lumMod val="50000"/>
+            </a:schemeClr>
+          </a:solidFill>
+          <a:ln>
+            <a:solidFill>
+              <a:schemeClr val="tx1"/>
+            </a:solidFill>
+          </a:ln>
+        </p:spPr>
+        <p:style>
+          <a:lnRef idx="2">
+            <a:schemeClr val="accent1">
+              <a:shade val="50000"/>
+            </a:schemeClr>
+          </a:lnRef>
+          <a:fillRef idx="1">
+            <a:schemeClr val="accent1"/>
+          </a:fillRef>
+          <a:effectRef idx="0">
+            <a:schemeClr val="accent1"/>
+          </a:effectRef>
+          <a:fontRef idx="minor">
+            <a:schemeClr val="lt1"/>
+          </a:fontRef>
+        </p:style>
+        <p:txBody>
+          <a:bodyPr rtlCol="0" anchor="ctr"/>
+          <a:lstStyle/>
+          <a:p>
+            <a:pPr algn="ctr"/>
+            <a:endParaRPr lang="en-GB"/>
+          </a:p>
+        </p:txBody>
+      </p:sp>
+      <p:sp>
+        <p:nvSpPr>
+          <p:cNvPr id="20" name="Oval 19">
+            <a:extLst>
+              <a:ext uri="{FF2B5EF4-FFF2-40B4-BE49-F238E27FC236}">
+                <a16:creationId xmlns:a16="http://schemas.microsoft.com/office/drawing/2014/main" id="{82AF884D-1A4C-AED2-ECA3-B8F90529220B}"/>
+              </a:ext>
+            </a:extLst>
+          </p:cNvPr>
+          <p:cNvSpPr/>
+          <p:nvPr/>
+        </p:nvSpPr>
+        <p:spPr>
+          <a:xfrm>
+            <a:off x="3934680" y="5149691"/>
+            <a:ext cx="112295" cy="112295"/>
+          </a:xfrm>
+          <a:prstGeom prst="ellipse">
+            <a:avLst/>
+          </a:prstGeom>
+          <a:solidFill>
+            <a:schemeClr val="accent6">
+              <a:lumMod val="50000"/>
+            </a:schemeClr>
+          </a:solidFill>
+          <a:ln>
+            <a:solidFill>
+              <a:schemeClr val="tx1"/>
+            </a:solidFill>
+          </a:ln>
+        </p:spPr>
+        <p:style>
+          <a:lnRef idx="2">
+            <a:schemeClr val="accent1">
+              <a:shade val="50000"/>
+            </a:schemeClr>
+          </a:lnRef>
+          <a:fillRef idx="1">
+            <a:schemeClr val="accent1"/>
+          </a:fillRef>
+          <a:effectRef idx="0">
+            <a:schemeClr val="accent1"/>
+          </a:effectRef>
+          <a:fontRef idx="minor">
+            <a:schemeClr val="lt1"/>
+          </a:fontRef>
+        </p:style>
+        <p:txBody>
+          <a:bodyPr rtlCol="0" anchor="ctr"/>
+          <a:lstStyle/>
+          <a:p>
+            <a:pPr algn="ctr"/>
+            <a:endParaRPr lang="en-GB"/>
+          </a:p>
+        </p:txBody>
+      </p:sp>
+      <p:sp>
+        <p:nvSpPr>
+          <p:cNvPr id="21" name="Oval 20">
+            <a:extLst>
+              <a:ext uri="{FF2B5EF4-FFF2-40B4-BE49-F238E27FC236}">
+                <a16:creationId xmlns:a16="http://schemas.microsoft.com/office/drawing/2014/main" id="{8B55CADA-601D-2637-2E76-2E830436C3E7}"/>
+              </a:ext>
+            </a:extLst>
+          </p:cNvPr>
+          <p:cNvSpPr/>
+          <p:nvPr/>
+        </p:nvSpPr>
+        <p:spPr>
+          <a:xfrm>
+            <a:off x="4593061" y="3852289"/>
+            <a:ext cx="112295" cy="112295"/>
+          </a:xfrm>
+          <a:prstGeom prst="ellipse">
+            <a:avLst/>
+          </a:prstGeom>
+          <a:solidFill>
+            <a:schemeClr val="accent6">
+              <a:lumMod val="50000"/>
+            </a:schemeClr>
+          </a:solidFill>
+          <a:ln>
+            <a:solidFill>
+              <a:schemeClr val="tx1"/>
+            </a:solidFill>
+          </a:ln>
+        </p:spPr>
+        <p:style>
+          <a:lnRef idx="2">
+            <a:schemeClr val="accent1">
+              <a:shade val="50000"/>
+            </a:schemeClr>
+          </a:lnRef>
+          <a:fillRef idx="1">
+            <a:schemeClr val="accent1"/>
+          </a:fillRef>
+          <a:effectRef idx="0">
+            <a:schemeClr val="accent1"/>
+          </a:effectRef>
+          <a:fontRef idx="minor">
+            <a:schemeClr val="lt1"/>
+          </a:fontRef>
+        </p:style>
+        <p:txBody>
+          <a:bodyPr rtlCol="0" anchor="ctr"/>
+          <a:lstStyle/>
+          <a:p>
+            <a:pPr algn="ctr"/>
+            <a:endParaRPr lang="en-GB"/>
+          </a:p>
+        </p:txBody>
+      </p:sp>
+      <p:sp>
+        <p:nvSpPr>
+          <p:cNvPr id="22" name="Oval 21">
+            <a:extLst>
+              <a:ext uri="{FF2B5EF4-FFF2-40B4-BE49-F238E27FC236}">
+                <a16:creationId xmlns:a16="http://schemas.microsoft.com/office/drawing/2014/main" id="{EC28E3B5-23BF-3EFA-8717-259F3A7D333E}"/>
+              </a:ext>
+            </a:extLst>
+          </p:cNvPr>
+          <p:cNvSpPr/>
+          <p:nvPr/>
+        </p:nvSpPr>
+        <p:spPr>
+          <a:xfrm>
+            <a:off x="5250975" y="3512134"/>
+            <a:ext cx="112295" cy="112295"/>
+          </a:xfrm>
+          <a:prstGeom prst="ellipse">
+            <a:avLst/>
+          </a:prstGeom>
+          <a:solidFill>
+            <a:schemeClr val="accent6">
+              <a:lumMod val="50000"/>
+            </a:schemeClr>
+          </a:solidFill>
+          <a:ln>
+            <a:solidFill>
+              <a:schemeClr val="tx1"/>
+            </a:solidFill>
+          </a:ln>
+        </p:spPr>
+        <p:style>
+          <a:lnRef idx="2">
+            <a:schemeClr val="accent1">
+              <a:shade val="50000"/>
+            </a:schemeClr>
+          </a:lnRef>
+          <a:fillRef idx="1">
+            <a:schemeClr val="accent1"/>
+          </a:fillRef>
+          <a:effectRef idx="0">
+            <a:schemeClr val="accent1"/>
+          </a:effectRef>
+          <a:fontRef idx="minor">
+            <a:schemeClr val="lt1"/>
+          </a:fontRef>
+        </p:style>
+        <p:txBody>
+          <a:bodyPr rtlCol="0" anchor="ctr"/>
+          <a:lstStyle/>
+          <a:p>
+            <a:pPr algn="ctr"/>
+            <a:endParaRPr lang="en-GB"/>
+          </a:p>
+        </p:txBody>
+      </p:sp>
+      <p:sp>
+        <p:nvSpPr>
+          <p:cNvPr id="23" name="Oval 22">
+            <a:extLst>
+              <a:ext uri="{FF2B5EF4-FFF2-40B4-BE49-F238E27FC236}">
+                <a16:creationId xmlns:a16="http://schemas.microsoft.com/office/drawing/2014/main" id="{3E98AD73-617E-B77B-A259-3A4E1FE19469}"/>
+              </a:ext>
+            </a:extLst>
+          </p:cNvPr>
+          <p:cNvSpPr/>
+          <p:nvPr/>
+        </p:nvSpPr>
+        <p:spPr>
+          <a:xfrm>
+            <a:off x="4593061" y="4859791"/>
+            <a:ext cx="112295" cy="112295"/>
+          </a:xfrm>
+          <a:prstGeom prst="ellipse">
+            <a:avLst/>
+          </a:prstGeom>
+          <a:solidFill>
+            <a:schemeClr val="accent6">
+              <a:lumMod val="50000"/>
+            </a:schemeClr>
+          </a:solidFill>
+          <a:ln>
+            <a:solidFill>
+              <a:schemeClr val="tx1"/>
+            </a:solidFill>
+          </a:ln>
+        </p:spPr>
+        <p:style>
+          <a:lnRef idx="2">
+            <a:schemeClr val="accent1">
+              <a:shade val="50000"/>
+            </a:schemeClr>
+          </a:lnRef>
+          <a:fillRef idx="1">
+            <a:schemeClr val="accent1"/>
+          </a:fillRef>
+          <a:effectRef idx="0">
+            <a:schemeClr val="accent1"/>
+          </a:effectRef>
+          <a:fontRef idx="minor">
+            <a:schemeClr val="lt1"/>
+          </a:fontRef>
+        </p:style>
+        <p:txBody>
+          <a:bodyPr rtlCol="0" anchor="ctr"/>
+          <a:lstStyle/>
+          <a:p>
+            <a:pPr algn="ctr"/>
+            <a:endParaRPr lang="en-GB"/>
+          </a:p>
+        </p:txBody>
+      </p:sp>
+      <p:sp>
+        <p:nvSpPr>
+          <p:cNvPr id="24" name="Oval 23">
+            <a:extLst>
+              <a:ext uri="{FF2B5EF4-FFF2-40B4-BE49-F238E27FC236}">
+                <a16:creationId xmlns:a16="http://schemas.microsoft.com/office/drawing/2014/main" id="{7395BA2B-85BB-9959-618A-A9CD5C68B991}"/>
+              </a:ext>
+            </a:extLst>
+          </p:cNvPr>
+          <p:cNvSpPr/>
+          <p:nvPr/>
+        </p:nvSpPr>
+        <p:spPr>
+          <a:xfrm>
+            <a:off x="5218704" y="4506971"/>
+            <a:ext cx="112295" cy="112295"/>
+          </a:xfrm>
+          <a:prstGeom prst="ellipse">
+            <a:avLst/>
+          </a:prstGeom>
+          <a:solidFill>
+            <a:schemeClr val="accent6">
+              <a:lumMod val="50000"/>
+            </a:schemeClr>
+          </a:solidFill>
+          <a:ln>
+            <a:solidFill>
+              <a:schemeClr val="tx1"/>
+            </a:solidFill>
+          </a:ln>
+        </p:spPr>
+        <p:style>
+          <a:lnRef idx="2">
+            <a:schemeClr val="accent1">
+              <a:shade val="50000"/>
+            </a:schemeClr>
+          </a:lnRef>
+          <a:fillRef idx="1">
+            <a:schemeClr val="accent1"/>
+          </a:fillRef>
+          <a:effectRef idx="0">
+            <a:schemeClr val="accent1"/>
+          </a:effectRef>
+          <a:fontRef idx="minor">
+            <a:schemeClr val="lt1"/>
+          </a:fontRef>
+        </p:style>
+        <p:txBody>
+          <a:bodyPr rtlCol="0" anchor="ctr"/>
+          <a:lstStyle/>
+          <a:p>
+            <a:pPr algn="ctr"/>
+            <a:endParaRPr lang="en-GB"/>
+          </a:p>
+        </p:txBody>
+      </p:sp>
+      <p:sp>
+        <p:nvSpPr>
+          <p:cNvPr id="25" name="Oval 24">
+            <a:extLst>
+              <a:ext uri="{FF2B5EF4-FFF2-40B4-BE49-F238E27FC236}">
+                <a16:creationId xmlns:a16="http://schemas.microsoft.com/office/drawing/2014/main" id="{0D8B5CC3-1A1E-60E5-0948-322080CBE1C8}"/>
+              </a:ext>
+            </a:extLst>
+          </p:cNvPr>
+          <p:cNvSpPr/>
+          <p:nvPr/>
+        </p:nvSpPr>
+        <p:spPr>
+          <a:xfrm>
+            <a:off x="3918926" y="3088293"/>
+            <a:ext cx="173006" cy="162606"/>
+          </a:xfrm>
+          <a:prstGeom prst="ellipse">
+            <a:avLst/>
+          </a:prstGeom>
+          <a:solidFill>
+            <a:srgbClr val="FF0000"/>
+          </a:solidFill>
+          <a:ln>
+            <a:solidFill>
+              <a:srgbClr val="FF0000"/>
+            </a:solidFill>
+          </a:ln>
+        </p:spPr>
+        <p:style>
+          <a:lnRef idx="2">
+            <a:schemeClr val="accent1">
+              <a:shade val="50000"/>
+            </a:schemeClr>
+          </a:lnRef>
+          <a:fillRef idx="1">
+            <a:schemeClr val="accent1"/>
+          </a:fillRef>
+          <a:effectRef idx="0">
+            <a:schemeClr val="accent1"/>
+          </a:effectRef>
+          <a:fontRef idx="minor">
+            <a:schemeClr val="lt1"/>
+          </a:fontRef>
+        </p:style>
+        <p:txBody>
+          <a:bodyPr rtlCol="0" anchor="ctr"/>
+          <a:lstStyle/>
+          <a:p>
+            <a:pPr algn="ctr"/>
+            <a:endParaRPr lang="en-GB"/>
+          </a:p>
+        </p:txBody>
+      </p:sp>
+      <p:sp>
+        <p:nvSpPr>
+          <p:cNvPr id="26" name="Oval 25">
+            <a:extLst>
+              <a:ext uri="{FF2B5EF4-FFF2-40B4-BE49-F238E27FC236}">
+                <a16:creationId xmlns:a16="http://schemas.microsoft.com/office/drawing/2014/main" id="{2EB80423-EE5C-8B57-0D72-79752DC66FBB}"/>
+              </a:ext>
+            </a:extLst>
+          </p:cNvPr>
+          <p:cNvSpPr/>
+          <p:nvPr/>
+        </p:nvSpPr>
+        <p:spPr>
+          <a:xfrm>
+            <a:off x="5207887" y="3465409"/>
+            <a:ext cx="173006" cy="162606"/>
+          </a:xfrm>
+          <a:prstGeom prst="ellipse">
+            <a:avLst/>
+          </a:prstGeom>
+          <a:solidFill>
+            <a:srgbClr val="FF0000"/>
+          </a:solidFill>
+          <a:ln>
+            <a:solidFill>
+              <a:srgbClr val="FF0000"/>
+            </a:solidFill>
+          </a:ln>
+        </p:spPr>
+        <p:style>
+          <a:lnRef idx="2">
+            <a:schemeClr val="accent1">
+              <a:shade val="50000"/>
+            </a:schemeClr>
+          </a:lnRef>
+          <a:fillRef idx="1">
+            <a:schemeClr val="accent1"/>
+          </a:fillRef>
+          <a:effectRef idx="0">
+            <a:schemeClr val="accent1"/>
+          </a:effectRef>
+          <a:fontRef idx="minor">
+            <a:schemeClr val="lt1"/>
+          </a:fontRef>
+        </p:style>
+        <p:txBody>
+          <a:bodyPr rtlCol="0" anchor="ctr"/>
+          <a:lstStyle/>
+          <a:p>
+            <a:pPr algn="ctr"/>
+            <a:endParaRPr lang="en-GB"/>
+          </a:p>
+        </p:txBody>
+      </p:sp>
+      <p:sp>
+        <p:nvSpPr>
+          <p:cNvPr id="27" name="Oval 26">
+            <a:extLst>
+              <a:ext uri="{FF2B5EF4-FFF2-40B4-BE49-F238E27FC236}">
+                <a16:creationId xmlns:a16="http://schemas.microsoft.com/office/drawing/2014/main" id="{76AE22AC-748F-FE46-E320-253D884A9989}"/>
+              </a:ext>
+            </a:extLst>
+          </p:cNvPr>
+          <p:cNvSpPr/>
+          <p:nvPr/>
+        </p:nvSpPr>
+        <p:spPr>
+          <a:xfrm>
+            <a:off x="4554452" y="3834331"/>
+            <a:ext cx="173006" cy="162606"/>
+          </a:xfrm>
+          <a:prstGeom prst="ellipse">
+            <a:avLst/>
+          </a:prstGeom>
+          <a:solidFill>
+            <a:srgbClr val="7030A0"/>
+          </a:solidFill>
+          <a:ln>
+            <a:solidFill>
+              <a:srgbClr val="7030A0"/>
+            </a:solidFill>
+          </a:ln>
+        </p:spPr>
+        <p:style>
+          <a:lnRef idx="2">
+            <a:schemeClr val="accent1">
+              <a:shade val="50000"/>
+            </a:schemeClr>
+          </a:lnRef>
+          <a:fillRef idx="1">
+            <a:schemeClr val="accent1"/>
+          </a:fillRef>
+          <a:effectRef idx="0">
+            <a:schemeClr val="accent1"/>
+          </a:effectRef>
+          <a:fontRef idx="minor">
+            <a:schemeClr val="lt1"/>
+          </a:fontRef>
+        </p:style>
+        <p:txBody>
+          <a:bodyPr rtlCol="0" anchor="ctr"/>
+          <a:lstStyle/>
+          <a:p>
+            <a:pPr algn="ctr"/>
+            <a:endParaRPr lang="en-GB"/>
+          </a:p>
+        </p:txBody>
+      </p:sp>
+      <p:sp>
+        <p:nvSpPr>
+          <p:cNvPr id="28" name="Oval 27">
+            <a:extLst>
+              <a:ext uri="{FF2B5EF4-FFF2-40B4-BE49-F238E27FC236}">
+                <a16:creationId xmlns:a16="http://schemas.microsoft.com/office/drawing/2014/main" id="{60E5713D-FF68-28AF-12FA-D31E792B4CB6}"/>
+              </a:ext>
+            </a:extLst>
+          </p:cNvPr>
+          <p:cNvSpPr/>
+          <p:nvPr/>
+        </p:nvSpPr>
+        <p:spPr>
+          <a:xfrm>
+            <a:off x="4564568" y="2754434"/>
+            <a:ext cx="173006" cy="162606"/>
+          </a:xfrm>
+          <a:prstGeom prst="ellipse">
+            <a:avLst/>
+          </a:prstGeom>
+          <a:solidFill>
+            <a:srgbClr val="00B0F0"/>
+          </a:solidFill>
+          <a:ln>
+            <a:solidFill>
+              <a:srgbClr val="00B0F0"/>
+            </a:solidFill>
+          </a:ln>
+        </p:spPr>
+        <p:style>
+          <a:lnRef idx="2">
+            <a:schemeClr val="accent1">
+              <a:shade val="50000"/>
+            </a:schemeClr>
+          </a:lnRef>
+          <a:fillRef idx="1">
+            <a:schemeClr val="accent1"/>
+          </a:fillRef>
+          <a:effectRef idx="0">
+            <a:schemeClr val="accent1"/>
+          </a:effectRef>
+          <a:fontRef idx="minor">
+            <a:schemeClr val="lt1"/>
+          </a:fontRef>
+        </p:style>
+        <p:txBody>
+          <a:bodyPr rtlCol="0" anchor="ctr"/>
+          <a:lstStyle/>
+          <a:p>
+            <a:pPr algn="ctr"/>
+            <a:endParaRPr lang="en-GB"/>
+          </a:p>
+        </p:txBody>
+      </p:sp>
+      <p:sp>
+        <p:nvSpPr>
+          <p:cNvPr id="29" name="Oval 28">
+            <a:extLst>
+              <a:ext uri="{FF2B5EF4-FFF2-40B4-BE49-F238E27FC236}">
+                <a16:creationId xmlns:a16="http://schemas.microsoft.com/office/drawing/2014/main" id="{4F8E3375-9D5C-DB99-D52F-656B814C25E5}"/>
+              </a:ext>
+            </a:extLst>
+          </p:cNvPr>
+          <p:cNvSpPr/>
+          <p:nvPr/>
+        </p:nvSpPr>
+        <p:spPr>
+          <a:xfrm>
+            <a:off x="3947091" y="4174132"/>
+            <a:ext cx="173006" cy="162606"/>
+          </a:xfrm>
+          <a:prstGeom prst="ellipse">
+            <a:avLst/>
+          </a:prstGeom>
+          <a:solidFill>
+            <a:srgbClr val="00B0F0"/>
+          </a:solidFill>
+          <a:ln>
+            <a:solidFill>
+              <a:srgbClr val="00B0F0"/>
+            </a:solidFill>
+          </a:ln>
+        </p:spPr>
+        <p:style>
+          <a:lnRef idx="2">
+            <a:schemeClr val="accent1">
+              <a:shade val="50000"/>
+            </a:schemeClr>
+          </a:lnRef>
+          <a:fillRef idx="1">
+            <a:schemeClr val="accent1"/>
+          </a:fillRef>
+          <a:effectRef idx="0">
+            <a:schemeClr val="accent1"/>
+          </a:effectRef>
+          <a:fontRef idx="minor">
+            <a:schemeClr val="lt1"/>
+          </a:fontRef>
+        </p:style>
+        <p:txBody>
+          <a:bodyPr rtlCol="0" anchor="ctr"/>
+          <a:lstStyle/>
+          <a:p>
+            <a:pPr algn="ctr"/>
+            <a:endParaRPr lang="en-GB"/>
+          </a:p>
+        </p:txBody>
+      </p:sp>
+      <p:sp>
+        <p:nvSpPr>
+          <p:cNvPr id="30" name="Oval 29">
+            <a:extLst>
+              <a:ext uri="{FF2B5EF4-FFF2-40B4-BE49-F238E27FC236}">
+                <a16:creationId xmlns:a16="http://schemas.microsoft.com/office/drawing/2014/main" id="{F2712580-EAF6-8C56-64E1-888DFFFD64ED}"/>
+              </a:ext>
+            </a:extLst>
+          </p:cNvPr>
+          <p:cNvSpPr/>
+          <p:nvPr/>
+        </p:nvSpPr>
+        <p:spPr>
+          <a:xfrm>
+            <a:off x="5197824" y="2387355"/>
+            <a:ext cx="173006" cy="162606"/>
+          </a:xfrm>
+          <a:prstGeom prst="ellipse">
+            <a:avLst/>
+          </a:prstGeom>
+          <a:solidFill>
+            <a:srgbClr val="7030A0"/>
+          </a:solidFill>
+          <a:ln>
+            <a:solidFill>
+              <a:srgbClr val="7030A0"/>
+            </a:solidFill>
+          </a:ln>
+        </p:spPr>
+        <p:style>
+          <a:lnRef idx="2">
+            <a:schemeClr val="accent1">
+              <a:shade val="50000"/>
+            </a:schemeClr>
+          </a:lnRef>
+          <a:fillRef idx="1">
+            <a:schemeClr val="accent1"/>
+          </a:fillRef>
+          <a:effectRef idx="0">
+            <a:schemeClr val="accent1"/>
+          </a:effectRef>
+          <a:fontRef idx="minor">
+            <a:schemeClr val="lt1"/>
+          </a:fontRef>
+        </p:style>
+        <p:txBody>
+          <a:bodyPr rtlCol="0" anchor="ctr"/>
+          <a:lstStyle/>
+          <a:p>
+            <a:pPr algn="ctr"/>
+            <a:endParaRPr lang="en-GB"/>
+          </a:p>
+        </p:txBody>
+      </p:sp>
+      <p:sp>
+        <p:nvSpPr>
+          <p:cNvPr id="31" name="Oval 30">
+            <a:extLst>
+              <a:ext uri="{FF2B5EF4-FFF2-40B4-BE49-F238E27FC236}">
+                <a16:creationId xmlns:a16="http://schemas.microsoft.com/office/drawing/2014/main" id="{13E5E4BB-77B1-0985-34A3-1ED09A9133B5}"/>
+              </a:ext>
+            </a:extLst>
+          </p:cNvPr>
+          <p:cNvSpPr/>
+          <p:nvPr/>
+        </p:nvSpPr>
+        <p:spPr>
+          <a:xfrm>
+            <a:off x="4555683" y="4838494"/>
+            <a:ext cx="173006" cy="162606"/>
+          </a:xfrm>
+          <a:prstGeom prst="ellipse">
+            <a:avLst/>
+          </a:prstGeom>
+          <a:solidFill>
+            <a:srgbClr val="FF0000"/>
+          </a:solidFill>
+          <a:ln>
+            <a:solidFill>
+              <a:srgbClr val="FF0000"/>
+            </a:solidFill>
+          </a:ln>
+        </p:spPr>
+        <p:style>
+          <a:lnRef idx="2">
+            <a:schemeClr val="accent1">
+              <a:shade val="50000"/>
+            </a:schemeClr>
+          </a:lnRef>
+          <a:fillRef idx="1">
+            <a:schemeClr val="accent1"/>
+          </a:fillRef>
+          <a:effectRef idx="0">
+            <a:schemeClr val="accent1"/>
+          </a:effectRef>
+          <a:fontRef idx="minor">
+            <a:schemeClr val="lt1"/>
+          </a:fontRef>
+        </p:style>
+        <p:txBody>
+          <a:bodyPr rtlCol="0" anchor="ctr"/>
+          <a:lstStyle/>
+          <a:p>
+            <a:pPr algn="ctr"/>
+            <a:endParaRPr lang="en-GB"/>
+          </a:p>
+        </p:txBody>
+      </p:sp>
+      <p:sp>
+        <p:nvSpPr>
+          <p:cNvPr id="32" name="Oval 31">
+            <a:extLst>
+              <a:ext uri="{FF2B5EF4-FFF2-40B4-BE49-F238E27FC236}">
+                <a16:creationId xmlns:a16="http://schemas.microsoft.com/office/drawing/2014/main" id="{FFBE2CA6-112D-43E8-DB92-3BAE9B097CAF}"/>
+              </a:ext>
+            </a:extLst>
+          </p:cNvPr>
+          <p:cNvSpPr/>
+          <p:nvPr/>
+        </p:nvSpPr>
+        <p:spPr>
+          <a:xfrm>
+            <a:off x="3935783" y="5141623"/>
+            <a:ext cx="173006" cy="162606"/>
+          </a:xfrm>
+          <a:prstGeom prst="ellipse">
+            <a:avLst/>
+          </a:prstGeom>
+          <a:solidFill>
+            <a:srgbClr val="7030A0"/>
+          </a:solidFill>
+          <a:ln>
+            <a:solidFill>
+              <a:srgbClr val="7030A0"/>
+            </a:solidFill>
+          </a:ln>
+        </p:spPr>
+        <p:style>
+          <a:lnRef idx="2">
+            <a:schemeClr val="accent1">
+              <a:shade val="50000"/>
+            </a:schemeClr>
+          </a:lnRef>
+          <a:fillRef idx="1">
+            <a:schemeClr val="accent1"/>
+          </a:fillRef>
+          <a:effectRef idx="0">
+            <a:schemeClr val="accent1"/>
+          </a:effectRef>
+          <a:fontRef idx="minor">
+            <a:schemeClr val="lt1"/>
+          </a:fontRef>
+        </p:style>
+        <p:txBody>
+          <a:bodyPr rtlCol="0" anchor="ctr"/>
+          <a:lstStyle/>
+          <a:p>
+            <a:pPr algn="ctr"/>
+            <a:endParaRPr lang="en-GB"/>
+          </a:p>
+        </p:txBody>
+      </p:sp>
+      <p:sp>
+        <p:nvSpPr>
+          <p:cNvPr id="33" name="Oval 32">
+            <a:extLst>
+              <a:ext uri="{FF2B5EF4-FFF2-40B4-BE49-F238E27FC236}">
+                <a16:creationId xmlns:a16="http://schemas.microsoft.com/office/drawing/2014/main" id="{D267F6AC-4FC0-CBF0-9245-81E092BA7091}"/>
+              </a:ext>
+            </a:extLst>
+          </p:cNvPr>
+          <p:cNvSpPr/>
+          <p:nvPr/>
+        </p:nvSpPr>
+        <p:spPr>
+          <a:xfrm>
+            <a:off x="5204906" y="4473935"/>
+            <a:ext cx="173006" cy="162606"/>
+          </a:xfrm>
+          <a:prstGeom prst="ellipse">
+            <a:avLst/>
+          </a:prstGeom>
+          <a:solidFill>
+            <a:srgbClr val="00B0F0"/>
+          </a:solidFill>
+          <a:ln>
+            <a:solidFill>
+              <a:srgbClr val="00B0F0"/>
+            </a:solidFill>
+          </a:ln>
+        </p:spPr>
+        <p:style>
+          <a:lnRef idx="2">
+            <a:schemeClr val="accent1">
+              <a:shade val="50000"/>
+            </a:schemeClr>
+          </a:lnRef>
+          <a:fillRef idx="1">
+            <a:schemeClr val="accent1"/>
+          </a:fillRef>
+          <a:effectRef idx="0">
+            <a:schemeClr val="accent1"/>
+          </a:effectRef>
+          <a:fontRef idx="minor">
+            <a:schemeClr val="lt1"/>
+          </a:fontRef>
+        </p:style>
+        <p:txBody>
+          <a:bodyPr rtlCol="0" anchor="ctr"/>
+          <a:lstStyle/>
+          <a:p>
+            <a:pPr algn="ctr"/>
+            <a:endParaRPr lang="en-GB"/>
+          </a:p>
+        </p:txBody>
+      </p:sp>
+      <p:sp>
+        <p:nvSpPr>
+          <p:cNvPr id="34" name="Freeform: Shape 33">
+            <a:extLst>
+              <a:ext uri="{FF2B5EF4-FFF2-40B4-BE49-F238E27FC236}">
+                <a16:creationId xmlns:a16="http://schemas.microsoft.com/office/drawing/2014/main" id="{8457E3C9-C695-AB63-2441-6C27E25DD3D5}"/>
+              </a:ext>
+            </a:extLst>
+          </p:cNvPr>
+          <p:cNvSpPr/>
+          <p:nvPr/>
+        </p:nvSpPr>
+        <p:spPr>
+          <a:xfrm>
+            <a:off x="7350603" y="2436291"/>
+            <a:ext cx="312378" cy="2085937"/>
           </a:xfrm>
           <a:custGeom>
             <a:avLst/>
@@ -20115,10 +19572,10 @@
       </p:sp>
       <p:sp>
         <p:nvSpPr>
-          <p:cNvPr id="148" name="Freeform: Shape 147">
+          <p:cNvPr id="35" name="Freeform: Shape 34">
             <a:extLst>
               <a:ext uri="{FF2B5EF4-FFF2-40B4-BE49-F238E27FC236}">
-                <a16:creationId xmlns:a16="http://schemas.microsoft.com/office/drawing/2014/main" id="{CC306607-0CBE-2DC3-1482-97156C0C7744}"/>
+                <a16:creationId xmlns:a16="http://schemas.microsoft.com/office/drawing/2014/main" id="{23095DCF-21A1-23C1-F5C2-1A4C59AF7329}"/>
               </a:ext>
             </a:extLst>
           </p:cNvPr>
@@ -20127,8 +19584,8 @@
         </p:nvSpPr>
         <p:spPr>
           <a:xfrm>
-            <a:off x="9193743" y="2805248"/>
-            <a:ext cx="320838" cy="3043978"/>
+            <a:off x="6091922" y="3118360"/>
+            <a:ext cx="295496" cy="2091692"/>
           </a:xfrm>
           <a:custGeom>
             <a:avLst/>
@@ -20204,20 +19661,23 @@
       </p:sp>
       <p:cxnSp>
         <p:nvCxnSpPr>
-          <p:cNvPr id="149" name="Straight Connector 148">
+          <p:cNvPr id="36" name="Straight Connector 35">
             <a:extLst>
               <a:ext uri="{FF2B5EF4-FFF2-40B4-BE49-F238E27FC236}">
-                <a16:creationId xmlns:a16="http://schemas.microsoft.com/office/drawing/2014/main" id="{73F9A7D7-3ECF-0C3C-8C95-D990F42EF542}"/>
+                <a16:creationId xmlns:a16="http://schemas.microsoft.com/office/drawing/2014/main" id="{226E8CFC-1B00-F199-69C8-775478A6127E}"/>
               </a:ext>
             </a:extLst>
           </p:cNvPr>
-          <p:cNvCxnSpPr/>
+          <p:cNvCxnSpPr>
+            <a:cxnSpLocks/>
+            <a:stCxn id="51" idx="0"/>
+          </p:cNvCxnSpPr>
           <p:nvPr/>
         </p:nvCxnSpPr>
         <p:spPr>
           <a:xfrm flipV="1">
-            <a:off x="9498541" y="2809259"/>
-            <a:ext cx="0" cy="3104148"/>
+            <a:off x="6380023" y="3122371"/>
+            <a:ext cx="16697" cy="2027320"/>
           </a:xfrm>
           <a:prstGeom prst="line">
             <a:avLst/>
@@ -20240,20 +19700,23 @@
       </p:cxnSp>
       <p:cxnSp>
         <p:nvCxnSpPr>
-          <p:cNvPr id="150" name="Straight Connector 149">
+          <p:cNvPr id="37" name="Straight Connector 36">
             <a:extLst>
               <a:ext uri="{FF2B5EF4-FFF2-40B4-BE49-F238E27FC236}">
-                <a16:creationId xmlns:a16="http://schemas.microsoft.com/office/drawing/2014/main" id="{3065CB9F-C6AB-F2E9-7CB2-4179C08D8634}"/>
+                <a16:creationId xmlns:a16="http://schemas.microsoft.com/office/drawing/2014/main" id="{64F27DB1-D3FE-3525-4FC6-524AFA1C03F3}"/>
               </a:ext>
             </a:extLst>
           </p:cNvPr>
-          <p:cNvCxnSpPr/>
+          <p:cNvCxnSpPr>
+            <a:cxnSpLocks/>
+            <a:stCxn id="54" idx="4"/>
+          </p:cNvCxnSpPr>
           <p:nvPr/>
         </p:nvCxnSpPr>
         <p:spPr>
-          <a:xfrm flipV="1">
-            <a:off x="10132204" y="2520501"/>
-            <a:ext cx="0" cy="3104148"/>
+          <a:xfrm flipH="1" flipV="1">
+            <a:off x="7030383" y="2833613"/>
+            <a:ext cx="8021" cy="2138473"/>
           </a:xfrm>
           <a:prstGeom prst="line">
             <a:avLst/>
@@ -20276,20 +19739,23 @@
       </p:cxnSp>
       <p:cxnSp>
         <p:nvCxnSpPr>
-          <p:cNvPr id="151" name="Straight Connector 150">
+          <p:cNvPr id="38" name="Straight Connector 37">
             <a:extLst>
               <a:ext uri="{FF2B5EF4-FFF2-40B4-BE49-F238E27FC236}">
-                <a16:creationId xmlns:a16="http://schemas.microsoft.com/office/drawing/2014/main" id="{5DF30A9B-A0A1-EB2B-BC73-3A7A40C45ABF}"/>
+                <a16:creationId xmlns:a16="http://schemas.microsoft.com/office/drawing/2014/main" id="{65D8B285-7281-7403-F118-C4D18AFCA540}"/>
               </a:ext>
             </a:extLst>
           </p:cNvPr>
-          <p:cNvCxnSpPr/>
+          <p:cNvCxnSpPr>
+            <a:cxnSpLocks/>
+            <a:stCxn id="55" idx="4"/>
+          </p:cNvCxnSpPr>
           <p:nvPr/>
         </p:nvCxnSpPr>
         <p:spPr>
           <a:xfrm flipV="1">
-            <a:off x="10781910" y="2167575"/>
-            <a:ext cx="0" cy="3104148"/>
+            <a:off x="7664047" y="2480687"/>
+            <a:ext cx="16042" cy="2138579"/>
           </a:xfrm>
           <a:prstGeom prst="line">
             <a:avLst/>
@@ -20312,20 +19778,23 @@
       </p:cxnSp>
       <p:cxnSp>
         <p:nvCxnSpPr>
-          <p:cNvPr id="152" name="Straight Connector 151">
+          <p:cNvPr id="39" name="Straight Connector 38">
             <a:extLst>
               <a:ext uri="{FF2B5EF4-FFF2-40B4-BE49-F238E27FC236}">
-                <a16:creationId xmlns:a16="http://schemas.microsoft.com/office/drawing/2014/main" id="{7DA2DBCE-44B2-AD35-8773-D76643096B59}"/>
+                <a16:creationId xmlns:a16="http://schemas.microsoft.com/office/drawing/2014/main" id="{A51C945B-FC1F-B471-F44A-9CD44877634C}"/>
               </a:ext>
             </a:extLst>
           </p:cNvPr>
-          <p:cNvCxnSpPr/>
+          <p:cNvCxnSpPr>
+            <a:cxnSpLocks/>
+            <a:endCxn id="47" idx="3"/>
+          </p:cNvCxnSpPr>
           <p:nvPr/>
         </p:nvCxnSpPr>
         <p:spPr>
           <a:xfrm flipV="1">
-            <a:off x="11383489" y="1806628"/>
-            <a:ext cx="0" cy="3104148"/>
+            <a:off x="6396720" y="2516884"/>
+            <a:ext cx="1243666" cy="605487"/>
           </a:xfrm>
           <a:prstGeom prst="line">
             <a:avLst/>
@@ -20348,56 +19817,22 @@
       </p:cxnSp>
       <p:cxnSp>
         <p:nvCxnSpPr>
-          <p:cNvPr id="153" name="Straight Connector 152">
+          <p:cNvPr id="40" name="Straight Connector 39">
             <a:extLst>
               <a:ext uri="{FF2B5EF4-FFF2-40B4-BE49-F238E27FC236}">
-                <a16:creationId xmlns:a16="http://schemas.microsoft.com/office/drawing/2014/main" id="{CE626E6D-E461-2F69-8343-937FDDD7C682}"/>
+                <a16:creationId xmlns:a16="http://schemas.microsoft.com/office/drawing/2014/main" id="{8B405EDB-B458-2D6F-F026-5E3FAAFEDC4F}"/>
               </a:ext>
             </a:extLst>
           </p:cNvPr>
-          <p:cNvCxnSpPr/>
+          <p:cNvCxnSpPr>
+            <a:cxnSpLocks/>
+          </p:cNvCxnSpPr>
           <p:nvPr/>
         </p:nvCxnSpPr>
         <p:spPr>
           <a:xfrm flipV="1">
-            <a:off x="9498541" y="1806628"/>
-            <a:ext cx="1884948" cy="1002631"/>
-          </a:xfrm>
-          <a:prstGeom prst="line">
-            <a:avLst/>
-          </a:prstGeom>
-        </p:spPr>
-        <p:style>
-          <a:lnRef idx="1">
-            <a:schemeClr val="dk1"/>
-          </a:lnRef>
-          <a:fillRef idx="0">
-            <a:schemeClr val="dk1"/>
-          </a:fillRef>
-          <a:effectRef idx="0">
-            <a:schemeClr val="dk1"/>
-          </a:effectRef>
-          <a:fontRef idx="minor">
-            <a:schemeClr val="tx1"/>
-          </a:fontRef>
-        </p:style>
-      </p:cxnSp>
-      <p:cxnSp>
-        <p:nvCxnSpPr>
-          <p:cNvPr id="154" name="Straight Connector 153">
-            <a:extLst>
-              <a:ext uri="{FF2B5EF4-FFF2-40B4-BE49-F238E27FC236}">
-                <a16:creationId xmlns:a16="http://schemas.microsoft.com/office/drawing/2014/main" id="{5601F56B-6A7B-A38F-D0F4-ECE56DD7E481}"/>
-              </a:ext>
-            </a:extLst>
-          </p:cNvPr>
-          <p:cNvCxnSpPr/>
-          <p:nvPr/>
-        </p:nvCxnSpPr>
-        <p:spPr>
-          <a:xfrm flipV="1">
-            <a:off x="9514584" y="3896114"/>
-            <a:ext cx="1884948" cy="1002631"/>
+            <a:off x="6412763" y="4612728"/>
+            <a:ext cx="1206674" cy="599129"/>
           </a:xfrm>
           <a:prstGeom prst="line">
             <a:avLst/>
@@ -20420,10 +19855,10 @@
       </p:cxnSp>
       <p:sp>
         <p:nvSpPr>
-          <p:cNvPr id="155" name="Freeform: Shape 154">
+          <p:cNvPr id="41" name="Freeform: Shape 40">
             <a:extLst>
               <a:ext uri="{FF2B5EF4-FFF2-40B4-BE49-F238E27FC236}">
-                <a16:creationId xmlns:a16="http://schemas.microsoft.com/office/drawing/2014/main" id="{4BA3FC6A-D542-D919-1FDD-565520CF7C4C}"/>
+                <a16:creationId xmlns:a16="http://schemas.microsoft.com/office/drawing/2014/main" id="{8319CAF6-AC17-A67F-EDAF-549AE0A9A140}"/>
               </a:ext>
             </a:extLst>
           </p:cNvPr>
@@ -20432,8 +19867,8 @@
         </p:nvSpPr>
         <p:spPr>
           <a:xfrm>
-            <a:off x="9787304" y="2576660"/>
-            <a:ext cx="320838" cy="3043978"/>
+            <a:off x="6685483" y="2889772"/>
+            <a:ext cx="320429" cy="2044410"/>
           </a:xfrm>
           <a:custGeom>
             <a:avLst/>
@@ -20509,10 +19944,10 @@
       </p:sp>
       <p:cxnSp>
         <p:nvCxnSpPr>
-          <p:cNvPr id="156" name="Connector: Curved 155">
+          <p:cNvPr id="42" name="Straight Connector 41">
             <a:extLst>
               <a:ext uri="{FF2B5EF4-FFF2-40B4-BE49-F238E27FC236}">
-                <a16:creationId xmlns:a16="http://schemas.microsoft.com/office/drawing/2014/main" id="{F2AACF1D-854B-876B-8F41-05D270CE1902}"/>
+                <a16:creationId xmlns:a16="http://schemas.microsoft.com/office/drawing/2014/main" id="{824D50FC-5EFB-2589-5CF6-4C646E276E76}"/>
               </a:ext>
             </a:extLst>
           </p:cNvPr>
@@ -20523,54 +19958,8 @@
         </p:nvCxnSpPr>
         <p:spPr>
           <a:xfrm flipV="1">
-            <a:off x="9466457" y="2929578"/>
-            <a:ext cx="1852865" cy="1062788"/>
-          </a:xfrm>
-          <a:prstGeom prst="curvedConnector3">
-            <a:avLst>
-              <a:gd name="adj1" fmla="val -22727"/>
-            </a:avLst>
-          </a:prstGeom>
-          <a:ln>
-            <a:solidFill>
-              <a:schemeClr val="bg2">
-                <a:lumMod val="75000"/>
-              </a:schemeClr>
-            </a:solidFill>
-            <a:tailEnd type="triangle"/>
-          </a:ln>
-        </p:spPr>
-        <p:style>
-          <a:lnRef idx="1">
-            <a:schemeClr val="dk1"/>
-          </a:lnRef>
-          <a:fillRef idx="0">
-            <a:schemeClr val="dk1"/>
-          </a:fillRef>
-          <a:effectRef idx="0">
-            <a:schemeClr val="dk1"/>
-          </a:effectRef>
-          <a:fontRef idx="minor">
-            <a:schemeClr val="tx1"/>
-          </a:fontRef>
-        </p:style>
-      </p:cxnSp>
-      <p:cxnSp>
-        <p:nvCxnSpPr>
-          <p:cNvPr id="157" name="Straight Connector 156">
-            <a:extLst>
-              <a:ext uri="{FF2B5EF4-FFF2-40B4-BE49-F238E27FC236}">
-                <a16:creationId xmlns:a16="http://schemas.microsoft.com/office/drawing/2014/main" id="{2932185A-6111-8FFB-C628-04B77A36B450}"/>
-              </a:ext>
-            </a:extLst>
-          </p:cNvPr>
-          <p:cNvCxnSpPr/>
-          <p:nvPr/>
-        </p:nvCxnSpPr>
-        <p:spPr>
-          <a:xfrm flipV="1">
-            <a:off x="9482499" y="4946871"/>
-            <a:ext cx="1884948" cy="1002631"/>
+            <a:off x="6380678" y="3604202"/>
+            <a:ext cx="1241740" cy="653150"/>
           </a:xfrm>
           <a:prstGeom prst="line">
             <a:avLst/>
@@ -20593,46 +19982,10 @@
       </p:cxnSp>
       <p:cxnSp>
         <p:nvCxnSpPr>
-          <p:cNvPr id="158" name="Straight Connector 157">
+          <p:cNvPr id="43" name="Straight Connector 42">
             <a:extLst>
               <a:ext uri="{FF2B5EF4-FFF2-40B4-BE49-F238E27FC236}">
-                <a16:creationId xmlns:a16="http://schemas.microsoft.com/office/drawing/2014/main" id="{48D6B64A-E8B2-6761-75BB-A7C5F46B2F4D}"/>
-              </a:ext>
-            </a:extLst>
-          </p:cNvPr>
-          <p:cNvCxnSpPr/>
-          <p:nvPr/>
-        </p:nvCxnSpPr>
-        <p:spPr>
-          <a:xfrm flipV="1">
-            <a:off x="9482499" y="2941609"/>
-            <a:ext cx="1884948" cy="1002631"/>
-          </a:xfrm>
-          <a:prstGeom prst="line">
-            <a:avLst/>
-          </a:prstGeom>
-        </p:spPr>
-        <p:style>
-          <a:lnRef idx="1">
-            <a:schemeClr val="dk1"/>
-          </a:lnRef>
-          <a:fillRef idx="0">
-            <a:schemeClr val="dk1"/>
-          </a:fillRef>
-          <a:effectRef idx="0">
-            <a:schemeClr val="dk1"/>
-          </a:effectRef>
-          <a:fontRef idx="minor">
-            <a:schemeClr val="tx1"/>
-          </a:fontRef>
-        </p:style>
-      </p:cxnSp>
-      <p:cxnSp>
-        <p:nvCxnSpPr>
-          <p:cNvPr id="159" name="Straight Connector 158">
-            <a:extLst>
-              <a:ext uri="{FF2B5EF4-FFF2-40B4-BE49-F238E27FC236}">
-                <a16:creationId xmlns:a16="http://schemas.microsoft.com/office/drawing/2014/main" id="{F3D5F7C0-6AC9-45ED-0543-1DD09CC45EA3}"/>
+                <a16:creationId xmlns:a16="http://schemas.microsoft.com/office/drawing/2014/main" id="{50B56B2D-38AC-DA9B-8C71-6E086064EB64}"/>
               </a:ext>
             </a:extLst>
           </p:cNvPr>
@@ -20641,7 +19994,7 @@
         </p:nvCxnSpPr>
         <p:spPr>
           <a:xfrm>
-            <a:off x="9498541" y="2809259"/>
+            <a:off x="6396720" y="3122371"/>
             <a:ext cx="0" cy="24063"/>
           </a:xfrm>
           <a:prstGeom prst="line">
@@ -20665,22 +20018,23 @@
       </p:cxnSp>
       <p:cxnSp>
         <p:nvCxnSpPr>
-          <p:cNvPr id="160" name="Straight Connector 159">
+          <p:cNvPr id="44" name="Straight Connector 43">
             <a:extLst>
               <a:ext uri="{FF2B5EF4-FFF2-40B4-BE49-F238E27FC236}">
-                <a16:creationId xmlns:a16="http://schemas.microsoft.com/office/drawing/2014/main" id="{F2FBC7E2-9971-4E19-FB3C-C6C8B734A2BE}"/>
+                <a16:creationId xmlns:a16="http://schemas.microsoft.com/office/drawing/2014/main" id="{47C80855-E664-AF5A-6D91-562F5C9180FB}"/>
               </a:ext>
             </a:extLst>
           </p:cNvPr>
           <p:cNvCxnSpPr>
             <a:cxnSpLocks/>
+            <a:endCxn id="55" idx="4"/>
           </p:cNvCxnSpPr>
           <p:nvPr/>
         </p:nvCxnSpPr>
         <p:spPr>
           <a:xfrm>
-            <a:off x="9522604" y="2869416"/>
-            <a:ext cx="1844843" cy="2077455"/>
+            <a:off x="6420783" y="3182528"/>
+            <a:ext cx="1243264" cy="1436738"/>
           </a:xfrm>
           <a:prstGeom prst="line">
             <a:avLst/>
@@ -20703,20 +20057,22 @@
       </p:cxnSp>
       <p:cxnSp>
         <p:nvCxnSpPr>
-          <p:cNvPr id="161" name="Straight Connector 160">
+          <p:cNvPr id="45" name="Straight Connector 44">
             <a:extLst>
               <a:ext uri="{FF2B5EF4-FFF2-40B4-BE49-F238E27FC236}">
-                <a16:creationId xmlns:a16="http://schemas.microsoft.com/office/drawing/2014/main" id="{87A2B3BE-3A56-8CD6-F90F-9AFA5776B2B7}"/>
+                <a16:creationId xmlns:a16="http://schemas.microsoft.com/office/drawing/2014/main" id="{4F56FACF-7785-73BA-1E46-9AAB09DAFFEA}"/>
               </a:ext>
             </a:extLst>
           </p:cNvPr>
-          <p:cNvCxnSpPr/>
+          <p:cNvCxnSpPr>
+            <a:cxnSpLocks/>
+          </p:cNvCxnSpPr>
           <p:nvPr/>
         </p:nvCxnSpPr>
         <p:spPr>
           <a:xfrm>
-            <a:off x="10132204" y="2520501"/>
-            <a:ext cx="1235243" cy="1375613"/>
+            <a:off x="7030383" y="2833613"/>
+            <a:ext cx="714369" cy="770589"/>
           </a:xfrm>
           <a:prstGeom prst="line">
             <a:avLst/>
@@ -20739,96 +20095,23 @@
       </p:cxnSp>
       <p:cxnSp>
         <p:nvCxnSpPr>
-          <p:cNvPr id="162" name="Straight Connector 161">
+          <p:cNvPr id="46" name="Straight Connector 45">
             <a:extLst>
               <a:ext uri="{FF2B5EF4-FFF2-40B4-BE49-F238E27FC236}">
-                <a16:creationId xmlns:a16="http://schemas.microsoft.com/office/drawing/2014/main" id="{5045B980-D7CE-BE95-636A-DCCA221AC37A}"/>
-              </a:ext>
-            </a:extLst>
-          </p:cNvPr>
-          <p:cNvCxnSpPr/>
-          <p:nvPr/>
-        </p:nvCxnSpPr>
-        <p:spPr>
-          <a:xfrm>
-            <a:off x="9514582" y="3924190"/>
-            <a:ext cx="1235243" cy="1375613"/>
-          </a:xfrm>
-          <a:prstGeom prst="line">
-            <a:avLst/>
-          </a:prstGeom>
-        </p:spPr>
-        <p:style>
-          <a:lnRef idx="1">
-            <a:schemeClr val="dk1"/>
-          </a:lnRef>
-          <a:fillRef idx="0">
-            <a:schemeClr val="dk1"/>
-          </a:fillRef>
-          <a:effectRef idx="0">
-            <a:schemeClr val="dk1"/>
-          </a:effectRef>
-          <a:fontRef idx="minor">
-            <a:schemeClr val="tx1"/>
-          </a:fontRef>
-        </p:style>
-      </p:cxnSp>
-      <p:cxnSp>
-        <p:nvCxnSpPr>
-          <p:cNvPr id="163" name="Straight Connector 162">
-            <a:extLst>
-              <a:ext uri="{FF2B5EF4-FFF2-40B4-BE49-F238E27FC236}">
-                <a16:creationId xmlns:a16="http://schemas.microsoft.com/office/drawing/2014/main" id="{42C5ECA1-0D9E-0DC2-0CEB-31CBCD302B37}"/>
+                <a16:creationId xmlns:a16="http://schemas.microsoft.com/office/drawing/2014/main" id="{CFAEE4EE-DD48-AAAE-BC48-ECA92DD81597}"/>
               </a:ext>
             </a:extLst>
           </p:cNvPr>
           <p:cNvCxnSpPr>
             <a:cxnSpLocks/>
+            <a:endCxn id="54" idx="2"/>
           </p:cNvCxnSpPr>
           <p:nvPr/>
         </p:nvCxnSpPr>
         <p:spPr>
           <a:xfrm>
-            <a:off x="10781910" y="2191637"/>
-            <a:ext cx="585537" cy="780048"/>
-          </a:xfrm>
-          <a:prstGeom prst="line">
-            <a:avLst/>
-          </a:prstGeom>
-        </p:spPr>
-        <p:style>
-          <a:lnRef idx="1">
-            <a:schemeClr val="dk1"/>
-          </a:lnRef>
-          <a:fillRef idx="0">
-            <a:schemeClr val="dk1"/>
-          </a:fillRef>
-          <a:effectRef idx="0">
-            <a:schemeClr val="dk1"/>
-          </a:effectRef>
-          <a:fontRef idx="minor">
-            <a:schemeClr val="tx1"/>
-          </a:fontRef>
-        </p:style>
-      </p:cxnSp>
-      <p:cxnSp>
-        <p:nvCxnSpPr>
-          <p:cNvPr id="164" name="Straight Connector 163">
-            <a:extLst>
-              <a:ext uri="{FF2B5EF4-FFF2-40B4-BE49-F238E27FC236}">
-                <a16:creationId xmlns:a16="http://schemas.microsoft.com/office/drawing/2014/main" id="{608489FD-509C-F4A8-92DB-823EDE4B504F}"/>
-              </a:ext>
-            </a:extLst>
-          </p:cNvPr>
-          <p:cNvCxnSpPr>
-            <a:cxnSpLocks/>
-          </p:cNvCxnSpPr>
-          <p:nvPr/>
-        </p:nvCxnSpPr>
-        <p:spPr>
-          <a:xfrm>
-            <a:off x="9522604" y="4906764"/>
-            <a:ext cx="625643" cy="717885"/>
+            <a:off x="6412761" y="4237302"/>
+            <a:ext cx="569495" cy="678637"/>
           </a:xfrm>
           <a:prstGeom prst="line">
             <a:avLst/>
@@ -20851,10 +20134,10 @@
       </p:cxnSp>
       <p:sp>
         <p:nvSpPr>
-          <p:cNvPr id="165" name="Oval 164">
+          <p:cNvPr id="47" name="Oval 46">
             <a:extLst>
               <a:ext uri="{FF2B5EF4-FFF2-40B4-BE49-F238E27FC236}">
-                <a16:creationId xmlns:a16="http://schemas.microsoft.com/office/drawing/2014/main" id="{A08E0807-2921-F72F-10E6-7BE2715C8D0D}"/>
+                <a16:creationId xmlns:a16="http://schemas.microsoft.com/office/drawing/2014/main" id="{716F613C-635D-47EB-4BDA-F6D1C5155264}"/>
               </a:ext>
             </a:extLst>
           </p:cNvPr>
@@ -20863,16 +20146,14 @@
         </p:nvSpPr>
         <p:spPr>
           <a:xfrm>
-            <a:off x="11311299" y="1780021"/>
+            <a:off x="7623941" y="2421034"/>
             <a:ext cx="112295" cy="112295"/>
           </a:xfrm>
           <a:prstGeom prst="ellipse">
             <a:avLst/>
           </a:prstGeom>
           <a:solidFill>
-            <a:schemeClr val="accent6">
-              <a:lumMod val="50000"/>
-            </a:schemeClr>
+            <a:schemeClr val="tx1"/>
           </a:solidFill>
           <a:ln>
             <a:solidFill>
@@ -20907,10 +20188,10 @@
       </p:sp>
       <p:sp>
         <p:nvSpPr>
-          <p:cNvPr id="166" name="Oval 165">
+          <p:cNvPr id="48" name="Oval 47">
             <a:extLst>
               <a:ext uri="{FF2B5EF4-FFF2-40B4-BE49-F238E27FC236}">
-                <a16:creationId xmlns:a16="http://schemas.microsoft.com/office/drawing/2014/main" id="{9CF09959-6E00-1124-D41B-ED64AC881888}"/>
+                <a16:creationId xmlns:a16="http://schemas.microsoft.com/office/drawing/2014/main" id="{D43DAFE3-2440-C540-27F7-BD5D404B1F90}"/>
               </a:ext>
             </a:extLst>
           </p:cNvPr>
@@ -20919,16 +20200,14 @@
         </p:nvSpPr>
         <p:spPr>
           <a:xfrm>
-            <a:off x="11319168" y="2893707"/>
+            <a:off x="6966213" y="2785489"/>
             <a:ext cx="112295" cy="112295"/>
           </a:xfrm>
           <a:prstGeom prst="ellipse">
             <a:avLst/>
           </a:prstGeom>
           <a:solidFill>
-            <a:schemeClr val="accent6">
-              <a:lumMod val="50000"/>
-            </a:schemeClr>
+            <a:schemeClr val="tx1"/>
           </a:solidFill>
           <a:ln>
             <a:solidFill>
@@ -20963,10 +20242,10 @@
       </p:sp>
       <p:sp>
         <p:nvSpPr>
-          <p:cNvPr id="167" name="Oval 166">
+          <p:cNvPr id="49" name="Oval 48">
             <a:extLst>
               <a:ext uri="{FF2B5EF4-FFF2-40B4-BE49-F238E27FC236}">
-                <a16:creationId xmlns:a16="http://schemas.microsoft.com/office/drawing/2014/main" id="{FEDF0406-4590-6915-BAE4-60BC7F1BEE48}"/>
+                <a16:creationId xmlns:a16="http://schemas.microsoft.com/office/drawing/2014/main" id="{DD2FB0E0-C2AB-349E-D5B6-AC3B26AB2CF6}"/>
               </a:ext>
             </a:extLst>
           </p:cNvPr>
@@ -20975,16 +20254,14 @@
         </p:nvSpPr>
         <p:spPr>
           <a:xfrm>
-            <a:off x="11335364" y="3841970"/>
+            <a:off x="6323875" y="3096302"/>
             <a:ext cx="112295" cy="112295"/>
           </a:xfrm>
           <a:prstGeom prst="ellipse">
             <a:avLst/>
           </a:prstGeom>
           <a:solidFill>
-            <a:schemeClr val="accent6">
-              <a:lumMod val="50000"/>
-            </a:schemeClr>
+            <a:schemeClr val="tx1"/>
           </a:solidFill>
           <a:ln>
             <a:solidFill>
@@ -21019,10 +20296,10 @@
       </p:sp>
       <p:sp>
         <p:nvSpPr>
-          <p:cNvPr id="168" name="Oval 167">
+          <p:cNvPr id="50" name="Oval 49">
             <a:extLst>
               <a:ext uri="{FF2B5EF4-FFF2-40B4-BE49-F238E27FC236}">
-                <a16:creationId xmlns:a16="http://schemas.microsoft.com/office/drawing/2014/main" id="{4FCA5795-14F7-105C-5C88-5270A0E50872}"/>
+                <a16:creationId xmlns:a16="http://schemas.microsoft.com/office/drawing/2014/main" id="{699854BC-437B-134A-9F9A-07C66DFAE99D}"/>
               </a:ext>
             </a:extLst>
           </p:cNvPr>
@@ -21031,16 +20308,14 @@
         </p:nvSpPr>
         <p:spPr>
           <a:xfrm>
-            <a:off x="11319168" y="4884187"/>
+            <a:off x="6340570" y="4203208"/>
             <a:ext cx="112295" cy="112295"/>
           </a:xfrm>
           <a:prstGeom prst="ellipse">
             <a:avLst/>
           </a:prstGeom>
           <a:solidFill>
-            <a:schemeClr val="accent6">
-              <a:lumMod val="50000"/>
-            </a:schemeClr>
+            <a:schemeClr val="tx1"/>
           </a:solidFill>
           <a:ln>
             <a:solidFill>
@@ -21075,10 +20350,10 @@
       </p:sp>
       <p:sp>
         <p:nvSpPr>
-          <p:cNvPr id="169" name="Oval 168">
+          <p:cNvPr id="51" name="Oval 50">
             <a:extLst>
               <a:ext uri="{FF2B5EF4-FFF2-40B4-BE49-F238E27FC236}">
-                <a16:creationId xmlns:a16="http://schemas.microsoft.com/office/drawing/2014/main" id="{FDAD9B79-3898-85EA-3EB6-86037FF783BD}"/>
+                <a16:creationId xmlns:a16="http://schemas.microsoft.com/office/drawing/2014/main" id="{58265D18-1ABE-C467-EA80-2CC0135AB66F}"/>
               </a:ext>
             </a:extLst>
           </p:cNvPr>
@@ -21087,16 +20362,14 @@
         </p:nvSpPr>
         <p:spPr>
           <a:xfrm>
-            <a:off x="10725762" y="2107922"/>
+            <a:off x="6323875" y="5149691"/>
             <a:ext cx="112295" cy="112295"/>
           </a:xfrm>
           <a:prstGeom prst="ellipse">
             <a:avLst/>
           </a:prstGeom>
           <a:solidFill>
-            <a:schemeClr val="accent6">
-              <a:lumMod val="50000"/>
-            </a:schemeClr>
+            <a:schemeClr val="tx1"/>
           </a:solidFill>
           <a:ln>
             <a:solidFill>
@@ -21131,10 +20404,10 @@
       </p:sp>
       <p:sp>
         <p:nvSpPr>
-          <p:cNvPr id="170" name="Oval 169">
+          <p:cNvPr id="52" name="Oval 51">
             <a:extLst>
               <a:ext uri="{FF2B5EF4-FFF2-40B4-BE49-F238E27FC236}">
-                <a16:creationId xmlns:a16="http://schemas.microsoft.com/office/drawing/2014/main" id="{00165DD7-3367-AE06-EB83-08429C1B5EDA}"/>
+                <a16:creationId xmlns:a16="http://schemas.microsoft.com/office/drawing/2014/main" id="{5BD1E658-28FA-3575-A48E-2AC757D7F658}"/>
               </a:ext>
             </a:extLst>
           </p:cNvPr>
@@ -21143,16 +20416,14 @@
         </p:nvSpPr>
         <p:spPr>
           <a:xfrm>
-            <a:off x="10068034" y="2472377"/>
+            <a:off x="6982256" y="3852289"/>
             <a:ext cx="112295" cy="112295"/>
           </a:xfrm>
           <a:prstGeom prst="ellipse">
             <a:avLst/>
           </a:prstGeom>
           <a:solidFill>
-            <a:schemeClr val="accent6">
-              <a:lumMod val="50000"/>
-            </a:schemeClr>
+            <a:schemeClr val="tx1"/>
           </a:solidFill>
           <a:ln>
             <a:solidFill>
@@ -21187,10 +20458,10 @@
       </p:sp>
       <p:sp>
         <p:nvSpPr>
-          <p:cNvPr id="171" name="Oval 170">
+          <p:cNvPr id="53" name="Oval 52">
             <a:extLst>
               <a:ext uri="{FF2B5EF4-FFF2-40B4-BE49-F238E27FC236}">
-                <a16:creationId xmlns:a16="http://schemas.microsoft.com/office/drawing/2014/main" id="{0270BD1A-896B-9295-9AC3-5336788723C8}"/>
+                <a16:creationId xmlns:a16="http://schemas.microsoft.com/office/drawing/2014/main" id="{B468923D-A924-3322-D008-3104B580A6E7}"/>
               </a:ext>
             </a:extLst>
           </p:cNvPr>
@@ -21199,16 +20470,14 @@
         </p:nvSpPr>
         <p:spPr>
           <a:xfrm>
-            <a:off x="9425696" y="2783190"/>
+            <a:off x="7640170" y="3512134"/>
             <a:ext cx="112295" cy="112295"/>
           </a:xfrm>
           <a:prstGeom prst="ellipse">
             <a:avLst/>
           </a:prstGeom>
           <a:solidFill>
-            <a:schemeClr val="accent6">
-              <a:lumMod val="50000"/>
-            </a:schemeClr>
+            <a:schemeClr val="tx1"/>
           </a:solidFill>
           <a:ln>
             <a:solidFill>
@@ -21243,10 +20512,10 @@
       </p:sp>
       <p:sp>
         <p:nvSpPr>
-          <p:cNvPr id="172" name="Oval 171">
+          <p:cNvPr id="54" name="Oval 53">
             <a:extLst>
               <a:ext uri="{FF2B5EF4-FFF2-40B4-BE49-F238E27FC236}">
-                <a16:creationId xmlns:a16="http://schemas.microsoft.com/office/drawing/2014/main" id="{D835DD27-0FC4-68F6-81FB-C537F54720CF}"/>
+                <a16:creationId xmlns:a16="http://schemas.microsoft.com/office/drawing/2014/main" id="{2C557AF9-6F45-434B-5B43-E96B8171B292}"/>
               </a:ext>
             </a:extLst>
           </p:cNvPr>
@@ -21255,16 +20524,14 @@
         </p:nvSpPr>
         <p:spPr>
           <a:xfrm>
-            <a:off x="9442391" y="3890096"/>
+            <a:off x="6982256" y="4859791"/>
             <a:ext cx="112295" cy="112295"/>
           </a:xfrm>
           <a:prstGeom prst="ellipse">
             <a:avLst/>
           </a:prstGeom>
           <a:solidFill>
-            <a:schemeClr val="accent6">
-              <a:lumMod val="50000"/>
-            </a:schemeClr>
+            <a:schemeClr val="tx1"/>
           </a:solidFill>
           <a:ln>
             <a:solidFill>
@@ -21299,10 +20566,10 @@
       </p:sp>
       <p:sp>
         <p:nvSpPr>
-          <p:cNvPr id="173" name="Oval 172">
+          <p:cNvPr id="55" name="Oval 54">
             <a:extLst>
               <a:ext uri="{FF2B5EF4-FFF2-40B4-BE49-F238E27FC236}">
-                <a16:creationId xmlns:a16="http://schemas.microsoft.com/office/drawing/2014/main" id="{CFEAD32F-088A-5E30-B922-69AF16B41705}"/>
+                <a16:creationId xmlns:a16="http://schemas.microsoft.com/office/drawing/2014/main" id="{7D277930-FDFB-4562-6F30-BF268C5520F7}"/>
               </a:ext>
             </a:extLst>
           </p:cNvPr>
@@ -21311,16 +20578,14 @@
         </p:nvSpPr>
         <p:spPr>
           <a:xfrm>
-            <a:off x="9425696" y="4836579"/>
+            <a:off x="7607899" y="4506971"/>
             <a:ext cx="112295" cy="112295"/>
           </a:xfrm>
           <a:prstGeom prst="ellipse">
             <a:avLst/>
           </a:prstGeom>
           <a:solidFill>
-            <a:schemeClr val="accent6">
-              <a:lumMod val="50000"/>
-            </a:schemeClr>
+            <a:schemeClr val="tx1"/>
           </a:solidFill>
           <a:ln>
             <a:solidFill>
@@ -21355,10 +20620,10 @@
       </p:sp>
       <p:sp>
         <p:nvSpPr>
-          <p:cNvPr id="174" name="Oval 173">
+          <p:cNvPr id="56" name="Isosceles Triangle 55">
             <a:extLst>
               <a:ext uri="{FF2B5EF4-FFF2-40B4-BE49-F238E27FC236}">
-                <a16:creationId xmlns:a16="http://schemas.microsoft.com/office/drawing/2014/main" id="{8B97B901-90A8-5342-17B1-908ABFB93200}"/>
+                <a16:creationId xmlns:a16="http://schemas.microsoft.com/office/drawing/2014/main" id="{4C402B93-ACB1-18BE-873A-46963DA2D0F1}"/>
               </a:ext>
             </a:extLst>
           </p:cNvPr>
@@ -21366,400 +20631,8 @@
           <p:nvPr/>
         </p:nvSpPr>
         <p:spPr>
-          <a:xfrm>
-            <a:off x="9442391" y="5895358"/>
-            <a:ext cx="112295" cy="112295"/>
-          </a:xfrm>
-          <a:prstGeom prst="ellipse">
-            <a:avLst/>
-          </a:prstGeom>
-          <a:solidFill>
-            <a:schemeClr val="accent6">
-              <a:lumMod val="50000"/>
-            </a:schemeClr>
-          </a:solidFill>
-          <a:ln>
-            <a:solidFill>
-              <a:schemeClr val="tx1"/>
-            </a:solidFill>
-          </a:ln>
-        </p:spPr>
-        <p:style>
-          <a:lnRef idx="2">
-            <a:schemeClr val="accent1">
-              <a:shade val="50000"/>
-            </a:schemeClr>
-          </a:lnRef>
-          <a:fillRef idx="1">
-            <a:schemeClr val="accent1"/>
-          </a:fillRef>
-          <a:effectRef idx="0">
-            <a:schemeClr val="accent1"/>
-          </a:effectRef>
-          <a:fontRef idx="minor">
-            <a:schemeClr val="lt1"/>
-          </a:fontRef>
-        </p:style>
-        <p:txBody>
-          <a:bodyPr rtlCol="0" anchor="ctr"/>
-          <a:lstStyle/>
-          <a:p>
-            <a:pPr algn="ctr"/>
-            <a:endParaRPr lang="en-GB"/>
-          </a:p>
-        </p:txBody>
-      </p:sp>
-      <p:sp>
-        <p:nvSpPr>
-          <p:cNvPr id="175" name="Oval 174">
-            <a:extLst>
-              <a:ext uri="{FF2B5EF4-FFF2-40B4-BE49-F238E27FC236}">
-                <a16:creationId xmlns:a16="http://schemas.microsoft.com/office/drawing/2014/main" id="{58F92DF5-05D9-E4A1-60B3-3A85845D2984}"/>
-              </a:ext>
-            </a:extLst>
-          </p:cNvPr>
-          <p:cNvSpPr/>
-          <p:nvPr/>
-        </p:nvSpPr>
-        <p:spPr>
-          <a:xfrm>
-            <a:off x="10084077" y="3539177"/>
-            <a:ext cx="112295" cy="112295"/>
-          </a:xfrm>
-          <a:prstGeom prst="ellipse">
-            <a:avLst/>
-          </a:prstGeom>
-          <a:solidFill>
-            <a:schemeClr val="accent6">
-              <a:lumMod val="50000"/>
-            </a:schemeClr>
-          </a:solidFill>
-          <a:ln>
-            <a:solidFill>
-              <a:schemeClr val="tx1"/>
-            </a:solidFill>
-          </a:ln>
-        </p:spPr>
-        <p:style>
-          <a:lnRef idx="2">
-            <a:schemeClr val="accent1">
-              <a:shade val="50000"/>
-            </a:schemeClr>
-          </a:lnRef>
-          <a:fillRef idx="1">
-            <a:schemeClr val="accent1"/>
-          </a:fillRef>
-          <a:effectRef idx="0">
-            <a:schemeClr val="accent1"/>
-          </a:effectRef>
-          <a:fontRef idx="minor">
-            <a:schemeClr val="lt1"/>
-          </a:fontRef>
-        </p:style>
-        <p:txBody>
-          <a:bodyPr rtlCol="0" anchor="ctr"/>
-          <a:lstStyle/>
-          <a:p>
-            <a:pPr algn="ctr"/>
-            <a:endParaRPr lang="en-GB"/>
-          </a:p>
-        </p:txBody>
-      </p:sp>
-      <p:sp>
-        <p:nvSpPr>
-          <p:cNvPr id="176" name="Oval 175">
-            <a:extLst>
-              <a:ext uri="{FF2B5EF4-FFF2-40B4-BE49-F238E27FC236}">
-                <a16:creationId xmlns:a16="http://schemas.microsoft.com/office/drawing/2014/main" id="{CC49D5DA-085D-D0F3-CDC3-722779B7B234}"/>
-              </a:ext>
-            </a:extLst>
-          </p:cNvPr>
-          <p:cNvSpPr/>
-          <p:nvPr/>
-        </p:nvSpPr>
-        <p:spPr>
-          <a:xfrm>
-            <a:off x="10741991" y="3199022"/>
-            <a:ext cx="112295" cy="112295"/>
-          </a:xfrm>
-          <a:prstGeom prst="ellipse">
-            <a:avLst/>
-          </a:prstGeom>
-          <a:solidFill>
-            <a:schemeClr val="accent6">
-              <a:lumMod val="50000"/>
-            </a:schemeClr>
-          </a:solidFill>
-          <a:ln>
-            <a:solidFill>
-              <a:schemeClr val="tx1"/>
-            </a:solidFill>
-          </a:ln>
-        </p:spPr>
-        <p:style>
-          <a:lnRef idx="2">
-            <a:schemeClr val="accent1">
-              <a:shade val="50000"/>
-            </a:schemeClr>
-          </a:lnRef>
-          <a:fillRef idx="1">
-            <a:schemeClr val="accent1"/>
-          </a:fillRef>
-          <a:effectRef idx="0">
-            <a:schemeClr val="accent1"/>
-          </a:effectRef>
-          <a:fontRef idx="minor">
-            <a:schemeClr val="lt1"/>
-          </a:fontRef>
-        </p:style>
-        <p:txBody>
-          <a:bodyPr rtlCol="0" anchor="ctr"/>
-          <a:lstStyle/>
-          <a:p>
-            <a:pPr algn="ctr"/>
-            <a:endParaRPr lang="en-GB"/>
-          </a:p>
-        </p:txBody>
-      </p:sp>
-      <p:sp>
-        <p:nvSpPr>
-          <p:cNvPr id="177" name="Oval 176">
-            <a:extLst>
-              <a:ext uri="{FF2B5EF4-FFF2-40B4-BE49-F238E27FC236}">
-                <a16:creationId xmlns:a16="http://schemas.microsoft.com/office/drawing/2014/main" id="{10652EFC-85CC-EF32-8A3C-737AD294DC04}"/>
-              </a:ext>
-            </a:extLst>
-          </p:cNvPr>
-          <p:cNvSpPr/>
-          <p:nvPr/>
-        </p:nvSpPr>
-        <p:spPr>
-          <a:xfrm>
-            <a:off x="10084077" y="4546679"/>
-            <a:ext cx="112295" cy="112295"/>
-          </a:xfrm>
-          <a:prstGeom prst="ellipse">
-            <a:avLst/>
-          </a:prstGeom>
-          <a:solidFill>
-            <a:schemeClr val="accent6">
-              <a:lumMod val="50000"/>
-            </a:schemeClr>
-          </a:solidFill>
-          <a:ln>
-            <a:solidFill>
-              <a:schemeClr val="tx1"/>
-            </a:solidFill>
-          </a:ln>
-        </p:spPr>
-        <p:style>
-          <a:lnRef idx="2">
-            <a:schemeClr val="accent1">
-              <a:shade val="50000"/>
-            </a:schemeClr>
-          </a:lnRef>
-          <a:fillRef idx="1">
-            <a:schemeClr val="accent1"/>
-          </a:fillRef>
-          <a:effectRef idx="0">
-            <a:schemeClr val="accent1"/>
-          </a:effectRef>
-          <a:fontRef idx="minor">
-            <a:schemeClr val="lt1"/>
-          </a:fontRef>
-        </p:style>
-        <p:txBody>
-          <a:bodyPr rtlCol="0" anchor="ctr"/>
-          <a:lstStyle/>
-          <a:p>
-            <a:pPr algn="ctr"/>
-            <a:endParaRPr lang="en-GB"/>
-          </a:p>
-        </p:txBody>
-      </p:sp>
-      <p:sp>
-        <p:nvSpPr>
-          <p:cNvPr id="178" name="Oval 177">
-            <a:extLst>
-              <a:ext uri="{FF2B5EF4-FFF2-40B4-BE49-F238E27FC236}">
-                <a16:creationId xmlns:a16="http://schemas.microsoft.com/office/drawing/2014/main" id="{21ED70EC-D445-882A-6AAE-1B4470CC9394}"/>
-              </a:ext>
-            </a:extLst>
-          </p:cNvPr>
-          <p:cNvSpPr/>
-          <p:nvPr/>
-        </p:nvSpPr>
-        <p:spPr>
-          <a:xfrm>
-            <a:off x="10709720" y="4193859"/>
-            <a:ext cx="112295" cy="112295"/>
-          </a:xfrm>
-          <a:prstGeom prst="ellipse">
-            <a:avLst/>
-          </a:prstGeom>
-          <a:solidFill>
-            <a:schemeClr val="accent6">
-              <a:lumMod val="50000"/>
-            </a:schemeClr>
-          </a:solidFill>
-          <a:ln>
-            <a:solidFill>
-              <a:schemeClr val="tx1"/>
-            </a:solidFill>
-          </a:ln>
-        </p:spPr>
-        <p:style>
-          <a:lnRef idx="2">
-            <a:schemeClr val="accent1">
-              <a:shade val="50000"/>
-            </a:schemeClr>
-          </a:lnRef>
-          <a:fillRef idx="1">
-            <a:schemeClr val="accent1"/>
-          </a:fillRef>
-          <a:effectRef idx="0">
-            <a:schemeClr val="accent1"/>
-          </a:effectRef>
-          <a:fontRef idx="minor">
-            <a:schemeClr val="lt1"/>
-          </a:fontRef>
-        </p:style>
-        <p:txBody>
-          <a:bodyPr rtlCol="0" anchor="ctr"/>
-          <a:lstStyle/>
-          <a:p>
-            <a:pPr algn="ctr"/>
-            <a:endParaRPr lang="en-GB"/>
-          </a:p>
-        </p:txBody>
-      </p:sp>
-      <p:sp>
-        <p:nvSpPr>
-          <p:cNvPr id="179" name="Oval 178">
-            <a:extLst>
-              <a:ext uri="{FF2B5EF4-FFF2-40B4-BE49-F238E27FC236}">
-                <a16:creationId xmlns:a16="http://schemas.microsoft.com/office/drawing/2014/main" id="{F884CB29-5E27-A572-DF8E-5704D06D57C8}"/>
-              </a:ext>
-            </a:extLst>
-          </p:cNvPr>
-          <p:cNvSpPr/>
-          <p:nvPr/>
-        </p:nvSpPr>
-        <p:spPr>
-          <a:xfrm>
-            <a:off x="10052806" y="5556245"/>
-            <a:ext cx="112295" cy="112295"/>
-          </a:xfrm>
-          <a:prstGeom prst="ellipse">
-            <a:avLst/>
-          </a:prstGeom>
-          <a:solidFill>
-            <a:schemeClr val="accent6">
-              <a:lumMod val="50000"/>
-            </a:schemeClr>
-          </a:solidFill>
-          <a:ln>
-            <a:solidFill>
-              <a:schemeClr val="tx1"/>
-            </a:solidFill>
-          </a:ln>
-        </p:spPr>
-        <p:style>
-          <a:lnRef idx="2">
-            <a:schemeClr val="accent1">
-              <a:shade val="50000"/>
-            </a:schemeClr>
-          </a:lnRef>
-          <a:fillRef idx="1">
-            <a:schemeClr val="accent1"/>
-          </a:fillRef>
-          <a:effectRef idx="0">
-            <a:schemeClr val="accent1"/>
-          </a:effectRef>
-          <a:fontRef idx="minor">
-            <a:schemeClr val="lt1"/>
-          </a:fontRef>
-        </p:style>
-        <p:txBody>
-          <a:bodyPr rtlCol="0" anchor="ctr"/>
-          <a:lstStyle/>
-          <a:p>
-            <a:pPr algn="ctr"/>
-            <a:endParaRPr lang="en-GB"/>
-          </a:p>
-        </p:txBody>
-      </p:sp>
-      <p:sp>
-        <p:nvSpPr>
-          <p:cNvPr id="180" name="Oval 179">
-            <a:extLst>
-              <a:ext uri="{FF2B5EF4-FFF2-40B4-BE49-F238E27FC236}">
-                <a16:creationId xmlns:a16="http://schemas.microsoft.com/office/drawing/2014/main" id="{0A761C17-B666-2D0D-5A6E-728EF83D9B4B}"/>
-              </a:ext>
-            </a:extLst>
-          </p:cNvPr>
-          <p:cNvSpPr/>
-          <p:nvPr/>
-        </p:nvSpPr>
-        <p:spPr>
-          <a:xfrm>
-            <a:off x="10725762" y="5236100"/>
-            <a:ext cx="112295" cy="112295"/>
-          </a:xfrm>
-          <a:prstGeom prst="ellipse">
-            <a:avLst/>
-          </a:prstGeom>
-          <a:solidFill>
-            <a:schemeClr val="accent6">
-              <a:lumMod val="50000"/>
-            </a:schemeClr>
-          </a:solidFill>
-          <a:ln>
-            <a:solidFill>
-              <a:schemeClr val="tx1"/>
-            </a:solidFill>
-          </a:ln>
-        </p:spPr>
-        <p:style>
-          <a:lnRef idx="2">
-            <a:schemeClr val="accent1">
-              <a:shade val="50000"/>
-            </a:schemeClr>
-          </a:lnRef>
-          <a:fillRef idx="1">
-            <a:schemeClr val="accent1"/>
-          </a:fillRef>
-          <a:effectRef idx="0">
-            <a:schemeClr val="accent1"/>
-          </a:effectRef>
-          <a:fontRef idx="minor">
-            <a:schemeClr val="lt1"/>
-          </a:fontRef>
-        </p:style>
-        <p:txBody>
-          <a:bodyPr rtlCol="0" anchor="ctr"/>
-          <a:lstStyle/>
-          <a:p>
-            <a:pPr algn="ctr"/>
-            <a:endParaRPr lang="en-GB"/>
-          </a:p>
-        </p:txBody>
-      </p:sp>
-      <p:sp>
-        <p:nvSpPr>
-          <p:cNvPr id="182" name="Isosceles Triangle 181">
-            <a:extLst>
-              <a:ext uri="{FF2B5EF4-FFF2-40B4-BE49-F238E27FC236}">
-                <a16:creationId xmlns:a16="http://schemas.microsoft.com/office/drawing/2014/main" id="{7F295C77-8E9E-19E9-9695-AA7590AE4F17}"/>
-              </a:ext>
-            </a:extLst>
-          </p:cNvPr>
-          <p:cNvSpPr/>
-          <p:nvPr/>
-        </p:nvSpPr>
-        <p:spPr>
-          <a:xfrm rot="5400000">
-            <a:off x="6033433" y="5219743"/>
+          <a:xfrm rot="16200000">
+            <a:off x="6924631" y="2716745"/>
             <a:ext cx="844197" cy="553221"/>
           </a:xfrm>
           <a:prstGeom prst="triangle">
@@ -21809,10 +20682,10 @@
       </p:sp>
       <p:sp>
         <p:nvSpPr>
-          <p:cNvPr id="183" name="Isosceles Triangle 182">
+          <p:cNvPr id="57" name="Isosceles Triangle 56">
             <a:extLst>
               <a:ext uri="{FF2B5EF4-FFF2-40B4-BE49-F238E27FC236}">
-                <a16:creationId xmlns:a16="http://schemas.microsoft.com/office/drawing/2014/main" id="{128E93FC-5BE9-4F0B-9B32-AF3C69D8E4A6}"/>
+                <a16:creationId xmlns:a16="http://schemas.microsoft.com/office/drawing/2014/main" id="{E6BF6FDC-2E45-BC9E-A83E-DCEBD11A740B}"/>
               </a:ext>
             </a:extLst>
           </p:cNvPr>
@@ -21820,8 +20693,8 @@
           <p:nvPr/>
         </p:nvSpPr>
         <p:spPr>
-          <a:xfrm rot="5400000">
-            <a:off x="6025411" y="4217093"/>
+          <a:xfrm rot="16200000">
+            <a:off x="6303862" y="4144035"/>
             <a:ext cx="844197" cy="553221"/>
           </a:xfrm>
           <a:prstGeom prst="triangle">
@@ -21871,10 +20744,10 @@
       </p:sp>
       <p:sp>
         <p:nvSpPr>
-          <p:cNvPr id="184" name="Isosceles Triangle 183">
+          <p:cNvPr id="58" name="Isosceles Triangle 57">
             <a:extLst>
               <a:ext uri="{FF2B5EF4-FFF2-40B4-BE49-F238E27FC236}">
-                <a16:creationId xmlns:a16="http://schemas.microsoft.com/office/drawing/2014/main" id="{06D4EABE-E157-97BE-9492-D42E209316B7}"/>
+                <a16:creationId xmlns:a16="http://schemas.microsoft.com/office/drawing/2014/main" id="{C060AA9A-AEA8-25E3-0E33-D5D970AFC570}"/>
               </a:ext>
             </a:extLst>
           </p:cNvPr>
@@ -21882,8 +20755,8 @@
           <p:nvPr/>
         </p:nvSpPr>
         <p:spPr>
-          <a:xfrm rot="5400000">
-            <a:off x="6041689" y="3189394"/>
+          <a:xfrm rot="16200000">
+            <a:off x="6933020" y="3786770"/>
             <a:ext cx="844197" cy="553221"/>
           </a:xfrm>
           <a:prstGeom prst="triangle">
@@ -21933,10 +20806,10 @@
       </p:sp>
       <p:sp>
         <p:nvSpPr>
-          <p:cNvPr id="186" name="Isosceles Triangle 185">
+          <p:cNvPr id="59" name="Freeform: Shape 58">
             <a:extLst>
               <a:ext uri="{FF2B5EF4-FFF2-40B4-BE49-F238E27FC236}">
-                <a16:creationId xmlns:a16="http://schemas.microsoft.com/office/drawing/2014/main" id="{5D68D128-4234-F3D0-BB84-6F52AE9437ED}"/>
+                <a16:creationId xmlns:a16="http://schemas.microsoft.com/office/drawing/2014/main" id="{C85FB32E-5A6C-40BD-D320-D87050846D7A}"/>
               </a:ext>
             </a:extLst>
           </p:cNvPr>
@@ -21944,892 +20817,57 @@
           <p:nvPr/>
         </p:nvSpPr>
         <p:spPr>
-          <a:xfrm rot="5400000">
-            <a:off x="7293379" y="2549716"/>
-            <a:ext cx="844197" cy="553221"/>
+          <a:xfrm>
+            <a:off x="9416048" y="2402328"/>
+            <a:ext cx="312378" cy="2085937"/>
           </a:xfrm>
-          <a:prstGeom prst="triangle">
-            <a:avLst>
-              <a:gd name="adj" fmla="val 68270"/>
-            </a:avLst>
-          </a:prstGeom>
-          <a:solidFill>
-            <a:schemeClr val="accent6">
-              <a:lumMod val="60000"/>
-              <a:lumOff val="40000"/>
-            </a:schemeClr>
-          </a:solidFill>
-          <a:ln>
-            <a:solidFill>
-              <a:schemeClr val="accent6">
-                <a:lumMod val="60000"/>
-                <a:lumOff val="40000"/>
-              </a:schemeClr>
-            </a:solidFill>
-          </a:ln>
-        </p:spPr>
-        <p:style>
-          <a:lnRef idx="2">
-            <a:schemeClr val="accent1">
-              <a:shade val="50000"/>
-            </a:schemeClr>
-          </a:lnRef>
-          <a:fillRef idx="1">
-            <a:schemeClr val="accent1"/>
-          </a:fillRef>
-          <a:effectRef idx="0">
-            <a:schemeClr val="accent1"/>
-          </a:effectRef>
-          <a:fontRef idx="minor">
-            <a:schemeClr val="lt1"/>
-          </a:fontRef>
-        </p:style>
-        <p:txBody>
-          <a:bodyPr rtlCol="0" anchor="ctr"/>
-          <a:lstStyle/>
-          <a:p>
-            <a:pPr algn="ctr"/>
-            <a:endParaRPr lang="en-GB"/>
-          </a:p>
-        </p:txBody>
-      </p:sp>
-      <p:sp>
-        <p:nvSpPr>
-          <p:cNvPr id="187" name="Isosceles Triangle 186">
-            <a:extLst>
-              <a:ext uri="{FF2B5EF4-FFF2-40B4-BE49-F238E27FC236}">
-                <a16:creationId xmlns:a16="http://schemas.microsoft.com/office/drawing/2014/main" id="{DE892192-6798-E66F-34A5-6768189E29A9}"/>
-              </a:ext>
-            </a:extLst>
-          </p:cNvPr>
-          <p:cNvSpPr/>
-          <p:nvPr/>
-        </p:nvSpPr>
-        <p:spPr>
-          <a:xfrm rot="5400000">
-            <a:off x="6667020" y="3864154"/>
-            <a:ext cx="844197" cy="553221"/>
-          </a:xfrm>
-          <a:prstGeom prst="triangle">
-            <a:avLst>
-              <a:gd name="adj" fmla="val 68270"/>
-            </a:avLst>
-          </a:prstGeom>
-          <a:solidFill>
-            <a:schemeClr val="accent6">
-              <a:lumMod val="60000"/>
-              <a:lumOff val="40000"/>
-            </a:schemeClr>
-          </a:solidFill>
-          <a:ln>
-            <a:solidFill>
-              <a:schemeClr val="accent6">
-                <a:lumMod val="60000"/>
-                <a:lumOff val="40000"/>
-              </a:schemeClr>
-            </a:solidFill>
-          </a:ln>
-        </p:spPr>
-        <p:style>
-          <a:lnRef idx="2">
-            <a:schemeClr val="accent1">
-              <a:shade val="50000"/>
-            </a:schemeClr>
-          </a:lnRef>
-          <a:fillRef idx="1">
-            <a:schemeClr val="accent1"/>
-          </a:fillRef>
-          <a:effectRef idx="0">
-            <a:schemeClr val="accent1"/>
-          </a:effectRef>
-          <a:fontRef idx="minor">
-            <a:schemeClr val="lt1"/>
-          </a:fontRef>
-        </p:style>
-        <p:txBody>
-          <a:bodyPr rtlCol="0" anchor="ctr"/>
-          <a:lstStyle/>
-          <a:p>
-            <a:pPr algn="ctr"/>
-            <a:endParaRPr lang="en-GB"/>
-          </a:p>
-        </p:txBody>
-      </p:sp>
-      <p:sp>
-        <p:nvSpPr>
-          <p:cNvPr id="188" name="Isosceles Triangle 187">
-            <a:extLst>
-              <a:ext uri="{FF2B5EF4-FFF2-40B4-BE49-F238E27FC236}">
-                <a16:creationId xmlns:a16="http://schemas.microsoft.com/office/drawing/2014/main" id="{DBB0F4AB-2745-E5CC-25CF-93346D2267AB}"/>
-              </a:ext>
-            </a:extLst>
-          </p:cNvPr>
-          <p:cNvSpPr/>
-          <p:nvPr/>
-        </p:nvSpPr>
-        <p:spPr>
-          <a:xfrm rot="5400000">
-            <a:off x="7293378" y="3526779"/>
-            <a:ext cx="844197" cy="553221"/>
-          </a:xfrm>
-          <a:prstGeom prst="triangle">
-            <a:avLst>
-              <a:gd name="adj" fmla="val 68270"/>
-            </a:avLst>
-          </a:prstGeom>
-          <a:solidFill>
-            <a:schemeClr val="accent6">
-              <a:lumMod val="60000"/>
-              <a:lumOff val="40000"/>
-            </a:schemeClr>
-          </a:solidFill>
-          <a:ln>
-            <a:solidFill>
-              <a:schemeClr val="accent6">
-                <a:lumMod val="60000"/>
-                <a:lumOff val="40000"/>
-              </a:schemeClr>
-            </a:solidFill>
-          </a:ln>
-        </p:spPr>
-        <p:style>
-          <a:lnRef idx="2">
-            <a:schemeClr val="accent1">
-              <a:shade val="50000"/>
-            </a:schemeClr>
-          </a:lnRef>
-          <a:fillRef idx="1">
-            <a:schemeClr val="accent1"/>
-          </a:fillRef>
-          <a:effectRef idx="0">
-            <a:schemeClr val="accent1"/>
-          </a:effectRef>
-          <a:fontRef idx="minor">
-            <a:schemeClr val="lt1"/>
-          </a:fontRef>
-        </p:style>
-        <p:txBody>
-          <a:bodyPr rtlCol="0" anchor="ctr"/>
-          <a:lstStyle/>
-          <a:p>
-            <a:pPr algn="ctr"/>
-            <a:endParaRPr lang="en-GB"/>
-          </a:p>
-        </p:txBody>
-      </p:sp>
-      <p:sp>
-        <p:nvSpPr>
-          <p:cNvPr id="189" name="Isosceles Triangle 188">
-            <a:extLst>
-              <a:ext uri="{FF2B5EF4-FFF2-40B4-BE49-F238E27FC236}">
-                <a16:creationId xmlns:a16="http://schemas.microsoft.com/office/drawing/2014/main" id="{084D3ACC-5E46-7486-3C3B-953771143E55}"/>
-              </a:ext>
-            </a:extLst>
-          </p:cNvPr>
-          <p:cNvSpPr/>
-          <p:nvPr/>
-        </p:nvSpPr>
-        <p:spPr>
-          <a:xfrm rot="5400000">
-            <a:off x="6666052" y="4906687"/>
-            <a:ext cx="844197" cy="553221"/>
-          </a:xfrm>
-          <a:prstGeom prst="triangle">
-            <a:avLst>
-              <a:gd name="adj" fmla="val 68270"/>
-            </a:avLst>
-          </a:prstGeom>
-          <a:solidFill>
-            <a:schemeClr val="accent6">
-              <a:lumMod val="60000"/>
-              <a:lumOff val="40000"/>
-            </a:schemeClr>
-          </a:solidFill>
-          <a:ln>
-            <a:solidFill>
-              <a:schemeClr val="accent6">
-                <a:lumMod val="60000"/>
-                <a:lumOff val="40000"/>
-              </a:schemeClr>
-            </a:solidFill>
-          </a:ln>
-        </p:spPr>
-        <p:style>
-          <a:lnRef idx="2">
-            <a:schemeClr val="accent1">
-              <a:shade val="50000"/>
-            </a:schemeClr>
-          </a:lnRef>
-          <a:fillRef idx="1">
-            <a:schemeClr val="accent1"/>
-          </a:fillRef>
-          <a:effectRef idx="0">
-            <a:schemeClr val="accent1"/>
-          </a:effectRef>
-          <a:fontRef idx="minor">
-            <a:schemeClr val="lt1"/>
-          </a:fontRef>
-        </p:style>
-        <p:txBody>
-          <a:bodyPr rtlCol="0" anchor="ctr"/>
-          <a:lstStyle/>
-          <a:p>
-            <a:pPr algn="ctr"/>
-            <a:endParaRPr lang="en-GB"/>
-          </a:p>
-        </p:txBody>
-      </p:sp>
-      <p:sp>
-        <p:nvSpPr>
-          <p:cNvPr id="190" name="Isosceles Triangle 189">
-            <a:extLst>
-              <a:ext uri="{FF2B5EF4-FFF2-40B4-BE49-F238E27FC236}">
-                <a16:creationId xmlns:a16="http://schemas.microsoft.com/office/drawing/2014/main" id="{31C79522-C6A8-9C5A-BB69-1CC79346806E}"/>
-              </a:ext>
-            </a:extLst>
-          </p:cNvPr>
-          <p:cNvSpPr/>
-          <p:nvPr/>
-        </p:nvSpPr>
-        <p:spPr>
-          <a:xfrm rot="5400000">
-            <a:off x="7308783" y="4570502"/>
-            <a:ext cx="844197" cy="553221"/>
-          </a:xfrm>
-          <a:prstGeom prst="triangle">
-            <a:avLst>
-              <a:gd name="adj" fmla="val 68270"/>
-            </a:avLst>
-          </a:prstGeom>
-          <a:solidFill>
-            <a:schemeClr val="accent6">
-              <a:lumMod val="60000"/>
-              <a:lumOff val="40000"/>
-            </a:schemeClr>
-          </a:solidFill>
-          <a:ln>
-            <a:solidFill>
-              <a:schemeClr val="accent6">
-                <a:lumMod val="60000"/>
-                <a:lumOff val="40000"/>
-              </a:schemeClr>
-            </a:solidFill>
-          </a:ln>
-        </p:spPr>
-        <p:style>
-          <a:lnRef idx="2">
-            <a:schemeClr val="accent1">
-              <a:shade val="50000"/>
-            </a:schemeClr>
-          </a:lnRef>
-          <a:fillRef idx="1">
-            <a:schemeClr val="accent1"/>
-          </a:fillRef>
-          <a:effectRef idx="0">
-            <a:schemeClr val="accent1"/>
-          </a:effectRef>
-          <a:fontRef idx="minor">
-            <a:schemeClr val="lt1"/>
-          </a:fontRef>
-        </p:style>
-        <p:txBody>
-          <a:bodyPr rtlCol="0" anchor="ctr"/>
-          <a:lstStyle/>
-          <a:p>
-            <a:pPr algn="ctr"/>
-            <a:endParaRPr lang="en-GB"/>
-          </a:p>
-        </p:txBody>
-      </p:sp>
-      <p:sp>
-        <p:nvSpPr>
-          <p:cNvPr id="191" name="Isosceles Triangle 190">
-            <a:extLst>
-              <a:ext uri="{FF2B5EF4-FFF2-40B4-BE49-F238E27FC236}">
-                <a16:creationId xmlns:a16="http://schemas.microsoft.com/office/drawing/2014/main" id="{361DE020-CDDD-8276-15AB-F3695C038A18}"/>
-              </a:ext>
-            </a:extLst>
-          </p:cNvPr>
-          <p:cNvSpPr/>
-          <p:nvPr/>
-        </p:nvSpPr>
-        <p:spPr>
-          <a:xfrm rot="16200000">
-            <a:off x="9393387" y="4778537"/>
-            <a:ext cx="844197" cy="553221"/>
-          </a:xfrm>
-          <a:prstGeom prst="triangle">
-            <a:avLst>
-              <a:gd name="adj" fmla="val 68270"/>
-            </a:avLst>
-          </a:prstGeom>
-          <a:solidFill>
-            <a:schemeClr val="accent6">
-              <a:lumMod val="60000"/>
-              <a:lumOff val="40000"/>
-            </a:schemeClr>
-          </a:solidFill>
-          <a:ln>
-            <a:solidFill>
-              <a:schemeClr val="accent6">
-                <a:lumMod val="60000"/>
-                <a:lumOff val="40000"/>
-              </a:schemeClr>
-            </a:solidFill>
-          </a:ln>
-        </p:spPr>
-        <p:style>
-          <a:lnRef idx="2">
-            <a:schemeClr val="accent1">
-              <a:shade val="50000"/>
-            </a:schemeClr>
-          </a:lnRef>
-          <a:fillRef idx="1">
-            <a:schemeClr val="accent1"/>
-          </a:fillRef>
-          <a:effectRef idx="0">
-            <a:schemeClr val="accent1"/>
-          </a:effectRef>
-          <a:fontRef idx="minor">
-            <a:schemeClr val="lt1"/>
-          </a:fontRef>
-        </p:style>
-        <p:txBody>
-          <a:bodyPr rtlCol="0" anchor="ctr"/>
-          <a:lstStyle/>
-          <a:p>
-            <a:pPr algn="ctr"/>
-            <a:endParaRPr lang="en-GB"/>
-          </a:p>
-        </p:txBody>
-      </p:sp>
-      <p:sp>
-        <p:nvSpPr>
-          <p:cNvPr id="192" name="Isosceles Triangle 191">
-            <a:extLst>
-              <a:ext uri="{FF2B5EF4-FFF2-40B4-BE49-F238E27FC236}">
-                <a16:creationId xmlns:a16="http://schemas.microsoft.com/office/drawing/2014/main" id="{BC627FA2-480A-1C69-DFE4-04F74C392CCD}"/>
-              </a:ext>
-            </a:extLst>
-          </p:cNvPr>
-          <p:cNvSpPr/>
-          <p:nvPr/>
-        </p:nvSpPr>
-        <p:spPr>
-          <a:xfrm rot="16200000">
-            <a:off x="9417453" y="3808111"/>
-            <a:ext cx="844197" cy="553221"/>
-          </a:xfrm>
-          <a:prstGeom prst="triangle">
-            <a:avLst>
-              <a:gd name="adj" fmla="val 68270"/>
-            </a:avLst>
-          </a:prstGeom>
-          <a:solidFill>
-            <a:schemeClr val="accent6">
-              <a:lumMod val="60000"/>
-              <a:lumOff val="40000"/>
-            </a:schemeClr>
-          </a:solidFill>
-          <a:ln>
-            <a:solidFill>
-              <a:schemeClr val="accent6">
-                <a:lumMod val="60000"/>
-                <a:lumOff val="40000"/>
-              </a:schemeClr>
-            </a:solidFill>
-          </a:ln>
-        </p:spPr>
-        <p:style>
-          <a:lnRef idx="2">
-            <a:schemeClr val="accent1">
-              <a:shade val="50000"/>
-            </a:schemeClr>
-          </a:lnRef>
-          <a:fillRef idx="1">
-            <a:schemeClr val="accent1"/>
-          </a:fillRef>
-          <a:effectRef idx="0">
-            <a:schemeClr val="accent1"/>
-          </a:effectRef>
-          <a:fontRef idx="minor">
-            <a:schemeClr val="lt1"/>
-          </a:fontRef>
-        </p:style>
-        <p:txBody>
-          <a:bodyPr rtlCol="0" anchor="ctr"/>
-          <a:lstStyle/>
-          <a:p>
-            <a:pPr algn="ctr"/>
-            <a:endParaRPr lang="en-GB"/>
-          </a:p>
-        </p:txBody>
-      </p:sp>
-      <p:sp>
-        <p:nvSpPr>
-          <p:cNvPr id="193" name="Isosceles Triangle 192">
-            <a:extLst>
-              <a:ext uri="{FF2B5EF4-FFF2-40B4-BE49-F238E27FC236}">
-                <a16:creationId xmlns:a16="http://schemas.microsoft.com/office/drawing/2014/main" id="{27B8AF1B-B81A-D2DF-B2BE-2A2AFC8A12DD}"/>
-              </a:ext>
-            </a:extLst>
-          </p:cNvPr>
-          <p:cNvSpPr/>
-          <p:nvPr/>
-        </p:nvSpPr>
-        <p:spPr>
-          <a:xfrm rot="16200000">
-            <a:off x="9385133" y="2749320"/>
-            <a:ext cx="844197" cy="553221"/>
-          </a:xfrm>
-          <a:prstGeom prst="triangle">
-            <a:avLst>
-              <a:gd name="adj" fmla="val 68270"/>
-            </a:avLst>
-          </a:prstGeom>
-          <a:solidFill>
-            <a:schemeClr val="accent6">
-              <a:lumMod val="60000"/>
-              <a:lumOff val="40000"/>
-            </a:schemeClr>
-          </a:solidFill>
-          <a:ln>
-            <a:solidFill>
-              <a:schemeClr val="accent6">
-                <a:lumMod val="60000"/>
-                <a:lumOff val="40000"/>
-              </a:schemeClr>
-            </a:solidFill>
-          </a:ln>
-        </p:spPr>
-        <p:style>
-          <a:lnRef idx="2">
-            <a:schemeClr val="accent1">
-              <a:shade val="50000"/>
-            </a:schemeClr>
-          </a:lnRef>
-          <a:fillRef idx="1">
-            <a:schemeClr val="accent1"/>
-          </a:fillRef>
-          <a:effectRef idx="0">
-            <a:schemeClr val="accent1"/>
-          </a:effectRef>
-          <a:fontRef idx="minor">
-            <a:schemeClr val="lt1"/>
-          </a:fontRef>
-        </p:style>
-        <p:txBody>
-          <a:bodyPr rtlCol="0" anchor="ctr"/>
-          <a:lstStyle/>
-          <a:p>
-            <a:pPr algn="ctr"/>
-            <a:endParaRPr lang="en-GB"/>
-          </a:p>
-        </p:txBody>
-      </p:sp>
-      <p:sp>
-        <p:nvSpPr>
-          <p:cNvPr id="194" name="Isosceles Triangle 193">
-            <a:extLst>
-              <a:ext uri="{FF2B5EF4-FFF2-40B4-BE49-F238E27FC236}">
-                <a16:creationId xmlns:a16="http://schemas.microsoft.com/office/drawing/2014/main" id="{C43D876E-58F1-5571-452E-AB6174EDA1D9}"/>
-              </a:ext>
-            </a:extLst>
-          </p:cNvPr>
-          <p:cNvSpPr/>
-          <p:nvPr/>
-        </p:nvSpPr>
-        <p:spPr>
-          <a:xfrm rot="16200000">
-            <a:off x="10043097" y="2413196"/>
-            <a:ext cx="844197" cy="553221"/>
-          </a:xfrm>
-          <a:prstGeom prst="triangle">
-            <a:avLst>
-              <a:gd name="adj" fmla="val 68270"/>
-            </a:avLst>
-          </a:prstGeom>
-          <a:solidFill>
-            <a:schemeClr val="accent6">
-              <a:lumMod val="60000"/>
-              <a:lumOff val="40000"/>
-            </a:schemeClr>
-          </a:solidFill>
-          <a:ln>
-            <a:solidFill>
-              <a:schemeClr val="accent6">
-                <a:lumMod val="60000"/>
-                <a:lumOff val="40000"/>
-              </a:schemeClr>
-            </a:solidFill>
-          </a:ln>
-        </p:spPr>
-        <p:style>
-          <a:lnRef idx="2">
-            <a:schemeClr val="accent1">
-              <a:shade val="50000"/>
-            </a:schemeClr>
-          </a:lnRef>
-          <a:fillRef idx="1">
-            <a:schemeClr val="accent1"/>
-          </a:fillRef>
-          <a:effectRef idx="0">
-            <a:schemeClr val="accent1"/>
-          </a:effectRef>
-          <a:fontRef idx="minor">
-            <a:schemeClr val="lt1"/>
-          </a:fontRef>
-        </p:style>
-        <p:txBody>
-          <a:bodyPr rtlCol="0" anchor="ctr"/>
-          <a:lstStyle/>
-          <a:p>
-            <a:pPr algn="ctr"/>
-            <a:endParaRPr lang="en-GB"/>
-          </a:p>
-        </p:txBody>
-      </p:sp>
-      <p:sp>
-        <p:nvSpPr>
-          <p:cNvPr id="195" name="Isosceles Triangle 194">
-            <a:extLst>
-              <a:ext uri="{FF2B5EF4-FFF2-40B4-BE49-F238E27FC236}">
-                <a16:creationId xmlns:a16="http://schemas.microsoft.com/office/drawing/2014/main" id="{FC66F5B4-9A7A-1D5D-17FF-94EC0379B1D7}"/>
-              </a:ext>
-            </a:extLst>
-          </p:cNvPr>
-          <p:cNvSpPr/>
-          <p:nvPr/>
-        </p:nvSpPr>
-        <p:spPr>
-          <a:xfrm rot="16200000">
-            <a:off x="10636655" y="2075049"/>
-            <a:ext cx="844197" cy="553221"/>
-          </a:xfrm>
-          <a:prstGeom prst="triangle">
-            <a:avLst>
-              <a:gd name="adj" fmla="val 68270"/>
-            </a:avLst>
-          </a:prstGeom>
-          <a:solidFill>
-            <a:schemeClr val="accent6">
-              <a:lumMod val="60000"/>
-              <a:lumOff val="40000"/>
-            </a:schemeClr>
-          </a:solidFill>
-          <a:ln>
-            <a:solidFill>
-              <a:schemeClr val="accent6">
-                <a:lumMod val="60000"/>
-                <a:lumOff val="40000"/>
-              </a:schemeClr>
-            </a:solidFill>
-          </a:ln>
-        </p:spPr>
-        <p:style>
-          <a:lnRef idx="2">
-            <a:schemeClr val="accent1">
-              <a:shade val="50000"/>
-            </a:schemeClr>
-          </a:lnRef>
-          <a:fillRef idx="1">
-            <a:schemeClr val="accent1"/>
-          </a:fillRef>
-          <a:effectRef idx="0">
-            <a:schemeClr val="accent1"/>
-          </a:effectRef>
-          <a:fontRef idx="minor">
-            <a:schemeClr val="lt1"/>
-          </a:fontRef>
-        </p:style>
-        <p:txBody>
-          <a:bodyPr rtlCol="0" anchor="ctr"/>
-          <a:lstStyle/>
-          <a:p>
-            <a:pPr algn="ctr"/>
-            <a:endParaRPr lang="en-GB"/>
-          </a:p>
-        </p:txBody>
-      </p:sp>
-      <p:sp>
-        <p:nvSpPr>
-          <p:cNvPr id="196" name="Isosceles Triangle 195">
-            <a:extLst>
-              <a:ext uri="{FF2B5EF4-FFF2-40B4-BE49-F238E27FC236}">
-                <a16:creationId xmlns:a16="http://schemas.microsoft.com/office/drawing/2014/main" id="{639F024D-9281-0919-F5EE-B3FE189991A3}"/>
-              </a:ext>
-            </a:extLst>
-          </p:cNvPr>
-          <p:cNvSpPr/>
-          <p:nvPr/>
-        </p:nvSpPr>
-        <p:spPr>
-          <a:xfrm rot="16200000">
-            <a:off x="10043097" y="3488279"/>
-            <a:ext cx="844197" cy="553221"/>
-          </a:xfrm>
-          <a:prstGeom prst="triangle">
-            <a:avLst>
-              <a:gd name="adj" fmla="val 68270"/>
-            </a:avLst>
-          </a:prstGeom>
-          <a:solidFill>
-            <a:schemeClr val="accent6">
-              <a:lumMod val="60000"/>
-              <a:lumOff val="40000"/>
-            </a:schemeClr>
-          </a:solidFill>
-          <a:ln>
-            <a:solidFill>
-              <a:schemeClr val="accent6">
-                <a:lumMod val="60000"/>
-                <a:lumOff val="40000"/>
-              </a:schemeClr>
-            </a:solidFill>
-          </a:ln>
-        </p:spPr>
-        <p:style>
-          <a:lnRef idx="2">
-            <a:schemeClr val="accent1">
-              <a:shade val="50000"/>
-            </a:schemeClr>
-          </a:lnRef>
-          <a:fillRef idx="1">
-            <a:schemeClr val="accent1"/>
-          </a:fillRef>
-          <a:effectRef idx="0">
-            <a:schemeClr val="accent1"/>
-          </a:effectRef>
-          <a:fontRef idx="minor">
-            <a:schemeClr val="lt1"/>
-          </a:fontRef>
-        </p:style>
-        <p:txBody>
-          <a:bodyPr rtlCol="0" anchor="ctr"/>
-          <a:lstStyle/>
-          <a:p>
-            <a:pPr algn="ctr"/>
-            <a:endParaRPr lang="en-GB"/>
-          </a:p>
-        </p:txBody>
-      </p:sp>
-      <p:sp>
-        <p:nvSpPr>
-          <p:cNvPr id="197" name="Isosceles Triangle 196">
-            <a:extLst>
-              <a:ext uri="{FF2B5EF4-FFF2-40B4-BE49-F238E27FC236}">
-                <a16:creationId xmlns:a16="http://schemas.microsoft.com/office/drawing/2014/main" id="{D4D0CA19-3953-1AA9-3E31-DE38937D56A8}"/>
-              </a:ext>
-            </a:extLst>
-          </p:cNvPr>
-          <p:cNvSpPr/>
-          <p:nvPr/>
-        </p:nvSpPr>
-        <p:spPr>
-          <a:xfrm rot="16200000">
-            <a:off x="10652697" y="3135223"/>
-            <a:ext cx="844197" cy="553221"/>
-          </a:xfrm>
-          <a:prstGeom prst="triangle">
-            <a:avLst>
-              <a:gd name="adj" fmla="val 68270"/>
-            </a:avLst>
-          </a:prstGeom>
-          <a:solidFill>
-            <a:schemeClr val="accent6">
-              <a:lumMod val="60000"/>
-              <a:lumOff val="40000"/>
-            </a:schemeClr>
-          </a:solidFill>
-          <a:ln>
-            <a:solidFill>
-              <a:schemeClr val="accent6">
-                <a:lumMod val="60000"/>
-                <a:lumOff val="40000"/>
-              </a:schemeClr>
-            </a:solidFill>
-          </a:ln>
-        </p:spPr>
-        <p:style>
-          <a:lnRef idx="2">
-            <a:schemeClr val="accent1">
-              <a:shade val="50000"/>
-            </a:schemeClr>
-          </a:lnRef>
-          <a:fillRef idx="1">
-            <a:schemeClr val="accent1"/>
-          </a:fillRef>
-          <a:effectRef idx="0">
-            <a:schemeClr val="accent1"/>
-          </a:effectRef>
-          <a:fontRef idx="minor">
-            <a:schemeClr val="lt1"/>
-          </a:fontRef>
-        </p:style>
-        <p:txBody>
-          <a:bodyPr rtlCol="0" anchor="ctr"/>
-          <a:lstStyle/>
-          <a:p>
-            <a:pPr algn="ctr"/>
-            <a:endParaRPr lang="en-GB"/>
-          </a:p>
-        </p:txBody>
-      </p:sp>
-      <p:sp>
-        <p:nvSpPr>
-          <p:cNvPr id="198" name="Isosceles Triangle 197">
-            <a:extLst>
-              <a:ext uri="{FF2B5EF4-FFF2-40B4-BE49-F238E27FC236}">
-                <a16:creationId xmlns:a16="http://schemas.microsoft.com/office/drawing/2014/main" id="{AB2A9A3A-CCA4-234D-6851-B7BFFDBBFD39}"/>
-              </a:ext>
-            </a:extLst>
-          </p:cNvPr>
-          <p:cNvSpPr/>
-          <p:nvPr/>
-        </p:nvSpPr>
-        <p:spPr>
-          <a:xfrm rot="16200000">
-            <a:off x="10027053" y="4466199"/>
-            <a:ext cx="844197" cy="553221"/>
-          </a:xfrm>
-          <a:prstGeom prst="triangle">
-            <a:avLst>
-              <a:gd name="adj" fmla="val 68270"/>
-            </a:avLst>
-          </a:prstGeom>
-          <a:solidFill>
-            <a:schemeClr val="accent6">
-              <a:lumMod val="60000"/>
-              <a:lumOff val="40000"/>
-            </a:schemeClr>
-          </a:solidFill>
-          <a:ln>
-            <a:solidFill>
-              <a:schemeClr val="accent6">
-                <a:lumMod val="60000"/>
-                <a:lumOff val="40000"/>
-              </a:schemeClr>
-            </a:solidFill>
-          </a:ln>
-        </p:spPr>
-        <p:style>
-          <a:lnRef idx="2">
-            <a:schemeClr val="accent1">
-              <a:shade val="50000"/>
-            </a:schemeClr>
-          </a:lnRef>
-          <a:fillRef idx="1">
-            <a:schemeClr val="accent1"/>
-          </a:fillRef>
-          <a:effectRef idx="0">
-            <a:schemeClr val="accent1"/>
-          </a:effectRef>
-          <a:fontRef idx="minor">
-            <a:schemeClr val="lt1"/>
-          </a:fontRef>
-        </p:style>
-        <p:txBody>
-          <a:bodyPr rtlCol="0" anchor="ctr"/>
-          <a:lstStyle/>
-          <a:p>
-            <a:pPr algn="ctr"/>
-            <a:endParaRPr lang="en-GB"/>
-          </a:p>
-        </p:txBody>
-      </p:sp>
-      <p:sp>
-        <p:nvSpPr>
-          <p:cNvPr id="199" name="Isosceles Triangle 198">
-            <a:extLst>
-              <a:ext uri="{FF2B5EF4-FFF2-40B4-BE49-F238E27FC236}">
-                <a16:creationId xmlns:a16="http://schemas.microsoft.com/office/drawing/2014/main" id="{5ED4BB16-A844-DBC5-710F-71021D4EB9AA}"/>
-              </a:ext>
-            </a:extLst>
-          </p:cNvPr>
-          <p:cNvSpPr/>
-          <p:nvPr/>
-        </p:nvSpPr>
-        <p:spPr>
-          <a:xfrm rot="16200000">
-            <a:off x="10636655" y="4128763"/>
-            <a:ext cx="844197" cy="553221"/>
-          </a:xfrm>
-          <a:prstGeom prst="triangle">
-            <a:avLst>
-              <a:gd name="adj" fmla="val 68270"/>
-            </a:avLst>
-          </a:prstGeom>
-          <a:solidFill>
-            <a:schemeClr val="accent6">
-              <a:lumMod val="60000"/>
-              <a:lumOff val="40000"/>
-            </a:schemeClr>
-          </a:solidFill>
-          <a:ln>
-            <a:solidFill>
-              <a:schemeClr val="accent6">
-                <a:lumMod val="60000"/>
-                <a:lumOff val="40000"/>
-              </a:schemeClr>
-            </a:solidFill>
-          </a:ln>
-        </p:spPr>
-        <p:style>
-          <a:lnRef idx="2">
-            <a:schemeClr val="accent1">
-              <a:shade val="50000"/>
-            </a:schemeClr>
-          </a:lnRef>
-          <a:fillRef idx="1">
-            <a:schemeClr val="accent1"/>
-          </a:fillRef>
-          <a:effectRef idx="0">
-            <a:schemeClr val="accent1"/>
-          </a:effectRef>
-          <a:fontRef idx="minor">
-            <a:schemeClr val="lt1"/>
-          </a:fontRef>
-        </p:style>
-        <p:txBody>
-          <a:bodyPr rtlCol="0" anchor="ctr"/>
-          <a:lstStyle/>
-          <a:p>
-            <a:pPr algn="ctr"/>
-            <a:endParaRPr lang="en-GB"/>
-          </a:p>
-        </p:txBody>
-      </p:sp>
-      <p:cxnSp>
-        <p:nvCxnSpPr>
-          <p:cNvPr id="216" name="Connector: Curved 215">
-            <a:extLst>
-              <a:ext uri="{FF2B5EF4-FFF2-40B4-BE49-F238E27FC236}">
-                <a16:creationId xmlns:a16="http://schemas.microsoft.com/office/drawing/2014/main" id="{389E7FF7-4E38-D68B-86F6-E5063F2BFB55}"/>
-              </a:ext>
-            </a:extLst>
-          </p:cNvPr>
-          <p:cNvCxnSpPr>
-            <a:cxnSpLocks/>
-          </p:cNvCxnSpPr>
-          <p:nvPr/>
-        </p:nvCxnSpPr>
-        <p:spPr>
-          <a:xfrm flipV="1">
-            <a:off x="2632653" y="3909960"/>
-            <a:ext cx="1852865" cy="1062788"/>
-          </a:xfrm>
-          <a:prstGeom prst="curvedConnector3">
-            <a:avLst>
-              <a:gd name="adj1" fmla="val -22727"/>
-            </a:avLst>
-          </a:prstGeom>
+          <a:custGeom>
+            <a:avLst/>
+            <a:gdLst>
+              <a:gd name="connsiteX0" fmla="*/ 1781445 w 1781445"/>
+              <a:gd name="connsiteY0" fmla="*/ 0 h 2823410"/>
+              <a:gd name="connsiteX1" fmla="*/ 771 w 1781445"/>
+              <a:gd name="connsiteY1" fmla="*/ 1588168 h 2823410"/>
+              <a:gd name="connsiteX2" fmla="*/ 1604982 w 1781445"/>
+              <a:gd name="connsiteY2" fmla="*/ 2823410 h 2823410"/>
+            </a:gdLst>
+            <a:ahLst/>
+            <a:cxnLst>
+              <a:cxn ang="0">
+                <a:pos x="connsiteX0" y="connsiteY0"/>
+              </a:cxn>
+              <a:cxn ang="0">
+                <a:pos x="connsiteX1" y="connsiteY1"/>
+              </a:cxn>
+              <a:cxn ang="0">
+                <a:pos x="connsiteX2" y="connsiteY2"/>
+              </a:cxn>
+            </a:cxnLst>
+            <a:rect l="l" t="t" r="r" b="b"/>
+            <a:pathLst>
+              <a:path w="1781445" h="2823410">
+                <a:moveTo>
+                  <a:pt x="1781445" y="0"/>
+                </a:moveTo>
+                <a:cubicBezTo>
+                  <a:pt x="905813" y="558800"/>
+                  <a:pt x="30181" y="1117600"/>
+                  <a:pt x="771" y="1588168"/>
+                </a:cubicBezTo>
+                <a:cubicBezTo>
+                  <a:pt x="-28639" y="2058736"/>
+                  <a:pt x="788171" y="2441073"/>
+                  <a:pt x="1604982" y="2823410"/>
+                </a:cubicBezTo>
+              </a:path>
+            </a:pathLst>
+          </a:custGeom>
           <a:ln>
             <a:solidFill>
               <a:schemeClr val="bg2">
                 <a:lumMod val="75000"/>
               </a:schemeClr>
             </a:solidFill>
-            <a:tailEnd type="triangle"/>
           </a:ln>
         </p:spPr>
         <p:style>
@@ -22846,13 +20884,21 @@
             <a:schemeClr val="tx1"/>
           </a:fontRef>
         </p:style>
-      </p:cxnSp>
+        <p:txBody>
+          <a:bodyPr rtlCol="0" anchor="ctr"/>
+          <a:lstStyle/>
+          <a:p>
+            <a:pPr algn="ctr"/>
+            <a:endParaRPr lang="en-GB"/>
+          </a:p>
+        </p:txBody>
+      </p:sp>
       <p:sp>
         <p:nvSpPr>
-          <p:cNvPr id="217" name="Freeform: Shape 216">
+          <p:cNvPr id="60" name="Freeform: Shape 59">
             <a:extLst>
               <a:ext uri="{FF2B5EF4-FFF2-40B4-BE49-F238E27FC236}">
-                <a16:creationId xmlns:a16="http://schemas.microsoft.com/office/drawing/2014/main" id="{586AA257-721F-EBD9-77A0-79A048A03AFD}"/>
+                <a16:creationId xmlns:a16="http://schemas.microsoft.com/office/drawing/2014/main" id="{2B8BC73A-874D-A7E2-B4B3-5844D25E30D8}"/>
               </a:ext>
             </a:extLst>
           </p:cNvPr>
@@ -22861,8 +20907,8 @@
         </p:nvSpPr>
         <p:spPr>
           <a:xfrm>
-            <a:off x="3559085" y="2181420"/>
-            <a:ext cx="320838" cy="3043978"/>
+            <a:off x="8157367" y="3084397"/>
+            <a:ext cx="295496" cy="2091692"/>
           </a:xfrm>
           <a:custGeom>
             <a:avLst/>
@@ -22938,36 +20984,27 @@
       </p:sp>
       <p:cxnSp>
         <p:nvCxnSpPr>
-          <p:cNvPr id="218" name="Connector: Curved 217">
+          <p:cNvPr id="61" name="Straight Connector 60">
             <a:extLst>
               <a:ext uri="{FF2B5EF4-FFF2-40B4-BE49-F238E27FC236}">
-                <a16:creationId xmlns:a16="http://schemas.microsoft.com/office/drawing/2014/main" id="{C232765A-710A-C7C3-CC27-07884461823C}"/>
+                <a16:creationId xmlns:a16="http://schemas.microsoft.com/office/drawing/2014/main" id="{2394BBBB-7916-0862-FE3D-409BE144E7BA}"/>
               </a:ext>
             </a:extLst>
           </p:cNvPr>
           <p:cNvCxnSpPr>
             <a:cxnSpLocks/>
+            <a:stCxn id="76" idx="0"/>
           </p:cNvCxnSpPr>
           <p:nvPr/>
         </p:nvCxnSpPr>
         <p:spPr>
           <a:xfrm flipV="1">
-            <a:off x="2576506" y="1832501"/>
-            <a:ext cx="1852865" cy="1062788"/>
+            <a:off x="8445468" y="3088408"/>
+            <a:ext cx="16697" cy="2027320"/>
           </a:xfrm>
-          <a:prstGeom prst="curvedConnector3">
-            <a:avLst>
-              <a:gd name="adj1" fmla="val -22727"/>
-            </a:avLst>
+          <a:prstGeom prst="line">
+            <a:avLst/>
           </a:prstGeom>
-          <a:ln>
-            <a:solidFill>
-              <a:schemeClr val="bg2">
-                <a:lumMod val="75000"/>
-              </a:schemeClr>
-            </a:solidFill>
-            <a:tailEnd type="triangle"/>
-          </a:ln>
         </p:spPr>
         <p:style>
           <a:lnRef idx="1">
@@ -22986,10 +21023,127 @@
       </p:cxnSp>
       <p:cxnSp>
         <p:nvCxnSpPr>
-          <p:cNvPr id="219" name="Connector: Curved 218">
+          <p:cNvPr id="62" name="Straight Connector 61">
             <a:extLst>
               <a:ext uri="{FF2B5EF4-FFF2-40B4-BE49-F238E27FC236}">
-                <a16:creationId xmlns:a16="http://schemas.microsoft.com/office/drawing/2014/main" id="{A072AE6C-BECC-8786-0D92-8212D83BE124}"/>
+                <a16:creationId xmlns:a16="http://schemas.microsoft.com/office/drawing/2014/main" id="{64248277-45F5-964E-E649-F87F96ECBED2}"/>
+              </a:ext>
+            </a:extLst>
+          </p:cNvPr>
+          <p:cNvCxnSpPr>
+            <a:cxnSpLocks/>
+            <a:stCxn id="79" idx="4"/>
+          </p:cNvCxnSpPr>
+          <p:nvPr/>
+        </p:nvCxnSpPr>
+        <p:spPr>
+          <a:xfrm flipH="1" flipV="1">
+            <a:off x="9095828" y="2799650"/>
+            <a:ext cx="8021" cy="2138473"/>
+          </a:xfrm>
+          <a:prstGeom prst="line">
+            <a:avLst/>
+          </a:prstGeom>
+        </p:spPr>
+        <p:style>
+          <a:lnRef idx="1">
+            <a:schemeClr val="dk1"/>
+          </a:lnRef>
+          <a:fillRef idx="0">
+            <a:schemeClr val="dk1"/>
+          </a:fillRef>
+          <a:effectRef idx="0">
+            <a:schemeClr val="dk1"/>
+          </a:effectRef>
+          <a:fontRef idx="minor">
+            <a:schemeClr val="tx1"/>
+          </a:fontRef>
+        </p:style>
+      </p:cxnSp>
+      <p:cxnSp>
+        <p:nvCxnSpPr>
+          <p:cNvPr id="63" name="Straight Connector 62">
+            <a:extLst>
+              <a:ext uri="{FF2B5EF4-FFF2-40B4-BE49-F238E27FC236}">
+                <a16:creationId xmlns:a16="http://schemas.microsoft.com/office/drawing/2014/main" id="{75119870-0E2A-EBA4-7713-7D975694B4D6}"/>
+              </a:ext>
+            </a:extLst>
+          </p:cNvPr>
+          <p:cNvCxnSpPr>
+            <a:cxnSpLocks/>
+            <a:stCxn id="80" idx="4"/>
+          </p:cNvCxnSpPr>
+          <p:nvPr/>
+        </p:nvCxnSpPr>
+        <p:spPr>
+          <a:xfrm flipV="1">
+            <a:off x="9729492" y="2446724"/>
+            <a:ext cx="16042" cy="2138579"/>
+          </a:xfrm>
+          <a:prstGeom prst="line">
+            <a:avLst/>
+          </a:prstGeom>
+        </p:spPr>
+        <p:style>
+          <a:lnRef idx="1">
+            <a:schemeClr val="dk1"/>
+          </a:lnRef>
+          <a:fillRef idx="0">
+            <a:schemeClr val="dk1"/>
+          </a:fillRef>
+          <a:effectRef idx="0">
+            <a:schemeClr val="dk1"/>
+          </a:effectRef>
+          <a:fontRef idx="minor">
+            <a:schemeClr val="tx1"/>
+          </a:fontRef>
+        </p:style>
+      </p:cxnSp>
+      <p:cxnSp>
+        <p:nvCxnSpPr>
+          <p:cNvPr id="64" name="Straight Connector 63">
+            <a:extLst>
+              <a:ext uri="{FF2B5EF4-FFF2-40B4-BE49-F238E27FC236}">
+                <a16:creationId xmlns:a16="http://schemas.microsoft.com/office/drawing/2014/main" id="{E6420D63-4006-36BA-6152-CC9B0C9C2E41}"/>
+              </a:ext>
+            </a:extLst>
+          </p:cNvPr>
+          <p:cNvCxnSpPr>
+            <a:cxnSpLocks/>
+            <a:endCxn id="72" idx="3"/>
+          </p:cNvCxnSpPr>
+          <p:nvPr/>
+        </p:nvCxnSpPr>
+        <p:spPr>
+          <a:xfrm flipV="1">
+            <a:off x="8462165" y="2482921"/>
+            <a:ext cx="1243666" cy="605487"/>
+          </a:xfrm>
+          <a:prstGeom prst="line">
+            <a:avLst/>
+          </a:prstGeom>
+        </p:spPr>
+        <p:style>
+          <a:lnRef idx="1">
+            <a:schemeClr val="dk1"/>
+          </a:lnRef>
+          <a:fillRef idx="0">
+            <a:schemeClr val="dk1"/>
+          </a:fillRef>
+          <a:effectRef idx="0">
+            <a:schemeClr val="dk1"/>
+          </a:effectRef>
+          <a:fontRef idx="minor">
+            <a:schemeClr val="tx1"/>
+          </a:fontRef>
+        </p:style>
+      </p:cxnSp>
+      <p:cxnSp>
+        <p:nvCxnSpPr>
+          <p:cNvPr id="65" name="Straight Connector 64">
+            <a:extLst>
+              <a:ext uri="{FF2B5EF4-FFF2-40B4-BE49-F238E27FC236}">
+                <a16:creationId xmlns:a16="http://schemas.microsoft.com/office/drawing/2014/main" id="{9688B9F6-D404-F62A-DF0D-8F7F028B9661}"/>
               </a:ext>
             </a:extLst>
           </p:cNvPr>
@@ -23000,22 +21154,12 @@
         </p:nvCxnSpPr>
         <p:spPr>
           <a:xfrm flipV="1">
-            <a:off x="2536403" y="4944668"/>
-            <a:ext cx="1852865" cy="1062788"/>
+            <a:off x="8478208" y="4578765"/>
+            <a:ext cx="1206674" cy="599129"/>
           </a:xfrm>
-          <a:prstGeom prst="curvedConnector3">
-            <a:avLst>
-              <a:gd name="adj1" fmla="val -22727"/>
-            </a:avLst>
+          <a:prstGeom prst="line">
+            <a:avLst/>
           </a:prstGeom>
-          <a:ln>
-            <a:solidFill>
-              <a:schemeClr val="bg2">
-                <a:lumMod val="75000"/>
-              </a:schemeClr>
-            </a:solidFill>
-            <a:tailEnd type="triangle"/>
-          </a:ln>
         </p:spPr>
         <p:style>
           <a:lnRef idx="1">
@@ -23034,10 +21178,10 @@
       </p:cxnSp>
       <p:sp>
         <p:nvSpPr>
-          <p:cNvPr id="220" name="Freeform: Shape 219">
+          <p:cNvPr id="66" name="Freeform: Shape 65">
             <a:extLst>
               <a:ext uri="{FF2B5EF4-FFF2-40B4-BE49-F238E27FC236}">
-                <a16:creationId xmlns:a16="http://schemas.microsoft.com/office/drawing/2014/main" id="{B234A9EF-CF80-E379-B8FE-E6C62DA5A678}"/>
+                <a16:creationId xmlns:a16="http://schemas.microsoft.com/office/drawing/2014/main" id="{ABEFDAEF-50F9-62FA-9F43-5BF310B18E09}"/>
               </a:ext>
             </a:extLst>
           </p:cNvPr>
@@ -23046,97 +21190,8 @@
         </p:nvSpPr>
         <p:spPr>
           <a:xfrm>
-            <a:off x="4124573" y="1900690"/>
-            <a:ext cx="320838" cy="3043978"/>
-          </a:xfrm>
-          <a:custGeom>
-            <a:avLst/>
-            <a:gdLst>
-              <a:gd name="connsiteX0" fmla="*/ 1781445 w 1781445"/>
-              <a:gd name="connsiteY0" fmla="*/ 0 h 2823410"/>
-              <a:gd name="connsiteX1" fmla="*/ 771 w 1781445"/>
-              <a:gd name="connsiteY1" fmla="*/ 1588168 h 2823410"/>
-              <a:gd name="connsiteX2" fmla="*/ 1604982 w 1781445"/>
-              <a:gd name="connsiteY2" fmla="*/ 2823410 h 2823410"/>
-            </a:gdLst>
-            <a:ahLst/>
-            <a:cxnLst>
-              <a:cxn ang="0">
-                <a:pos x="connsiteX0" y="connsiteY0"/>
-              </a:cxn>
-              <a:cxn ang="0">
-                <a:pos x="connsiteX1" y="connsiteY1"/>
-              </a:cxn>
-              <a:cxn ang="0">
-                <a:pos x="connsiteX2" y="connsiteY2"/>
-              </a:cxn>
-            </a:cxnLst>
-            <a:rect l="l" t="t" r="r" b="b"/>
-            <a:pathLst>
-              <a:path w="1781445" h="2823410">
-                <a:moveTo>
-                  <a:pt x="1781445" y="0"/>
-                </a:moveTo>
-                <a:cubicBezTo>
-                  <a:pt x="905813" y="558800"/>
-                  <a:pt x="30181" y="1117600"/>
-                  <a:pt x="771" y="1588168"/>
-                </a:cubicBezTo>
-                <a:cubicBezTo>
-                  <a:pt x="-28639" y="2058736"/>
-                  <a:pt x="788171" y="2441073"/>
-                  <a:pt x="1604982" y="2823410"/>
-                </a:cubicBezTo>
-              </a:path>
-            </a:pathLst>
-          </a:custGeom>
-          <a:ln>
-            <a:solidFill>
-              <a:schemeClr val="bg2">
-                <a:lumMod val="75000"/>
-              </a:schemeClr>
-            </a:solidFill>
-          </a:ln>
-        </p:spPr>
-        <p:style>
-          <a:lnRef idx="1">
-            <a:schemeClr val="dk1"/>
-          </a:lnRef>
-          <a:fillRef idx="0">
-            <a:schemeClr val="dk1"/>
-          </a:fillRef>
-          <a:effectRef idx="0">
-            <a:schemeClr val="dk1"/>
-          </a:effectRef>
-          <a:fontRef idx="minor">
-            <a:schemeClr val="tx1"/>
-          </a:fontRef>
-        </p:style>
-        <p:txBody>
-          <a:bodyPr rtlCol="0" anchor="ctr"/>
-          <a:lstStyle/>
-          <a:p>
-            <a:pPr algn="ctr"/>
-            <a:endParaRPr lang="en-GB"/>
-          </a:p>
-        </p:txBody>
-      </p:sp>
-      <p:sp>
-        <p:nvSpPr>
-          <p:cNvPr id="221" name="Freeform: Shape 220">
-            <a:extLst>
-              <a:ext uri="{FF2B5EF4-FFF2-40B4-BE49-F238E27FC236}">
-                <a16:creationId xmlns:a16="http://schemas.microsoft.com/office/drawing/2014/main" id="{D633C40D-08A8-01E1-5E0E-EC1F4A5E4E1E}"/>
-              </a:ext>
-            </a:extLst>
-          </p:cNvPr>
-          <p:cNvSpPr/>
-          <p:nvPr/>
-        </p:nvSpPr>
-        <p:spPr>
-          <a:xfrm>
-            <a:off x="2255667" y="2843152"/>
-            <a:ext cx="320838" cy="3043978"/>
+            <a:off x="8750928" y="2855809"/>
+            <a:ext cx="320429" cy="2044410"/>
           </a:xfrm>
           <a:custGeom>
             <a:avLst/>
@@ -23212,20 +21267,22 @@
       </p:sp>
       <p:cxnSp>
         <p:nvCxnSpPr>
-          <p:cNvPr id="222" name="Straight Connector 221">
+          <p:cNvPr id="67" name="Straight Connector 66">
             <a:extLst>
               <a:ext uri="{FF2B5EF4-FFF2-40B4-BE49-F238E27FC236}">
-                <a16:creationId xmlns:a16="http://schemas.microsoft.com/office/drawing/2014/main" id="{3C568736-6D56-4336-ED0F-7327901D7FD2}"/>
+                <a16:creationId xmlns:a16="http://schemas.microsoft.com/office/drawing/2014/main" id="{A0A6A490-D61A-4C1D-E62B-8A458053AEB6}"/>
               </a:ext>
             </a:extLst>
           </p:cNvPr>
-          <p:cNvCxnSpPr/>
+          <p:cNvCxnSpPr>
+            <a:cxnSpLocks/>
+          </p:cNvCxnSpPr>
           <p:nvPr/>
         </p:nvCxnSpPr>
         <p:spPr>
           <a:xfrm flipV="1">
-            <a:off x="2560465" y="2847163"/>
-            <a:ext cx="0" cy="3104148"/>
+            <a:off x="8446123" y="3570239"/>
+            <a:ext cx="1241740" cy="653150"/>
           </a:xfrm>
           <a:prstGeom prst="line">
             <a:avLst/>
@@ -23248,399 +21305,10 @@
       </p:cxnSp>
       <p:cxnSp>
         <p:nvCxnSpPr>
-          <p:cNvPr id="223" name="Straight Connector 222">
+          <p:cNvPr id="68" name="Straight Connector 67">
             <a:extLst>
               <a:ext uri="{FF2B5EF4-FFF2-40B4-BE49-F238E27FC236}">
-                <a16:creationId xmlns:a16="http://schemas.microsoft.com/office/drawing/2014/main" id="{45F24A40-D32D-25BC-A205-A71DE4862BE4}"/>
-              </a:ext>
-            </a:extLst>
-          </p:cNvPr>
-          <p:cNvCxnSpPr/>
-          <p:nvPr/>
-        </p:nvCxnSpPr>
-        <p:spPr>
-          <a:xfrm flipV="1">
-            <a:off x="3194128" y="2558405"/>
-            <a:ext cx="0" cy="3104148"/>
-          </a:xfrm>
-          <a:prstGeom prst="line">
-            <a:avLst/>
-          </a:prstGeom>
-        </p:spPr>
-        <p:style>
-          <a:lnRef idx="1">
-            <a:schemeClr val="dk1"/>
-          </a:lnRef>
-          <a:fillRef idx="0">
-            <a:schemeClr val="dk1"/>
-          </a:fillRef>
-          <a:effectRef idx="0">
-            <a:schemeClr val="dk1"/>
-          </a:effectRef>
-          <a:fontRef idx="minor">
-            <a:schemeClr val="tx1"/>
-          </a:fontRef>
-        </p:style>
-      </p:cxnSp>
-      <p:cxnSp>
-        <p:nvCxnSpPr>
-          <p:cNvPr id="224" name="Straight Connector 223">
-            <a:extLst>
-              <a:ext uri="{FF2B5EF4-FFF2-40B4-BE49-F238E27FC236}">
-                <a16:creationId xmlns:a16="http://schemas.microsoft.com/office/drawing/2014/main" id="{69B17384-1F12-556D-0F83-CA89F0CC8C84}"/>
-              </a:ext>
-            </a:extLst>
-          </p:cNvPr>
-          <p:cNvCxnSpPr/>
-          <p:nvPr/>
-        </p:nvCxnSpPr>
-        <p:spPr>
-          <a:xfrm flipV="1">
-            <a:off x="3843834" y="2205479"/>
-            <a:ext cx="0" cy="3104148"/>
-          </a:xfrm>
-          <a:prstGeom prst="line">
-            <a:avLst/>
-          </a:prstGeom>
-        </p:spPr>
-        <p:style>
-          <a:lnRef idx="1">
-            <a:schemeClr val="dk1"/>
-          </a:lnRef>
-          <a:fillRef idx="0">
-            <a:schemeClr val="dk1"/>
-          </a:fillRef>
-          <a:effectRef idx="0">
-            <a:schemeClr val="dk1"/>
-          </a:effectRef>
-          <a:fontRef idx="minor">
-            <a:schemeClr val="tx1"/>
-          </a:fontRef>
-        </p:style>
-      </p:cxnSp>
-      <p:cxnSp>
-        <p:nvCxnSpPr>
-          <p:cNvPr id="225" name="Straight Connector 224">
-            <a:extLst>
-              <a:ext uri="{FF2B5EF4-FFF2-40B4-BE49-F238E27FC236}">
-                <a16:creationId xmlns:a16="http://schemas.microsoft.com/office/drawing/2014/main" id="{EF303BCF-8C3F-C7C3-4851-7277EAAAE1F2}"/>
-              </a:ext>
-            </a:extLst>
-          </p:cNvPr>
-          <p:cNvCxnSpPr/>
-          <p:nvPr/>
-        </p:nvCxnSpPr>
-        <p:spPr>
-          <a:xfrm flipV="1">
-            <a:off x="4445413" y="1844532"/>
-            <a:ext cx="0" cy="3104148"/>
-          </a:xfrm>
-          <a:prstGeom prst="line">
-            <a:avLst/>
-          </a:prstGeom>
-        </p:spPr>
-        <p:style>
-          <a:lnRef idx="1">
-            <a:schemeClr val="dk1"/>
-          </a:lnRef>
-          <a:fillRef idx="0">
-            <a:schemeClr val="dk1"/>
-          </a:fillRef>
-          <a:effectRef idx="0">
-            <a:schemeClr val="dk1"/>
-          </a:effectRef>
-          <a:fontRef idx="minor">
-            <a:schemeClr val="tx1"/>
-          </a:fontRef>
-        </p:style>
-      </p:cxnSp>
-      <p:cxnSp>
-        <p:nvCxnSpPr>
-          <p:cNvPr id="226" name="Straight Connector 225">
-            <a:extLst>
-              <a:ext uri="{FF2B5EF4-FFF2-40B4-BE49-F238E27FC236}">
-                <a16:creationId xmlns:a16="http://schemas.microsoft.com/office/drawing/2014/main" id="{31B532CE-CDE1-C606-E0CD-CF8AB80033EF}"/>
-              </a:ext>
-            </a:extLst>
-          </p:cNvPr>
-          <p:cNvCxnSpPr/>
-          <p:nvPr/>
-        </p:nvCxnSpPr>
-        <p:spPr>
-          <a:xfrm flipV="1">
-            <a:off x="2560465" y="1844532"/>
-            <a:ext cx="1884948" cy="1002631"/>
-          </a:xfrm>
-          <a:prstGeom prst="line">
-            <a:avLst/>
-          </a:prstGeom>
-        </p:spPr>
-        <p:style>
-          <a:lnRef idx="1">
-            <a:schemeClr val="dk1"/>
-          </a:lnRef>
-          <a:fillRef idx="0">
-            <a:schemeClr val="dk1"/>
-          </a:fillRef>
-          <a:effectRef idx="0">
-            <a:schemeClr val="dk1"/>
-          </a:effectRef>
-          <a:fontRef idx="minor">
-            <a:schemeClr val="tx1"/>
-          </a:fontRef>
-        </p:style>
-      </p:cxnSp>
-      <p:cxnSp>
-        <p:nvCxnSpPr>
-          <p:cNvPr id="227" name="Straight Connector 226">
-            <a:extLst>
-              <a:ext uri="{FF2B5EF4-FFF2-40B4-BE49-F238E27FC236}">
-                <a16:creationId xmlns:a16="http://schemas.microsoft.com/office/drawing/2014/main" id="{094C8F36-2668-CB5E-B273-E2A6EC4F2A00}"/>
-              </a:ext>
-            </a:extLst>
-          </p:cNvPr>
-          <p:cNvCxnSpPr/>
-          <p:nvPr/>
-        </p:nvCxnSpPr>
-        <p:spPr>
-          <a:xfrm flipV="1">
-            <a:off x="2576508" y="3934018"/>
-            <a:ext cx="1884948" cy="1002631"/>
-          </a:xfrm>
-          <a:prstGeom prst="line">
-            <a:avLst/>
-          </a:prstGeom>
-        </p:spPr>
-        <p:style>
-          <a:lnRef idx="1">
-            <a:schemeClr val="dk1"/>
-          </a:lnRef>
-          <a:fillRef idx="0">
-            <a:schemeClr val="dk1"/>
-          </a:fillRef>
-          <a:effectRef idx="0">
-            <a:schemeClr val="dk1"/>
-          </a:effectRef>
-          <a:fontRef idx="minor">
-            <a:schemeClr val="tx1"/>
-          </a:fontRef>
-        </p:style>
-      </p:cxnSp>
-      <p:sp>
-        <p:nvSpPr>
-          <p:cNvPr id="228" name="Freeform: Shape 227">
-            <a:extLst>
-              <a:ext uri="{FF2B5EF4-FFF2-40B4-BE49-F238E27FC236}">
-                <a16:creationId xmlns:a16="http://schemas.microsoft.com/office/drawing/2014/main" id="{21C84158-7666-36B5-5801-F83B7EAA898C}"/>
-              </a:ext>
-            </a:extLst>
-          </p:cNvPr>
-          <p:cNvSpPr/>
-          <p:nvPr/>
-        </p:nvSpPr>
-        <p:spPr>
-          <a:xfrm>
-            <a:off x="2849228" y="2614564"/>
-            <a:ext cx="320838" cy="3043978"/>
-          </a:xfrm>
-          <a:custGeom>
-            <a:avLst/>
-            <a:gdLst>
-              <a:gd name="connsiteX0" fmla="*/ 1781445 w 1781445"/>
-              <a:gd name="connsiteY0" fmla="*/ 0 h 2823410"/>
-              <a:gd name="connsiteX1" fmla="*/ 771 w 1781445"/>
-              <a:gd name="connsiteY1" fmla="*/ 1588168 h 2823410"/>
-              <a:gd name="connsiteX2" fmla="*/ 1604982 w 1781445"/>
-              <a:gd name="connsiteY2" fmla="*/ 2823410 h 2823410"/>
-            </a:gdLst>
-            <a:ahLst/>
-            <a:cxnLst>
-              <a:cxn ang="0">
-                <a:pos x="connsiteX0" y="connsiteY0"/>
-              </a:cxn>
-              <a:cxn ang="0">
-                <a:pos x="connsiteX1" y="connsiteY1"/>
-              </a:cxn>
-              <a:cxn ang="0">
-                <a:pos x="connsiteX2" y="connsiteY2"/>
-              </a:cxn>
-            </a:cxnLst>
-            <a:rect l="l" t="t" r="r" b="b"/>
-            <a:pathLst>
-              <a:path w="1781445" h="2823410">
-                <a:moveTo>
-                  <a:pt x="1781445" y="0"/>
-                </a:moveTo>
-                <a:cubicBezTo>
-                  <a:pt x="905813" y="558800"/>
-                  <a:pt x="30181" y="1117600"/>
-                  <a:pt x="771" y="1588168"/>
-                </a:cubicBezTo>
-                <a:cubicBezTo>
-                  <a:pt x="-28639" y="2058736"/>
-                  <a:pt x="788171" y="2441073"/>
-                  <a:pt x="1604982" y="2823410"/>
-                </a:cubicBezTo>
-              </a:path>
-            </a:pathLst>
-          </a:custGeom>
-          <a:ln>
-            <a:solidFill>
-              <a:schemeClr val="bg2">
-                <a:lumMod val="75000"/>
-              </a:schemeClr>
-            </a:solidFill>
-          </a:ln>
-        </p:spPr>
-        <p:style>
-          <a:lnRef idx="1">
-            <a:schemeClr val="dk1"/>
-          </a:lnRef>
-          <a:fillRef idx="0">
-            <a:schemeClr val="dk1"/>
-          </a:fillRef>
-          <a:effectRef idx="0">
-            <a:schemeClr val="dk1"/>
-          </a:effectRef>
-          <a:fontRef idx="minor">
-            <a:schemeClr val="tx1"/>
-          </a:fontRef>
-        </p:style>
-        <p:txBody>
-          <a:bodyPr rtlCol="0" anchor="ctr"/>
-          <a:lstStyle/>
-          <a:p>
-            <a:pPr algn="ctr"/>
-            <a:endParaRPr lang="en-GB"/>
-          </a:p>
-        </p:txBody>
-      </p:sp>
-      <p:cxnSp>
-        <p:nvCxnSpPr>
-          <p:cNvPr id="229" name="Connector: Curved 228">
-            <a:extLst>
-              <a:ext uri="{FF2B5EF4-FFF2-40B4-BE49-F238E27FC236}">
-                <a16:creationId xmlns:a16="http://schemas.microsoft.com/office/drawing/2014/main" id="{F5ECD8EF-CB5B-D553-1953-395690D0E697}"/>
-              </a:ext>
-            </a:extLst>
-          </p:cNvPr>
-          <p:cNvCxnSpPr>
-            <a:cxnSpLocks/>
-          </p:cNvCxnSpPr>
-          <p:nvPr/>
-        </p:nvCxnSpPr>
-        <p:spPr>
-          <a:xfrm flipV="1">
-            <a:off x="2528381" y="2967482"/>
-            <a:ext cx="1852865" cy="1062788"/>
-          </a:xfrm>
-          <a:prstGeom prst="curvedConnector3">
-            <a:avLst>
-              <a:gd name="adj1" fmla="val -22727"/>
-            </a:avLst>
-          </a:prstGeom>
-          <a:ln>
-            <a:solidFill>
-              <a:schemeClr val="bg2">
-                <a:lumMod val="75000"/>
-              </a:schemeClr>
-            </a:solidFill>
-            <a:tailEnd type="triangle"/>
-          </a:ln>
-        </p:spPr>
-        <p:style>
-          <a:lnRef idx="1">
-            <a:schemeClr val="dk1"/>
-          </a:lnRef>
-          <a:fillRef idx="0">
-            <a:schemeClr val="dk1"/>
-          </a:fillRef>
-          <a:effectRef idx="0">
-            <a:schemeClr val="dk1"/>
-          </a:effectRef>
-          <a:fontRef idx="minor">
-            <a:schemeClr val="tx1"/>
-          </a:fontRef>
-        </p:style>
-      </p:cxnSp>
-      <p:cxnSp>
-        <p:nvCxnSpPr>
-          <p:cNvPr id="230" name="Straight Connector 229">
-            <a:extLst>
-              <a:ext uri="{FF2B5EF4-FFF2-40B4-BE49-F238E27FC236}">
-                <a16:creationId xmlns:a16="http://schemas.microsoft.com/office/drawing/2014/main" id="{2D7C4B0F-1D00-EEC7-414A-016F84258ED0}"/>
-              </a:ext>
-            </a:extLst>
-          </p:cNvPr>
-          <p:cNvCxnSpPr/>
-          <p:nvPr/>
-        </p:nvCxnSpPr>
-        <p:spPr>
-          <a:xfrm flipV="1">
-            <a:off x="2544423" y="4984775"/>
-            <a:ext cx="1884948" cy="1002631"/>
-          </a:xfrm>
-          <a:prstGeom prst="line">
-            <a:avLst/>
-          </a:prstGeom>
-        </p:spPr>
-        <p:style>
-          <a:lnRef idx="1">
-            <a:schemeClr val="dk1"/>
-          </a:lnRef>
-          <a:fillRef idx="0">
-            <a:schemeClr val="dk1"/>
-          </a:fillRef>
-          <a:effectRef idx="0">
-            <a:schemeClr val="dk1"/>
-          </a:effectRef>
-          <a:fontRef idx="minor">
-            <a:schemeClr val="tx1"/>
-          </a:fontRef>
-        </p:style>
-      </p:cxnSp>
-      <p:cxnSp>
-        <p:nvCxnSpPr>
-          <p:cNvPr id="231" name="Straight Connector 230">
-            <a:extLst>
-              <a:ext uri="{FF2B5EF4-FFF2-40B4-BE49-F238E27FC236}">
-                <a16:creationId xmlns:a16="http://schemas.microsoft.com/office/drawing/2014/main" id="{AC0B28F0-E5C5-7F7B-61BB-FD1AAE381CB3}"/>
-              </a:ext>
-            </a:extLst>
-          </p:cNvPr>
-          <p:cNvCxnSpPr/>
-          <p:nvPr/>
-        </p:nvCxnSpPr>
-        <p:spPr>
-          <a:xfrm flipV="1">
-            <a:off x="2544423" y="2979513"/>
-            <a:ext cx="1884948" cy="1002631"/>
-          </a:xfrm>
-          <a:prstGeom prst="line">
-            <a:avLst/>
-          </a:prstGeom>
-        </p:spPr>
-        <p:style>
-          <a:lnRef idx="1">
-            <a:schemeClr val="dk1"/>
-          </a:lnRef>
-          <a:fillRef idx="0">
-            <a:schemeClr val="dk1"/>
-          </a:fillRef>
-          <a:effectRef idx="0">
-            <a:schemeClr val="dk1"/>
-          </a:effectRef>
-          <a:fontRef idx="minor">
-            <a:schemeClr val="tx1"/>
-          </a:fontRef>
-        </p:style>
-      </p:cxnSp>
-      <p:cxnSp>
-        <p:nvCxnSpPr>
-          <p:cNvPr id="232" name="Straight Connector 231">
-            <a:extLst>
-              <a:ext uri="{FF2B5EF4-FFF2-40B4-BE49-F238E27FC236}">
-                <a16:creationId xmlns:a16="http://schemas.microsoft.com/office/drawing/2014/main" id="{367EBDF8-A17A-707E-963A-53344A4DF274}"/>
+                <a16:creationId xmlns:a16="http://schemas.microsoft.com/office/drawing/2014/main" id="{F46298A4-7154-A10C-DBD3-857D23A5215C}"/>
               </a:ext>
             </a:extLst>
           </p:cNvPr>
@@ -23649,7 +21317,7 @@
         </p:nvCxnSpPr>
         <p:spPr>
           <a:xfrm>
-            <a:off x="2560465" y="2847163"/>
+            <a:off x="8462165" y="3088408"/>
             <a:ext cx="0" cy="24063"/>
           </a:xfrm>
           <a:prstGeom prst="line">
@@ -23673,22 +21341,23 @@
       </p:cxnSp>
       <p:cxnSp>
         <p:nvCxnSpPr>
-          <p:cNvPr id="233" name="Straight Connector 232">
+          <p:cNvPr id="69" name="Straight Connector 68">
             <a:extLst>
               <a:ext uri="{FF2B5EF4-FFF2-40B4-BE49-F238E27FC236}">
-                <a16:creationId xmlns:a16="http://schemas.microsoft.com/office/drawing/2014/main" id="{C39D5DF3-5784-9AA9-E815-23B248EEF5BA}"/>
+                <a16:creationId xmlns:a16="http://schemas.microsoft.com/office/drawing/2014/main" id="{949B5A4B-AF85-270A-DF33-FD9CFD29DAB7}"/>
               </a:ext>
             </a:extLst>
           </p:cNvPr>
           <p:cNvCxnSpPr>
             <a:cxnSpLocks/>
+            <a:endCxn id="80" idx="4"/>
           </p:cNvCxnSpPr>
           <p:nvPr/>
         </p:nvCxnSpPr>
         <p:spPr>
           <a:xfrm>
-            <a:off x="2584528" y="2907320"/>
-            <a:ext cx="1844843" cy="2077455"/>
+            <a:off x="8486228" y="3148565"/>
+            <a:ext cx="1243264" cy="1436738"/>
           </a:xfrm>
           <a:prstGeom prst="line">
             <a:avLst/>
@@ -23711,20 +21380,22 @@
       </p:cxnSp>
       <p:cxnSp>
         <p:nvCxnSpPr>
-          <p:cNvPr id="234" name="Straight Connector 233">
+          <p:cNvPr id="70" name="Straight Connector 69">
             <a:extLst>
               <a:ext uri="{FF2B5EF4-FFF2-40B4-BE49-F238E27FC236}">
-                <a16:creationId xmlns:a16="http://schemas.microsoft.com/office/drawing/2014/main" id="{5DBD546F-9FAB-6216-C780-B2FF628F7A97}"/>
+                <a16:creationId xmlns:a16="http://schemas.microsoft.com/office/drawing/2014/main" id="{29E4DE34-D611-329D-C1BE-30F44949CE1E}"/>
               </a:ext>
             </a:extLst>
           </p:cNvPr>
-          <p:cNvCxnSpPr/>
+          <p:cNvCxnSpPr>
+            <a:cxnSpLocks/>
+          </p:cNvCxnSpPr>
           <p:nvPr/>
         </p:nvCxnSpPr>
         <p:spPr>
           <a:xfrm>
-            <a:off x="3194128" y="2558405"/>
-            <a:ext cx="1235243" cy="1375613"/>
+            <a:off x="9095828" y="2799650"/>
+            <a:ext cx="714369" cy="770589"/>
           </a:xfrm>
           <a:prstGeom prst="line">
             <a:avLst/>
@@ -23747,96 +21418,23 @@
       </p:cxnSp>
       <p:cxnSp>
         <p:nvCxnSpPr>
-          <p:cNvPr id="235" name="Straight Connector 234">
+          <p:cNvPr id="71" name="Straight Connector 70">
             <a:extLst>
               <a:ext uri="{FF2B5EF4-FFF2-40B4-BE49-F238E27FC236}">
-                <a16:creationId xmlns:a16="http://schemas.microsoft.com/office/drawing/2014/main" id="{5DAF4C97-A769-D9DD-54FC-F8304C6496AC}"/>
-              </a:ext>
-            </a:extLst>
-          </p:cNvPr>
-          <p:cNvCxnSpPr/>
-          <p:nvPr/>
-        </p:nvCxnSpPr>
-        <p:spPr>
-          <a:xfrm>
-            <a:off x="2576506" y="3962094"/>
-            <a:ext cx="1235243" cy="1375613"/>
-          </a:xfrm>
-          <a:prstGeom prst="line">
-            <a:avLst/>
-          </a:prstGeom>
-        </p:spPr>
-        <p:style>
-          <a:lnRef idx="1">
-            <a:schemeClr val="dk1"/>
-          </a:lnRef>
-          <a:fillRef idx="0">
-            <a:schemeClr val="dk1"/>
-          </a:fillRef>
-          <a:effectRef idx="0">
-            <a:schemeClr val="dk1"/>
-          </a:effectRef>
-          <a:fontRef idx="minor">
-            <a:schemeClr val="tx1"/>
-          </a:fontRef>
-        </p:style>
-      </p:cxnSp>
-      <p:cxnSp>
-        <p:nvCxnSpPr>
-          <p:cNvPr id="236" name="Straight Connector 235">
-            <a:extLst>
-              <a:ext uri="{FF2B5EF4-FFF2-40B4-BE49-F238E27FC236}">
-                <a16:creationId xmlns:a16="http://schemas.microsoft.com/office/drawing/2014/main" id="{91297A6A-FE58-C16D-185F-C5F7CD07E258}"/>
+                <a16:creationId xmlns:a16="http://schemas.microsoft.com/office/drawing/2014/main" id="{8961E453-14A6-6E76-3ECC-C62A8D532A03}"/>
               </a:ext>
             </a:extLst>
           </p:cNvPr>
           <p:cNvCxnSpPr>
             <a:cxnSpLocks/>
+            <a:endCxn id="79" idx="2"/>
           </p:cNvCxnSpPr>
           <p:nvPr/>
         </p:nvCxnSpPr>
         <p:spPr>
           <a:xfrm>
-            <a:off x="3843834" y="2229541"/>
-            <a:ext cx="585537" cy="780048"/>
-          </a:xfrm>
-          <a:prstGeom prst="line">
-            <a:avLst/>
-          </a:prstGeom>
-        </p:spPr>
-        <p:style>
-          <a:lnRef idx="1">
-            <a:schemeClr val="dk1"/>
-          </a:lnRef>
-          <a:fillRef idx="0">
-            <a:schemeClr val="dk1"/>
-          </a:fillRef>
-          <a:effectRef idx="0">
-            <a:schemeClr val="dk1"/>
-          </a:effectRef>
-          <a:fontRef idx="minor">
-            <a:schemeClr val="tx1"/>
-          </a:fontRef>
-        </p:style>
-      </p:cxnSp>
-      <p:cxnSp>
-        <p:nvCxnSpPr>
-          <p:cNvPr id="237" name="Straight Connector 236">
-            <a:extLst>
-              <a:ext uri="{FF2B5EF4-FFF2-40B4-BE49-F238E27FC236}">
-                <a16:creationId xmlns:a16="http://schemas.microsoft.com/office/drawing/2014/main" id="{6BB62BE3-77C2-31CF-6978-9D82BAF48715}"/>
-              </a:ext>
-            </a:extLst>
-          </p:cNvPr>
-          <p:cNvCxnSpPr>
-            <a:cxnSpLocks/>
-          </p:cNvCxnSpPr>
-          <p:nvPr/>
-        </p:nvCxnSpPr>
-        <p:spPr>
-          <a:xfrm>
-            <a:off x="2584528" y="4944668"/>
-            <a:ext cx="625643" cy="717885"/>
+            <a:off x="8478206" y="4203339"/>
+            <a:ext cx="569495" cy="678637"/>
           </a:xfrm>
           <a:prstGeom prst="line">
             <a:avLst/>
@@ -23859,10 +21457,10 @@
       </p:cxnSp>
       <p:sp>
         <p:nvSpPr>
-          <p:cNvPr id="238" name="Oval 237">
+          <p:cNvPr id="72" name="Oval 71">
             <a:extLst>
               <a:ext uri="{FF2B5EF4-FFF2-40B4-BE49-F238E27FC236}">
-                <a16:creationId xmlns:a16="http://schemas.microsoft.com/office/drawing/2014/main" id="{AD37D967-6437-52D1-CE80-A37905D72EA2}"/>
+                <a16:creationId xmlns:a16="http://schemas.microsoft.com/office/drawing/2014/main" id="{4E90609C-CEEC-ED43-4804-678FDAAB2FB6}"/>
               </a:ext>
             </a:extLst>
           </p:cNvPr>
@@ -23871,16 +21469,14 @@
         </p:nvSpPr>
         <p:spPr>
           <a:xfrm>
-            <a:off x="4373223" y="1817925"/>
+            <a:off x="9689386" y="2387071"/>
             <a:ext cx="112295" cy="112295"/>
           </a:xfrm>
           <a:prstGeom prst="ellipse">
             <a:avLst/>
           </a:prstGeom>
           <a:solidFill>
-            <a:schemeClr val="accent6">
-              <a:lumMod val="50000"/>
-            </a:schemeClr>
+            <a:schemeClr val="tx1"/>
           </a:solidFill>
           <a:ln>
             <a:solidFill>
@@ -23915,10 +21511,10 @@
       </p:sp>
       <p:sp>
         <p:nvSpPr>
-          <p:cNvPr id="239" name="Oval 238">
+          <p:cNvPr id="73" name="Oval 72">
             <a:extLst>
               <a:ext uri="{FF2B5EF4-FFF2-40B4-BE49-F238E27FC236}">
-                <a16:creationId xmlns:a16="http://schemas.microsoft.com/office/drawing/2014/main" id="{C709D465-D498-FDF4-47AB-DA5468814D12}"/>
+                <a16:creationId xmlns:a16="http://schemas.microsoft.com/office/drawing/2014/main" id="{70F66106-4CC7-B218-50A4-23FFDD0A43A6}"/>
               </a:ext>
             </a:extLst>
           </p:cNvPr>
@@ -23927,16 +21523,14 @@
         </p:nvSpPr>
         <p:spPr>
           <a:xfrm>
-            <a:off x="4381092" y="2931611"/>
+            <a:off x="9031658" y="2751526"/>
             <a:ext cx="112295" cy="112295"/>
           </a:xfrm>
           <a:prstGeom prst="ellipse">
             <a:avLst/>
           </a:prstGeom>
           <a:solidFill>
-            <a:schemeClr val="accent6">
-              <a:lumMod val="50000"/>
-            </a:schemeClr>
+            <a:schemeClr val="tx1"/>
           </a:solidFill>
           <a:ln>
             <a:solidFill>
@@ -23971,10 +21565,10 @@
       </p:sp>
       <p:sp>
         <p:nvSpPr>
-          <p:cNvPr id="240" name="Oval 239">
+          <p:cNvPr id="74" name="Oval 73">
             <a:extLst>
               <a:ext uri="{FF2B5EF4-FFF2-40B4-BE49-F238E27FC236}">
-                <a16:creationId xmlns:a16="http://schemas.microsoft.com/office/drawing/2014/main" id="{47E0B759-1A5F-DCEF-E960-DC2C5E21DD10}"/>
+                <a16:creationId xmlns:a16="http://schemas.microsoft.com/office/drawing/2014/main" id="{EF7DABF4-1D7B-DE35-748A-41A7B4AFC3BA}"/>
               </a:ext>
             </a:extLst>
           </p:cNvPr>
@@ -23983,16 +21577,14 @@
         </p:nvSpPr>
         <p:spPr>
           <a:xfrm>
-            <a:off x="4397288" y="3879874"/>
+            <a:off x="8389320" y="3062339"/>
             <a:ext cx="112295" cy="112295"/>
           </a:xfrm>
           <a:prstGeom prst="ellipse">
             <a:avLst/>
           </a:prstGeom>
           <a:solidFill>
-            <a:schemeClr val="accent6">
-              <a:lumMod val="50000"/>
-            </a:schemeClr>
+            <a:schemeClr val="tx1"/>
           </a:solidFill>
           <a:ln>
             <a:solidFill>
@@ -24027,10 +21619,10 @@
       </p:sp>
       <p:sp>
         <p:nvSpPr>
-          <p:cNvPr id="241" name="Oval 240">
+          <p:cNvPr id="75" name="Oval 74">
             <a:extLst>
               <a:ext uri="{FF2B5EF4-FFF2-40B4-BE49-F238E27FC236}">
-                <a16:creationId xmlns:a16="http://schemas.microsoft.com/office/drawing/2014/main" id="{3ABC8B01-F8DF-7C2D-EBEF-17F94FD77D61}"/>
+                <a16:creationId xmlns:a16="http://schemas.microsoft.com/office/drawing/2014/main" id="{BDCD7421-7F54-5B1F-E2BE-839FF86C9DA4}"/>
               </a:ext>
             </a:extLst>
           </p:cNvPr>
@@ -24039,16 +21631,14 @@
         </p:nvSpPr>
         <p:spPr>
           <a:xfrm>
-            <a:off x="4381092" y="4922091"/>
+            <a:off x="8406015" y="4169245"/>
             <a:ext cx="112295" cy="112295"/>
           </a:xfrm>
           <a:prstGeom prst="ellipse">
             <a:avLst/>
           </a:prstGeom>
           <a:solidFill>
-            <a:schemeClr val="accent6">
-              <a:lumMod val="50000"/>
-            </a:schemeClr>
+            <a:schemeClr val="tx1"/>
           </a:solidFill>
           <a:ln>
             <a:solidFill>
@@ -24083,10 +21673,10 @@
       </p:sp>
       <p:sp>
         <p:nvSpPr>
-          <p:cNvPr id="242" name="Oval 241">
+          <p:cNvPr id="76" name="Oval 75">
             <a:extLst>
               <a:ext uri="{FF2B5EF4-FFF2-40B4-BE49-F238E27FC236}">
-                <a16:creationId xmlns:a16="http://schemas.microsoft.com/office/drawing/2014/main" id="{0379EA66-522D-0494-E117-D42E43EA6348}"/>
+                <a16:creationId xmlns:a16="http://schemas.microsoft.com/office/drawing/2014/main" id="{3F93760D-DB31-0E2E-643D-CEB223D0621E}"/>
               </a:ext>
             </a:extLst>
           </p:cNvPr>
@@ -24095,16 +21685,14 @@
         </p:nvSpPr>
         <p:spPr>
           <a:xfrm>
-            <a:off x="3787686" y="2145826"/>
+            <a:off x="8389320" y="5115728"/>
             <a:ext cx="112295" cy="112295"/>
           </a:xfrm>
           <a:prstGeom prst="ellipse">
             <a:avLst/>
           </a:prstGeom>
           <a:solidFill>
-            <a:schemeClr val="accent6">
-              <a:lumMod val="50000"/>
-            </a:schemeClr>
+            <a:schemeClr val="tx1"/>
           </a:solidFill>
           <a:ln>
             <a:solidFill>
@@ -24139,10 +21727,10 @@
       </p:sp>
       <p:sp>
         <p:nvSpPr>
-          <p:cNvPr id="243" name="Oval 242">
+          <p:cNvPr id="77" name="Oval 76">
             <a:extLst>
               <a:ext uri="{FF2B5EF4-FFF2-40B4-BE49-F238E27FC236}">
-                <a16:creationId xmlns:a16="http://schemas.microsoft.com/office/drawing/2014/main" id="{9DC0E34E-0050-6349-FE39-6F60752837AC}"/>
+                <a16:creationId xmlns:a16="http://schemas.microsoft.com/office/drawing/2014/main" id="{241C0013-7613-966C-D4F5-1EE57F54E458}"/>
               </a:ext>
             </a:extLst>
           </p:cNvPr>
@@ -24151,16 +21739,14 @@
         </p:nvSpPr>
         <p:spPr>
           <a:xfrm>
-            <a:off x="3129958" y="2510281"/>
+            <a:off x="9047701" y="3818326"/>
             <a:ext cx="112295" cy="112295"/>
           </a:xfrm>
           <a:prstGeom prst="ellipse">
             <a:avLst/>
           </a:prstGeom>
           <a:solidFill>
-            <a:schemeClr val="accent6">
-              <a:lumMod val="50000"/>
-            </a:schemeClr>
+            <a:schemeClr val="tx1"/>
           </a:solidFill>
           <a:ln>
             <a:solidFill>
@@ -24195,10 +21781,10 @@
       </p:sp>
       <p:sp>
         <p:nvSpPr>
-          <p:cNvPr id="244" name="Oval 243">
+          <p:cNvPr id="78" name="Oval 77">
             <a:extLst>
               <a:ext uri="{FF2B5EF4-FFF2-40B4-BE49-F238E27FC236}">
-                <a16:creationId xmlns:a16="http://schemas.microsoft.com/office/drawing/2014/main" id="{680E9DFE-B19F-FABC-2BEF-EB632A227668}"/>
+                <a16:creationId xmlns:a16="http://schemas.microsoft.com/office/drawing/2014/main" id="{506E7B5B-B380-9699-B787-54E0D1FA94E5}"/>
               </a:ext>
             </a:extLst>
           </p:cNvPr>
@@ -24207,16 +21793,14 @@
         </p:nvSpPr>
         <p:spPr>
           <a:xfrm>
-            <a:off x="2487620" y="2821094"/>
+            <a:off x="9705615" y="3478171"/>
             <a:ext cx="112295" cy="112295"/>
           </a:xfrm>
           <a:prstGeom prst="ellipse">
             <a:avLst/>
           </a:prstGeom>
           <a:solidFill>
-            <a:schemeClr val="accent6">
-              <a:lumMod val="50000"/>
-            </a:schemeClr>
+            <a:schemeClr val="tx1"/>
           </a:solidFill>
           <a:ln>
             <a:solidFill>
@@ -24251,10 +21835,10 @@
       </p:sp>
       <p:sp>
         <p:nvSpPr>
-          <p:cNvPr id="245" name="Oval 244">
+          <p:cNvPr id="79" name="Oval 78">
             <a:extLst>
               <a:ext uri="{FF2B5EF4-FFF2-40B4-BE49-F238E27FC236}">
-                <a16:creationId xmlns:a16="http://schemas.microsoft.com/office/drawing/2014/main" id="{4DC82D9D-7BB4-636C-54A6-65E9EDAC1AB4}"/>
+                <a16:creationId xmlns:a16="http://schemas.microsoft.com/office/drawing/2014/main" id="{84DEE50E-05D6-E08E-C06D-D53B1CAF4A18}"/>
               </a:ext>
             </a:extLst>
           </p:cNvPr>
@@ -24263,16 +21847,14 @@
         </p:nvSpPr>
         <p:spPr>
           <a:xfrm>
-            <a:off x="2504315" y="3928000"/>
+            <a:off x="9047701" y="4825828"/>
             <a:ext cx="112295" cy="112295"/>
           </a:xfrm>
           <a:prstGeom prst="ellipse">
             <a:avLst/>
           </a:prstGeom>
           <a:solidFill>
-            <a:schemeClr val="accent6">
-              <a:lumMod val="50000"/>
-            </a:schemeClr>
+            <a:schemeClr val="tx1"/>
           </a:solidFill>
           <a:ln>
             <a:solidFill>
@@ -24307,10 +21889,10 @@
       </p:sp>
       <p:sp>
         <p:nvSpPr>
-          <p:cNvPr id="246" name="Oval 245">
+          <p:cNvPr id="80" name="Oval 79">
             <a:extLst>
               <a:ext uri="{FF2B5EF4-FFF2-40B4-BE49-F238E27FC236}">
-                <a16:creationId xmlns:a16="http://schemas.microsoft.com/office/drawing/2014/main" id="{30771355-CDE1-21E5-C667-233A1426A642}"/>
+                <a16:creationId xmlns:a16="http://schemas.microsoft.com/office/drawing/2014/main" id="{6747961D-77F5-6CEE-B746-BE81A5B16C7C}"/>
               </a:ext>
             </a:extLst>
           </p:cNvPr>
@@ -24319,16 +21901,14 @@
         </p:nvSpPr>
         <p:spPr>
           <a:xfrm>
-            <a:off x="2487620" y="4874483"/>
+            <a:off x="9673344" y="4473008"/>
             <a:ext cx="112295" cy="112295"/>
           </a:xfrm>
           <a:prstGeom prst="ellipse">
             <a:avLst/>
           </a:prstGeom>
           <a:solidFill>
-            <a:schemeClr val="accent6">
-              <a:lumMod val="50000"/>
-            </a:schemeClr>
+            <a:schemeClr val="tx1"/>
           </a:solidFill>
           <a:ln>
             <a:solidFill>
@@ -24361,12 +21941,60 @@
           </a:p>
         </p:txBody>
       </p:sp>
+      <p:cxnSp>
+        <p:nvCxnSpPr>
+          <p:cNvPr id="84" name="Connector: Curved 83">
+            <a:extLst>
+              <a:ext uri="{FF2B5EF4-FFF2-40B4-BE49-F238E27FC236}">
+                <a16:creationId xmlns:a16="http://schemas.microsoft.com/office/drawing/2014/main" id="{821FABEC-1588-468C-5CDE-CDB483E4EAC3}"/>
+              </a:ext>
+            </a:extLst>
+          </p:cNvPr>
+          <p:cNvCxnSpPr>
+            <a:cxnSpLocks/>
+            <a:stCxn id="25" idx="2"/>
+          </p:cNvCxnSpPr>
+          <p:nvPr/>
+        </p:nvCxnSpPr>
+        <p:spPr>
+          <a:xfrm rot="10800000" flipH="1">
+            <a:off x="3918926" y="2450670"/>
+            <a:ext cx="1282484" cy="718927"/>
+          </a:xfrm>
+          <a:prstGeom prst="curvedConnector3">
+            <a:avLst>
+              <a:gd name="adj1" fmla="val -17825"/>
+            </a:avLst>
+          </a:prstGeom>
+          <a:ln>
+            <a:solidFill>
+              <a:schemeClr val="bg2">
+                <a:lumMod val="75000"/>
+              </a:schemeClr>
+            </a:solidFill>
+          </a:ln>
+        </p:spPr>
+        <p:style>
+          <a:lnRef idx="1">
+            <a:schemeClr val="dk1"/>
+          </a:lnRef>
+          <a:fillRef idx="0">
+            <a:schemeClr val="dk1"/>
+          </a:fillRef>
+          <a:effectRef idx="0">
+            <a:schemeClr val="dk1"/>
+          </a:effectRef>
+          <a:fontRef idx="minor">
+            <a:schemeClr val="tx1"/>
+          </a:fontRef>
+        </p:style>
+      </p:cxnSp>
       <p:sp>
         <p:nvSpPr>
-          <p:cNvPr id="247" name="Oval 246">
+          <p:cNvPr id="85" name="Isosceles Triangle 84">
             <a:extLst>
               <a:ext uri="{FF2B5EF4-FFF2-40B4-BE49-F238E27FC236}">
-                <a16:creationId xmlns:a16="http://schemas.microsoft.com/office/drawing/2014/main" id="{FC78886B-A39B-1026-6764-C510DDA4ED11}"/>
+                <a16:creationId xmlns:a16="http://schemas.microsoft.com/office/drawing/2014/main" id="{6C3E84C0-AFDD-723B-D99A-DF1922E84365}"/>
               </a:ext>
             </a:extLst>
           </p:cNvPr>
@@ -24374,21 +22002,465 @@
           <p:nvPr/>
         </p:nvSpPr>
         <p:spPr>
-          <a:xfrm>
-            <a:off x="2504315" y="5933262"/>
-            <a:ext cx="112295" cy="112295"/>
+          <a:xfrm rot="16200000">
+            <a:off x="6283547" y="3059110"/>
+            <a:ext cx="844197" cy="553221"/>
           </a:xfrm>
-          <a:prstGeom prst="ellipse">
-            <a:avLst/>
+          <a:prstGeom prst="triangle">
+            <a:avLst>
+              <a:gd name="adj" fmla="val 68270"/>
+            </a:avLst>
           </a:prstGeom>
           <a:solidFill>
             <a:schemeClr val="accent6">
-              <a:lumMod val="50000"/>
+              <a:lumMod val="60000"/>
+              <a:lumOff val="40000"/>
             </a:schemeClr>
           </a:solidFill>
           <a:ln>
             <a:solidFill>
-              <a:schemeClr val="tx1"/>
+              <a:schemeClr val="accent6">
+                <a:lumMod val="60000"/>
+                <a:lumOff val="40000"/>
+              </a:schemeClr>
+            </a:solidFill>
+          </a:ln>
+        </p:spPr>
+        <p:style>
+          <a:lnRef idx="2">
+            <a:schemeClr val="accent1">
+              <a:shade val="50000"/>
+            </a:schemeClr>
+          </a:lnRef>
+          <a:fillRef idx="1">
+            <a:schemeClr val="accent1"/>
+          </a:fillRef>
+          <a:effectRef idx="0">
+            <a:schemeClr val="accent1"/>
+          </a:effectRef>
+          <a:fontRef idx="minor">
+            <a:schemeClr val="lt1"/>
+          </a:fontRef>
+        </p:style>
+        <p:txBody>
+          <a:bodyPr rtlCol="0" anchor="ctr"/>
+          <a:lstStyle/>
+          <a:p>
+            <a:pPr algn="ctr"/>
+            <a:endParaRPr lang="en-GB"/>
+          </a:p>
+        </p:txBody>
+      </p:sp>
+      <p:cxnSp>
+        <p:nvCxnSpPr>
+          <p:cNvPr id="86" name="Connector: Curved 85">
+            <a:extLst>
+              <a:ext uri="{FF2B5EF4-FFF2-40B4-BE49-F238E27FC236}">
+                <a16:creationId xmlns:a16="http://schemas.microsoft.com/office/drawing/2014/main" id="{DF8A0606-851A-EB28-C827-507C2D1AE8ED}"/>
+              </a:ext>
+            </a:extLst>
+          </p:cNvPr>
+          <p:cNvCxnSpPr>
+            <a:cxnSpLocks/>
+          </p:cNvCxnSpPr>
+          <p:nvPr/>
+        </p:nvCxnSpPr>
+        <p:spPr>
+          <a:xfrm rot="10800000" flipH="1">
+            <a:off x="3965745" y="3499737"/>
+            <a:ext cx="1282484" cy="718927"/>
+          </a:xfrm>
+          <a:prstGeom prst="curvedConnector3">
+            <a:avLst>
+              <a:gd name="adj1" fmla="val -17825"/>
+            </a:avLst>
+          </a:prstGeom>
+          <a:ln>
+            <a:solidFill>
+              <a:schemeClr val="bg2">
+                <a:lumMod val="75000"/>
+              </a:schemeClr>
+            </a:solidFill>
+          </a:ln>
+        </p:spPr>
+        <p:style>
+          <a:lnRef idx="1">
+            <a:schemeClr val="dk1"/>
+          </a:lnRef>
+          <a:fillRef idx="0">
+            <a:schemeClr val="dk1"/>
+          </a:fillRef>
+          <a:effectRef idx="0">
+            <a:schemeClr val="dk1"/>
+          </a:effectRef>
+          <a:fontRef idx="minor">
+            <a:schemeClr val="tx1"/>
+          </a:fontRef>
+        </p:style>
+      </p:cxnSp>
+      <p:cxnSp>
+        <p:nvCxnSpPr>
+          <p:cNvPr id="87" name="Connector: Curved 86">
+            <a:extLst>
+              <a:ext uri="{FF2B5EF4-FFF2-40B4-BE49-F238E27FC236}">
+                <a16:creationId xmlns:a16="http://schemas.microsoft.com/office/drawing/2014/main" id="{8E2994BD-03C1-3ECD-7A45-D5AB5C5BFB6A}"/>
+              </a:ext>
+            </a:extLst>
+          </p:cNvPr>
+          <p:cNvCxnSpPr>
+            <a:cxnSpLocks/>
+          </p:cNvCxnSpPr>
+          <p:nvPr/>
+        </p:nvCxnSpPr>
+        <p:spPr>
+          <a:xfrm rot="10800000" flipH="1">
+            <a:off x="3946149" y="4528632"/>
+            <a:ext cx="1282484" cy="718927"/>
+          </a:xfrm>
+          <a:prstGeom prst="curvedConnector3">
+            <a:avLst>
+              <a:gd name="adj1" fmla="val -17825"/>
+            </a:avLst>
+          </a:prstGeom>
+          <a:ln>
+            <a:solidFill>
+              <a:schemeClr val="bg2">
+                <a:lumMod val="75000"/>
+              </a:schemeClr>
+            </a:solidFill>
+          </a:ln>
+        </p:spPr>
+        <p:style>
+          <a:lnRef idx="1">
+            <a:schemeClr val="dk1"/>
+          </a:lnRef>
+          <a:fillRef idx="0">
+            <a:schemeClr val="dk1"/>
+          </a:fillRef>
+          <a:effectRef idx="0">
+            <a:schemeClr val="dk1"/>
+          </a:effectRef>
+          <a:fontRef idx="minor">
+            <a:schemeClr val="tx1"/>
+          </a:fontRef>
+        </p:style>
+      </p:cxnSp>
+      <p:cxnSp>
+        <p:nvCxnSpPr>
+          <p:cNvPr id="88" name="Connector: Curved 87">
+            <a:extLst>
+              <a:ext uri="{FF2B5EF4-FFF2-40B4-BE49-F238E27FC236}">
+                <a16:creationId xmlns:a16="http://schemas.microsoft.com/office/drawing/2014/main" id="{DE1108B1-08D2-CF1D-19FF-60638AD67718}"/>
+              </a:ext>
+            </a:extLst>
+          </p:cNvPr>
+          <p:cNvCxnSpPr>
+            <a:cxnSpLocks/>
+          </p:cNvCxnSpPr>
+          <p:nvPr/>
+        </p:nvCxnSpPr>
+        <p:spPr>
+          <a:xfrm rot="10800000" flipH="1">
+            <a:off x="6350655" y="2452222"/>
+            <a:ext cx="1282484" cy="718927"/>
+          </a:xfrm>
+          <a:prstGeom prst="curvedConnector3">
+            <a:avLst>
+              <a:gd name="adj1" fmla="val -17825"/>
+            </a:avLst>
+          </a:prstGeom>
+          <a:ln>
+            <a:solidFill>
+              <a:schemeClr val="bg2">
+                <a:lumMod val="75000"/>
+              </a:schemeClr>
+            </a:solidFill>
+          </a:ln>
+        </p:spPr>
+        <p:style>
+          <a:lnRef idx="1">
+            <a:schemeClr val="dk1"/>
+          </a:lnRef>
+          <a:fillRef idx="0">
+            <a:schemeClr val="dk1"/>
+          </a:fillRef>
+          <a:effectRef idx="0">
+            <a:schemeClr val="dk1"/>
+          </a:effectRef>
+          <a:fontRef idx="minor">
+            <a:schemeClr val="tx1"/>
+          </a:fontRef>
+        </p:style>
+      </p:cxnSp>
+      <p:cxnSp>
+        <p:nvCxnSpPr>
+          <p:cNvPr id="89" name="Connector: Curved 88">
+            <a:extLst>
+              <a:ext uri="{FF2B5EF4-FFF2-40B4-BE49-F238E27FC236}">
+                <a16:creationId xmlns:a16="http://schemas.microsoft.com/office/drawing/2014/main" id="{8A64F7E0-AC7D-C29A-074D-6D74913D7C33}"/>
+              </a:ext>
+            </a:extLst>
+          </p:cNvPr>
+          <p:cNvCxnSpPr>
+            <a:cxnSpLocks/>
+          </p:cNvCxnSpPr>
+          <p:nvPr/>
+        </p:nvCxnSpPr>
+        <p:spPr>
+          <a:xfrm rot="10800000" flipH="1">
+            <a:off x="6352919" y="3552524"/>
+            <a:ext cx="1282484" cy="718927"/>
+          </a:xfrm>
+          <a:prstGeom prst="curvedConnector3">
+            <a:avLst>
+              <a:gd name="adj1" fmla="val -17825"/>
+            </a:avLst>
+          </a:prstGeom>
+          <a:ln>
+            <a:solidFill>
+              <a:schemeClr val="bg2">
+                <a:lumMod val="75000"/>
+              </a:schemeClr>
+            </a:solidFill>
+          </a:ln>
+        </p:spPr>
+        <p:style>
+          <a:lnRef idx="1">
+            <a:schemeClr val="dk1"/>
+          </a:lnRef>
+          <a:fillRef idx="0">
+            <a:schemeClr val="dk1"/>
+          </a:fillRef>
+          <a:effectRef idx="0">
+            <a:schemeClr val="dk1"/>
+          </a:effectRef>
+          <a:fontRef idx="minor">
+            <a:schemeClr val="tx1"/>
+          </a:fontRef>
+        </p:style>
+      </p:cxnSp>
+      <p:cxnSp>
+        <p:nvCxnSpPr>
+          <p:cNvPr id="90" name="Connector: Curved 89">
+            <a:extLst>
+              <a:ext uri="{FF2B5EF4-FFF2-40B4-BE49-F238E27FC236}">
+                <a16:creationId xmlns:a16="http://schemas.microsoft.com/office/drawing/2014/main" id="{AB266E91-6BAB-AFD8-C41F-74BA12F3D6DE}"/>
+              </a:ext>
+            </a:extLst>
+          </p:cNvPr>
+          <p:cNvCxnSpPr>
+            <a:cxnSpLocks/>
+          </p:cNvCxnSpPr>
+          <p:nvPr/>
+        </p:nvCxnSpPr>
+        <p:spPr>
+          <a:xfrm rot="10800000" flipH="1">
+            <a:off x="6362228" y="4513150"/>
+            <a:ext cx="1282484" cy="718927"/>
+          </a:xfrm>
+          <a:prstGeom prst="curvedConnector3">
+            <a:avLst>
+              <a:gd name="adj1" fmla="val -17825"/>
+            </a:avLst>
+          </a:prstGeom>
+          <a:ln>
+            <a:solidFill>
+              <a:schemeClr val="bg2">
+                <a:lumMod val="75000"/>
+              </a:schemeClr>
+            </a:solidFill>
+          </a:ln>
+        </p:spPr>
+        <p:style>
+          <a:lnRef idx="1">
+            <a:schemeClr val="dk1"/>
+          </a:lnRef>
+          <a:fillRef idx="0">
+            <a:schemeClr val="dk1"/>
+          </a:fillRef>
+          <a:effectRef idx="0">
+            <a:schemeClr val="dk1"/>
+          </a:effectRef>
+          <a:fontRef idx="minor">
+            <a:schemeClr val="tx1"/>
+          </a:fontRef>
+        </p:style>
+      </p:cxnSp>
+      <p:cxnSp>
+        <p:nvCxnSpPr>
+          <p:cNvPr id="91" name="Connector: Curved 90">
+            <a:extLst>
+              <a:ext uri="{FF2B5EF4-FFF2-40B4-BE49-F238E27FC236}">
+                <a16:creationId xmlns:a16="http://schemas.microsoft.com/office/drawing/2014/main" id="{B316FC21-C354-7291-AE81-147A5FB697CF}"/>
+              </a:ext>
+            </a:extLst>
+          </p:cNvPr>
+          <p:cNvCxnSpPr>
+            <a:cxnSpLocks/>
+          </p:cNvCxnSpPr>
+          <p:nvPr/>
+        </p:nvCxnSpPr>
+        <p:spPr>
+          <a:xfrm rot="10800000" flipH="1">
+            <a:off x="8430115" y="2406669"/>
+            <a:ext cx="1282484" cy="718927"/>
+          </a:xfrm>
+          <a:prstGeom prst="curvedConnector3">
+            <a:avLst>
+              <a:gd name="adj1" fmla="val -17825"/>
+            </a:avLst>
+          </a:prstGeom>
+          <a:ln>
+            <a:solidFill>
+              <a:schemeClr val="bg2">
+                <a:lumMod val="75000"/>
+              </a:schemeClr>
+            </a:solidFill>
+          </a:ln>
+        </p:spPr>
+        <p:style>
+          <a:lnRef idx="1">
+            <a:schemeClr val="dk1"/>
+          </a:lnRef>
+          <a:fillRef idx="0">
+            <a:schemeClr val="dk1"/>
+          </a:fillRef>
+          <a:effectRef idx="0">
+            <a:schemeClr val="dk1"/>
+          </a:effectRef>
+          <a:fontRef idx="minor">
+            <a:schemeClr val="tx1"/>
+          </a:fontRef>
+        </p:style>
+      </p:cxnSp>
+      <p:cxnSp>
+        <p:nvCxnSpPr>
+          <p:cNvPr id="92" name="Connector: Curved 91">
+            <a:extLst>
+              <a:ext uri="{FF2B5EF4-FFF2-40B4-BE49-F238E27FC236}">
+                <a16:creationId xmlns:a16="http://schemas.microsoft.com/office/drawing/2014/main" id="{86CDF608-A933-E25E-81E3-2D3F1BB40EBF}"/>
+              </a:ext>
+            </a:extLst>
+          </p:cNvPr>
+          <p:cNvCxnSpPr>
+            <a:cxnSpLocks/>
+          </p:cNvCxnSpPr>
+          <p:nvPr/>
+        </p:nvCxnSpPr>
+        <p:spPr>
+          <a:xfrm rot="10800000" flipH="1">
+            <a:off x="8402398" y="3543761"/>
+            <a:ext cx="1282484" cy="718927"/>
+          </a:xfrm>
+          <a:prstGeom prst="curvedConnector3">
+            <a:avLst>
+              <a:gd name="adj1" fmla="val -17825"/>
+            </a:avLst>
+          </a:prstGeom>
+          <a:ln>
+            <a:solidFill>
+              <a:schemeClr val="bg2">
+                <a:lumMod val="75000"/>
+              </a:schemeClr>
+            </a:solidFill>
+          </a:ln>
+        </p:spPr>
+        <p:style>
+          <a:lnRef idx="1">
+            <a:schemeClr val="dk1"/>
+          </a:lnRef>
+          <a:fillRef idx="0">
+            <a:schemeClr val="dk1"/>
+          </a:fillRef>
+          <a:effectRef idx="0">
+            <a:schemeClr val="dk1"/>
+          </a:effectRef>
+          <a:fontRef idx="minor">
+            <a:schemeClr val="tx1"/>
+          </a:fontRef>
+        </p:style>
+      </p:cxnSp>
+      <p:cxnSp>
+        <p:nvCxnSpPr>
+          <p:cNvPr id="93" name="Connector: Curved 92">
+            <a:extLst>
+              <a:ext uri="{FF2B5EF4-FFF2-40B4-BE49-F238E27FC236}">
+                <a16:creationId xmlns:a16="http://schemas.microsoft.com/office/drawing/2014/main" id="{EC4A1207-C42E-9563-F663-D420AB032431}"/>
+              </a:ext>
+            </a:extLst>
+          </p:cNvPr>
+          <p:cNvCxnSpPr>
+            <a:cxnSpLocks/>
+          </p:cNvCxnSpPr>
+          <p:nvPr/>
+        </p:nvCxnSpPr>
+        <p:spPr>
+          <a:xfrm rot="10800000" flipH="1">
+            <a:off x="8402398" y="4494241"/>
+            <a:ext cx="1282484" cy="718927"/>
+          </a:xfrm>
+          <a:prstGeom prst="curvedConnector3">
+            <a:avLst>
+              <a:gd name="adj1" fmla="val -17825"/>
+            </a:avLst>
+          </a:prstGeom>
+          <a:ln>
+            <a:solidFill>
+              <a:schemeClr val="bg2">
+                <a:lumMod val="75000"/>
+              </a:schemeClr>
+            </a:solidFill>
+          </a:ln>
+        </p:spPr>
+        <p:style>
+          <a:lnRef idx="1">
+            <a:schemeClr val="dk1"/>
+          </a:lnRef>
+          <a:fillRef idx="0">
+            <a:schemeClr val="dk1"/>
+          </a:fillRef>
+          <a:effectRef idx="0">
+            <a:schemeClr val="dk1"/>
+          </a:effectRef>
+          <a:fontRef idx="minor">
+            <a:schemeClr val="tx1"/>
+          </a:fontRef>
+        </p:style>
+      </p:cxnSp>
+      <p:sp>
+        <p:nvSpPr>
+          <p:cNvPr id="94" name="Isosceles Triangle 93">
+            <a:extLst>
+              <a:ext uri="{FF2B5EF4-FFF2-40B4-BE49-F238E27FC236}">
+                <a16:creationId xmlns:a16="http://schemas.microsoft.com/office/drawing/2014/main" id="{BA06D380-429A-B027-DFCD-DF76D9A016FF}"/>
+              </a:ext>
+            </a:extLst>
+          </p:cNvPr>
+          <p:cNvSpPr/>
+          <p:nvPr/>
+        </p:nvSpPr>
+        <p:spPr>
+          <a:xfrm rot="5400000">
+            <a:off x="8358639" y="3415696"/>
+            <a:ext cx="844197" cy="553221"/>
+          </a:xfrm>
+          <a:prstGeom prst="triangle">
+            <a:avLst>
+              <a:gd name="adj" fmla="val 68270"/>
+            </a:avLst>
+          </a:prstGeom>
+          <a:solidFill>
+            <a:schemeClr val="accent6">
+              <a:lumMod val="60000"/>
+              <a:lumOff val="40000"/>
+            </a:schemeClr>
+          </a:solidFill>
+          <a:ln>
+            <a:solidFill>
+              <a:schemeClr val="accent6">
+                <a:lumMod val="60000"/>
+                <a:lumOff val="40000"/>
+              </a:schemeClr>
             </a:solidFill>
           </a:ln>
         </p:spPr>
@@ -24419,10 +22491,10 @@
       </p:sp>
       <p:sp>
         <p:nvSpPr>
-          <p:cNvPr id="248" name="Oval 247">
+          <p:cNvPr id="95" name="Isosceles Triangle 94">
             <a:extLst>
               <a:ext uri="{FF2B5EF4-FFF2-40B4-BE49-F238E27FC236}">
-                <a16:creationId xmlns:a16="http://schemas.microsoft.com/office/drawing/2014/main" id="{A9199FF6-603E-E9A5-BE84-2C11B6A4C1E9}"/>
+                <a16:creationId xmlns:a16="http://schemas.microsoft.com/office/drawing/2014/main" id="{FFAB52DD-3CBA-77C2-ED81-3FC1F6AA6978}"/>
               </a:ext>
             </a:extLst>
           </p:cNvPr>
@@ -24430,21 +22502,27 @@
           <p:nvPr/>
         </p:nvSpPr>
         <p:spPr>
-          <a:xfrm>
-            <a:off x="3146001" y="3577081"/>
-            <a:ext cx="112295" cy="112295"/>
+          <a:xfrm rot="5400000">
+            <a:off x="8332456" y="4436800"/>
+            <a:ext cx="844197" cy="553221"/>
           </a:xfrm>
-          <a:prstGeom prst="ellipse">
-            <a:avLst/>
+          <a:prstGeom prst="triangle">
+            <a:avLst>
+              <a:gd name="adj" fmla="val 68270"/>
+            </a:avLst>
           </a:prstGeom>
           <a:solidFill>
             <a:schemeClr val="accent6">
-              <a:lumMod val="50000"/>
+              <a:lumMod val="60000"/>
+              <a:lumOff val="40000"/>
             </a:schemeClr>
           </a:solidFill>
           <a:ln>
             <a:solidFill>
-              <a:schemeClr val="tx1"/>
+              <a:schemeClr val="accent6">
+                <a:lumMod val="60000"/>
+                <a:lumOff val="40000"/>
+              </a:schemeClr>
             </a:solidFill>
           </a:ln>
         </p:spPr>
@@ -24475,10 +22553,10 @@
       </p:sp>
       <p:sp>
         <p:nvSpPr>
-          <p:cNvPr id="249" name="Oval 248">
+          <p:cNvPr id="96" name="Isosceles Triangle 95">
             <a:extLst>
               <a:ext uri="{FF2B5EF4-FFF2-40B4-BE49-F238E27FC236}">
-                <a16:creationId xmlns:a16="http://schemas.microsoft.com/office/drawing/2014/main" id="{95DC70C1-9DF3-1A09-D81D-845B931C0712}"/>
+                <a16:creationId xmlns:a16="http://schemas.microsoft.com/office/drawing/2014/main" id="{29916C32-9194-6671-45EB-E67AA232BEA2}"/>
               </a:ext>
             </a:extLst>
           </p:cNvPr>
@@ -24486,21 +22564,27 @@
           <p:nvPr/>
         </p:nvSpPr>
         <p:spPr>
-          <a:xfrm>
-            <a:off x="3803915" y="3236926"/>
-            <a:ext cx="112295" cy="112295"/>
+          <a:xfrm rot="5400000">
+            <a:off x="9008188" y="3097073"/>
+            <a:ext cx="844197" cy="553221"/>
           </a:xfrm>
-          <a:prstGeom prst="ellipse">
-            <a:avLst/>
+          <a:prstGeom prst="triangle">
+            <a:avLst>
+              <a:gd name="adj" fmla="val 68270"/>
+            </a:avLst>
           </a:prstGeom>
           <a:solidFill>
             <a:schemeClr val="accent6">
-              <a:lumMod val="50000"/>
+              <a:lumMod val="60000"/>
+              <a:lumOff val="40000"/>
             </a:schemeClr>
           </a:solidFill>
           <a:ln>
             <a:solidFill>
-              <a:schemeClr val="tx1"/>
+              <a:schemeClr val="accent6">
+                <a:lumMod val="60000"/>
+                <a:lumOff val="40000"/>
+              </a:schemeClr>
             </a:solidFill>
           </a:ln>
         </p:spPr>
@@ -24531,1098 +22615,10 @@
       </p:sp>
       <p:sp>
         <p:nvSpPr>
-          <p:cNvPr id="250" name="Oval 249">
+          <p:cNvPr id="97" name="Isosceles Triangle 96">
             <a:extLst>
               <a:ext uri="{FF2B5EF4-FFF2-40B4-BE49-F238E27FC236}">
-                <a16:creationId xmlns:a16="http://schemas.microsoft.com/office/drawing/2014/main" id="{AAA4831E-E10C-255C-F40A-636F2E15B317}"/>
-              </a:ext>
-            </a:extLst>
-          </p:cNvPr>
-          <p:cNvSpPr/>
-          <p:nvPr/>
-        </p:nvSpPr>
-        <p:spPr>
-          <a:xfrm>
-            <a:off x="3146001" y="4584583"/>
-            <a:ext cx="112295" cy="112295"/>
-          </a:xfrm>
-          <a:prstGeom prst="ellipse">
-            <a:avLst/>
-          </a:prstGeom>
-          <a:solidFill>
-            <a:schemeClr val="accent6">
-              <a:lumMod val="50000"/>
-            </a:schemeClr>
-          </a:solidFill>
-          <a:ln>
-            <a:solidFill>
-              <a:schemeClr val="tx1"/>
-            </a:solidFill>
-          </a:ln>
-        </p:spPr>
-        <p:style>
-          <a:lnRef idx="2">
-            <a:schemeClr val="accent1">
-              <a:shade val="50000"/>
-            </a:schemeClr>
-          </a:lnRef>
-          <a:fillRef idx="1">
-            <a:schemeClr val="accent1"/>
-          </a:fillRef>
-          <a:effectRef idx="0">
-            <a:schemeClr val="accent1"/>
-          </a:effectRef>
-          <a:fontRef idx="minor">
-            <a:schemeClr val="lt1"/>
-          </a:fontRef>
-        </p:style>
-        <p:txBody>
-          <a:bodyPr rtlCol="0" anchor="ctr"/>
-          <a:lstStyle/>
-          <a:p>
-            <a:pPr algn="ctr"/>
-            <a:endParaRPr lang="en-GB"/>
-          </a:p>
-        </p:txBody>
-      </p:sp>
-      <p:sp>
-        <p:nvSpPr>
-          <p:cNvPr id="251" name="Oval 250">
-            <a:extLst>
-              <a:ext uri="{FF2B5EF4-FFF2-40B4-BE49-F238E27FC236}">
-                <a16:creationId xmlns:a16="http://schemas.microsoft.com/office/drawing/2014/main" id="{1F4A68E4-5013-FB93-1F31-FA0D7549E281}"/>
-              </a:ext>
-            </a:extLst>
-          </p:cNvPr>
-          <p:cNvSpPr/>
-          <p:nvPr/>
-        </p:nvSpPr>
-        <p:spPr>
-          <a:xfrm>
-            <a:off x="3771644" y="4231763"/>
-            <a:ext cx="112295" cy="112295"/>
-          </a:xfrm>
-          <a:prstGeom prst="ellipse">
-            <a:avLst/>
-          </a:prstGeom>
-          <a:solidFill>
-            <a:schemeClr val="accent6">
-              <a:lumMod val="50000"/>
-            </a:schemeClr>
-          </a:solidFill>
-          <a:ln>
-            <a:solidFill>
-              <a:schemeClr val="tx1"/>
-            </a:solidFill>
-          </a:ln>
-        </p:spPr>
-        <p:style>
-          <a:lnRef idx="2">
-            <a:schemeClr val="accent1">
-              <a:shade val="50000"/>
-            </a:schemeClr>
-          </a:lnRef>
-          <a:fillRef idx="1">
-            <a:schemeClr val="accent1"/>
-          </a:fillRef>
-          <a:effectRef idx="0">
-            <a:schemeClr val="accent1"/>
-          </a:effectRef>
-          <a:fontRef idx="minor">
-            <a:schemeClr val="lt1"/>
-          </a:fontRef>
-        </p:style>
-        <p:txBody>
-          <a:bodyPr rtlCol="0" anchor="ctr"/>
-          <a:lstStyle/>
-          <a:p>
-            <a:pPr algn="ctr"/>
-            <a:endParaRPr lang="en-GB"/>
-          </a:p>
-        </p:txBody>
-      </p:sp>
-      <p:sp>
-        <p:nvSpPr>
-          <p:cNvPr id="252" name="Oval 251">
-            <a:extLst>
-              <a:ext uri="{FF2B5EF4-FFF2-40B4-BE49-F238E27FC236}">
-                <a16:creationId xmlns:a16="http://schemas.microsoft.com/office/drawing/2014/main" id="{724F24EC-9382-2ABE-AE23-91D42062F2CC}"/>
-              </a:ext>
-            </a:extLst>
-          </p:cNvPr>
-          <p:cNvSpPr/>
-          <p:nvPr/>
-        </p:nvSpPr>
-        <p:spPr>
-          <a:xfrm>
-            <a:off x="3114730" y="5594149"/>
-            <a:ext cx="112295" cy="112295"/>
-          </a:xfrm>
-          <a:prstGeom prst="ellipse">
-            <a:avLst/>
-          </a:prstGeom>
-          <a:solidFill>
-            <a:schemeClr val="accent6">
-              <a:lumMod val="50000"/>
-            </a:schemeClr>
-          </a:solidFill>
-          <a:ln>
-            <a:solidFill>
-              <a:schemeClr val="tx1"/>
-            </a:solidFill>
-          </a:ln>
-        </p:spPr>
-        <p:style>
-          <a:lnRef idx="2">
-            <a:schemeClr val="accent1">
-              <a:shade val="50000"/>
-            </a:schemeClr>
-          </a:lnRef>
-          <a:fillRef idx="1">
-            <a:schemeClr val="accent1"/>
-          </a:fillRef>
-          <a:effectRef idx="0">
-            <a:schemeClr val="accent1"/>
-          </a:effectRef>
-          <a:fontRef idx="minor">
-            <a:schemeClr val="lt1"/>
-          </a:fontRef>
-        </p:style>
-        <p:txBody>
-          <a:bodyPr rtlCol="0" anchor="ctr"/>
-          <a:lstStyle/>
-          <a:p>
-            <a:pPr algn="ctr"/>
-            <a:endParaRPr lang="en-GB"/>
-          </a:p>
-        </p:txBody>
-      </p:sp>
-      <p:sp>
-        <p:nvSpPr>
-          <p:cNvPr id="253" name="Oval 252">
-            <a:extLst>
-              <a:ext uri="{FF2B5EF4-FFF2-40B4-BE49-F238E27FC236}">
-                <a16:creationId xmlns:a16="http://schemas.microsoft.com/office/drawing/2014/main" id="{18A3B058-4925-9D95-7833-530FBDC03C09}"/>
-              </a:ext>
-            </a:extLst>
-          </p:cNvPr>
-          <p:cNvSpPr/>
-          <p:nvPr/>
-        </p:nvSpPr>
-        <p:spPr>
-          <a:xfrm>
-            <a:off x="3787686" y="5274004"/>
-            <a:ext cx="112295" cy="112295"/>
-          </a:xfrm>
-          <a:prstGeom prst="ellipse">
-            <a:avLst/>
-          </a:prstGeom>
-          <a:solidFill>
-            <a:schemeClr val="accent6">
-              <a:lumMod val="50000"/>
-            </a:schemeClr>
-          </a:solidFill>
-          <a:ln>
-            <a:solidFill>
-              <a:schemeClr val="tx1"/>
-            </a:solidFill>
-          </a:ln>
-        </p:spPr>
-        <p:style>
-          <a:lnRef idx="2">
-            <a:schemeClr val="accent1">
-              <a:shade val="50000"/>
-            </a:schemeClr>
-          </a:lnRef>
-          <a:fillRef idx="1">
-            <a:schemeClr val="accent1"/>
-          </a:fillRef>
-          <a:effectRef idx="0">
-            <a:schemeClr val="accent1"/>
-          </a:effectRef>
-          <a:fontRef idx="minor">
-            <a:schemeClr val="lt1"/>
-          </a:fontRef>
-        </p:style>
-        <p:txBody>
-          <a:bodyPr rtlCol="0" anchor="ctr"/>
-          <a:lstStyle/>
-          <a:p>
-            <a:pPr algn="ctr"/>
-            <a:endParaRPr lang="en-GB"/>
-          </a:p>
-        </p:txBody>
-      </p:sp>
-      <p:sp>
-        <p:nvSpPr>
-          <p:cNvPr id="263" name="Oval 262">
-            <a:extLst>
-              <a:ext uri="{FF2B5EF4-FFF2-40B4-BE49-F238E27FC236}">
-                <a16:creationId xmlns:a16="http://schemas.microsoft.com/office/drawing/2014/main" id="{5843ECB4-C544-61D8-B5F6-F811F7C814EC}"/>
-              </a:ext>
-            </a:extLst>
-          </p:cNvPr>
-          <p:cNvSpPr/>
-          <p:nvPr/>
-        </p:nvSpPr>
-        <p:spPr>
-          <a:xfrm>
-            <a:off x="2471866" y="2813085"/>
-            <a:ext cx="173006" cy="162606"/>
-          </a:xfrm>
-          <a:prstGeom prst="ellipse">
-            <a:avLst/>
-          </a:prstGeom>
-          <a:solidFill>
-            <a:srgbClr val="FF0000"/>
-          </a:solidFill>
-          <a:ln>
-            <a:solidFill>
-              <a:srgbClr val="FF0000"/>
-            </a:solidFill>
-          </a:ln>
-        </p:spPr>
-        <p:style>
-          <a:lnRef idx="2">
-            <a:schemeClr val="accent1">
-              <a:shade val="50000"/>
-            </a:schemeClr>
-          </a:lnRef>
-          <a:fillRef idx="1">
-            <a:schemeClr val="accent1"/>
-          </a:fillRef>
-          <a:effectRef idx="0">
-            <a:schemeClr val="accent1"/>
-          </a:effectRef>
-          <a:fontRef idx="minor">
-            <a:schemeClr val="lt1"/>
-          </a:fontRef>
-        </p:style>
-        <p:txBody>
-          <a:bodyPr rtlCol="0" anchor="ctr"/>
-          <a:lstStyle/>
-          <a:p>
-            <a:pPr algn="ctr"/>
-            <a:endParaRPr lang="en-GB"/>
-          </a:p>
-        </p:txBody>
-      </p:sp>
-      <p:sp>
-        <p:nvSpPr>
-          <p:cNvPr id="264" name="Oval 263">
-            <a:extLst>
-              <a:ext uri="{FF2B5EF4-FFF2-40B4-BE49-F238E27FC236}">
-                <a16:creationId xmlns:a16="http://schemas.microsoft.com/office/drawing/2014/main" id="{3AD93378-BAC5-28FF-F905-9286E3BFCE78}"/>
-              </a:ext>
-            </a:extLst>
-          </p:cNvPr>
-          <p:cNvSpPr/>
-          <p:nvPr/>
-        </p:nvSpPr>
-        <p:spPr>
-          <a:xfrm>
-            <a:off x="3760827" y="3190201"/>
-            <a:ext cx="173006" cy="162606"/>
-          </a:xfrm>
-          <a:prstGeom prst="ellipse">
-            <a:avLst/>
-          </a:prstGeom>
-          <a:solidFill>
-            <a:srgbClr val="FF0000"/>
-          </a:solidFill>
-          <a:ln>
-            <a:solidFill>
-              <a:srgbClr val="FF0000"/>
-            </a:solidFill>
-          </a:ln>
-        </p:spPr>
-        <p:style>
-          <a:lnRef idx="2">
-            <a:schemeClr val="accent1">
-              <a:shade val="50000"/>
-            </a:schemeClr>
-          </a:lnRef>
-          <a:fillRef idx="1">
-            <a:schemeClr val="accent1"/>
-          </a:fillRef>
-          <a:effectRef idx="0">
-            <a:schemeClr val="accent1"/>
-          </a:effectRef>
-          <a:fontRef idx="minor">
-            <a:schemeClr val="lt1"/>
-          </a:fontRef>
-        </p:style>
-        <p:txBody>
-          <a:bodyPr rtlCol="0" anchor="ctr"/>
-          <a:lstStyle/>
-          <a:p>
-            <a:pPr algn="ctr"/>
-            <a:endParaRPr lang="en-GB"/>
-          </a:p>
-        </p:txBody>
-      </p:sp>
-      <p:sp>
-        <p:nvSpPr>
-          <p:cNvPr id="265" name="Oval 264">
-            <a:extLst>
-              <a:ext uri="{FF2B5EF4-FFF2-40B4-BE49-F238E27FC236}">
-                <a16:creationId xmlns:a16="http://schemas.microsoft.com/office/drawing/2014/main" id="{5143E4D8-84A8-DE01-9C9F-B91726B7DF4A}"/>
-              </a:ext>
-            </a:extLst>
-          </p:cNvPr>
-          <p:cNvSpPr/>
-          <p:nvPr/>
-        </p:nvSpPr>
-        <p:spPr>
-          <a:xfrm>
-            <a:off x="3107392" y="3559123"/>
-            <a:ext cx="173006" cy="162606"/>
-          </a:xfrm>
-          <a:prstGeom prst="ellipse">
-            <a:avLst/>
-          </a:prstGeom>
-          <a:solidFill>
-            <a:srgbClr val="7030A0"/>
-          </a:solidFill>
-          <a:ln>
-            <a:solidFill>
-              <a:srgbClr val="7030A0"/>
-            </a:solidFill>
-          </a:ln>
-        </p:spPr>
-        <p:style>
-          <a:lnRef idx="2">
-            <a:schemeClr val="accent1">
-              <a:shade val="50000"/>
-            </a:schemeClr>
-          </a:lnRef>
-          <a:fillRef idx="1">
-            <a:schemeClr val="accent1"/>
-          </a:fillRef>
-          <a:effectRef idx="0">
-            <a:schemeClr val="accent1"/>
-          </a:effectRef>
-          <a:fontRef idx="minor">
-            <a:schemeClr val="lt1"/>
-          </a:fontRef>
-        </p:style>
-        <p:txBody>
-          <a:bodyPr rtlCol="0" anchor="ctr"/>
-          <a:lstStyle/>
-          <a:p>
-            <a:pPr algn="ctr"/>
-            <a:endParaRPr lang="en-GB"/>
-          </a:p>
-        </p:txBody>
-      </p:sp>
-      <p:sp>
-        <p:nvSpPr>
-          <p:cNvPr id="266" name="Oval 265">
-            <a:extLst>
-              <a:ext uri="{FF2B5EF4-FFF2-40B4-BE49-F238E27FC236}">
-                <a16:creationId xmlns:a16="http://schemas.microsoft.com/office/drawing/2014/main" id="{CE2A2B0D-E7DC-6BDE-2BA1-1B93230FE945}"/>
-              </a:ext>
-            </a:extLst>
-          </p:cNvPr>
-          <p:cNvSpPr/>
-          <p:nvPr/>
-        </p:nvSpPr>
-        <p:spPr>
-          <a:xfrm>
-            <a:off x="3117508" y="2479226"/>
-            <a:ext cx="173006" cy="162606"/>
-          </a:xfrm>
-          <a:prstGeom prst="ellipse">
-            <a:avLst/>
-          </a:prstGeom>
-          <a:solidFill>
-            <a:srgbClr val="00B0F0"/>
-          </a:solidFill>
-          <a:ln>
-            <a:solidFill>
-              <a:srgbClr val="00B0F0"/>
-            </a:solidFill>
-          </a:ln>
-        </p:spPr>
-        <p:style>
-          <a:lnRef idx="2">
-            <a:schemeClr val="accent1">
-              <a:shade val="50000"/>
-            </a:schemeClr>
-          </a:lnRef>
-          <a:fillRef idx="1">
-            <a:schemeClr val="accent1"/>
-          </a:fillRef>
-          <a:effectRef idx="0">
-            <a:schemeClr val="accent1"/>
-          </a:effectRef>
-          <a:fontRef idx="minor">
-            <a:schemeClr val="lt1"/>
-          </a:fontRef>
-        </p:style>
-        <p:txBody>
-          <a:bodyPr rtlCol="0" anchor="ctr"/>
-          <a:lstStyle/>
-          <a:p>
-            <a:pPr algn="ctr"/>
-            <a:endParaRPr lang="en-GB"/>
-          </a:p>
-        </p:txBody>
-      </p:sp>
-      <p:sp>
-        <p:nvSpPr>
-          <p:cNvPr id="267" name="Oval 266">
-            <a:extLst>
-              <a:ext uri="{FF2B5EF4-FFF2-40B4-BE49-F238E27FC236}">
-                <a16:creationId xmlns:a16="http://schemas.microsoft.com/office/drawing/2014/main" id="{66B41E60-D2DA-5E4B-141B-2C755D6F65D4}"/>
-              </a:ext>
-            </a:extLst>
-          </p:cNvPr>
-          <p:cNvSpPr/>
-          <p:nvPr/>
-        </p:nvSpPr>
-        <p:spPr>
-          <a:xfrm>
-            <a:off x="2500031" y="3898924"/>
-            <a:ext cx="173006" cy="162606"/>
-          </a:xfrm>
-          <a:prstGeom prst="ellipse">
-            <a:avLst/>
-          </a:prstGeom>
-          <a:solidFill>
-            <a:srgbClr val="00B0F0"/>
-          </a:solidFill>
-          <a:ln>
-            <a:solidFill>
-              <a:srgbClr val="00B0F0"/>
-            </a:solidFill>
-          </a:ln>
-        </p:spPr>
-        <p:style>
-          <a:lnRef idx="2">
-            <a:schemeClr val="accent1">
-              <a:shade val="50000"/>
-            </a:schemeClr>
-          </a:lnRef>
-          <a:fillRef idx="1">
-            <a:schemeClr val="accent1"/>
-          </a:fillRef>
-          <a:effectRef idx="0">
-            <a:schemeClr val="accent1"/>
-          </a:effectRef>
-          <a:fontRef idx="minor">
-            <a:schemeClr val="lt1"/>
-          </a:fontRef>
-        </p:style>
-        <p:txBody>
-          <a:bodyPr rtlCol="0" anchor="ctr"/>
-          <a:lstStyle/>
-          <a:p>
-            <a:pPr algn="ctr"/>
-            <a:endParaRPr lang="en-GB"/>
-          </a:p>
-        </p:txBody>
-      </p:sp>
-      <p:sp>
-        <p:nvSpPr>
-          <p:cNvPr id="268" name="Oval 267">
-            <a:extLst>
-              <a:ext uri="{FF2B5EF4-FFF2-40B4-BE49-F238E27FC236}">
-                <a16:creationId xmlns:a16="http://schemas.microsoft.com/office/drawing/2014/main" id="{69DAF3F7-0D62-220C-6DC1-70C52DB345E7}"/>
-              </a:ext>
-            </a:extLst>
-          </p:cNvPr>
-          <p:cNvSpPr/>
-          <p:nvPr/>
-        </p:nvSpPr>
-        <p:spPr>
-          <a:xfrm>
-            <a:off x="3750764" y="2112147"/>
-            <a:ext cx="173006" cy="162606"/>
-          </a:xfrm>
-          <a:prstGeom prst="ellipse">
-            <a:avLst/>
-          </a:prstGeom>
-          <a:solidFill>
-            <a:srgbClr val="7030A0"/>
-          </a:solidFill>
-          <a:ln>
-            <a:solidFill>
-              <a:srgbClr val="7030A0"/>
-            </a:solidFill>
-          </a:ln>
-        </p:spPr>
-        <p:style>
-          <a:lnRef idx="2">
-            <a:schemeClr val="accent1">
-              <a:shade val="50000"/>
-            </a:schemeClr>
-          </a:lnRef>
-          <a:fillRef idx="1">
-            <a:schemeClr val="accent1"/>
-          </a:fillRef>
-          <a:effectRef idx="0">
-            <a:schemeClr val="accent1"/>
-          </a:effectRef>
-          <a:fontRef idx="minor">
-            <a:schemeClr val="lt1"/>
-          </a:fontRef>
-        </p:style>
-        <p:txBody>
-          <a:bodyPr rtlCol="0" anchor="ctr"/>
-          <a:lstStyle/>
-          <a:p>
-            <a:pPr algn="ctr"/>
-            <a:endParaRPr lang="en-GB"/>
-          </a:p>
-        </p:txBody>
-      </p:sp>
-      <p:sp>
-        <p:nvSpPr>
-          <p:cNvPr id="269" name="Oval 268">
-            <a:extLst>
-              <a:ext uri="{FF2B5EF4-FFF2-40B4-BE49-F238E27FC236}">
-                <a16:creationId xmlns:a16="http://schemas.microsoft.com/office/drawing/2014/main" id="{67302481-FBD3-6160-986F-72C041CDA785}"/>
-              </a:ext>
-            </a:extLst>
-          </p:cNvPr>
-          <p:cNvSpPr/>
-          <p:nvPr/>
-        </p:nvSpPr>
-        <p:spPr>
-          <a:xfrm>
-            <a:off x="4350411" y="2911823"/>
-            <a:ext cx="173006" cy="162606"/>
-          </a:xfrm>
-          <a:prstGeom prst="ellipse">
-            <a:avLst/>
-          </a:prstGeom>
-          <a:solidFill>
-            <a:srgbClr val="00B0F0"/>
-          </a:solidFill>
-          <a:ln>
-            <a:solidFill>
-              <a:srgbClr val="00B0F0"/>
-            </a:solidFill>
-          </a:ln>
-        </p:spPr>
-        <p:style>
-          <a:lnRef idx="2">
-            <a:schemeClr val="accent1">
-              <a:shade val="50000"/>
-            </a:schemeClr>
-          </a:lnRef>
-          <a:fillRef idx="1">
-            <a:schemeClr val="accent1"/>
-          </a:fillRef>
-          <a:effectRef idx="0">
-            <a:schemeClr val="accent1"/>
-          </a:effectRef>
-          <a:fontRef idx="minor">
-            <a:schemeClr val="lt1"/>
-          </a:fontRef>
-        </p:style>
-        <p:txBody>
-          <a:bodyPr rtlCol="0" anchor="ctr"/>
-          <a:lstStyle/>
-          <a:p>
-            <a:pPr algn="ctr"/>
-            <a:endParaRPr lang="en-GB"/>
-          </a:p>
-        </p:txBody>
-      </p:sp>
-      <p:sp>
-        <p:nvSpPr>
-          <p:cNvPr id="270" name="Oval 269">
-            <a:extLst>
-              <a:ext uri="{FF2B5EF4-FFF2-40B4-BE49-F238E27FC236}">
-                <a16:creationId xmlns:a16="http://schemas.microsoft.com/office/drawing/2014/main" id="{B4D0B4B5-8A24-4D2E-E041-4AE260B2BF62}"/>
-              </a:ext>
-            </a:extLst>
-          </p:cNvPr>
-          <p:cNvSpPr/>
-          <p:nvPr/>
-        </p:nvSpPr>
-        <p:spPr>
-          <a:xfrm>
-            <a:off x="4345250" y="1802824"/>
-            <a:ext cx="173006" cy="162606"/>
-          </a:xfrm>
-          <a:prstGeom prst="ellipse">
-            <a:avLst/>
-          </a:prstGeom>
-          <a:solidFill>
-            <a:srgbClr val="FF0000"/>
-          </a:solidFill>
-          <a:ln>
-            <a:solidFill>
-              <a:srgbClr val="FF0000"/>
-            </a:solidFill>
-          </a:ln>
-        </p:spPr>
-        <p:style>
-          <a:lnRef idx="2">
-            <a:schemeClr val="accent1">
-              <a:shade val="50000"/>
-            </a:schemeClr>
-          </a:lnRef>
-          <a:fillRef idx="1">
-            <a:schemeClr val="accent1"/>
-          </a:fillRef>
-          <a:effectRef idx="0">
-            <a:schemeClr val="accent1"/>
-          </a:effectRef>
-          <a:fontRef idx="minor">
-            <a:schemeClr val="lt1"/>
-          </a:fontRef>
-        </p:style>
-        <p:txBody>
-          <a:bodyPr rtlCol="0" anchor="ctr"/>
-          <a:lstStyle/>
-          <a:p>
-            <a:pPr algn="ctr"/>
-            <a:endParaRPr lang="en-GB"/>
-          </a:p>
-        </p:txBody>
-      </p:sp>
-      <p:sp>
-        <p:nvSpPr>
-          <p:cNvPr id="271" name="Oval 270">
-            <a:extLst>
-              <a:ext uri="{FF2B5EF4-FFF2-40B4-BE49-F238E27FC236}">
-                <a16:creationId xmlns:a16="http://schemas.microsoft.com/office/drawing/2014/main" id="{C2320750-3D6D-181A-0E81-11538B8AB211}"/>
-              </a:ext>
-            </a:extLst>
-          </p:cNvPr>
-          <p:cNvSpPr/>
-          <p:nvPr/>
-        </p:nvSpPr>
-        <p:spPr>
-          <a:xfrm>
-            <a:off x="3108623" y="4563286"/>
-            <a:ext cx="173006" cy="162606"/>
-          </a:xfrm>
-          <a:prstGeom prst="ellipse">
-            <a:avLst/>
-          </a:prstGeom>
-          <a:solidFill>
-            <a:srgbClr val="FF0000"/>
-          </a:solidFill>
-          <a:ln>
-            <a:solidFill>
-              <a:srgbClr val="FF0000"/>
-            </a:solidFill>
-          </a:ln>
-        </p:spPr>
-        <p:style>
-          <a:lnRef idx="2">
-            <a:schemeClr val="accent1">
-              <a:shade val="50000"/>
-            </a:schemeClr>
-          </a:lnRef>
-          <a:fillRef idx="1">
-            <a:schemeClr val="accent1"/>
-          </a:fillRef>
-          <a:effectRef idx="0">
-            <a:schemeClr val="accent1"/>
-          </a:effectRef>
-          <a:fontRef idx="minor">
-            <a:schemeClr val="lt1"/>
-          </a:fontRef>
-        </p:style>
-        <p:txBody>
-          <a:bodyPr rtlCol="0" anchor="ctr"/>
-          <a:lstStyle/>
-          <a:p>
-            <a:pPr algn="ctr"/>
-            <a:endParaRPr lang="en-GB"/>
-          </a:p>
-        </p:txBody>
-      </p:sp>
-      <p:sp>
-        <p:nvSpPr>
-          <p:cNvPr id="272" name="Oval 271">
-            <a:extLst>
-              <a:ext uri="{FF2B5EF4-FFF2-40B4-BE49-F238E27FC236}">
-                <a16:creationId xmlns:a16="http://schemas.microsoft.com/office/drawing/2014/main" id="{4C290A0D-E35E-EE47-F325-A338A4ED308E}"/>
-              </a:ext>
-            </a:extLst>
-          </p:cNvPr>
-          <p:cNvSpPr/>
-          <p:nvPr/>
-        </p:nvSpPr>
-        <p:spPr>
-          <a:xfrm>
-            <a:off x="2485192" y="5925333"/>
-            <a:ext cx="173006" cy="162606"/>
-          </a:xfrm>
-          <a:prstGeom prst="ellipse">
-            <a:avLst/>
-          </a:prstGeom>
-          <a:solidFill>
-            <a:srgbClr val="FF0000"/>
-          </a:solidFill>
-          <a:ln>
-            <a:solidFill>
-              <a:srgbClr val="FF0000"/>
-            </a:solidFill>
-          </a:ln>
-        </p:spPr>
-        <p:style>
-          <a:lnRef idx="2">
-            <a:schemeClr val="accent1">
-              <a:shade val="50000"/>
-            </a:schemeClr>
-          </a:lnRef>
-          <a:fillRef idx="1">
-            <a:schemeClr val="accent1"/>
-          </a:fillRef>
-          <a:effectRef idx="0">
-            <a:schemeClr val="accent1"/>
-          </a:effectRef>
-          <a:fontRef idx="minor">
-            <a:schemeClr val="lt1"/>
-          </a:fontRef>
-        </p:style>
-        <p:txBody>
-          <a:bodyPr rtlCol="0" anchor="ctr"/>
-          <a:lstStyle/>
-          <a:p>
-            <a:pPr algn="ctr"/>
-            <a:endParaRPr lang="en-GB"/>
-          </a:p>
-        </p:txBody>
-      </p:sp>
-      <p:sp>
-        <p:nvSpPr>
-          <p:cNvPr id="273" name="Oval 272">
-            <a:extLst>
-              <a:ext uri="{FF2B5EF4-FFF2-40B4-BE49-F238E27FC236}">
-                <a16:creationId xmlns:a16="http://schemas.microsoft.com/office/drawing/2014/main" id="{1B3BA33F-9D68-B2B6-C127-572AF12362BB}"/>
-              </a:ext>
-            </a:extLst>
-          </p:cNvPr>
-          <p:cNvSpPr/>
-          <p:nvPr/>
-        </p:nvSpPr>
-        <p:spPr>
-          <a:xfrm>
-            <a:off x="4363114" y="4887258"/>
-            <a:ext cx="173006" cy="162606"/>
-          </a:xfrm>
-          <a:prstGeom prst="ellipse">
-            <a:avLst/>
-          </a:prstGeom>
-          <a:solidFill>
-            <a:srgbClr val="FF0000"/>
-          </a:solidFill>
-          <a:ln>
-            <a:solidFill>
-              <a:srgbClr val="FF0000"/>
-            </a:solidFill>
-          </a:ln>
-        </p:spPr>
-        <p:style>
-          <a:lnRef idx="2">
-            <a:schemeClr val="accent1">
-              <a:shade val="50000"/>
-            </a:schemeClr>
-          </a:lnRef>
-          <a:fillRef idx="1">
-            <a:schemeClr val="accent1"/>
-          </a:fillRef>
-          <a:effectRef idx="0">
-            <a:schemeClr val="accent1"/>
-          </a:effectRef>
-          <a:fontRef idx="minor">
-            <a:schemeClr val="lt1"/>
-          </a:fontRef>
-        </p:style>
-        <p:txBody>
-          <a:bodyPr rtlCol="0" anchor="ctr"/>
-          <a:lstStyle/>
-          <a:p>
-            <a:pPr algn="ctr"/>
-            <a:endParaRPr lang="en-GB"/>
-          </a:p>
-        </p:txBody>
-      </p:sp>
-      <p:sp>
-        <p:nvSpPr>
-          <p:cNvPr id="274" name="Oval 273">
-            <a:extLst>
-              <a:ext uri="{FF2B5EF4-FFF2-40B4-BE49-F238E27FC236}">
-                <a16:creationId xmlns:a16="http://schemas.microsoft.com/office/drawing/2014/main" id="{A907F389-FFAD-5B84-149D-3EA2AD1D8B78}"/>
-              </a:ext>
-            </a:extLst>
-          </p:cNvPr>
-          <p:cNvSpPr/>
-          <p:nvPr/>
-        </p:nvSpPr>
-        <p:spPr>
-          <a:xfrm>
-            <a:off x="2488723" y="4866415"/>
-            <a:ext cx="173006" cy="162606"/>
-          </a:xfrm>
-          <a:prstGeom prst="ellipse">
-            <a:avLst/>
-          </a:prstGeom>
-          <a:solidFill>
-            <a:srgbClr val="7030A0"/>
-          </a:solidFill>
-          <a:ln>
-            <a:solidFill>
-              <a:srgbClr val="7030A0"/>
-            </a:solidFill>
-          </a:ln>
-        </p:spPr>
-        <p:style>
-          <a:lnRef idx="2">
-            <a:schemeClr val="accent1">
-              <a:shade val="50000"/>
-            </a:schemeClr>
-          </a:lnRef>
-          <a:fillRef idx="1">
-            <a:schemeClr val="accent1"/>
-          </a:fillRef>
-          <a:effectRef idx="0">
-            <a:schemeClr val="accent1"/>
-          </a:effectRef>
-          <a:fontRef idx="minor">
-            <a:schemeClr val="lt1"/>
-          </a:fontRef>
-        </p:style>
-        <p:txBody>
-          <a:bodyPr rtlCol="0" anchor="ctr"/>
-          <a:lstStyle/>
-          <a:p>
-            <a:pPr algn="ctr"/>
-            <a:endParaRPr lang="en-GB"/>
-          </a:p>
-        </p:txBody>
-      </p:sp>
-      <p:sp>
-        <p:nvSpPr>
-          <p:cNvPr id="275" name="Oval 274">
-            <a:extLst>
-              <a:ext uri="{FF2B5EF4-FFF2-40B4-BE49-F238E27FC236}">
-                <a16:creationId xmlns:a16="http://schemas.microsoft.com/office/drawing/2014/main" id="{28071A34-DAE8-39AF-A202-1C2C378C14A1}"/>
-              </a:ext>
-            </a:extLst>
-          </p:cNvPr>
-          <p:cNvSpPr/>
-          <p:nvPr/>
-        </p:nvSpPr>
-        <p:spPr>
-          <a:xfrm>
-            <a:off x="3743017" y="5266660"/>
-            <a:ext cx="173006" cy="162606"/>
-          </a:xfrm>
-          <a:prstGeom prst="ellipse">
-            <a:avLst/>
-          </a:prstGeom>
-          <a:solidFill>
-            <a:srgbClr val="7030A0"/>
-          </a:solidFill>
-          <a:ln>
-            <a:solidFill>
-              <a:srgbClr val="7030A0"/>
-            </a:solidFill>
-          </a:ln>
-        </p:spPr>
-        <p:style>
-          <a:lnRef idx="2">
-            <a:schemeClr val="accent1">
-              <a:shade val="50000"/>
-            </a:schemeClr>
-          </a:lnRef>
-          <a:fillRef idx="1">
-            <a:schemeClr val="accent1"/>
-          </a:fillRef>
-          <a:effectRef idx="0">
-            <a:schemeClr val="accent1"/>
-          </a:effectRef>
-          <a:fontRef idx="minor">
-            <a:schemeClr val="lt1"/>
-          </a:fontRef>
-        </p:style>
-        <p:txBody>
-          <a:bodyPr rtlCol="0" anchor="ctr"/>
-          <a:lstStyle/>
-          <a:p>
-            <a:pPr algn="ctr"/>
-            <a:endParaRPr lang="en-GB"/>
-          </a:p>
-        </p:txBody>
-      </p:sp>
-      <p:sp>
-        <p:nvSpPr>
-          <p:cNvPr id="276" name="Oval 275">
-            <a:extLst>
-              <a:ext uri="{FF2B5EF4-FFF2-40B4-BE49-F238E27FC236}">
-                <a16:creationId xmlns:a16="http://schemas.microsoft.com/office/drawing/2014/main" id="{A49C5B16-B076-7759-99E8-4FD74155794A}"/>
-              </a:ext>
-            </a:extLst>
-          </p:cNvPr>
-          <p:cNvSpPr/>
-          <p:nvPr/>
-        </p:nvSpPr>
-        <p:spPr>
-          <a:xfrm>
-            <a:off x="4376409" y="3864742"/>
-            <a:ext cx="173006" cy="162606"/>
-          </a:xfrm>
-          <a:prstGeom prst="ellipse">
-            <a:avLst/>
-          </a:prstGeom>
-          <a:solidFill>
-            <a:srgbClr val="7030A0"/>
-          </a:solidFill>
-          <a:ln>
-            <a:solidFill>
-              <a:srgbClr val="7030A0"/>
-            </a:solidFill>
-          </a:ln>
-        </p:spPr>
-        <p:style>
-          <a:lnRef idx="2">
-            <a:schemeClr val="accent1">
-              <a:shade val="50000"/>
-            </a:schemeClr>
-          </a:lnRef>
-          <a:fillRef idx="1">
-            <a:schemeClr val="accent1"/>
-          </a:fillRef>
-          <a:effectRef idx="0">
-            <a:schemeClr val="accent1"/>
-          </a:effectRef>
-          <a:fontRef idx="minor">
-            <a:schemeClr val="lt1"/>
-          </a:fontRef>
-        </p:style>
-        <p:txBody>
-          <a:bodyPr rtlCol="0" anchor="ctr"/>
-          <a:lstStyle/>
-          <a:p>
-            <a:pPr algn="ctr"/>
-            <a:endParaRPr lang="en-GB"/>
-          </a:p>
-        </p:txBody>
-      </p:sp>
-      <p:sp>
-        <p:nvSpPr>
-          <p:cNvPr id="277" name="Oval 276">
-            <a:extLst>
-              <a:ext uri="{FF2B5EF4-FFF2-40B4-BE49-F238E27FC236}">
-                <a16:creationId xmlns:a16="http://schemas.microsoft.com/office/drawing/2014/main" id="{651D16E0-0977-C1BB-BF08-83F2A1B81E3F}"/>
-              </a:ext>
-            </a:extLst>
-          </p:cNvPr>
-          <p:cNvSpPr/>
-          <p:nvPr/>
-        </p:nvSpPr>
-        <p:spPr>
-          <a:xfrm>
-            <a:off x="3101699" y="5575311"/>
-            <a:ext cx="173006" cy="162606"/>
-          </a:xfrm>
-          <a:prstGeom prst="ellipse">
-            <a:avLst/>
-          </a:prstGeom>
-          <a:solidFill>
-            <a:srgbClr val="00B0F0"/>
-          </a:solidFill>
-          <a:ln>
-            <a:solidFill>
-              <a:srgbClr val="00B0F0"/>
-            </a:solidFill>
-          </a:ln>
-        </p:spPr>
-        <p:style>
-          <a:lnRef idx="2">
-            <a:schemeClr val="accent1">
-              <a:shade val="50000"/>
-            </a:schemeClr>
-          </a:lnRef>
-          <a:fillRef idx="1">
-            <a:schemeClr val="accent1"/>
-          </a:fillRef>
-          <a:effectRef idx="0">
-            <a:schemeClr val="accent1"/>
-          </a:effectRef>
-          <a:fontRef idx="minor">
-            <a:schemeClr val="lt1"/>
-          </a:fontRef>
-        </p:style>
-        <p:txBody>
-          <a:bodyPr rtlCol="0" anchor="ctr"/>
-          <a:lstStyle/>
-          <a:p>
-            <a:pPr algn="ctr"/>
-            <a:endParaRPr lang="en-GB"/>
-          </a:p>
-        </p:txBody>
-      </p:sp>
-      <p:sp>
-        <p:nvSpPr>
-          <p:cNvPr id="278" name="Oval 277">
-            <a:extLst>
-              <a:ext uri="{FF2B5EF4-FFF2-40B4-BE49-F238E27FC236}">
-                <a16:creationId xmlns:a16="http://schemas.microsoft.com/office/drawing/2014/main" id="{2D1B2BDA-BB8C-FE61-BF42-76B0CFF956A9}"/>
-              </a:ext>
-            </a:extLst>
-          </p:cNvPr>
-          <p:cNvSpPr/>
-          <p:nvPr/>
-        </p:nvSpPr>
-        <p:spPr>
-          <a:xfrm>
-            <a:off x="3757846" y="4198727"/>
-            <a:ext cx="173006" cy="162606"/>
-          </a:xfrm>
-          <a:prstGeom prst="ellipse">
-            <a:avLst/>
-          </a:prstGeom>
-          <a:solidFill>
-            <a:srgbClr val="00B0F0"/>
-          </a:solidFill>
-          <a:ln>
-            <a:solidFill>
-              <a:srgbClr val="00B0F0"/>
-            </a:solidFill>
-          </a:ln>
-        </p:spPr>
-        <p:style>
-          <a:lnRef idx="2">
-            <a:schemeClr val="accent1">
-              <a:shade val="50000"/>
-            </a:schemeClr>
-          </a:lnRef>
-          <a:fillRef idx="1">
-            <a:schemeClr val="accent1"/>
-          </a:fillRef>
-          <a:effectRef idx="0">
-            <a:schemeClr val="accent1"/>
-          </a:effectRef>
-          <a:fontRef idx="minor">
-            <a:schemeClr val="lt1"/>
-          </a:fontRef>
-        </p:style>
-        <p:txBody>
-          <a:bodyPr rtlCol="0" anchor="ctr"/>
-          <a:lstStyle/>
-          <a:p>
-            <a:pPr algn="ctr"/>
-            <a:endParaRPr lang="en-GB"/>
-          </a:p>
-        </p:txBody>
-      </p:sp>
-      <p:sp>
-        <p:nvSpPr>
-          <p:cNvPr id="279" name="Isosceles Triangle 278">
-            <a:extLst>
-              <a:ext uri="{FF2B5EF4-FFF2-40B4-BE49-F238E27FC236}">
-                <a16:creationId xmlns:a16="http://schemas.microsoft.com/office/drawing/2014/main" id="{A81F3B3E-3856-AF25-2C9B-40D28DC51D11}"/>
+                <a16:creationId xmlns:a16="http://schemas.microsoft.com/office/drawing/2014/main" id="{CF5C9C33-4814-22D3-C37B-E6FE85493A0C}"/>
               </a:ext>
             </a:extLst>
           </p:cNvPr>
@@ -25631,7 +22627,7 @@
         </p:nvSpPr>
         <p:spPr>
           <a:xfrm rot="5400000">
-            <a:off x="6658961" y="2846404"/>
+            <a:off x="8998465" y="4099971"/>
             <a:ext cx="844197" cy="553221"/>
           </a:xfrm>
           <a:prstGeom prst="triangle">
@@ -25723,7 +22719,7 @@
                                           </p:stCondLst>
                                         </p:cTn>
                                         <p:tgtEl>
-                                          <p:spTgt spid="263"/>
+                                          <p:spTgt spid="25"/>
                                         </p:tgtEl>
                                         <p:attrNameLst>
                                           <p:attrName>style.visibility</p:attrName>
@@ -25750,7 +22746,7 @@
                                           </p:stCondLst>
                                         </p:cTn>
                                         <p:tgtEl>
-                                          <p:spTgt spid="266"/>
+                                          <p:spTgt spid="28"/>
                                         </p:tgtEl>
                                         <p:attrNameLst>
                                           <p:attrName>style.visibility</p:attrName>
@@ -25777,7 +22773,7 @@
                                           </p:stCondLst>
                                         </p:cTn>
                                         <p:tgtEl>
-                                          <p:spTgt spid="268"/>
+                                          <p:spTgt spid="30"/>
                                         </p:tgtEl>
                                         <p:attrNameLst>
                                           <p:attrName>style.visibility</p:attrName>
@@ -25804,7 +22800,7 @@
                                           </p:stCondLst>
                                         </p:cTn>
                                         <p:tgtEl>
-                                          <p:spTgt spid="270"/>
+                                          <p:spTgt spid="26"/>
                                         </p:tgtEl>
                                         <p:attrNameLst>
                                           <p:attrName>style.visibility</p:attrName>
@@ -25831,7 +22827,7 @@
                                           </p:stCondLst>
                                         </p:cTn>
                                         <p:tgtEl>
-                                          <p:spTgt spid="267"/>
+                                          <p:spTgt spid="27"/>
                                         </p:tgtEl>
                                         <p:attrNameLst>
                                           <p:attrName>style.visibility</p:attrName>
@@ -25858,7 +22854,7 @@
                                           </p:stCondLst>
                                         </p:cTn>
                                         <p:tgtEl>
-                                          <p:spTgt spid="265"/>
+                                          <p:spTgt spid="29"/>
                                         </p:tgtEl>
                                         <p:attrNameLst>
                                           <p:attrName>style.visibility</p:attrName>
@@ -25885,7 +22881,7 @@
                                           </p:stCondLst>
                                         </p:cTn>
                                         <p:tgtEl>
-                                          <p:spTgt spid="264"/>
+                                          <p:spTgt spid="32"/>
                                         </p:tgtEl>
                                         <p:attrNameLst>
                                           <p:attrName>style.visibility</p:attrName>
@@ -25912,7 +22908,7 @@
                                           </p:stCondLst>
                                         </p:cTn>
                                         <p:tgtEl>
-                                          <p:spTgt spid="269"/>
+                                          <p:spTgt spid="31"/>
                                         </p:tgtEl>
                                         <p:attrNameLst>
                                           <p:attrName>style.visibility</p:attrName>
@@ -25939,7 +22935,7 @@
                                           </p:stCondLst>
                                         </p:cTn>
                                         <p:tgtEl>
-                                          <p:spTgt spid="274"/>
+                                          <p:spTgt spid="33"/>
                                         </p:tgtEl>
                                         <p:attrNameLst>
                                           <p:attrName>style.visibility</p:attrName>
@@ -25952,35 +22948,26 @@
                                   </p:childTnLst>
                                 </p:cTn>
                               </p:par>
+                            </p:childTnLst>
+                          </p:cTn>
+                        </p:par>
+                      </p:childTnLst>
+                    </p:cTn>
+                  </p:par>
+                  <p:par>
+                    <p:cTn id="23" fill="hold">
+                      <p:stCondLst>
+                        <p:cond delay="indefinite"/>
+                      </p:stCondLst>
+                      <p:childTnLst>
+                        <p:par>
+                          <p:cTn id="24" fill="hold">
+                            <p:stCondLst>
+                              <p:cond delay="0"/>
+                            </p:stCondLst>
+                            <p:childTnLst>
                               <p:par>
-                                <p:cTn id="23" presetID="1" presetClass="entr" presetSubtype="0" fill="hold" grpId="0" nodeType="withEffect">
-                                  <p:stCondLst>
-                                    <p:cond delay="0"/>
-                                  </p:stCondLst>
-                                  <p:childTnLst>
-                                    <p:set>
-                                      <p:cBhvr>
-                                        <p:cTn id="24" dur="1" fill="hold">
-                                          <p:stCondLst>
-                                            <p:cond delay="0"/>
-                                          </p:stCondLst>
-                                        </p:cTn>
-                                        <p:tgtEl>
-                                          <p:spTgt spid="271"/>
-                                        </p:tgtEl>
-                                        <p:attrNameLst>
-                                          <p:attrName>style.visibility</p:attrName>
-                                        </p:attrNameLst>
-                                      </p:cBhvr>
-                                      <p:to>
-                                        <p:strVal val="visible"/>
-                                      </p:to>
-                                    </p:set>
-                                  </p:childTnLst>
-                                </p:cTn>
-                              </p:par>
-                              <p:par>
-                                <p:cTn id="25" presetID="1" presetClass="entr" presetSubtype="0" fill="hold" grpId="0" nodeType="withEffect">
+                                <p:cTn id="25" presetID="1" presetClass="entr" presetSubtype="0" fill="hold" grpId="0" nodeType="clickEffect">
                                   <p:stCondLst>
                                     <p:cond delay="0"/>
                                   </p:stCondLst>
@@ -25993,7 +22980,7 @@
                                           </p:stCondLst>
                                         </p:cTn>
                                         <p:tgtEl>
-                                          <p:spTgt spid="278"/>
+                                          <p:spTgt spid="85"/>
                                         </p:tgtEl>
                                         <p:attrNameLst>
                                           <p:attrName>style.visibility</p:attrName>
@@ -26020,7 +23007,7 @@
                                           </p:stCondLst>
                                         </p:cTn>
                                         <p:tgtEl>
-                                          <p:spTgt spid="276"/>
+                                          <p:spTgt spid="56"/>
                                         </p:tgtEl>
                                         <p:attrNameLst>
                                           <p:attrName>style.visibility</p:attrName>
@@ -26047,7 +23034,7 @@
                                           </p:stCondLst>
                                         </p:cTn>
                                         <p:tgtEl>
-                                          <p:spTgt spid="272"/>
+                                          <p:spTgt spid="57"/>
                                         </p:tgtEl>
                                         <p:attrNameLst>
                                           <p:attrName>style.visibility</p:attrName>
@@ -26074,61 +23061,7 @@
                                           </p:stCondLst>
                                         </p:cTn>
                                         <p:tgtEl>
-                                          <p:spTgt spid="277"/>
-                                        </p:tgtEl>
-                                        <p:attrNameLst>
-                                          <p:attrName>style.visibility</p:attrName>
-                                        </p:attrNameLst>
-                                      </p:cBhvr>
-                                      <p:to>
-                                        <p:strVal val="visible"/>
-                                      </p:to>
-                                    </p:set>
-                                  </p:childTnLst>
-                                </p:cTn>
-                              </p:par>
-                              <p:par>
-                                <p:cTn id="33" presetID="1" presetClass="entr" presetSubtype="0" fill="hold" grpId="0" nodeType="withEffect">
-                                  <p:stCondLst>
-                                    <p:cond delay="0"/>
-                                  </p:stCondLst>
-                                  <p:childTnLst>
-                                    <p:set>
-                                      <p:cBhvr>
-                                        <p:cTn id="34" dur="1" fill="hold">
-                                          <p:stCondLst>
-                                            <p:cond delay="0"/>
-                                          </p:stCondLst>
-                                        </p:cTn>
-                                        <p:tgtEl>
-                                          <p:spTgt spid="275"/>
-                                        </p:tgtEl>
-                                        <p:attrNameLst>
-                                          <p:attrName>style.visibility</p:attrName>
-                                        </p:attrNameLst>
-                                      </p:cBhvr>
-                                      <p:to>
-                                        <p:strVal val="visible"/>
-                                      </p:to>
-                                    </p:set>
-                                  </p:childTnLst>
-                                </p:cTn>
-                              </p:par>
-                              <p:par>
-                                <p:cTn id="35" presetID="1" presetClass="entr" presetSubtype="0" fill="hold" grpId="0" nodeType="withEffect">
-                                  <p:stCondLst>
-                                    <p:cond delay="0"/>
-                                  </p:stCondLst>
-                                  <p:childTnLst>
-                                    <p:set>
-                                      <p:cBhvr>
-                                        <p:cTn id="36" dur="1" fill="hold">
-                                          <p:stCondLst>
-                                            <p:cond delay="0"/>
-                                          </p:stCondLst>
-                                        </p:cTn>
-                                        <p:tgtEl>
-                                          <p:spTgt spid="273"/>
+                                          <p:spTgt spid="58"/>
                                         </p:tgtEl>
                                         <p:attrNameLst>
                                           <p:attrName>style.visibility</p:attrName>
@@ -26148,19 +23081,73 @@
                     </p:cTn>
                   </p:par>
                   <p:par>
-                    <p:cTn id="37" fill="hold">
+                    <p:cTn id="33" fill="hold">
                       <p:stCondLst>
                         <p:cond delay="indefinite"/>
                       </p:stCondLst>
                       <p:childTnLst>
                         <p:par>
-                          <p:cTn id="38" fill="hold">
+                          <p:cTn id="34" fill="hold">
                             <p:stCondLst>
                               <p:cond delay="0"/>
                             </p:stCondLst>
                             <p:childTnLst>
                               <p:par>
-                                <p:cTn id="39" presetID="1" presetClass="entr" presetSubtype="0" fill="hold" grpId="0" nodeType="clickEffect">
+                                <p:cTn id="35" presetID="1" presetClass="entr" presetSubtype="0" fill="hold" grpId="0" nodeType="clickEffect">
+                                  <p:stCondLst>
+                                    <p:cond delay="0"/>
+                                  </p:stCondLst>
+                                  <p:childTnLst>
+                                    <p:set>
+                                      <p:cBhvr>
+                                        <p:cTn id="36" dur="1" fill="hold">
+                                          <p:stCondLst>
+                                            <p:cond delay="0"/>
+                                          </p:stCondLst>
+                                        </p:cTn>
+                                        <p:tgtEl>
+                                          <p:spTgt spid="94"/>
+                                        </p:tgtEl>
+                                        <p:attrNameLst>
+                                          <p:attrName>style.visibility</p:attrName>
+                                        </p:attrNameLst>
+                                      </p:cBhvr>
+                                      <p:to>
+                                        <p:strVal val="visible"/>
+                                      </p:to>
+                                    </p:set>
+                                  </p:childTnLst>
+                                </p:cTn>
+                              </p:par>
+                              <p:par>
+                                <p:cTn id="37" presetID="1" presetClass="entr" presetSubtype="0" fill="hold" grpId="0" nodeType="withEffect">
+                                  <p:stCondLst>
+                                    <p:cond delay="0"/>
+                                  </p:stCondLst>
+                                  <p:childTnLst>
+                                    <p:set>
+                                      <p:cBhvr>
+                                        <p:cTn id="38" dur="1" fill="hold">
+                                          <p:stCondLst>
+                                            <p:cond delay="0"/>
+                                          </p:stCondLst>
+                                        </p:cTn>
+                                        <p:tgtEl>
+                                          <p:spTgt spid="96"/>
+                                        </p:tgtEl>
+                                        <p:attrNameLst>
+                                          <p:attrName>style.visibility</p:attrName>
+                                        </p:attrNameLst>
+                                      </p:cBhvr>
+                                      <p:to>
+                                        <p:strVal val="visible"/>
+                                      </p:to>
+                                    </p:set>
+                                  </p:childTnLst>
+                                </p:cTn>
+                              </p:par>
+                              <p:par>
+                                <p:cTn id="39" presetID="1" presetClass="entr" presetSubtype="0" fill="hold" grpId="0" nodeType="withEffect">
                                   <p:stCondLst>
                                     <p:cond delay="0"/>
                                   </p:stCondLst>
@@ -26173,7 +23160,7 @@
                                           </p:stCondLst>
                                         </p:cTn>
                                         <p:tgtEl>
-                                          <p:spTgt spid="182"/>
+                                          <p:spTgt spid="95"/>
                                         </p:tgtEl>
                                         <p:attrNameLst>
                                           <p:attrName>style.visibility</p:attrName>
@@ -26200,457 +23187,7 @@
                                           </p:stCondLst>
                                         </p:cTn>
                                         <p:tgtEl>
-                                          <p:spTgt spid="183"/>
-                                        </p:tgtEl>
-                                        <p:attrNameLst>
-                                          <p:attrName>style.visibility</p:attrName>
-                                        </p:attrNameLst>
-                                      </p:cBhvr>
-                                      <p:to>
-                                        <p:strVal val="visible"/>
-                                      </p:to>
-                                    </p:set>
-                                  </p:childTnLst>
-                                </p:cTn>
-                              </p:par>
-                              <p:par>
-                                <p:cTn id="43" presetID="1" presetClass="entr" presetSubtype="0" fill="hold" grpId="0" nodeType="withEffect">
-                                  <p:stCondLst>
-                                    <p:cond delay="0"/>
-                                  </p:stCondLst>
-                                  <p:childTnLst>
-                                    <p:set>
-                                      <p:cBhvr>
-                                        <p:cTn id="44" dur="1" fill="hold">
-                                          <p:stCondLst>
-                                            <p:cond delay="0"/>
-                                          </p:stCondLst>
-                                        </p:cTn>
-                                        <p:tgtEl>
-                                          <p:spTgt spid="184"/>
-                                        </p:tgtEl>
-                                        <p:attrNameLst>
-                                          <p:attrName>style.visibility</p:attrName>
-                                        </p:attrNameLst>
-                                      </p:cBhvr>
-                                      <p:to>
-                                        <p:strVal val="visible"/>
-                                      </p:to>
-                                    </p:set>
-                                  </p:childTnLst>
-                                </p:cTn>
-                              </p:par>
-                              <p:par>
-                                <p:cTn id="45" presetID="1" presetClass="entr" presetSubtype="0" fill="hold" grpId="0" nodeType="withEffect">
-                                  <p:stCondLst>
-                                    <p:cond delay="0"/>
-                                  </p:stCondLst>
-                                  <p:childTnLst>
-                                    <p:set>
-                                      <p:cBhvr>
-                                        <p:cTn id="46" dur="1" fill="hold">
-                                          <p:stCondLst>
-                                            <p:cond delay="0"/>
-                                          </p:stCondLst>
-                                        </p:cTn>
-                                        <p:tgtEl>
-                                          <p:spTgt spid="279"/>
-                                        </p:tgtEl>
-                                        <p:attrNameLst>
-                                          <p:attrName>style.visibility</p:attrName>
-                                        </p:attrNameLst>
-                                      </p:cBhvr>
-                                      <p:to>
-                                        <p:strVal val="visible"/>
-                                      </p:to>
-                                    </p:set>
-                                  </p:childTnLst>
-                                </p:cTn>
-                              </p:par>
-                              <p:par>
-                                <p:cTn id="47" presetID="1" presetClass="entr" presetSubtype="0" fill="hold" grpId="0" nodeType="withEffect">
-                                  <p:stCondLst>
-                                    <p:cond delay="0"/>
-                                  </p:stCondLst>
-                                  <p:childTnLst>
-                                    <p:set>
-                                      <p:cBhvr>
-                                        <p:cTn id="48" dur="1" fill="hold">
-                                          <p:stCondLst>
-                                            <p:cond delay="0"/>
-                                          </p:stCondLst>
-                                        </p:cTn>
-                                        <p:tgtEl>
-                                          <p:spTgt spid="186"/>
-                                        </p:tgtEl>
-                                        <p:attrNameLst>
-                                          <p:attrName>style.visibility</p:attrName>
-                                        </p:attrNameLst>
-                                      </p:cBhvr>
-                                      <p:to>
-                                        <p:strVal val="visible"/>
-                                      </p:to>
-                                    </p:set>
-                                  </p:childTnLst>
-                                </p:cTn>
-                              </p:par>
-                              <p:par>
-                                <p:cTn id="49" presetID="1" presetClass="entr" presetSubtype="0" fill="hold" grpId="0" nodeType="withEffect">
-                                  <p:stCondLst>
-                                    <p:cond delay="0"/>
-                                  </p:stCondLst>
-                                  <p:childTnLst>
-                                    <p:set>
-                                      <p:cBhvr>
-                                        <p:cTn id="50" dur="1" fill="hold">
-                                          <p:stCondLst>
-                                            <p:cond delay="0"/>
-                                          </p:stCondLst>
-                                        </p:cTn>
-                                        <p:tgtEl>
-                                          <p:spTgt spid="187"/>
-                                        </p:tgtEl>
-                                        <p:attrNameLst>
-                                          <p:attrName>style.visibility</p:attrName>
-                                        </p:attrNameLst>
-                                      </p:cBhvr>
-                                      <p:to>
-                                        <p:strVal val="visible"/>
-                                      </p:to>
-                                    </p:set>
-                                  </p:childTnLst>
-                                </p:cTn>
-                              </p:par>
-                              <p:par>
-                                <p:cTn id="51" presetID="1" presetClass="entr" presetSubtype="0" fill="hold" grpId="0" nodeType="withEffect">
-                                  <p:stCondLst>
-                                    <p:cond delay="0"/>
-                                  </p:stCondLst>
-                                  <p:childTnLst>
-                                    <p:set>
-                                      <p:cBhvr>
-                                        <p:cTn id="52" dur="1" fill="hold">
-                                          <p:stCondLst>
-                                            <p:cond delay="0"/>
-                                          </p:stCondLst>
-                                        </p:cTn>
-                                        <p:tgtEl>
-                                          <p:spTgt spid="188"/>
-                                        </p:tgtEl>
-                                        <p:attrNameLst>
-                                          <p:attrName>style.visibility</p:attrName>
-                                        </p:attrNameLst>
-                                      </p:cBhvr>
-                                      <p:to>
-                                        <p:strVal val="visible"/>
-                                      </p:to>
-                                    </p:set>
-                                  </p:childTnLst>
-                                </p:cTn>
-                              </p:par>
-                              <p:par>
-                                <p:cTn id="53" presetID="1" presetClass="entr" presetSubtype="0" fill="hold" grpId="0" nodeType="withEffect">
-                                  <p:stCondLst>
-                                    <p:cond delay="0"/>
-                                  </p:stCondLst>
-                                  <p:childTnLst>
-                                    <p:set>
-                                      <p:cBhvr>
-                                        <p:cTn id="54" dur="1" fill="hold">
-                                          <p:stCondLst>
-                                            <p:cond delay="0"/>
-                                          </p:stCondLst>
-                                        </p:cTn>
-                                        <p:tgtEl>
-                                          <p:spTgt spid="190"/>
-                                        </p:tgtEl>
-                                        <p:attrNameLst>
-                                          <p:attrName>style.visibility</p:attrName>
-                                        </p:attrNameLst>
-                                      </p:cBhvr>
-                                      <p:to>
-                                        <p:strVal val="visible"/>
-                                      </p:to>
-                                    </p:set>
-                                  </p:childTnLst>
-                                </p:cTn>
-                              </p:par>
-                              <p:par>
-                                <p:cTn id="55" presetID="1" presetClass="entr" presetSubtype="0" fill="hold" grpId="0" nodeType="withEffect">
-                                  <p:stCondLst>
-                                    <p:cond delay="0"/>
-                                  </p:stCondLst>
-                                  <p:childTnLst>
-                                    <p:set>
-                                      <p:cBhvr>
-                                        <p:cTn id="56" dur="1" fill="hold">
-                                          <p:stCondLst>
-                                            <p:cond delay="0"/>
-                                          </p:stCondLst>
-                                        </p:cTn>
-                                        <p:tgtEl>
-                                          <p:spTgt spid="189"/>
-                                        </p:tgtEl>
-                                        <p:attrNameLst>
-                                          <p:attrName>style.visibility</p:attrName>
-                                        </p:attrNameLst>
-                                      </p:cBhvr>
-                                      <p:to>
-                                        <p:strVal val="visible"/>
-                                      </p:to>
-                                    </p:set>
-                                  </p:childTnLst>
-                                </p:cTn>
-                              </p:par>
-                            </p:childTnLst>
-                          </p:cTn>
-                        </p:par>
-                      </p:childTnLst>
-                    </p:cTn>
-                  </p:par>
-                  <p:par>
-                    <p:cTn id="57" fill="hold">
-                      <p:stCondLst>
-                        <p:cond delay="indefinite"/>
-                      </p:stCondLst>
-                      <p:childTnLst>
-                        <p:par>
-                          <p:cTn id="58" fill="hold">
-                            <p:stCondLst>
-                              <p:cond delay="0"/>
-                            </p:stCondLst>
-                            <p:childTnLst>
-                              <p:par>
-                                <p:cTn id="59" presetID="1" presetClass="entr" presetSubtype="0" fill="hold" grpId="0" nodeType="clickEffect">
-                                  <p:stCondLst>
-                                    <p:cond delay="0"/>
-                                  </p:stCondLst>
-                                  <p:childTnLst>
-                                    <p:set>
-                                      <p:cBhvr>
-                                        <p:cTn id="60" dur="1" fill="hold">
-                                          <p:stCondLst>
-                                            <p:cond delay="0"/>
-                                          </p:stCondLst>
-                                        </p:cTn>
-                                        <p:tgtEl>
-                                          <p:spTgt spid="191"/>
-                                        </p:tgtEl>
-                                        <p:attrNameLst>
-                                          <p:attrName>style.visibility</p:attrName>
-                                        </p:attrNameLst>
-                                      </p:cBhvr>
-                                      <p:to>
-                                        <p:strVal val="visible"/>
-                                      </p:to>
-                                    </p:set>
-                                  </p:childTnLst>
-                                </p:cTn>
-                              </p:par>
-                              <p:par>
-                                <p:cTn id="61" presetID="1" presetClass="entr" presetSubtype="0" fill="hold" grpId="0" nodeType="withEffect">
-                                  <p:stCondLst>
-                                    <p:cond delay="0"/>
-                                  </p:stCondLst>
-                                  <p:childTnLst>
-                                    <p:set>
-                                      <p:cBhvr>
-                                        <p:cTn id="62" dur="1" fill="hold">
-                                          <p:stCondLst>
-                                            <p:cond delay="0"/>
-                                          </p:stCondLst>
-                                        </p:cTn>
-                                        <p:tgtEl>
-                                          <p:spTgt spid="192"/>
-                                        </p:tgtEl>
-                                        <p:attrNameLst>
-                                          <p:attrName>style.visibility</p:attrName>
-                                        </p:attrNameLst>
-                                      </p:cBhvr>
-                                      <p:to>
-                                        <p:strVal val="visible"/>
-                                      </p:to>
-                                    </p:set>
-                                  </p:childTnLst>
-                                </p:cTn>
-                              </p:par>
-                              <p:par>
-                                <p:cTn id="63" presetID="1" presetClass="entr" presetSubtype="0" fill="hold" grpId="0" nodeType="withEffect">
-                                  <p:stCondLst>
-                                    <p:cond delay="0"/>
-                                  </p:stCondLst>
-                                  <p:childTnLst>
-                                    <p:set>
-                                      <p:cBhvr>
-                                        <p:cTn id="64" dur="1" fill="hold">
-                                          <p:stCondLst>
-                                            <p:cond delay="0"/>
-                                          </p:stCondLst>
-                                        </p:cTn>
-                                        <p:tgtEl>
-                                          <p:spTgt spid="193"/>
-                                        </p:tgtEl>
-                                        <p:attrNameLst>
-                                          <p:attrName>style.visibility</p:attrName>
-                                        </p:attrNameLst>
-                                      </p:cBhvr>
-                                      <p:to>
-                                        <p:strVal val="visible"/>
-                                      </p:to>
-                                    </p:set>
-                                  </p:childTnLst>
-                                </p:cTn>
-                              </p:par>
-                              <p:par>
-                                <p:cTn id="65" presetID="1" presetClass="entr" presetSubtype="0" fill="hold" grpId="0" nodeType="withEffect">
-                                  <p:stCondLst>
-                                    <p:cond delay="0"/>
-                                  </p:stCondLst>
-                                  <p:childTnLst>
-                                    <p:set>
-                                      <p:cBhvr>
-                                        <p:cTn id="66" dur="1" fill="hold">
-                                          <p:stCondLst>
-                                            <p:cond delay="0"/>
-                                          </p:stCondLst>
-                                        </p:cTn>
-                                        <p:tgtEl>
-                                          <p:spTgt spid="194"/>
-                                        </p:tgtEl>
-                                        <p:attrNameLst>
-                                          <p:attrName>style.visibility</p:attrName>
-                                        </p:attrNameLst>
-                                      </p:cBhvr>
-                                      <p:to>
-                                        <p:strVal val="visible"/>
-                                      </p:to>
-                                    </p:set>
-                                  </p:childTnLst>
-                                </p:cTn>
-                              </p:par>
-                              <p:par>
-                                <p:cTn id="67" presetID="1" presetClass="entr" presetSubtype="0" fill="hold" grpId="0" nodeType="withEffect">
-                                  <p:stCondLst>
-                                    <p:cond delay="0"/>
-                                  </p:stCondLst>
-                                  <p:childTnLst>
-                                    <p:set>
-                                      <p:cBhvr>
-                                        <p:cTn id="68" dur="1" fill="hold">
-                                          <p:stCondLst>
-                                            <p:cond delay="0"/>
-                                          </p:stCondLst>
-                                        </p:cTn>
-                                        <p:tgtEl>
-                                          <p:spTgt spid="195"/>
-                                        </p:tgtEl>
-                                        <p:attrNameLst>
-                                          <p:attrName>style.visibility</p:attrName>
-                                        </p:attrNameLst>
-                                      </p:cBhvr>
-                                      <p:to>
-                                        <p:strVal val="visible"/>
-                                      </p:to>
-                                    </p:set>
-                                  </p:childTnLst>
-                                </p:cTn>
-                              </p:par>
-                              <p:par>
-                                <p:cTn id="69" presetID="1" presetClass="entr" presetSubtype="0" fill="hold" grpId="0" nodeType="withEffect">
-                                  <p:stCondLst>
-                                    <p:cond delay="0"/>
-                                  </p:stCondLst>
-                                  <p:childTnLst>
-                                    <p:set>
-                                      <p:cBhvr>
-                                        <p:cTn id="70" dur="1" fill="hold">
-                                          <p:stCondLst>
-                                            <p:cond delay="0"/>
-                                          </p:stCondLst>
-                                        </p:cTn>
-                                        <p:tgtEl>
-                                          <p:spTgt spid="197"/>
-                                        </p:tgtEl>
-                                        <p:attrNameLst>
-                                          <p:attrName>style.visibility</p:attrName>
-                                        </p:attrNameLst>
-                                      </p:cBhvr>
-                                      <p:to>
-                                        <p:strVal val="visible"/>
-                                      </p:to>
-                                    </p:set>
-                                  </p:childTnLst>
-                                </p:cTn>
-                              </p:par>
-                              <p:par>
-                                <p:cTn id="71" presetID="1" presetClass="entr" presetSubtype="0" fill="hold" grpId="0" nodeType="withEffect">
-                                  <p:stCondLst>
-                                    <p:cond delay="0"/>
-                                  </p:stCondLst>
-                                  <p:childTnLst>
-                                    <p:set>
-                                      <p:cBhvr>
-                                        <p:cTn id="72" dur="1" fill="hold">
-                                          <p:stCondLst>
-                                            <p:cond delay="0"/>
-                                          </p:stCondLst>
-                                        </p:cTn>
-                                        <p:tgtEl>
-                                          <p:spTgt spid="196"/>
-                                        </p:tgtEl>
-                                        <p:attrNameLst>
-                                          <p:attrName>style.visibility</p:attrName>
-                                        </p:attrNameLst>
-                                      </p:cBhvr>
-                                      <p:to>
-                                        <p:strVal val="visible"/>
-                                      </p:to>
-                                    </p:set>
-                                  </p:childTnLst>
-                                </p:cTn>
-                              </p:par>
-                              <p:par>
-                                <p:cTn id="73" presetID="1" presetClass="entr" presetSubtype="0" fill="hold" grpId="0" nodeType="withEffect">
-                                  <p:stCondLst>
-                                    <p:cond delay="0"/>
-                                  </p:stCondLst>
-                                  <p:childTnLst>
-                                    <p:set>
-                                      <p:cBhvr>
-                                        <p:cTn id="74" dur="1" fill="hold">
-                                          <p:stCondLst>
-                                            <p:cond delay="0"/>
-                                          </p:stCondLst>
-                                        </p:cTn>
-                                        <p:tgtEl>
-                                          <p:spTgt spid="198"/>
-                                        </p:tgtEl>
-                                        <p:attrNameLst>
-                                          <p:attrName>style.visibility</p:attrName>
-                                        </p:attrNameLst>
-                                      </p:cBhvr>
-                                      <p:to>
-                                        <p:strVal val="visible"/>
-                                      </p:to>
-                                    </p:set>
-                                  </p:childTnLst>
-                                </p:cTn>
-                              </p:par>
-                              <p:par>
-                                <p:cTn id="75" presetID="1" presetClass="entr" presetSubtype="0" fill="hold" grpId="0" nodeType="withEffect">
-                                  <p:stCondLst>
-                                    <p:cond delay="0"/>
-                                  </p:stCondLst>
-                                  <p:childTnLst>
-                                    <p:set>
-                                      <p:cBhvr>
-                                        <p:cTn id="76" dur="1" fill="hold">
-                                          <p:stCondLst>
-                                            <p:cond delay="0"/>
-                                          </p:stCondLst>
-                                        </p:cTn>
-                                        <p:tgtEl>
-                                          <p:spTgt spid="199"/>
+                                          <p:spTgt spid="97"/>
                                         </p:tgtEl>
                                         <p:attrNameLst>
                                           <p:attrName>style.visibility</p:attrName>
@@ -26691,40 +23228,23 @@
       </p:par>
     </p:tnLst>
     <p:bldLst>
-      <p:bldP spid="182" grpId="0" animBg="1"/>
-      <p:bldP spid="183" grpId="0" animBg="1"/>
-      <p:bldP spid="184" grpId="0" animBg="1"/>
-      <p:bldP spid="186" grpId="0" animBg="1"/>
-      <p:bldP spid="187" grpId="0" animBg="1"/>
-      <p:bldP spid="188" grpId="0" animBg="1"/>
-      <p:bldP spid="189" grpId="0" animBg="1"/>
-      <p:bldP spid="190" grpId="0" animBg="1"/>
-      <p:bldP spid="191" grpId="0" animBg="1"/>
-      <p:bldP spid="192" grpId="0" animBg="1"/>
-      <p:bldP spid="193" grpId="0" animBg="1"/>
-      <p:bldP spid="194" grpId="0" animBg="1"/>
-      <p:bldP spid="195" grpId="0" animBg="1"/>
-      <p:bldP spid="196" grpId="0" animBg="1"/>
-      <p:bldP spid="197" grpId="0" animBg="1"/>
-      <p:bldP spid="198" grpId="0" animBg="1"/>
-      <p:bldP spid="199" grpId="0" animBg="1"/>
-      <p:bldP spid="263" grpId="0" animBg="1"/>
-      <p:bldP spid="264" grpId="0" animBg="1"/>
-      <p:bldP spid="265" grpId="0" animBg="1"/>
-      <p:bldP spid="266" grpId="0" animBg="1"/>
-      <p:bldP spid="267" grpId="0" animBg="1"/>
-      <p:bldP spid="268" grpId="0" animBg="1"/>
-      <p:bldP spid="269" grpId="0" animBg="1"/>
-      <p:bldP spid="270" grpId="0" animBg="1"/>
-      <p:bldP spid="271" grpId="0" animBg="1"/>
-      <p:bldP spid="272" grpId="0" animBg="1"/>
-      <p:bldP spid="273" grpId="0" animBg="1"/>
-      <p:bldP spid="274" grpId="0" animBg="1"/>
-      <p:bldP spid="275" grpId="0" animBg="1"/>
-      <p:bldP spid="276" grpId="0" animBg="1"/>
-      <p:bldP spid="277" grpId="0" animBg="1"/>
-      <p:bldP spid="278" grpId="0" animBg="1"/>
-      <p:bldP spid="279" grpId="0" animBg="1"/>
+      <p:bldP spid="25" grpId="0" animBg="1"/>
+      <p:bldP spid="26" grpId="0" animBg="1"/>
+      <p:bldP spid="27" grpId="0" animBg="1"/>
+      <p:bldP spid="28" grpId="0" animBg="1"/>
+      <p:bldP spid="29" grpId="0" animBg="1"/>
+      <p:bldP spid="30" grpId="0" animBg="1"/>
+      <p:bldP spid="31" grpId="0" animBg="1"/>
+      <p:bldP spid="32" grpId="0" animBg="1"/>
+      <p:bldP spid="33" grpId="0" animBg="1"/>
+      <p:bldP spid="56" grpId="0" animBg="1"/>
+      <p:bldP spid="57" grpId="0" animBg="1"/>
+      <p:bldP spid="58" grpId="0" animBg="1"/>
+      <p:bldP spid="85" grpId="0" animBg="1"/>
+      <p:bldP spid="94" grpId="0" animBg="1"/>
+      <p:bldP spid="95" grpId="0" animBg="1"/>
+      <p:bldP spid="96" grpId="0" animBg="1"/>
+      <p:bldP spid="97" grpId="0" animBg="1"/>
     </p:bldLst>
   </p:timing>
 </p:sld>

--- a/Presentation/PresentationV2.pptx
+++ b/Presentation/PresentationV2.pptx
@@ -207,7 +207,7 @@
           <a:p>
             <a:fld id="{BF600805-B0E4-43B7-AFD3-656EA3A9D768}" type="datetimeFigureOut">
               <a:rPr lang="en-GB" smtClean="0"/>
-              <a:t>30/01/2023</a:t>
+              <a:t>06/02/2023</a:t>
             </a:fld>
             <a:endParaRPr lang="en-GB"/>
           </a:p>
@@ -731,7 +731,7 @@
           <a:p>
             <a:fld id="{66346AF0-2F57-44FA-A286-836800EB44A8}" type="datetimeFigureOut">
               <a:rPr lang="en-GB" smtClean="0"/>
-              <a:t>30/01/2023</a:t>
+              <a:t>06/02/2023</a:t>
             </a:fld>
             <a:endParaRPr lang="en-GB"/>
           </a:p>
@@ -931,7 +931,7 @@
           <a:p>
             <a:fld id="{66346AF0-2F57-44FA-A286-836800EB44A8}" type="datetimeFigureOut">
               <a:rPr lang="en-GB" smtClean="0"/>
-              <a:t>30/01/2023</a:t>
+              <a:t>06/02/2023</a:t>
             </a:fld>
             <a:endParaRPr lang="en-GB"/>
           </a:p>
@@ -1141,7 +1141,7 @@
           <a:p>
             <a:fld id="{66346AF0-2F57-44FA-A286-836800EB44A8}" type="datetimeFigureOut">
               <a:rPr lang="en-GB" smtClean="0"/>
-              <a:t>30/01/2023</a:t>
+              <a:t>06/02/2023</a:t>
             </a:fld>
             <a:endParaRPr lang="en-GB"/>
           </a:p>
@@ -1341,7 +1341,7 @@
           <a:p>
             <a:fld id="{66346AF0-2F57-44FA-A286-836800EB44A8}" type="datetimeFigureOut">
               <a:rPr lang="en-GB" smtClean="0"/>
-              <a:t>30/01/2023</a:t>
+              <a:t>06/02/2023</a:t>
             </a:fld>
             <a:endParaRPr lang="en-GB"/>
           </a:p>
@@ -1617,7 +1617,7 @@
           <a:p>
             <a:fld id="{66346AF0-2F57-44FA-A286-836800EB44A8}" type="datetimeFigureOut">
               <a:rPr lang="en-GB" smtClean="0"/>
-              <a:t>30/01/2023</a:t>
+              <a:t>06/02/2023</a:t>
             </a:fld>
             <a:endParaRPr lang="en-GB"/>
           </a:p>
@@ -1885,7 +1885,7 @@
           <a:p>
             <a:fld id="{66346AF0-2F57-44FA-A286-836800EB44A8}" type="datetimeFigureOut">
               <a:rPr lang="en-GB" smtClean="0"/>
-              <a:t>30/01/2023</a:t>
+              <a:t>06/02/2023</a:t>
             </a:fld>
             <a:endParaRPr lang="en-GB"/>
           </a:p>
@@ -2300,7 +2300,7 @@
           <a:p>
             <a:fld id="{66346AF0-2F57-44FA-A286-836800EB44A8}" type="datetimeFigureOut">
               <a:rPr lang="en-GB" smtClean="0"/>
-              <a:t>30/01/2023</a:t>
+              <a:t>06/02/2023</a:t>
             </a:fld>
             <a:endParaRPr lang="en-GB"/>
           </a:p>
@@ -2442,7 +2442,7 @@
           <a:p>
             <a:fld id="{66346AF0-2F57-44FA-A286-836800EB44A8}" type="datetimeFigureOut">
               <a:rPr lang="en-GB" smtClean="0"/>
-              <a:t>30/01/2023</a:t>
+              <a:t>06/02/2023</a:t>
             </a:fld>
             <a:endParaRPr lang="en-GB"/>
           </a:p>
@@ -2555,7 +2555,7 @@
           <a:p>
             <a:fld id="{66346AF0-2F57-44FA-A286-836800EB44A8}" type="datetimeFigureOut">
               <a:rPr lang="en-GB" smtClean="0"/>
-              <a:t>30/01/2023</a:t>
+              <a:t>06/02/2023</a:t>
             </a:fld>
             <a:endParaRPr lang="en-GB"/>
           </a:p>
@@ -2868,7 +2868,7 @@
           <a:p>
             <a:fld id="{66346AF0-2F57-44FA-A286-836800EB44A8}" type="datetimeFigureOut">
               <a:rPr lang="en-GB" smtClean="0"/>
-              <a:t>30/01/2023</a:t>
+              <a:t>06/02/2023</a:t>
             </a:fld>
             <a:endParaRPr lang="en-GB"/>
           </a:p>
@@ -3157,7 +3157,7 @@
           <a:p>
             <a:fld id="{66346AF0-2F57-44FA-A286-836800EB44A8}" type="datetimeFigureOut">
               <a:rPr lang="en-GB" smtClean="0"/>
-              <a:t>30/01/2023</a:t>
+              <a:t>06/02/2023</a:t>
             </a:fld>
             <a:endParaRPr lang="en-GB"/>
           </a:p>
@@ -3406,7 +3406,7 @@
           <a:p>
             <a:fld id="{66346AF0-2F57-44FA-A286-836800EB44A8}" type="datetimeFigureOut">
               <a:rPr lang="en-GB" smtClean="0"/>
-              <a:t>30/01/2023</a:t>
+              <a:t>06/02/2023</a:t>
             </a:fld>
             <a:endParaRPr lang="en-GB"/>
           </a:p>
@@ -11765,26 +11765,39 @@
                                   </p:childTnLst>
                                 </p:cTn>
                               </p:par>
-                            </p:childTnLst>
-                          </p:cTn>
-                        </p:par>
-                      </p:childTnLst>
-                    </p:cTn>
-                  </p:par>
-                  <p:par>
-                    <p:cTn id="7" fill="hold">
-                      <p:stCondLst>
-                        <p:cond delay="indefinite"/>
-                      </p:stCondLst>
-                      <p:childTnLst>
-                        <p:par>
-                          <p:cTn id="8" fill="hold">
-                            <p:stCondLst>
-                              <p:cond delay="0"/>
-                            </p:stCondLst>
-                            <p:childTnLst>
                               <p:par>
-                                <p:cTn id="9" presetID="1" presetClass="exit" presetSubtype="0" fill="hold" grpId="0" nodeType="clickEffect">
+                                <p:cTn id="7" presetID="1" presetClass="exit" presetSubtype="0" fill="hold" grpId="0" nodeType="withEffect">
+                                  <p:stCondLst>
+                                    <p:cond delay="0"/>
+                                  </p:stCondLst>
+                                  <p:childTnLst>
+                                    <p:set>
+                                      <p:cBhvr>
+                                        <p:cTn id="8" dur="1" fill="hold">
+                                          <p:stCondLst>
+                                            <p:cond delay="0"/>
+                                          </p:stCondLst>
+                                        </p:cTn>
+                                        <p:tgtEl>
+                                          <p:spTgt spid="4">
+                                            <p:txEl>
+                                              <p:pRg st="1" end="1"/>
+                                            </p:txEl>
+                                          </p:spTgt>
+                                        </p:tgtEl>
+                                        <p:attrNameLst>
+                                          <p:attrName>style.visibility</p:attrName>
+                                        </p:attrNameLst>
+                                      </p:cBhvr>
+                                      <p:to>
+                                        <p:strVal val="hidden"/>
+                                      </p:to>
+                                    </p:set>
+                                  </p:childTnLst>
+                                </p:cTn>
+                              </p:par>
+                              <p:par>
+                                <p:cTn id="9" presetID="1" presetClass="exit" presetSubtype="0" fill="hold" grpId="0" nodeType="withEffect">
                                   <p:stCondLst>
                                     <p:cond delay="0"/>
                                   </p:stCondLst>
@@ -11799,7 +11812,7 @@
                                         <p:tgtEl>
                                           <p:spTgt spid="4">
                                             <p:txEl>
-                                              <p:pRg st="1" end="1"/>
+                                              <p:pRg st="2" end="2"/>
                                             </p:txEl>
                                           </p:spTgt>
                                         </p:tgtEl>
@@ -11833,7 +11846,7 @@
                             </p:stCondLst>
                             <p:childTnLst>
                               <p:par>
-                                <p:cTn id="13" presetID="1" presetClass="exit" presetSubtype="0" fill="hold" grpId="0" nodeType="clickEffect">
+                                <p:cTn id="13" presetID="1" presetClass="entr" presetSubtype="0" fill="hold" nodeType="clickEffect">
                                   <p:stCondLst>
                                     <p:cond delay="0"/>
                                   </p:stCondLst>
@@ -11846,18 +11859,14 @@
                                           </p:stCondLst>
                                         </p:cTn>
                                         <p:tgtEl>
-                                          <p:spTgt spid="4">
-                                            <p:txEl>
-                                              <p:pRg st="2" end="2"/>
-                                            </p:txEl>
-                                          </p:spTgt>
+                                          <p:spTgt spid="6"/>
                                         </p:tgtEl>
                                         <p:attrNameLst>
                                           <p:attrName>style.visibility</p:attrName>
                                         </p:attrNameLst>
                                       </p:cBhvr>
                                       <p:to>
-                                        <p:strVal val="hidden"/>
+                                        <p:strVal val="visible"/>
                                       </p:to>
                                     </p:set>
                                   </p:childTnLst>
@@ -11895,7 +11904,61 @@
                                           </p:stCondLst>
                                         </p:cTn>
                                         <p:tgtEl>
-                                          <p:spTgt spid="6"/>
+                                          <p:spTgt spid="10"/>
+                                        </p:tgtEl>
+                                        <p:attrNameLst>
+                                          <p:attrName>style.visibility</p:attrName>
+                                        </p:attrNameLst>
+                                      </p:cBhvr>
+                                      <p:to>
+                                        <p:strVal val="visible"/>
+                                      </p:to>
+                                    </p:set>
+                                  </p:childTnLst>
+                                </p:cTn>
+                              </p:par>
+                              <p:par>
+                                <p:cTn id="19" presetID="1" presetClass="entr" presetSubtype="0" fill="hold" nodeType="withEffect">
+                                  <p:stCondLst>
+                                    <p:cond delay="0"/>
+                                  </p:stCondLst>
+                                  <p:childTnLst>
+                                    <p:set>
+                                      <p:cBhvr>
+                                        <p:cTn id="20" dur="1" fill="hold">
+                                          <p:stCondLst>
+                                            <p:cond delay="0"/>
+                                          </p:stCondLst>
+                                        </p:cTn>
+                                        <p:tgtEl>
+                                          <p:spTgt spid="9"/>
+                                        </p:tgtEl>
+                                        <p:attrNameLst>
+                                          <p:attrName>style.visibility</p:attrName>
+                                        </p:attrNameLst>
+                                      </p:cBhvr>
+                                      <p:to>
+                                        <p:strVal val="visible"/>
+                                      </p:to>
+                                    </p:set>
+                                  </p:childTnLst>
+                                </p:cTn>
+                              </p:par>
+                              <p:par>
+                                <p:cTn id="21" presetID="1" presetClass="entr" presetSubtype="0" fill="hold" nodeType="withEffect">
+                                  <p:stCondLst>
+                                    <p:cond delay="0"/>
+                                  </p:stCondLst>
+                                  <p:childTnLst>
+                                    <p:set>
+                                      <p:cBhvr>
+                                        <p:cTn id="22" dur="1" fill="hold">
+                                          <p:stCondLst>
+                                            <p:cond delay="0"/>
+                                          </p:stCondLst>
+                                        </p:cTn>
+                                        <p:tgtEl>
+                                          <p:spTgt spid="7"/>
                                         </p:tgtEl>
                                         <p:attrNameLst>
                                           <p:attrName>style.visibility</p:attrName>
@@ -11915,73 +11978,19 @@
                     </p:cTn>
                   </p:par>
                   <p:par>
-                    <p:cTn id="19" fill="hold">
+                    <p:cTn id="23" fill="hold">
                       <p:stCondLst>
                         <p:cond delay="indefinite"/>
                       </p:stCondLst>
                       <p:childTnLst>
                         <p:par>
-                          <p:cTn id="20" fill="hold">
+                          <p:cTn id="24" fill="hold">
                             <p:stCondLst>
                               <p:cond delay="0"/>
                             </p:stCondLst>
                             <p:childTnLst>
                               <p:par>
-                                <p:cTn id="21" presetID="1" presetClass="entr" presetSubtype="0" fill="hold" nodeType="clickEffect">
-                                  <p:stCondLst>
-                                    <p:cond delay="0"/>
-                                  </p:stCondLst>
-                                  <p:childTnLst>
-                                    <p:set>
-                                      <p:cBhvr>
-                                        <p:cTn id="22" dur="1" fill="hold">
-                                          <p:stCondLst>
-                                            <p:cond delay="0"/>
-                                          </p:stCondLst>
-                                        </p:cTn>
-                                        <p:tgtEl>
-                                          <p:spTgt spid="10"/>
-                                        </p:tgtEl>
-                                        <p:attrNameLst>
-                                          <p:attrName>style.visibility</p:attrName>
-                                        </p:attrNameLst>
-                                      </p:cBhvr>
-                                      <p:to>
-                                        <p:strVal val="visible"/>
-                                      </p:to>
-                                    </p:set>
-                                  </p:childTnLst>
-                                </p:cTn>
-                              </p:par>
-                              <p:par>
-                                <p:cTn id="23" presetID="1" presetClass="entr" presetSubtype="0" fill="hold" nodeType="withEffect">
-                                  <p:stCondLst>
-                                    <p:cond delay="0"/>
-                                  </p:stCondLst>
-                                  <p:childTnLst>
-                                    <p:set>
-                                      <p:cBhvr>
-                                        <p:cTn id="24" dur="1" fill="hold">
-                                          <p:stCondLst>
-                                            <p:cond delay="0"/>
-                                          </p:stCondLst>
-                                        </p:cTn>
-                                        <p:tgtEl>
-                                          <p:spTgt spid="9"/>
-                                        </p:tgtEl>
-                                        <p:attrNameLst>
-                                          <p:attrName>style.visibility</p:attrName>
-                                        </p:attrNameLst>
-                                      </p:cBhvr>
-                                      <p:to>
-                                        <p:strVal val="visible"/>
-                                      </p:to>
-                                    </p:set>
-                                  </p:childTnLst>
-                                </p:cTn>
-                              </p:par>
-                              <p:par>
-                                <p:cTn id="25" presetID="1" presetClass="entr" presetSubtype="0" fill="hold" nodeType="withEffect">
+                                <p:cTn id="25" presetID="1" presetClass="entr" presetSubtype="0" fill="hold" nodeType="clickEffect">
                                   <p:stCondLst>
                                     <p:cond delay="0"/>
                                   </p:stCondLst>
@@ -11994,7 +12003,7 @@
                                           </p:stCondLst>
                                         </p:cTn>
                                         <p:tgtEl>
-                                          <p:spTgt spid="7"/>
+                                          <p:spTgt spid="5"/>
                                         </p:tgtEl>
                                         <p:attrNameLst>
                                           <p:attrName>style.visibility</p:attrName>
@@ -12026,7 +12035,7 @@
                             </p:stCondLst>
                             <p:childTnLst>
                               <p:par>
-                                <p:cTn id="29" presetID="1" presetClass="entr" presetSubtype="0" fill="hold" nodeType="clickEffect">
+                                <p:cTn id="29" presetID="1" presetClass="entr" presetSubtype="0" fill="hold" grpId="0" nodeType="clickEffect">
                                   <p:stCondLst>
                                     <p:cond delay="0"/>
                                   </p:stCondLst>
@@ -12039,7 +12048,7 @@
                                           </p:stCondLst>
                                         </p:cTn>
                                         <p:tgtEl>
-                                          <p:spTgt spid="5"/>
+                                          <p:spTgt spid="11"/>
                                         </p:tgtEl>
                                         <p:attrNameLst>
                                           <p:attrName>style.visibility</p:attrName>
@@ -12084,7 +12093,7 @@
                                           </p:stCondLst>
                                         </p:cTn>
                                         <p:tgtEl>
-                                          <p:spTgt spid="11"/>
+                                          <p:spTgt spid="12"/>
                                         </p:tgtEl>
                                         <p:attrNameLst>
                                           <p:attrName>style.visibility</p:attrName>
@@ -12124,51 +12133,6 @@
                                     <p:set>
                                       <p:cBhvr>
                                         <p:cTn id="38" dur="1" fill="hold">
-                                          <p:stCondLst>
-                                            <p:cond delay="0"/>
-                                          </p:stCondLst>
-                                        </p:cTn>
-                                        <p:tgtEl>
-                                          <p:spTgt spid="12"/>
-                                        </p:tgtEl>
-                                        <p:attrNameLst>
-                                          <p:attrName>style.visibility</p:attrName>
-                                        </p:attrNameLst>
-                                      </p:cBhvr>
-                                      <p:to>
-                                        <p:strVal val="visible"/>
-                                      </p:to>
-                                    </p:set>
-                                  </p:childTnLst>
-                                </p:cTn>
-                              </p:par>
-                            </p:childTnLst>
-                          </p:cTn>
-                        </p:par>
-                      </p:childTnLst>
-                    </p:cTn>
-                  </p:par>
-                  <p:par>
-                    <p:cTn id="39" fill="hold">
-                      <p:stCondLst>
-                        <p:cond delay="indefinite"/>
-                      </p:stCondLst>
-                      <p:childTnLst>
-                        <p:par>
-                          <p:cTn id="40" fill="hold">
-                            <p:stCondLst>
-                              <p:cond delay="0"/>
-                            </p:stCondLst>
-                            <p:childTnLst>
-                              <p:par>
-                                <p:cTn id="41" presetID="1" presetClass="entr" presetSubtype="0" fill="hold" grpId="0" nodeType="clickEffect">
-                                  <p:stCondLst>
-                                    <p:cond delay="0"/>
-                                  </p:stCondLst>
-                                  <p:childTnLst>
-                                    <p:set>
-                                      <p:cBhvr>
-                                        <p:cTn id="42" dur="1" fill="hold">
                                           <p:stCondLst>
                                             <p:cond delay="0"/>
                                           </p:stCondLst>
@@ -12215,7 +12179,7 @@
       </p:par>
     </p:tnLst>
     <p:bldLst>
-      <p:bldP spid="4" grpId="0" build="p"/>
+      <p:bldP spid="4" grpId="0" build="allAtOnce"/>
       <p:bldP spid="11" grpId="0"/>
       <p:bldP spid="12" grpId="0"/>
       <p:bldP spid="13" grpId="0"/>
@@ -12871,6 +12835,1248 @@
           </a:p>
         </p:txBody>
       </p:sp>
+      <mc:AlternateContent xmlns:mc="http://schemas.openxmlformats.org/markup-compatibility/2006">
+        <mc:Choice xmlns:a14="http://schemas.microsoft.com/office/drawing/2010/main" Requires="a14">
+          <p:sp>
+            <p:nvSpPr>
+              <p:cNvPr id="4" name="TextBox 3">
+                <a:extLst>
+                  <a:ext uri="{FF2B5EF4-FFF2-40B4-BE49-F238E27FC236}">
+                    <a16:creationId xmlns:a16="http://schemas.microsoft.com/office/drawing/2014/main" id="{4094E184-2571-6337-B725-85A045CE757D}"/>
+                  </a:ext>
+                </a:extLst>
+              </p:cNvPr>
+              <p:cNvSpPr txBox="1"/>
+              <p:nvPr/>
+            </p:nvSpPr>
+            <p:spPr>
+              <a:xfrm>
+                <a:off x="5209250" y="1316310"/>
+                <a:ext cx="1773499" cy="276999"/>
+              </a:xfrm>
+              <a:prstGeom prst="rect">
+                <a:avLst/>
+              </a:prstGeom>
+              <a:noFill/>
+            </p:spPr>
+            <p:txBody>
+              <a:bodyPr wrap="none" lIns="0" tIns="0" rIns="0" bIns="0" rtlCol="0">
+                <a:spAutoFit/>
+              </a:bodyPr>
+              <a:lstStyle/>
+              <a:p>
+                <a14:m>
+                  <m:oMathPara xmlns:m="http://schemas.openxmlformats.org/officeDocument/2006/math">
+                    <m:oMathParaPr>
+                      <m:jc m:val="centerGroup"/>
+                    </m:oMathParaPr>
+                    <m:oMath xmlns:m="http://schemas.openxmlformats.org/officeDocument/2006/math">
+                      <m:r>
+                        <a:rPr lang="en-GB" b="0" i="1" smtClean="0">
+                          <a:latin typeface="Cambria Math" panose="02040503050406030204" pitchFamily="18" charset="0"/>
+                        </a:rPr>
+                        <m:t>(</m:t>
+                      </m:r>
+                      <m:r>
+                        <a:rPr lang="en-GB" b="0" i="1" smtClean="0">
+                          <a:latin typeface="Cambria Math" panose="02040503050406030204" pitchFamily="18" charset="0"/>
+                        </a:rPr>
+                        <m:t>𝑎</m:t>
+                      </m:r>
+                      <m:r>
+                        <a:rPr lang="en-GB" b="0" i="1" smtClean="0">
+                          <a:latin typeface="Cambria Math" panose="02040503050406030204" pitchFamily="18" charset="0"/>
+                          <a:ea typeface="Cambria Math" panose="02040503050406030204" pitchFamily="18" charset="0"/>
+                        </a:rPr>
+                        <m:t>⋁</m:t>
+                      </m:r>
+                      <m:r>
+                        <a:rPr lang="en-GB" b="0" i="1" smtClean="0">
+                          <a:latin typeface="Cambria Math" panose="02040503050406030204" pitchFamily="18" charset="0"/>
+                          <a:ea typeface="Cambria Math" panose="02040503050406030204" pitchFamily="18" charset="0"/>
+                        </a:rPr>
+                        <m:t>𝑏</m:t>
+                      </m:r>
+                      <m:r>
+                        <a:rPr lang="en-GB" b="0" i="1" smtClean="0">
+                          <a:latin typeface="Cambria Math" panose="02040503050406030204" pitchFamily="18" charset="0"/>
+                        </a:rPr>
+                        <m:t>)</m:t>
+                      </m:r>
+                      <m:r>
+                        <a:rPr lang="en-GB" b="0" i="1" smtClean="0">
+                          <a:latin typeface="Cambria Math" panose="02040503050406030204" pitchFamily="18" charset="0"/>
+                          <a:ea typeface="Cambria Math" panose="02040503050406030204" pitchFamily="18" charset="0"/>
+                        </a:rPr>
+                        <m:t>⋀(¬</m:t>
+                      </m:r>
+                      <m:r>
+                        <a:rPr lang="en-GB" b="0" i="1" smtClean="0">
+                          <a:latin typeface="Cambria Math" panose="02040503050406030204" pitchFamily="18" charset="0"/>
+                          <a:ea typeface="Cambria Math" panose="02040503050406030204" pitchFamily="18" charset="0"/>
+                        </a:rPr>
+                        <m:t>𝑎</m:t>
+                      </m:r>
+                      <m:r>
+                        <a:rPr lang="en-GB" b="0" i="1" smtClean="0">
+                          <a:latin typeface="Cambria Math" panose="02040503050406030204" pitchFamily="18" charset="0"/>
+                          <a:ea typeface="Cambria Math" panose="02040503050406030204" pitchFamily="18" charset="0"/>
+                        </a:rPr>
+                        <m:t>⋁¬</m:t>
+                      </m:r>
+                      <m:r>
+                        <a:rPr lang="en-GB" b="0" i="1" smtClean="0">
+                          <a:latin typeface="Cambria Math" panose="02040503050406030204" pitchFamily="18" charset="0"/>
+                          <a:ea typeface="Cambria Math" panose="02040503050406030204" pitchFamily="18" charset="0"/>
+                        </a:rPr>
+                        <m:t>𝑏</m:t>
+                      </m:r>
+                      <m:r>
+                        <a:rPr lang="en-GB" b="0" i="1" smtClean="0">
+                          <a:latin typeface="Cambria Math" panose="02040503050406030204" pitchFamily="18" charset="0"/>
+                          <a:ea typeface="Cambria Math" panose="02040503050406030204" pitchFamily="18" charset="0"/>
+                        </a:rPr>
+                        <m:t>)</m:t>
+                      </m:r>
+                    </m:oMath>
+                  </m:oMathPara>
+                </a14:m>
+                <a:endParaRPr lang="en-GB" dirty="0"/>
+              </a:p>
+            </p:txBody>
+          </p:sp>
+        </mc:Choice>
+        <mc:Fallback>
+          <p:sp>
+            <p:nvSpPr>
+              <p:cNvPr id="4" name="TextBox 3">
+                <a:extLst>
+                  <a:ext uri="{FF2B5EF4-FFF2-40B4-BE49-F238E27FC236}">
+                    <a16:creationId xmlns:a16="http://schemas.microsoft.com/office/drawing/2014/main" id="{4094E184-2571-6337-B725-85A045CE757D}"/>
+                  </a:ext>
+                </a:extLst>
+              </p:cNvPr>
+              <p:cNvSpPr txBox="1">
+                <a:spLocks noRot="1" noChangeAspect="1" noMove="1" noResize="1" noEditPoints="1" noAdjustHandles="1" noChangeArrowheads="1" noChangeShapeType="1" noTextEdit="1"/>
+              </p:cNvSpPr>
+              <p:nvPr/>
+            </p:nvSpPr>
+            <p:spPr>
+              <a:xfrm>
+                <a:off x="5209250" y="1316310"/>
+                <a:ext cx="1773499" cy="276999"/>
+              </a:xfrm>
+              <a:prstGeom prst="rect">
+                <a:avLst/>
+              </a:prstGeom>
+              <a:blipFill>
+                <a:blip r:embed="rId2"/>
+                <a:stretch>
+                  <a:fillRect l="-4138" t="-2222" r="-4828" b="-35556"/>
+                </a:stretch>
+              </a:blipFill>
+            </p:spPr>
+            <p:txBody>
+              <a:bodyPr/>
+              <a:lstStyle/>
+              <a:p>
+                <a:r>
+                  <a:rPr lang="en-GB">
+                    <a:noFill/>
+                  </a:rPr>
+                  <a:t> </a:t>
+                </a:r>
+              </a:p>
+            </p:txBody>
+          </p:sp>
+        </mc:Fallback>
+      </mc:AlternateContent>
+      <mc:AlternateContent xmlns:mc="http://schemas.openxmlformats.org/markup-compatibility/2006">
+        <mc:Choice xmlns:a14="http://schemas.microsoft.com/office/drawing/2010/main" Requires="a14">
+          <p:graphicFrame>
+            <p:nvGraphicFramePr>
+              <p:cNvPr id="5" name="Table 5">
+                <a:extLst>
+                  <a:ext uri="{FF2B5EF4-FFF2-40B4-BE49-F238E27FC236}">
+                    <a16:creationId xmlns:a16="http://schemas.microsoft.com/office/drawing/2014/main" id="{7B3BEE8B-C9EA-911D-211F-A795225D1D63}"/>
+                  </a:ext>
+                </a:extLst>
+              </p:cNvPr>
+              <p:cNvGraphicFramePr>
+                <a:graphicFrameLocks noGrp="1"/>
+              </p:cNvGraphicFramePr>
+              <p:nvPr>
+                <p:extLst>
+                  <p:ext uri="{D42A27DB-BD31-4B8C-83A1-F6EECF244321}">
+                    <p14:modId xmlns:p14="http://schemas.microsoft.com/office/powerpoint/2010/main" val="64941223"/>
+                  </p:ext>
+                </p:extLst>
+              </p:nvPr>
+            </p:nvGraphicFramePr>
+            <p:xfrm>
+              <a:off x="1596000" y="2504077"/>
+              <a:ext cx="9000000" cy="2103120"/>
+            </p:xfrm>
+            <a:graphic>
+              <a:graphicData uri="http://schemas.openxmlformats.org/drawingml/2006/table">
+                <a:tbl>
+                  <a:tblPr firstRow="1" bandRow="1">
+                    <a:tableStyleId>{E8B1032C-EA38-4F05-BA0D-38AFFFC7BED3}</a:tableStyleId>
+                  </a:tblPr>
+                  <a:tblGrid>
+                    <a:gridCol w="1800000">
+                      <a:extLst>
+                        <a:ext uri="{9D8B030D-6E8A-4147-A177-3AD203B41FA5}">
+                          <a16:colId xmlns:a16="http://schemas.microsoft.com/office/drawing/2014/main" val="2912409651"/>
+                        </a:ext>
+                      </a:extLst>
+                    </a:gridCol>
+                    <a:gridCol w="1800000">
+                      <a:extLst>
+                        <a:ext uri="{9D8B030D-6E8A-4147-A177-3AD203B41FA5}">
+                          <a16:colId xmlns:a16="http://schemas.microsoft.com/office/drawing/2014/main" val="3180865372"/>
+                        </a:ext>
+                      </a:extLst>
+                    </a:gridCol>
+                    <a:gridCol w="1800000">
+                      <a:extLst>
+                        <a:ext uri="{9D8B030D-6E8A-4147-A177-3AD203B41FA5}">
+                          <a16:colId xmlns:a16="http://schemas.microsoft.com/office/drawing/2014/main" val="1221053777"/>
+                        </a:ext>
+                      </a:extLst>
+                    </a:gridCol>
+                    <a:gridCol w="1800000">
+                      <a:extLst>
+                        <a:ext uri="{9D8B030D-6E8A-4147-A177-3AD203B41FA5}">
+                          <a16:colId xmlns:a16="http://schemas.microsoft.com/office/drawing/2014/main" val="3084593173"/>
+                        </a:ext>
+                      </a:extLst>
+                    </a:gridCol>
+                    <a:gridCol w="1800000">
+                      <a:extLst>
+                        <a:ext uri="{9D8B030D-6E8A-4147-A177-3AD203B41FA5}">
+                          <a16:colId xmlns:a16="http://schemas.microsoft.com/office/drawing/2014/main" val="599154663"/>
+                        </a:ext>
+                      </a:extLst>
+                    </a:gridCol>
+                  </a:tblGrid>
+                  <a:tr h="180000">
+                    <a:tc>
+                      <a:txBody>
+                        <a:bodyPr/>
+                        <a:lstStyle/>
+                        <a:p>
+                          <a14:m>
+                            <m:oMathPara xmlns:m="http://schemas.openxmlformats.org/officeDocument/2006/math">
+                              <m:oMathParaPr>
+                                <m:jc m:val="centerGroup"/>
+                              </m:oMathParaPr>
+                              <m:oMath xmlns:m="http://schemas.openxmlformats.org/officeDocument/2006/math">
+                                <m:r>
+                                  <a:rPr lang="en-GB" b="0" i="1" smtClean="0">
+                                    <a:latin typeface="Cambria Math" panose="02040503050406030204" pitchFamily="18" charset="0"/>
+                                  </a:rPr>
+                                  <m:t>𝑎</m:t>
+                                </m:r>
+                              </m:oMath>
+                            </m:oMathPara>
+                          </a14:m>
+                          <a:endParaRPr lang="en-GB" dirty="0"/>
+                        </a:p>
+                      </a:txBody>
+                      <a:tcPr/>
+                    </a:tc>
+                    <a:tc>
+                      <a:txBody>
+                        <a:bodyPr/>
+                        <a:lstStyle/>
+                        <a:p>
+                          <a14:m>
+                            <m:oMathPara xmlns:m="http://schemas.openxmlformats.org/officeDocument/2006/math">
+                              <m:oMathParaPr>
+                                <m:jc m:val="centerGroup"/>
+                              </m:oMathParaPr>
+                              <m:oMath xmlns:m="http://schemas.openxmlformats.org/officeDocument/2006/math">
+                                <m:r>
+                                  <a:rPr lang="en-GB" b="0" i="1" smtClean="0">
+                                    <a:latin typeface="Cambria Math" panose="02040503050406030204" pitchFamily="18" charset="0"/>
+                                    <a:ea typeface="Cambria Math" panose="02040503050406030204" pitchFamily="18" charset="0"/>
+                                  </a:rPr>
+                                  <m:t>𝑏</m:t>
+                                </m:r>
+                              </m:oMath>
+                            </m:oMathPara>
+                          </a14:m>
+                          <a:endParaRPr lang="en-GB" dirty="0"/>
+                        </a:p>
+                      </a:txBody>
+                      <a:tcPr/>
+                    </a:tc>
+                    <a:tc>
+                      <a:txBody>
+                        <a:bodyPr/>
+                        <a:lstStyle/>
+                        <a:p>
+                          <a14:m>
+                            <m:oMathPara xmlns:m="http://schemas.openxmlformats.org/officeDocument/2006/math">
+                              <m:oMathParaPr>
+                                <m:jc m:val="centerGroup"/>
+                              </m:oMathParaPr>
+                              <m:oMath xmlns:m="http://schemas.openxmlformats.org/officeDocument/2006/math">
+                                <m:r>
+                                  <a:rPr lang="en-GB" b="0" i="1" smtClean="0">
+                                    <a:latin typeface="Cambria Math" panose="02040503050406030204" pitchFamily="18" charset="0"/>
+                                  </a:rPr>
+                                  <m:t>(</m:t>
+                                </m:r>
+                                <m:r>
+                                  <a:rPr lang="en-GB" b="0" i="1" smtClean="0">
+                                    <a:latin typeface="Cambria Math" panose="02040503050406030204" pitchFamily="18" charset="0"/>
+                                  </a:rPr>
+                                  <m:t>𝑎</m:t>
+                                </m:r>
+                                <m:r>
+                                  <a:rPr lang="en-GB" b="0" i="1" smtClean="0">
+                                    <a:latin typeface="Cambria Math" panose="02040503050406030204" pitchFamily="18" charset="0"/>
+                                    <a:ea typeface="Cambria Math" panose="02040503050406030204" pitchFamily="18" charset="0"/>
+                                  </a:rPr>
+                                  <m:t>⋁</m:t>
+                                </m:r>
+                                <m:r>
+                                  <a:rPr lang="en-GB" b="0" i="1" smtClean="0">
+                                    <a:latin typeface="Cambria Math" panose="02040503050406030204" pitchFamily="18" charset="0"/>
+                                    <a:ea typeface="Cambria Math" panose="02040503050406030204" pitchFamily="18" charset="0"/>
+                                  </a:rPr>
+                                  <m:t>𝑏</m:t>
+                                </m:r>
+                                <m:r>
+                                  <a:rPr lang="en-GB" b="0" i="1" smtClean="0">
+                                    <a:latin typeface="Cambria Math" panose="02040503050406030204" pitchFamily="18" charset="0"/>
+                                  </a:rPr>
+                                  <m:t>)</m:t>
+                                </m:r>
+                              </m:oMath>
+                            </m:oMathPara>
+                          </a14:m>
+                          <a:endParaRPr lang="en-GB" dirty="0"/>
+                        </a:p>
+                      </a:txBody>
+                      <a:tcPr/>
+                    </a:tc>
+                    <a:tc>
+                      <a:txBody>
+                        <a:bodyPr/>
+                        <a:lstStyle/>
+                        <a:p>
+                          <a14:m>
+                            <m:oMathPara xmlns:m="http://schemas.openxmlformats.org/officeDocument/2006/math">
+                              <m:oMathParaPr>
+                                <m:jc m:val="centerGroup"/>
+                              </m:oMathParaPr>
+                              <m:oMath xmlns:m="http://schemas.openxmlformats.org/officeDocument/2006/math">
+                                <m:r>
+                                  <a:rPr lang="en-GB" b="0" i="1" smtClean="0">
+                                    <a:latin typeface="Cambria Math" panose="02040503050406030204" pitchFamily="18" charset="0"/>
+                                    <a:ea typeface="Cambria Math" panose="02040503050406030204" pitchFamily="18" charset="0"/>
+                                  </a:rPr>
+                                  <m:t>(¬</m:t>
+                                </m:r>
+                                <m:r>
+                                  <a:rPr lang="en-GB" b="0" i="1" smtClean="0">
+                                    <a:latin typeface="Cambria Math" panose="02040503050406030204" pitchFamily="18" charset="0"/>
+                                    <a:ea typeface="Cambria Math" panose="02040503050406030204" pitchFamily="18" charset="0"/>
+                                  </a:rPr>
+                                  <m:t>𝑎</m:t>
+                                </m:r>
+                                <m:r>
+                                  <a:rPr lang="en-GB" b="0" i="1" smtClean="0">
+                                    <a:latin typeface="Cambria Math" panose="02040503050406030204" pitchFamily="18" charset="0"/>
+                                    <a:ea typeface="Cambria Math" panose="02040503050406030204" pitchFamily="18" charset="0"/>
+                                  </a:rPr>
+                                  <m:t>⋁¬</m:t>
+                                </m:r>
+                                <m:r>
+                                  <a:rPr lang="en-GB" b="0" i="1" smtClean="0">
+                                    <a:latin typeface="Cambria Math" panose="02040503050406030204" pitchFamily="18" charset="0"/>
+                                    <a:ea typeface="Cambria Math" panose="02040503050406030204" pitchFamily="18" charset="0"/>
+                                  </a:rPr>
+                                  <m:t>𝑏</m:t>
+                                </m:r>
+                                <m:r>
+                                  <a:rPr lang="en-GB" b="0" i="1" smtClean="0">
+                                    <a:latin typeface="Cambria Math" panose="02040503050406030204" pitchFamily="18" charset="0"/>
+                                    <a:ea typeface="Cambria Math" panose="02040503050406030204" pitchFamily="18" charset="0"/>
+                                  </a:rPr>
+                                  <m:t>)</m:t>
+                                </m:r>
+                              </m:oMath>
+                            </m:oMathPara>
+                          </a14:m>
+                          <a:endParaRPr lang="en-GB" dirty="0"/>
+                        </a:p>
+                      </a:txBody>
+                      <a:tcPr/>
+                    </a:tc>
+                    <a:tc>
+                      <a:txBody>
+                        <a:bodyPr/>
+                        <a:lstStyle/>
+                        <a:p>
+                          <a:pPr marL="0" marR="0" lvl="0" indent="0" algn="l" defTabSz="914400" rtl="0" eaLnBrk="1" fontAlgn="auto" latinLnBrk="0" hangingPunct="1">
+                            <a:lnSpc>
+                              <a:spcPct val="100000"/>
+                            </a:lnSpc>
+                            <a:spcBef>
+                              <a:spcPts val="0"/>
+                            </a:spcBef>
+                            <a:spcAft>
+                              <a:spcPts val="0"/>
+                            </a:spcAft>
+                            <a:buClrTx/>
+                            <a:buSzTx/>
+                            <a:buFontTx/>
+                            <a:buNone/>
+                            <a:tabLst/>
+                            <a:defRPr/>
+                          </a:pPr>
+                          <a14:m>
+                            <m:oMathPara xmlns:m="http://schemas.openxmlformats.org/officeDocument/2006/math">
+                              <m:oMathParaPr>
+                                <m:jc m:val="centerGroup"/>
+                              </m:oMathParaPr>
+                              <m:oMath xmlns:m="http://schemas.openxmlformats.org/officeDocument/2006/math">
+                                <m:r>
+                                  <a:rPr lang="en-GB" b="0" i="1" smtClean="0">
+                                    <a:latin typeface="Cambria Math" panose="02040503050406030204" pitchFamily="18" charset="0"/>
+                                  </a:rPr>
+                                  <m:t>(</m:t>
+                                </m:r>
+                                <m:r>
+                                  <a:rPr lang="en-GB" b="0" i="1" smtClean="0">
+                                    <a:latin typeface="Cambria Math" panose="02040503050406030204" pitchFamily="18" charset="0"/>
+                                  </a:rPr>
+                                  <m:t>𝑎</m:t>
+                                </m:r>
+                                <m:r>
+                                  <a:rPr lang="en-GB" b="0" i="1" smtClean="0">
+                                    <a:latin typeface="Cambria Math" panose="02040503050406030204" pitchFamily="18" charset="0"/>
+                                    <a:ea typeface="Cambria Math" panose="02040503050406030204" pitchFamily="18" charset="0"/>
+                                  </a:rPr>
+                                  <m:t>⋁</m:t>
+                                </m:r>
+                                <m:r>
+                                  <a:rPr lang="en-GB" b="0" i="1" smtClean="0">
+                                    <a:latin typeface="Cambria Math" panose="02040503050406030204" pitchFamily="18" charset="0"/>
+                                    <a:ea typeface="Cambria Math" panose="02040503050406030204" pitchFamily="18" charset="0"/>
+                                  </a:rPr>
+                                  <m:t>𝑏</m:t>
+                                </m:r>
+                                <m:r>
+                                  <a:rPr lang="en-GB" b="0" i="1" smtClean="0">
+                                    <a:latin typeface="Cambria Math" panose="02040503050406030204" pitchFamily="18" charset="0"/>
+                                  </a:rPr>
+                                  <m:t>)</m:t>
+                                </m:r>
+                                <m:r>
+                                  <a:rPr lang="en-GB" b="0" i="1" smtClean="0">
+                                    <a:latin typeface="Cambria Math" panose="02040503050406030204" pitchFamily="18" charset="0"/>
+                                    <a:ea typeface="Cambria Math" panose="02040503050406030204" pitchFamily="18" charset="0"/>
+                                  </a:rPr>
+                                  <m:t>⋀(¬</m:t>
+                                </m:r>
+                                <m:r>
+                                  <a:rPr lang="en-GB" b="0" i="1" smtClean="0">
+                                    <a:latin typeface="Cambria Math" panose="02040503050406030204" pitchFamily="18" charset="0"/>
+                                    <a:ea typeface="Cambria Math" panose="02040503050406030204" pitchFamily="18" charset="0"/>
+                                  </a:rPr>
+                                  <m:t>𝑎</m:t>
+                                </m:r>
+                                <m:r>
+                                  <a:rPr lang="en-GB" b="0" i="1" smtClean="0">
+                                    <a:latin typeface="Cambria Math" panose="02040503050406030204" pitchFamily="18" charset="0"/>
+                                    <a:ea typeface="Cambria Math" panose="02040503050406030204" pitchFamily="18" charset="0"/>
+                                  </a:rPr>
+                                  <m:t>⋁¬</m:t>
+                                </m:r>
+                                <m:r>
+                                  <a:rPr lang="en-GB" b="0" i="1" smtClean="0">
+                                    <a:latin typeface="Cambria Math" panose="02040503050406030204" pitchFamily="18" charset="0"/>
+                                    <a:ea typeface="Cambria Math" panose="02040503050406030204" pitchFamily="18" charset="0"/>
+                                  </a:rPr>
+                                  <m:t>𝑏</m:t>
+                                </m:r>
+                                <m:r>
+                                  <a:rPr lang="en-GB" b="0" i="1" smtClean="0">
+                                    <a:latin typeface="Cambria Math" panose="02040503050406030204" pitchFamily="18" charset="0"/>
+                                    <a:ea typeface="Cambria Math" panose="02040503050406030204" pitchFamily="18" charset="0"/>
+                                  </a:rPr>
+                                  <m:t>)</m:t>
+                                </m:r>
+                              </m:oMath>
+                            </m:oMathPara>
+                          </a14:m>
+                          <a:endParaRPr lang="en-GB" dirty="0"/>
+                        </a:p>
+                        <a:p>
+                          <a:pPr algn="ctr"/>
+                          <a:endParaRPr lang="en-GB" dirty="0"/>
+                        </a:p>
+                      </a:txBody>
+                      <a:tcPr/>
+                    </a:tc>
+                    <a:extLst>
+                      <a:ext uri="{0D108BD9-81ED-4DB2-BD59-A6C34878D82A}">
+                        <a16:rowId xmlns:a16="http://schemas.microsoft.com/office/drawing/2014/main" val="3148394221"/>
+                      </a:ext>
+                    </a:extLst>
+                  </a:tr>
+                  <a:tr h="180000">
+                    <a:tc>
+                      <a:txBody>
+                        <a:bodyPr/>
+                        <a:lstStyle/>
+                        <a:p>
+                          <a:r>
+                            <a:rPr lang="en-GB" dirty="0"/>
+                            <a:t>F</a:t>
+                          </a:r>
+                        </a:p>
+                      </a:txBody>
+                      <a:tcPr/>
+                    </a:tc>
+                    <a:tc>
+                      <a:txBody>
+                        <a:bodyPr/>
+                        <a:lstStyle/>
+                        <a:p>
+                          <a:r>
+                            <a:rPr lang="en-GB" dirty="0"/>
+                            <a:t>F</a:t>
+                          </a:r>
+                        </a:p>
+                      </a:txBody>
+                      <a:tcPr/>
+                    </a:tc>
+                    <a:tc>
+                      <a:txBody>
+                        <a:bodyPr/>
+                        <a:lstStyle/>
+                        <a:p>
+                          <a:r>
+                            <a:rPr lang="en-GB" dirty="0"/>
+                            <a:t>F</a:t>
+                          </a:r>
+                        </a:p>
+                      </a:txBody>
+                      <a:tcPr/>
+                    </a:tc>
+                    <a:tc>
+                      <a:txBody>
+                        <a:bodyPr/>
+                        <a:lstStyle/>
+                        <a:p>
+                          <a:r>
+                            <a:rPr lang="en-GB" dirty="0"/>
+                            <a:t>T</a:t>
+                          </a:r>
+                        </a:p>
+                      </a:txBody>
+                      <a:tcPr/>
+                    </a:tc>
+                    <a:tc>
+                      <a:txBody>
+                        <a:bodyPr/>
+                        <a:lstStyle/>
+                        <a:p>
+                          <a:r>
+                            <a:rPr lang="en-GB" dirty="0"/>
+                            <a:t>F</a:t>
+                          </a:r>
+                        </a:p>
+                      </a:txBody>
+                      <a:tcPr/>
+                    </a:tc>
+                    <a:extLst>
+                      <a:ext uri="{0D108BD9-81ED-4DB2-BD59-A6C34878D82A}">
+                        <a16:rowId xmlns:a16="http://schemas.microsoft.com/office/drawing/2014/main" val="3762894956"/>
+                      </a:ext>
+                    </a:extLst>
+                  </a:tr>
+                  <a:tr h="180000">
+                    <a:tc>
+                      <a:txBody>
+                        <a:bodyPr/>
+                        <a:lstStyle/>
+                        <a:p>
+                          <a:r>
+                            <a:rPr lang="en-GB" dirty="0"/>
+                            <a:t>F</a:t>
+                          </a:r>
+                        </a:p>
+                      </a:txBody>
+                      <a:tcPr/>
+                    </a:tc>
+                    <a:tc>
+                      <a:txBody>
+                        <a:bodyPr/>
+                        <a:lstStyle/>
+                        <a:p>
+                          <a:r>
+                            <a:rPr lang="en-GB" dirty="0"/>
+                            <a:t>T</a:t>
+                          </a:r>
+                        </a:p>
+                      </a:txBody>
+                      <a:tcPr/>
+                    </a:tc>
+                    <a:tc>
+                      <a:txBody>
+                        <a:bodyPr/>
+                        <a:lstStyle/>
+                        <a:p>
+                          <a:r>
+                            <a:rPr lang="en-GB" dirty="0"/>
+                            <a:t>T</a:t>
+                          </a:r>
+                        </a:p>
+                      </a:txBody>
+                      <a:tcPr/>
+                    </a:tc>
+                    <a:tc>
+                      <a:txBody>
+                        <a:bodyPr/>
+                        <a:lstStyle/>
+                        <a:p>
+                          <a:r>
+                            <a:rPr lang="en-GB" dirty="0"/>
+                            <a:t>T</a:t>
+                          </a:r>
+                        </a:p>
+                      </a:txBody>
+                      <a:tcPr/>
+                    </a:tc>
+                    <a:tc>
+                      <a:txBody>
+                        <a:bodyPr/>
+                        <a:lstStyle/>
+                        <a:p>
+                          <a:r>
+                            <a:rPr lang="en-GB" dirty="0"/>
+                            <a:t>T</a:t>
+                          </a:r>
+                        </a:p>
+                      </a:txBody>
+                      <a:tcPr/>
+                    </a:tc>
+                    <a:extLst>
+                      <a:ext uri="{0D108BD9-81ED-4DB2-BD59-A6C34878D82A}">
+                        <a16:rowId xmlns:a16="http://schemas.microsoft.com/office/drawing/2014/main" val="406990716"/>
+                      </a:ext>
+                    </a:extLst>
+                  </a:tr>
+                  <a:tr h="180000">
+                    <a:tc>
+                      <a:txBody>
+                        <a:bodyPr/>
+                        <a:lstStyle/>
+                        <a:p>
+                          <a:r>
+                            <a:rPr lang="en-GB" dirty="0"/>
+                            <a:t>T</a:t>
+                          </a:r>
+                        </a:p>
+                      </a:txBody>
+                      <a:tcPr/>
+                    </a:tc>
+                    <a:tc>
+                      <a:txBody>
+                        <a:bodyPr/>
+                        <a:lstStyle/>
+                        <a:p>
+                          <a:r>
+                            <a:rPr lang="en-GB" dirty="0"/>
+                            <a:t>F</a:t>
+                          </a:r>
+                        </a:p>
+                      </a:txBody>
+                      <a:tcPr/>
+                    </a:tc>
+                    <a:tc>
+                      <a:txBody>
+                        <a:bodyPr/>
+                        <a:lstStyle/>
+                        <a:p>
+                          <a:r>
+                            <a:rPr lang="en-GB" dirty="0"/>
+                            <a:t>T</a:t>
+                          </a:r>
+                        </a:p>
+                      </a:txBody>
+                      <a:tcPr/>
+                    </a:tc>
+                    <a:tc>
+                      <a:txBody>
+                        <a:bodyPr/>
+                        <a:lstStyle/>
+                        <a:p>
+                          <a:r>
+                            <a:rPr lang="en-GB" dirty="0"/>
+                            <a:t>T</a:t>
+                          </a:r>
+                        </a:p>
+                      </a:txBody>
+                      <a:tcPr/>
+                    </a:tc>
+                    <a:tc>
+                      <a:txBody>
+                        <a:bodyPr/>
+                        <a:lstStyle/>
+                        <a:p>
+                          <a:r>
+                            <a:rPr lang="en-GB" dirty="0"/>
+                            <a:t>T</a:t>
+                          </a:r>
+                        </a:p>
+                      </a:txBody>
+                      <a:tcPr/>
+                    </a:tc>
+                    <a:extLst>
+                      <a:ext uri="{0D108BD9-81ED-4DB2-BD59-A6C34878D82A}">
+                        <a16:rowId xmlns:a16="http://schemas.microsoft.com/office/drawing/2014/main" val="114166029"/>
+                      </a:ext>
+                    </a:extLst>
+                  </a:tr>
+                  <a:tr h="180000">
+                    <a:tc>
+                      <a:txBody>
+                        <a:bodyPr/>
+                        <a:lstStyle/>
+                        <a:p>
+                          <a:r>
+                            <a:rPr lang="en-GB" dirty="0"/>
+                            <a:t>T</a:t>
+                          </a:r>
+                        </a:p>
+                      </a:txBody>
+                      <a:tcPr/>
+                    </a:tc>
+                    <a:tc>
+                      <a:txBody>
+                        <a:bodyPr/>
+                        <a:lstStyle/>
+                        <a:p>
+                          <a:r>
+                            <a:rPr lang="en-GB" dirty="0"/>
+                            <a:t>T</a:t>
+                          </a:r>
+                        </a:p>
+                      </a:txBody>
+                      <a:tcPr/>
+                    </a:tc>
+                    <a:tc>
+                      <a:txBody>
+                        <a:bodyPr/>
+                        <a:lstStyle/>
+                        <a:p>
+                          <a:r>
+                            <a:rPr lang="en-GB" dirty="0"/>
+                            <a:t>T</a:t>
+                          </a:r>
+                        </a:p>
+                      </a:txBody>
+                      <a:tcPr/>
+                    </a:tc>
+                    <a:tc>
+                      <a:txBody>
+                        <a:bodyPr/>
+                        <a:lstStyle/>
+                        <a:p>
+                          <a:r>
+                            <a:rPr lang="en-GB" dirty="0"/>
+                            <a:t>F</a:t>
+                          </a:r>
+                        </a:p>
+                      </a:txBody>
+                      <a:tcPr/>
+                    </a:tc>
+                    <a:tc>
+                      <a:txBody>
+                        <a:bodyPr/>
+                        <a:lstStyle/>
+                        <a:p>
+                          <a:r>
+                            <a:rPr lang="en-GB" dirty="0"/>
+                            <a:t>F</a:t>
+                          </a:r>
+                        </a:p>
+                      </a:txBody>
+                      <a:tcPr/>
+                    </a:tc>
+                    <a:extLst>
+                      <a:ext uri="{0D108BD9-81ED-4DB2-BD59-A6C34878D82A}">
+                        <a16:rowId xmlns:a16="http://schemas.microsoft.com/office/drawing/2014/main" val="3403096444"/>
+                      </a:ext>
+                    </a:extLst>
+                  </a:tr>
+                </a:tbl>
+              </a:graphicData>
+            </a:graphic>
+          </p:graphicFrame>
+        </mc:Choice>
+        <mc:Fallback>
+          <p:graphicFrame>
+            <p:nvGraphicFramePr>
+              <p:cNvPr id="5" name="Table 5">
+                <a:extLst>
+                  <a:ext uri="{FF2B5EF4-FFF2-40B4-BE49-F238E27FC236}">
+                    <a16:creationId xmlns:a16="http://schemas.microsoft.com/office/drawing/2014/main" id="{7B3BEE8B-C9EA-911D-211F-A795225D1D63}"/>
+                  </a:ext>
+                </a:extLst>
+              </p:cNvPr>
+              <p:cNvGraphicFramePr>
+                <a:graphicFrameLocks noGrp="1"/>
+              </p:cNvGraphicFramePr>
+              <p:nvPr>
+                <p:extLst>
+                  <p:ext uri="{D42A27DB-BD31-4B8C-83A1-F6EECF244321}">
+                    <p14:modId xmlns:p14="http://schemas.microsoft.com/office/powerpoint/2010/main" val="64941223"/>
+                  </p:ext>
+                </p:extLst>
+              </p:nvPr>
+            </p:nvGraphicFramePr>
+            <p:xfrm>
+              <a:off x="1596000" y="2504077"/>
+              <a:ext cx="9000000" cy="2103120"/>
+            </p:xfrm>
+            <a:graphic>
+              <a:graphicData uri="http://schemas.openxmlformats.org/drawingml/2006/table">
+                <a:tbl>
+                  <a:tblPr firstRow="1" bandRow="1">
+                    <a:tableStyleId>{E8B1032C-EA38-4F05-BA0D-38AFFFC7BED3}</a:tableStyleId>
+                  </a:tblPr>
+                  <a:tblGrid>
+                    <a:gridCol w="1800000">
+                      <a:extLst>
+                        <a:ext uri="{9D8B030D-6E8A-4147-A177-3AD203B41FA5}">
+                          <a16:colId xmlns:a16="http://schemas.microsoft.com/office/drawing/2014/main" val="2912409651"/>
+                        </a:ext>
+                      </a:extLst>
+                    </a:gridCol>
+                    <a:gridCol w="1800000">
+                      <a:extLst>
+                        <a:ext uri="{9D8B030D-6E8A-4147-A177-3AD203B41FA5}">
+                          <a16:colId xmlns:a16="http://schemas.microsoft.com/office/drawing/2014/main" val="3180865372"/>
+                        </a:ext>
+                      </a:extLst>
+                    </a:gridCol>
+                    <a:gridCol w="1800000">
+                      <a:extLst>
+                        <a:ext uri="{9D8B030D-6E8A-4147-A177-3AD203B41FA5}">
+                          <a16:colId xmlns:a16="http://schemas.microsoft.com/office/drawing/2014/main" val="1221053777"/>
+                        </a:ext>
+                      </a:extLst>
+                    </a:gridCol>
+                    <a:gridCol w="1800000">
+                      <a:extLst>
+                        <a:ext uri="{9D8B030D-6E8A-4147-A177-3AD203B41FA5}">
+                          <a16:colId xmlns:a16="http://schemas.microsoft.com/office/drawing/2014/main" val="3084593173"/>
+                        </a:ext>
+                      </a:extLst>
+                    </a:gridCol>
+                    <a:gridCol w="1800000">
+                      <a:extLst>
+                        <a:ext uri="{9D8B030D-6E8A-4147-A177-3AD203B41FA5}">
+                          <a16:colId xmlns:a16="http://schemas.microsoft.com/office/drawing/2014/main" val="599154663"/>
+                        </a:ext>
+                      </a:extLst>
+                    </a:gridCol>
+                  </a:tblGrid>
+                  <a:tr h="640080">
+                    <a:tc>
+                      <a:txBody>
+                        <a:bodyPr/>
+                        <a:lstStyle/>
+                        <a:p>
+                          <a:endParaRPr lang="en-US"/>
+                        </a:p>
+                      </a:txBody>
+                      <a:tcPr>
+                        <a:blipFill>
+                          <a:blip r:embed="rId3"/>
+                          <a:stretch>
+                            <a:fillRect l="-338" t="-952" r="-400338" b="-244762"/>
+                          </a:stretch>
+                        </a:blipFill>
+                      </a:tcPr>
+                    </a:tc>
+                    <a:tc>
+                      <a:txBody>
+                        <a:bodyPr/>
+                        <a:lstStyle/>
+                        <a:p>
+                          <a:endParaRPr lang="en-US"/>
+                        </a:p>
+                      </a:txBody>
+                      <a:tcPr>
+                        <a:blipFill>
+                          <a:blip r:embed="rId3"/>
+                          <a:stretch>
+                            <a:fillRect l="-100678" t="-952" r="-301695" b="-244762"/>
+                          </a:stretch>
+                        </a:blipFill>
+                      </a:tcPr>
+                    </a:tc>
+                    <a:tc>
+                      <a:txBody>
+                        <a:bodyPr/>
+                        <a:lstStyle/>
+                        <a:p>
+                          <a:endParaRPr lang="en-US"/>
+                        </a:p>
+                      </a:txBody>
+                      <a:tcPr>
+                        <a:blipFill>
+                          <a:blip r:embed="rId3"/>
+                          <a:stretch>
+                            <a:fillRect l="-200000" t="-952" r="-200676" b="-244762"/>
+                          </a:stretch>
+                        </a:blipFill>
+                      </a:tcPr>
+                    </a:tc>
+                    <a:tc>
+                      <a:txBody>
+                        <a:bodyPr/>
+                        <a:lstStyle/>
+                        <a:p>
+                          <a:endParaRPr lang="en-US"/>
+                        </a:p>
+                      </a:txBody>
+                      <a:tcPr>
+                        <a:blipFill>
+                          <a:blip r:embed="rId3"/>
+                          <a:stretch>
+                            <a:fillRect l="-301017" t="-952" r="-101356" b="-244762"/>
+                          </a:stretch>
+                        </a:blipFill>
+                      </a:tcPr>
+                    </a:tc>
+                    <a:tc>
+                      <a:txBody>
+                        <a:bodyPr/>
+                        <a:lstStyle/>
+                        <a:p>
+                          <a:endParaRPr lang="en-US"/>
+                        </a:p>
+                      </a:txBody>
+                      <a:tcPr>
+                        <a:blipFill>
+                          <a:blip r:embed="rId3"/>
+                          <a:stretch>
+                            <a:fillRect l="-399662" t="-952" r="-1014" b="-244762"/>
+                          </a:stretch>
+                        </a:blipFill>
+                      </a:tcPr>
+                    </a:tc>
+                    <a:extLst>
+                      <a:ext uri="{0D108BD9-81ED-4DB2-BD59-A6C34878D82A}">
+                        <a16:rowId xmlns:a16="http://schemas.microsoft.com/office/drawing/2014/main" val="3148394221"/>
+                      </a:ext>
+                    </a:extLst>
+                  </a:tr>
+                  <a:tr h="365760">
+                    <a:tc>
+                      <a:txBody>
+                        <a:bodyPr/>
+                        <a:lstStyle/>
+                        <a:p>
+                          <a:r>
+                            <a:rPr lang="en-GB" dirty="0"/>
+                            <a:t>F</a:t>
+                          </a:r>
+                        </a:p>
+                      </a:txBody>
+                      <a:tcPr/>
+                    </a:tc>
+                    <a:tc>
+                      <a:txBody>
+                        <a:bodyPr/>
+                        <a:lstStyle/>
+                        <a:p>
+                          <a:r>
+                            <a:rPr lang="en-GB" dirty="0"/>
+                            <a:t>F</a:t>
+                          </a:r>
+                        </a:p>
+                      </a:txBody>
+                      <a:tcPr/>
+                    </a:tc>
+                    <a:tc>
+                      <a:txBody>
+                        <a:bodyPr/>
+                        <a:lstStyle/>
+                        <a:p>
+                          <a:r>
+                            <a:rPr lang="en-GB" dirty="0"/>
+                            <a:t>F</a:t>
+                          </a:r>
+                        </a:p>
+                      </a:txBody>
+                      <a:tcPr/>
+                    </a:tc>
+                    <a:tc>
+                      <a:txBody>
+                        <a:bodyPr/>
+                        <a:lstStyle/>
+                        <a:p>
+                          <a:r>
+                            <a:rPr lang="en-GB" dirty="0"/>
+                            <a:t>T</a:t>
+                          </a:r>
+                        </a:p>
+                      </a:txBody>
+                      <a:tcPr/>
+                    </a:tc>
+                    <a:tc>
+                      <a:txBody>
+                        <a:bodyPr/>
+                        <a:lstStyle/>
+                        <a:p>
+                          <a:r>
+                            <a:rPr lang="en-GB" dirty="0"/>
+                            <a:t>F</a:t>
+                          </a:r>
+                        </a:p>
+                      </a:txBody>
+                      <a:tcPr/>
+                    </a:tc>
+                    <a:extLst>
+                      <a:ext uri="{0D108BD9-81ED-4DB2-BD59-A6C34878D82A}">
+                        <a16:rowId xmlns:a16="http://schemas.microsoft.com/office/drawing/2014/main" val="3762894956"/>
+                      </a:ext>
+                    </a:extLst>
+                  </a:tr>
+                  <a:tr h="365760">
+                    <a:tc>
+                      <a:txBody>
+                        <a:bodyPr/>
+                        <a:lstStyle/>
+                        <a:p>
+                          <a:r>
+                            <a:rPr lang="en-GB" dirty="0"/>
+                            <a:t>F</a:t>
+                          </a:r>
+                        </a:p>
+                      </a:txBody>
+                      <a:tcPr/>
+                    </a:tc>
+                    <a:tc>
+                      <a:txBody>
+                        <a:bodyPr/>
+                        <a:lstStyle/>
+                        <a:p>
+                          <a:r>
+                            <a:rPr lang="en-GB" dirty="0"/>
+                            <a:t>T</a:t>
+                          </a:r>
+                        </a:p>
+                      </a:txBody>
+                      <a:tcPr/>
+                    </a:tc>
+                    <a:tc>
+                      <a:txBody>
+                        <a:bodyPr/>
+                        <a:lstStyle/>
+                        <a:p>
+                          <a:r>
+                            <a:rPr lang="en-GB" dirty="0"/>
+                            <a:t>T</a:t>
+                          </a:r>
+                        </a:p>
+                      </a:txBody>
+                      <a:tcPr/>
+                    </a:tc>
+                    <a:tc>
+                      <a:txBody>
+                        <a:bodyPr/>
+                        <a:lstStyle/>
+                        <a:p>
+                          <a:r>
+                            <a:rPr lang="en-GB" dirty="0"/>
+                            <a:t>T</a:t>
+                          </a:r>
+                        </a:p>
+                      </a:txBody>
+                      <a:tcPr/>
+                    </a:tc>
+                    <a:tc>
+                      <a:txBody>
+                        <a:bodyPr/>
+                        <a:lstStyle/>
+                        <a:p>
+                          <a:r>
+                            <a:rPr lang="en-GB" dirty="0"/>
+                            <a:t>T</a:t>
+                          </a:r>
+                        </a:p>
+                      </a:txBody>
+                      <a:tcPr/>
+                    </a:tc>
+                    <a:extLst>
+                      <a:ext uri="{0D108BD9-81ED-4DB2-BD59-A6C34878D82A}">
+                        <a16:rowId xmlns:a16="http://schemas.microsoft.com/office/drawing/2014/main" val="406990716"/>
+                      </a:ext>
+                    </a:extLst>
+                  </a:tr>
+                  <a:tr h="365760">
+                    <a:tc>
+                      <a:txBody>
+                        <a:bodyPr/>
+                        <a:lstStyle/>
+                        <a:p>
+                          <a:r>
+                            <a:rPr lang="en-GB" dirty="0"/>
+                            <a:t>T</a:t>
+                          </a:r>
+                        </a:p>
+                      </a:txBody>
+                      <a:tcPr/>
+                    </a:tc>
+                    <a:tc>
+                      <a:txBody>
+                        <a:bodyPr/>
+                        <a:lstStyle/>
+                        <a:p>
+                          <a:r>
+                            <a:rPr lang="en-GB" dirty="0"/>
+                            <a:t>F</a:t>
+                          </a:r>
+                        </a:p>
+                      </a:txBody>
+                      <a:tcPr/>
+                    </a:tc>
+                    <a:tc>
+                      <a:txBody>
+                        <a:bodyPr/>
+                        <a:lstStyle/>
+                        <a:p>
+                          <a:r>
+                            <a:rPr lang="en-GB" dirty="0"/>
+                            <a:t>T</a:t>
+                          </a:r>
+                        </a:p>
+                      </a:txBody>
+                      <a:tcPr/>
+                    </a:tc>
+                    <a:tc>
+                      <a:txBody>
+                        <a:bodyPr/>
+                        <a:lstStyle/>
+                        <a:p>
+                          <a:r>
+                            <a:rPr lang="en-GB" dirty="0"/>
+                            <a:t>T</a:t>
+                          </a:r>
+                        </a:p>
+                      </a:txBody>
+                      <a:tcPr/>
+                    </a:tc>
+                    <a:tc>
+                      <a:txBody>
+                        <a:bodyPr/>
+                        <a:lstStyle/>
+                        <a:p>
+                          <a:r>
+                            <a:rPr lang="en-GB" dirty="0"/>
+                            <a:t>T</a:t>
+                          </a:r>
+                        </a:p>
+                      </a:txBody>
+                      <a:tcPr/>
+                    </a:tc>
+                    <a:extLst>
+                      <a:ext uri="{0D108BD9-81ED-4DB2-BD59-A6C34878D82A}">
+                        <a16:rowId xmlns:a16="http://schemas.microsoft.com/office/drawing/2014/main" val="114166029"/>
+                      </a:ext>
+                    </a:extLst>
+                  </a:tr>
+                  <a:tr h="365760">
+                    <a:tc>
+                      <a:txBody>
+                        <a:bodyPr/>
+                        <a:lstStyle/>
+                        <a:p>
+                          <a:r>
+                            <a:rPr lang="en-GB" dirty="0"/>
+                            <a:t>T</a:t>
+                          </a:r>
+                        </a:p>
+                      </a:txBody>
+                      <a:tcPr/>
+                    </a:tc>
+                    <a:tc>
+                      <a:txBody>
+                        <a:bodyPr/>
+                        <a:lstStyle/>
+                        <a:p>
+                          <a:r>
+                            <a:rPr lang="en-GB" dirty="0"/>
+                            <a:t>T</a:t>
+                          </a:r>
+                        </a:p>
+                      </a:txBody>
+                      <a:tcPr/>
+                    </a:tc>
+                    <a:tc>
+                      <a:txBody>
+                        <a:bodyPr/>
+                        <a:lstStyle/>
+                        <a:p>
+                          <a:r>
+                            <a:rPr lang="en-GB" dirty="0"/>
+                            <a:t>T</a:t>
+                          </a:r>
+                        </a:p>
+                      </a:txBody>
+                      <a:tcPr/>
+                    </a:tc>
+                    <a:tc>
+                      <a:txBody>
+                        <a:bodyPr/>
+                        <a:lstStyle/>
+                        <a:p>
+                          <a:r>
+                            <a:rPr lang="en-GB" dirty="0"/>
+                            <a:t>F</a:t>
+                          </a:r>
+                        </a:p>
+                      </a:txBody>
+                      <a:tcPr/>
+                    </a:tc>
+                    <a:tc>
+                      <a:txBody>
+                        <a:bodyPr/>
+                        <a:lstStyle/>
+                        <a:p>
+                          <a:r>
+                            <a:rPr lang="en-GB" dirty="0"/>
+                            <a:t>F</a:t>
+                          </a:r>
+                        </a:p>
+                      </a:txBody>
+                      <a:tcPr/>
+                    </a:tc>
+                    <a:extLst>
+                      <a:ext uri="{0D108BD9-81ED-4DB2-BD59-A6C34878D82A}">
+                        <a16:rowId xmlns:a16="http://schemas.microsoft.com/office/drawing/2014/main" val="3403096444"/>
+                      </a:ext>
+                    </a:extLst>
+                  </a:tr>
+                </a:tbl>
+              </a:graphicData>
+            </a:graphic>
+          </p:graphicFrame>
+        </mc:Fallback>
+      </mc:AlternateContent>
     </p:spTree>
     <p:extLst>
       <p:ext uri="{BB962C8B-B14F-4D97-AF65-F5344CB8AC3E}">
@@ -12881,6 +14087,303 @@
   <p:clrMapOvr>
     <a:masterClrMapping/>
   </p:clrMapOvr>
+  <p:timing>
+    <p:tnLst>
+      <p:par>
+        <p:cTn id="1" dur="indefinite" restart="never" nodeType="tmRoot">
+          <p:childTnLst>
+            <p:seq concurrent="1" nextAc="seek">
+              <p:cTn id="2" dur="indefinite" nodeType="mainSeq">
+                <p:childTnLst>
+                  <p:par>
+                    <p:cTn id="3" fill="hold">
+                      <p:stCondLst>
+                        <p:cond delay="indefinite"/>
+                      </p:stCondLst>
+                      <p:childTnLst>
+                        <p:par>
+                          <p:cTn id="4" fill="hold">
+                            <p:stCondLst>
+                              <p:cond delay="0"/>
+                            </p:stCondLst>
+                            <p:childTnLst>
+                              <p:par>
+                                <p:cTn id="5" presetID="1" presetClass="exit" presetSubtype="0" fill="hold" grpId="0" nodeType="clickEffect">
+                                  <p:stCondLst>
+                                    <p:cond delay="0"/>
+                                  </p:stCondLst>
+                                  <p:childTnLst>
+                                    <p:set>
+                                      <p:cBhvr>
+                                        <p:cTn id="6" dur="1" fill="hold">
+                                          <p:stCondLst>
+                                            <p:cond delay="0"/>
+                                          </p:stCondLst>
+                                        </p:cTn>
+                                        <p:tgtEl>
+                                          <p:spTgt spid="3">
+                                            <p:txEl>
+                                              <p:pRg st="0" end="0"/>
+                                            </p:txEl>
+                                          </p:spTgt>
+                                        </p:tgtEl>
+                                        <p:attrNameLst>
+                                          <p:attrName>style.visibility</p:attrName>
+                                        </p:attrNameLst>
+                                      </p:cBhvr>
+                                      <p:to>
+                                        <p:strVal val="hidden"/>
+                                      </p:to>
+                                    </p:set>
+                                  </p:childTnLst>
+                                </p:cTn>
+                              </p:par>
+                              <p:par>
+                                <p:cTn id="7" presetID="1" presetClass="exit" presetSubtype="0" fill="hold" grpId="0" nodeType="withEffect">
+                                  <p:stCondLst>
+                                    <p:cond delay="0"/>
+                                  </p:stCondLst>
+                                  <p:childTnLst>
+                                    <p:set>
+                                      <p:cBhvr>
+                                        <p:cTn id="8" dur="1" fill="hold">
+                                          <p:stCondLst>
+                                            <p:cond delay="0"/>
+                                          </p:stCondLst>
+                                        </p:cTn>
+                                        <p:tgtEl>
+                                          <p:spTgt spid="3">
+                                            <p:txEl>
+                                              <p:pRg st="1" end="1"/>
+                                            </p:txEl>
+                                          </p:spTgt>
+                                        </p:tgtEl>
+                                        <p:attrNameLst>
+                                          <p:attrName>style.visibility</p:attrName>
+                                        </p:attrNameLst>
+                                      </p:cBhvr>
+                                      <p:to>
+                                        <p:strVal val="hidden"/>
+                                      </p:to>
+                                    </p:set>
+                                  </p:childTnLst>
+                                </p:cTn>
+                              </p:par>
+                              <p:par>
+                                <p:cTn id="9" presetID="1" presetClass="exit" presetSubtype="0" fill="hold" grpId="0" nodeType="withEffect">
+                                  <p:stCondLst>
+                                    <p:cond delay="0"/>
+                                  </p:stCondLst>
+                                  <p:childTnLst>
+                                    <p:set>
+                                      <p:cBhvr>
+                                        <p:cTn id="10" dur="1" fill="hold">
+                                          <p:stCondLst>
+                                            <p:cond delay="0"/>
+                                          </p:stCondLst>
+                                        </p:cTn>
+                                        <p:tgtEl>
+                                          <p:spTgt spid="3">
+                                            <p:txEl>
+                                              <p:pRg st="2" end="2"/>
+                                            </p:txEl>
+                                          </p:spTgt>
+                                        </p:tgtEl>
+                                        <p:attrNameLst>
+                                          <p:attrName>style.visibility</p:attrName>
+                                        </p:attrNameLst>
+                                      </p:cBhvr>
+                                      <p:to>
+                                        <p:strVal val="hidden"/>
+                                      </p:to>
+                                    </p:set>
+                                  </p:childTnLst>
+                                </p:cTn>
+                              </p:par>
+                              <p:par>
+                                <p:cTn id="11" presetID="1" presetClass="exit" presetSubtype="0" fill="hold" grpId="0" nodeType="withEffect">
+                                  <p:stCondLst>
+                                    <p:cond delay="0"/>
+                                  </p:stCondLst>
+                                  <p:childTnLst>
+                                    <p:set>
+                                      <p:cBhvr>
+                                        <p:cTn id="12" dur="1" fill="hold">
+                                          <p:stCondLst>
+                                            <p:cond delay="0"/>
+                                          </p:stCondLst>
+                                        </p:cTn>
+                                        <p:tgtEl>
+                                          <p:spTgt spid="3">
+                                            <p:txEl>
+                                              <p:pRg st="3" end="3"/>
+                                            </p:txEl>
+                                          </p:spTgt>
+                                        </p:tgtEl>
+                                        <p:attrNameLst>
+                                          <p:attrName>style.visibility</p:attrName>
+                                        </p:attrNameLst>
+                                      </p:cBhvr>
+                                      <p:to>
+                                        <p:strVal val="hidden"/>
+                                      </p:to>
+                                    </p:set>
+                                  </p:childTnLst>
+                                </p:cTn>
+                              </p:par>
+                              <p:par>
+                                <p:cTn id="13" presetID="1" presetClass="exit" presetSubtype="0" fill="hold" grpId="0" nodeType="withEffect">
+                                  <p:stCondLst>
+                                    <p:cond delay="0"/>
+                                  </p:stCondLst>
+                                  <p:childTnLst>
+                                    <p:set>
+                                      <p:cBhvr>
+                                        <p:cTn id="14" dur="1" fill="hold">
+                                          <p:stCondLst>
+                                            <p:cond delay="0"/>
+                                          </p:stCondLst>
+                                        </p:cTn>
+                                        <p:tgtEl>
+                                          <p:spTgt spid="3">
+                                            <p:txEl>
+                                              <p:pRg st="4" end="4"/>
+                                            </p:txEl>
+                                          </p:spTgt>
+                                        </p:tgtEl>
+                                        <p:attrNameLst>
+                                          <p:attrName>style.visibility</p:attrName>
+                                        </p:attrNameLst>
+                                      </p:cBhvr>
+                                      <p:to>
+                                        <p:strVal val="hidden"/>
+                                      </p:to>
+                                    </p:set>
+                                  </p:childTnLst>
+                                </p:cTn>
+                              </p:par>
+                            </p:childTnLst>
+                          </p:cTn>
+                        </p:par>
+                      </p:childTnLst>
+                    </p:cTn>
+                  </p:par>
+                  <p:par>
+                    <p:cTn id="15" fill="hold">
+                      <p:stCondLst>
+                        <p:cond delay="indefinite"/>
+                      </p:stCondLst>
+                      <p:childTnLst>
+                        <p:par>
+                          <p:cTn id="16" fill="hold">
+                            <p:stCondLst>
+                              <p:cond delay="0"/>
+                            </p:stCondLst>
+                            <p:childTnLst>
+                              <p:par>
+                                <p:cTn id="17" presetID="1" presetClass="entr" presetSubtype="0" fill="hold" grpId="0" nodeType="clickEffect">
+                                  <p:stCondLst>
+                                    <p:cond delay="0"/>
+                                  </p:stCondLst>
+                                  <p:childTnLst>
+                                    <p:set>
+                                      <p:cBhvr>
+                                        <p:cTn id="18" dur="1" fill="hold">
+                                          <p:stCondLst>
+                                            <p:cond delay="0"/>
+                                          </p:stCondLst>
+                                        </p:cTn>
+                                        <p:tgtEl>
+                                          <p:spTgt spid="4"/>
+                                        </p:tgtEl>
+                                        <p:attrNameLst>
+                                          <p:attrName>style.visibility</p:attrName>
+                                        </p:attrNameLst>
+                                      </p:cBhvr>
+                                      <p:to>
+                                        <p:strVal val="visible"/>
+                                      </p:to>
+                                    </p:set>
+                                  </p:childTnLst>
+                                </p:cTn>
+                              </p:par>
+                            </p:childTnLst>
+                          </p:cTn>
+                        </p:par>
+                      </p:childTnLst>
+                    </p:cTn>
+                  </p:par>
+                  <p:par>
+                    <p:cTn id="19" fill="hold">
+                      <p:stCondLst>
+                        <p:cond delay="indefinite"/>
+                      </p:stCondLst>
+                      <p:childTnLst>
+                        <p:par>
+                          <p:cTn id="20" fill="hold">
+                            <p:stCondLst>
+                              <p:cond delay="0"/>
+                            </p:stCondLst>
+                            <p:childTnLst>
+                              <p:par>
+                                <p:cTn id="21" presetID="1" presetClass="entr" presetSubtype="0" fill="hold" nodeType="clickEffect">
+                                  <p:stCondLst>
+                                    <p:cond delay="0"/>
+                                  </p:stCondLst>
+                                  <p:childTnLst>
+                                    <p:set>
+                                      <p:cBhvr>
+                                        <p:cTn id="22" dur="1" fill="hold">
+                                          <p:stCondLst>
+                                            <p:cond delay="0"/>
+                                          </p:stCondLst>
+                                        </p:cTn>
+                                        <p:tgtEl>
+                                          <p:spTgt spid="5"/>
+                                        </p:tgtEl>
+                                        <p:attrNameLst>
+                                          <p:attrName>style.visibility</p:attrName>
+                                        </p:attrNameLst>
+                                      </p:cBhvr>
+                                      <p:to>
+                                        <p:strVal val="visible"/>
+                                      </p:to>
+                                    </p:set>
+                                  </p:childTnLst>
+                                </p:cTn>
+                              </p:par>
+                            </p:childTnLst>
+                          </p:cTn>
+                        </p:par>
+                      </p:childTnLst>
+                    </p:cTn>
+                  </p:par>
+                </p:childTnLst>
+              </p:cTn>
+              <p:prevCondLst>
+                <p:cond evt="onPrev" delay="0">
+                  <p:tgtEl>
+                    <p:sldTgt/>
+                  </p:tgtEl>
+                </p:cond>
+              </p:prevCondLst>
+              <p:nextCondLst>
+                <p:cond evt="onNext" delay="0">
+                  <p:tgtEl>
+                    <p:sldTgt/>
+                  </p:tgtEl>
+                </p:cond>
+              </p:nextCondLst>
+            </p:seq>
+          </p:childTnLst>
+        </p:cTn>
+      </p:par>
+    </p:tnLst>
+    <p:bldLst>
+      <p:bldP spid="3" grpId="0" uiExpand="1" build="allAtOnce"/>
+      <p:bldP spid="4" grpId="0"/>
+    </p:bldLst>
+  </p:timing>
 </p:sld>
 </file>
 
